--- a/Présentation.pptx
+++ b/Présentation.pptx
@@ -9,10 +9,12 @@
     <p:sldId id="257" r:id="rId3"/>
     <p:sldId id="258" r:id="rId4"/>
     <p:sldId id="261" r:id="rId5"/>
-    <p:sldId id="259" r:id="rId6"/>
-    <p:sldId id="260" r:id="rId7"/>
-    <p:sldId id="262" r:id="rId8"/>
-    <p:sldId id="263" r:id="rId9"/>
+    <p:sldId id="265" r:id="rId6"/>
+    <p:sldId id="259" r:id="rId7"/>
+    <p:sldId id="264" r:id="rId8"/>
+    <p:sldId id="260" r:id="rId9"/>
+    <p:sldId id="262" r:id="rId10"/>
+    <p:sldId id="263" r:id="rId11"/>
   </p:sldIdLst>
   <p:sldSz cx="12192000" cy="6858000"/>
   <p:notesSz cx="6858000" cy="9144000"/>
@@ -865,7 +867,7 @@
             <a:fld id="{B61BEF0D-F0BB-DE4B-95CE-6DB70DBA9567}" type="datetimeFigureOut">
               <a:rPr lang="en-US" dirty="0"/>
               <a:pPr/>
-              <a:t>3/5/2019</a:t>
+              <a:t>3/7/2019</a:t>
             </a:fld>
             <a:endParaRPr lang="en-US" dirty="0"/>
           </a:p>
@@ -1113,7 +1115,7 @@
             <a:fld id="{B61BEF0D-F0BB-DE4B-95CE-6DB70DBA9567}" type="datetimeFigureOut">
               <a:rPr lang="en-US" dirty="0"/>
               <a:pPr/>
-              <a:t>3/5/2019</a:t>
+              <a:t>3/7/2019</a:t>
             </a:fld>
             <a:endParaRPr lang="en-US" dirty="0"/>
           </a:p>
@@ -1424,7 +1426,7 @@
             <a:fld id="{B61BEF0D-F0BB-DE4B-95CE-6DB70DBA9567}" type="datetimeFigureOut">
               <a:rPr lang="en-US" dirty="0"/>
               <a:pPr/>
-              <a:t>3/5/2019</a:t>
+              <a:t>3/7/2019</a:t>
             </a:fld>
             <a:endParaRPr lang="en-US" dirty="0"/>
           </a:p>
@@ -1754,7 +1756,7 @@
             <a:fld id="{B61BEF0D-F0BB-DE4B-95CE-6DB70DBA9567}" type="datetimeFigureOut">
               <a:rPr lang="en-US" dirty="0"/>
               <a:pPr/>
-              <a:t>3/5/2019</a:t>
+              <a:t>3/7/2019</a:t>
             </a:fld>
             <a:endParaRPr lang="en-US" dirty="0"/>
           </a:p>
@@ -2065,7 +2067,7 @@
             <a:fld id="{B61BEF0D-F0BB-DE4B-95CE-6DB70DBA9567}" type="datetimeFigureOut">
               <a:rPr lang="en-US" dirty="0"/>
               <a:pPr/>
-              <a:t>3/5/2019</a:t>
+              <a:t>3/7/2019</a:t>
             </a:fld>
             <a:endParaRPr lang="en-US" dirty="0"/>
           </a:p>
@@ -2455,7 +2457,7 @@
             <a:fld id="{B61BEF0D-F0BB-DE4B-95CE-6DB70DBA9567}" type="datetimeFigureOut">
               <a:rPr lang="en-US" dirty="0"/>
               <a:pPr/>
-              <a:t>3/5/2019</a:t>
+              <a:t>3/7/2019</a:t>
             </a:fld>
             <a:endParaRPr lang="en-US" dirty="0"/>
           </a:p>
@@ -2621,7 +2623,7 @@
           <a:p>
             <a:fld id="{55C6B4A9-1611-4792-9094-5F34BCA07E0B}" type="datetimeFigureOut">
               <a:rPr lang="en-US" dirty="0"/>
-              <a:t>3/5/2019</a:t>
+              <a:t>3/7/2019</a:t>
             </a:fld>
             <a:endParaRPr lang="en-US" dirty="0"/>
           </a:p>
@@ -2797,7 +2799,7 @@
             <a:fld id="{B61BEF0D-F0BB-DE4B-95CE-6DB70DBA9567}" type="datetimeFigureOut">
               <a:rPr lang="en-US" dirty="0"/>
               <a:pPr/>
-              <a:t>3/5/2019</a:t>
+              <a:t>3/7/2019</a:t>
             </a:fld>
             <a:endParaRPr lang="en-US" dirty="0"/>
           </a:p>
@@ -2963,7 +2965,7 @@
           <a:p>
             <a:fld id="{42A54C80-263E-416B-A8E0-580EDEADCBDC}" type="datetimeFigureOut">
               <a:rPr lang="en-US" dirty="0"/>
-              <a:t>3/5/2019</a:t>
+              <a:t>3/7/2019</a:t>
             </a:fld>
             <a:endParaRPr lang="en-US" dirty="0"/>
           </a:p>
@@ -3206,7 +3208,7 @@
             <a:fld id="{B61BEF0D-F0BB-DE4B-95CE-6DB70DBA9567}" type="datetimeFigureOut">
               <a:rPr lang="en-US" dirty="0"/>
               <a:pPr/>
-              <a:t>3/5/2019</a:t>
+              <a:t>3/7/2019</a:t>
             </a:fld>
             <a:endParaRPr lang="en-US" dirty="0"/>
           </a:p>
@@ -3434,7 +3436,7 @@
           <a:p>
             <a:fld id="{42A54C80-263E-416B-A8E0-580EDEADCBDC}" type="datetimeFigureOut">
               <a:rPr lang="en-US" dirty="0"/>
-              <a:t>3/5/2019</a:t>
+              <a:t>3/7/2019</a:t>
             </a:fld>
             <a:endParaRPr lang="en-US" dirty="0"/>
           </a:p>
@@ -3804,7 +3806,7 @@
             <a:fld id="{B61BEF0D-F0BB-DE4B-95CE-6DB70DBA9567}" type="datetimeFigureOut">
               <a:rPr lang="en-US" dirty="0"/>
               <a:pPr/>
-              <a:t>3/5/2019</a:t>
+              <a:t>3/7/2019</a:t>
             </a:fld>
             <a:endParaRPr lang="en-US" dirty="0"/>
           </a:p>
@@ -3924,7 +3926,7 @@
             <a:fld id="{B61BEF0D-F0BB-DE4B-95CE-6DB70DBA9567}" type="datetimeFigureOut">
               <a:rPr lang="en-US" dirty="0"/>
               <a:pPr/>
-              <a:t>3/5/2019</a:t>
+              <a:t>3/7/2019</a:t>
             </a:fld>
             <a:endParaRPr lang="en-US" dirty="0"/>
           </a:p>
@@ -4016,7 +4018,7 @@
             <a:fld id="{B61BEF0D-F0BB-DE4B-95CE-6DB70DBA9567}" type="datetimeFigureOut">
               <a:rPr lang="en-US" dirty="0"/>
               <a:pPr/>
-              <a:t>3/5/2019</a:t>
+              <a:t>3/7/2019</a:t>
             </a:fld>
             <a:endParaRPr lang="en-US" dirty="0"/>
           </a:p>
@@ -4267,7 +4269,7 @@
           <a:p>
             <a:fld id="{42A54C80-263E-416B-A8E0-580EDEADCBDC}" type="datetimeFigureOut">
               <a:rPr lang="en-US" dirty="0"/>
-              <a:t>3/5/2019</a:t>
+              <a:t>3/7/2019</a:t>
             </a:fld>
             <a:endParaRPr lang="en-US" dirty="0"/>
           </a:p>
@@ -4569,7 +4571,7 @@
             <a:fld id="{B61BEF0D-F0BB-DE4B-95CE-6DB70DBA9567}" type="datetimeFigureOut">
               <a:rPr lang="en-US" dirty="0"/>
               <a:pPr/>
-              <a:t>3/5/2019</a:t>
+              <a:t>3/7/2019</a:t>
             </a:fld>
             <a:endParaRPr lang="en-US" dirty="0"/>
           </a:p>
@@ -5267,7 +5269,7 @@
             <a:fld id="{B61BEF0D-F0BB-DE4B-95CE-6DB70DBA9567}" type="datetimeFigureOut">
               <a:rPr lang="en-US" dirty="0"/>
               <a:pPr/>
-              <a:t>3/5/2019</a:t>
+              <a:t>3/7/2019</a:t>
             </a:fld>
             <a:endParaRPr lang="en-US" dirty="0"/>
           </a:p>
@@ -5898,6 +5900,89 @@
 </p:sld>
 </file>
 
+<file path=ppt/slides/slide10.xml><?xml version="1.0" encoding="utf-8"?>
+<p:sld xmlns:a="http://schemas.openxmlformats.org/drawingml/2006/main" xmlns:r="http://schemas.openxmlformats.org/officeDocument/2006/relationships" xmlns:p="http://schemas.openxmlformats.org/presentationml/2006/main">
+  <p:cSld>
+    <p:spTree>
+      <p:nvGrpSpPr>
+        <p:cNvPr id="1" name=""/>
+        <p:cNvGrpSpPr/>
+        <p:nvPr/>
+      </p:nvGrpSpPr>
+      <p:grpSpPr>
+        <a:xfrm>
+          <a:off x="0" y="0"/>
+          <a:ext cx="0" cy="0"/>
+          <a:chOff x="0" y="0"/>
+          <a:chExt cx="0" cy="0"/>
+        </a:xfrm>
+      </p:grpSpPr>
+      <p:sp>
+        <p:nvSpPr>
+          <p:cNvPr id="2" name="Titre 1">
+            <a:extLst>
+              <a:ext uri="{FF2B5EF4-FFF2-40B4-BE49-F238E27FC236}">
+                <a16:creationId xmlns:a16="http://schemas.microsoft.com/office/drawing/2014/main" id="{FF2388AD-A8BC-44F8-A51D-D1EFD4465856}"/>
+              </a:ext>
+            </a:extLst>
+          </p:cNvPr>
+          <p:cNvSpPr>
+            <a:spLocks noGrp="1"/>
+          </p:cNvSpPr>
+          <p:nvPr>
+            <p:ph type="title"/>
+          </p:nvPr>
+        </p:nvSpPr>
+        <p:spPr/>
+        <p:txBody>
+          <a:bodyPr/>
+          <a:lstStyle/>
+          <a:p>
+            <a:r>
+              <a:rPr lang="fr-FR" dirty="0"/>
+              <a:t>IV - Résultats</a:t>
+            </a:r>
+          </a:p>
+        </p:txBody>
+      </p:sp>
+      <p:sp>
+        <p:nvSpPr>
+          <p:cNvPr id="3" name="Espace réservé du contenu 2">
+            <a:extLst>
+              <a:ext uri="{FF2B5EF4-FFF2-40B4-BE49-F238E27FC236}">
+                <a16:creationId xmlns:a16="http://schemas.microsoft.com/office/drawing/2014/main" id="{F39EDD58-65E5-4134-8D51-F129DABF7E67}"/>
+              </a:ext>
+            </a:extLst>
+          </p:cNvPr>
+          <p:cNvSpPr>
+            <a:spLocks noGrp="1"/>
+          </p:cNvSpPr>
+          <p:nvPr>
+            <p:ph idx="1"/>
+          </p:nvPr>
+        </p:nvSpPr>
+        <p:spPr/>
+        <p:txBody>
+          <a:bodyPr/>
+          <a:lstStyle/>
+          <a:p>
+            <a:endParaRPr lang="fr-FR"/>
+          </a:p>
+        </p:txBody>
+      </p:sp>
+    </p:spTree>
+    <p:extLst>
+      <p:ext uri="{BB962C8B-B14F-4D97-AF65-F5344CB8AC3E}">
+        <p14:creationId xmlns:p14="http://schemas.microsoft.com/office/powerpoint/2010/main" val="2918964941"/>
+      </p:ext>
+    </p:extLst>
+  </p:cSld>
+  <p:clrMapOvr>
+    <a:masterClrMapping/>
+  </p:clrMapOvr>
+</p:sld>
+</file>
+
 <file path=ppt/slides/slide2.xml><?xml version="1.0" encoding="utf-8"?>
 <p:sld xmlns:a="http://schemas.openxmlformats.org/drawingml/2006/main" xmlns:r="http://schemas.openxmlformats.org/officeDocument/2006/relationships" xmlns:p="http://schemas.openxmlformats.org/presentationml/2006/main">
   <p:cSld>
@@ -6384,7 +6469,7 @@
         </p:nvSpPr>
         <p:spPr>
           <a:xfrm>
-            <a:off x="677334" y="1943652"/>
+            <a:off x="677334" y="2155686"/>
             <a:ext cx="8970249" cy="3880773"/>
           </a:xfrm>
         </p:spPr>
@@ -6424,6 +6509,47 @@
           <a:p>
             <a:r>
               <a:rPr lang="fr-FR" dirty="0"/>
+              <a:t>Pour les données </a:t>
+            </a:r>
+            <a:r>
+              <a:rPr lang="fr-FR" dirty="0" err="1"/>
+              <a:t>MoCap</a:t>
+            </a:r>
+            <a:r>
+              <a:rPr lang="fr-FR" dirty="0"/>
+              <a:t> : deux fichiers .</a:t>
+            </a:r>
+            <a:r>
+              <a:rPr lang="fr-FR" dirty="0" err="1"/>
+              <a:t>fbx</a:t>
+            </a:r>
+            <a:r>
+              <a:rPr lang="fr-FR" dirty="0"/>
+              <a:t> lisibles par </a:t>
+            </a:r>
+            <a:r>
+              <a:rPr lang="fr-FR" dirty="0" err="1"/>
+              <a:t>Unity</a:t>
+            </a:r>
+            <a:r>
+              <a:rPr lang="fr-FR" dirty="0"/>
+              <a:t>, qui exporte ces données en </a:t>
+            </a:r>
+            <a:r>
+              <a:rPr lang="fr-FR" b="1" dirty="0"/>
+              <a:t>deux fichiers .csv de positions 3D</a:t>
+            </a:r>
+            <a:r>
+              <a:rPr lang="fr-FR" dirty="0"/>
+              <a:t>.</a:t>
+            </a:r>
+          </a:p>
+          <a:p>
+            <a:endParaRPr lang="fr-FR" dirty="0"/>
+          </a:p>
+          <a:p>
+            <a:r>
+              <a:rPr lang="fr-FR" dirty="0"/>
               <a:t>Pour la vidéo : une analyse par la bibliothèque </a:t>
             </a:r>
             <a:r>
@@ -6444,7 +6570,7 @@
             </a:r>
             <a:r>
               <a:rPr lang="fr-FR" b="1" dirty="0"/>
-              <a:t>dans deux fichier .csv</a:t>
+              <a:t>dans deux fichiers .csv</a:t>
             </a:r>
             <a:r>
               <a:rPr lang="fr-FR" dirty="0"/>
@@ -6453,85 +6579,6 @@
           </a:p>
           <a:p>
             <a:endParaRPr lang="fr-FR" dirty="0"/>
-          </a:p>
-          <a:p>
-            <a:r>
-              <a:rPr lang="fr-FR" dirty="0"/>
-              <a:t>Pour les données </a:t>
-            </a:r>
-            <a:r>
-              <a:rPr lang="fr-FR" dirty="0" err="1"/>
-              <a:t>MoCap</a:t>
-            </a:r>
-            <a:r>
-              <a:rPr lang="fr-FR" dirty="0"/>
-              <a:t> : deux fichiers .</a:t>
-            </a:r>
-            <a:r>
-              <a:rPr lang="fr-FR" dirty="0" err="1"/>
-              <a:t>fbx</a:t>
-            </a:r>
-            <a:r>
-              <a:rPr lang="fr-FR" dirty="0"/>
-              <a:t> lisibles par </a:t>
-            </a:r>
-            <a:r>
-              <a:rPr lang="fr-FR" dirty="0" err="1"/>
-              <a:t>Unity</a:t>
-            </a:r>
-            <a:r>
-              <a:rPr lang="fr-FR" dirty="0"/>
-              <a:t>, qui exporte ces données en </a:t>
-            </a:r>
-            <a:r>
-              <a:rPr lang="fr-FR" b="1" dirty="0"/>
-              <a:t>deux fichier .csv de positions 3D</a:t>
-            </a:r>
-            <a:r>
-              <a:rPr lang="fr-FR" dirty="0"/>
-              <a:t>.</a:t>
-            </a:r>
-          </a:p>
-        </p:txBody>
-      </p:sp>
-      <p:sp>
-        <p:nvSpPr>
-          <p:cNvPr id="4" name="ZoneTexte 3">
-            <a:extLst>
-              <a:ext uri="{FF2B5EF4-FFF2-40B4-BE49-F238E27FC236}">
-                <a16:creationId xmlns:a16="http://schemas.microsoft.com/office/drawing/2014/main" id="{248B093D-E6C5-40B3-87A5-2E974BA1A6DB}"/>
-              </a:ext>
-            </a:extLst>
-          </p:cNvPr>
-          <p:cNvSpPr txBox="1"/>
-          <p:nvPr/>
-        </p:nvSpPr>
-        <p:spPr>
-          <a:xfrm>
-            <a:off x="3511826" y="5395031"/>
-            <a:ext cx="4956313" cy="646331"/>
-          </a:xfrm>
-          <a:prstGeom prst="rect">
-            <a:avLst/>
-          </a:prstGeom>
-          <a:solidFill>
-            <a:srgbClr val="C00000"/>
-          </a:solidFill>
-        </p:spPr>
-        <p:txBody>
-          <a:bodyPr wrap="square" rtlCol="0">
-            <a:spAutoFit/>
-          </a:bodyPr>
-          <a:lstStyle/>
-          <a:p>
-            <a:r>
-              <a:rPr lang="fr-FR" dirty="0">
-                <a:solidFill>
-                  <a:srgbClr val="FFFF00"/>
-                </a:solidFill>
-              </a:rPr>
-              <a:t>ICI CAPTURE ECRAN DU RESULTAT D OPEN POSE SUR NOTRE VIDEO</a:t>
-            </a:r>
           </a:p>
         </p:txBody>
       </p:sp>
@@ -6570,7 +6617,7 @@
           <p:cNvPr id="2" name="Titre 1">
             <a:extLst>
               <a:ext uri="{FF2B5EF4-FFF2-40B4-BE49-F238E27FC236}">
-                <a16:creationId xmlns:a16="http://schemas.microsoft.com/office/drawing/2014/main" id="{43008FB9-9982-4949-9FBE-ACCAE5419553}"/>
+                <a16:creationId xmlns:a16="http://schemas.microsoft.com/office/drawing/2014/main" id="{C25173BE-2404-4290-9466-2D6DDA3DD235}"/>
               </a:ext>
             </a:extLst>
           </p:cNvPr>
@@ -6588,7 +6635,7 @@
           <a:p>
             <a:r>
               <a:rPr lang="fr-FR" dirty="0"/>
-              <a:t>II - Recalage temporel</a:t>
+              <a:t>I – Objectif et données initiales</a:t>
             </a:r>
           </a:p>
         </p:txBody>
@@ -6598,7 +6645,7 @@
           <p:cNvPr id="3" name="Espace réservé du contenu 2">
             <a:extLst>
               <a:ext uri="{FF2B5EF4-FFF2-40B4-BE49-F238E27FC236}">
-                <a16:creationId xmlns:a16="http://schemas.microsoft.com/office/drawing/2014/main" id="{A13272A9-8E7E-421A-BE00-AE78E0C1D454}"/>
+                <a16:creationId xmlns:a16="http://schemas.microsoft.com/office/drawing/2014/main" id="{E6A09132-E2B2-422D-9805-287986AD07DA}"/>
               </a:ext>
             </a:extLst>
           </p:cNvPr>
@@ -6614,14 +6661,55 @@
           <a:bodyPr/>
           <a:lstStyle/>
           <a:p>
-            <a:endParaRPr lang="fr-FR" dirty="0"/>
+            <a:endParaRPr lang="fr-FR"/>
+          </a:p>
+        </p:txBody>
+      </p:sp>
+      <p:sp>
+        <p:nvSpPr>
+          <p:cNvPr id="4" name="ZoneTexte 3">
+            <a:extLst>
+              <a:ext uri="{FF2B5EF4-FFF2-40B4-BE49-F238E27FC236}">
+                <a16:creationId xmlns:a16="http://schemas.microsoft.com/office/drawing/2014/main" id="{A133C712-AF52-4318-A9EF-7633DC6CEF90}"/>
+              </a:ext>
+            </a:extLst>
+          </p:cNvPr>
+          <p:cNvSpPr txBox="1"/>
+          <p:nvPr/>
+        </p:nvSpPr>
+        <p:spPr>
+          <a:xfrm>
+            <a:off x="2663687" y="3592735"/>
+            <a:ext cx="4956313" cy="646331"/>
+          </a:xfrm>
+          <a:prstGeom prst="rect">
+            <a:avLst/>
+          </a:prstGeom>
+          <a:solidFill>
+            <a:srgbClr val="C00000"/>
+          </a:solidFill>
+        </p:spPr>
+        <p:txBody>
+          <a:bodyPr wrap="square" rtlCol="0">
+            <a:spAutoFit/>
+          </a:bodyPr>
+          <a:lstStyle/>
+          <a:p>
+            <a:r>
+              <a:rPr lang="fr-FR" dirty="0">
+                <a:solidFill>
+                  <a:srgbClr val="FFFF00"/>
+                </a:solidFill>
+              </a:rPr>
+              <a:t>ICI CAPTURE ECRAN DU RESULTAT D OPEN POSE SUR NOTRE VIDEO</a:t>
+            </a:r>
           </a:p>
         </p:txBody>
       </p:sp>
     </p:spTree>
     <p:extLst>
       <p:ext uri="{BB962C8B-B14F-4D97-AF65-F5344CB8AC3E}">
-        <p14:creationId xmlns:p14="http://schemas.microsoft.com/office/powerpoint/2010/main" val="704837061"/>
+        <p14:creationId xmlns:p14="http://schemas.microsoft.com/office/powerpoint/2010/main" val="3673971971"/>
       </p:ext>
     </p:extLst>
   </p:cSld>
@@ -6653,7 +6741,7 @@
           <p:cNvPr id="2" name="Titre 1">
             <a:extLst>
               <a:ext uri="{FF2B5EF4-FFF2-40B4-BE49-F238E27FC236}">
-                <a16:creationId xmlns:a16="http://schemas.microsoft.com/office/drawing/2014/main" id="{91FE2666-0284-4534-B3AF-E9CEE75FF1CC}"/>
+                <a16:creationId xmlns:a16="http://schemas.microsoft.com/office/drawing/2014/main" id="{43008FB9-9982-4949-9FBE-ACCAE5419553}"/>
               </a:ext>
             </a:extLst>
           </p:cNvPr>
@@ -6671,7 +6759,7 @@
           <a:p>
             <a:r>
               <a:rPr lang="fr-FR" dirty="0"/>
-              <a:t>III - Recalage spatial</a:t>
+              <a:t>II - Recalage temporel</a:t>
             </a:r>
           </a:p>
         </p:txBody>
@@ -6681,7 +6769,7 @@
           <p:cNvPr id="3" name="Espace réservé du contenu 2">
             <a:extLst>
               <a:ext uri="{FF2B5EF4-FFF2-40B4-BE49-F238E27FC236}">
-                <a16:creationId xmlns:a16="http://schemas.microsoft.com/office/drawing/2014/main" id="{B1ADC298-E4E2-42C5-B338-B8E4D0734EC0}"/>
+                <a16:creationId xmlns:a16="http://schemas.microsoft.com/office/drawing/2014/main" id="{A13272A9-8E7E-421A-BE00-AE78E0C1D454}"/>
               </a:ext>
             </a:extLst>
           </p:cNvPr>
@@ -6694,19 +6782,25 @@
         </p:nvSpPr>
         <p:spPr>
           <a:xfrm>
-            <a:off x="677334" y="1829285"/>
-            <a:ext cx="8596668" cy="4419115"/>
+            <a:off x="677334" y="1488613"/>
+            <a:ext cx="8596668" cy="3880773"/>
           </a:xfrm>
         </p:spPr>
         <p:txBody>
-          <a:bodyPr>
-            <a:normAutofit/>
-          </a:bodyPr>
+          <a:bodyPr/>
           <a:lstStyle/>
           <a:p>
             <a:r>
               <a:rPr lang="fr-FR" dirty="0"/>
-              <a:t>Recaler un nuage de points </a:t>
+              <a:t>Déterminer </a:t>
+            </a:r>
+            <a:r>
+              <a:rPr lang="fr-FR" b="1" dirty="0"/>
+              <a:t>le décalage de temps </a:t>
+            </a:r>
+            <a:r>
+              <a:rPr lang="fr-FR" dirty="0"/>
+              <a:t>entre la vidéo et la série de données </a:t>
             </a:r>
             <a:r>
               <a:rPr lang="fr-FR" dirty="0" err="1"/>
@@ -6714,98 +6808,70 @@
             </a:r>
             <a:r>
               <a:rPr lang="fr-FR" dirty="0"/>
-              <a:t> </a:t>
+              <a:t>.</a:t>
+            </a:r>
+          </a:p>
+          <a:p>
+            <a:endParaRPr lang="fr-FR" sz="900" dirty="0"/>
+          </a:p>
+          <a:p>
+            <a:r>
+              <a:rPr lang="fr-FR" dirty="0"/>
+              <a:t>Idée : </a:t>
             </a:r>
             <a:r>
               <a:rPr lang="fr-FR" b="1" dirty="0"/>
-              <a:t>3D</a:t>
+              <a:t>étudier les variations de vitesse d’un point caractéristique</a:t>
             </a:r>
             <a:r>
               <a:rPr lang="fr-FR" dirty="0"/>
-              <a:t> avec des données vidéo </a:t>
+              <a:t> dans les deux jeux de données, et chercher à </a:t>
             </a:r>
             <a:r>
               <a:rPr lang="fr-FR" b="1" dirty="0"/>
-              <a:t>2D</a:t>
-            </a:r>
-          </a:p>
-          <a:p>
-            <a:endParaRPr lang="fr-FR" dirty="0"/>
-          </a:p>
-          <a:p>
+              <a:t>repérer un geste particulier</a:t>
+            </a:r>
             <a:r>
               <a:rPr lang="fr-FR" dirty="0"/>
-              <a:t>Proposition : </a:t>
-            </a:r>
-            <a:r>
-              <a:rPr lang="fr-FR" b="1" dirty="0"/>
-              <a:t>projeter les données 3D sur le plan des données 2D</a:t>
-            </a:r>
-            <a:r>
-              <a:rPr lang="fr-FR" dirty="0"/>
-              <a:t>, en déterminant la translation et la rotation optimales entre les deux nuages de points</a:t>
-            </a:r>
-          </a:p>
-          <a:p>
-            <a:endParaRPr lang="fr-FR" dirty="0"/>
-          </a:p>
-          <a:p>
-            <a:r>
-              <a:rPr lang="fr-FR" dirty="0"/>
-              <a:t>Nécessité de comparer deux nuages de points </a:t>
-            </a:r>
-            <a:r>
-              <a:rPr lang="fr-FR" b="1" dirty="0"/>
-              <a:t>pris au même instant</a:t>
-            </a:r>
-          </a:p>
-          <a:p>
-            <a:pPr lvl="1"/>
-            <a:r>
-              <a:rPr lang="fr-FR" dirty="0"/>
-              <a:t>Utilisation des résultats du recalage temporel pour déterminer le delta temporel entre les deux séquences</a:t>
-            </a:r>
-          </a:p>
-          <a:p>
-            <a:pPr lvl="1"/>
-            <a:r>
-              <a:rPr lang="fr-FR" dirty="0"/>
-              <a:t>Echantillonnage entre la vidéo (25 </a:t>
-            </a:r>
-            <a:r>
-              <a:rPr lang="fr-FR" dirty="0" err="1"/>
-              <a:t>fps</a:t>
-            </a:r>
-            <a:r>
-              <a:rPr lang="fr-FR" dirty="0"/>
-              <a:t>) et les données </a:t>
-            </a:r>
-            <a:r>
-              <a:rPr lang="fr-FR" dirty="0" err="1"/>
-              <a:t>MoCap</a:t>
-            </a:r>
-            <a:r>
-              <a:rPr lang="fr-FR" dirty="0"/>
-              <a:t> (120 </a:t>
-            </a:r>
-            <a:r>
-              <a:rPr lang="fr-FR" dirty="0" err="1"/>
-              <a:t>fps</a:t>
-            </a:r>
-            <a:r>
-              <a:rPr lang="fr-FR" dirty="0"/>
-              <a:t>) et sélection d’une dizaine de frames qui permettront de déterminer translation et rotation optimales</a:t>
-            </a:r>
-          </a:p>
-          <a:p>
-            <a:endParaRPr lang="fr-FR" dirty="0"/>
-          </a:p>
-        </p:txBody>
-      </p:sp>
+              <a:t> dans chacun de ces deux jeux.</a:t>
+            </a:r>
+          </a:p>
+        </p:txBody>
+      </p:sp>
+      <p:pic>
+        <p:nvPicPr>
+          <p:cNvPr id="4" name="Image 3">
+            <a:extLst>
+              <a:ext uri="{FF2B5EF4-FFF2-40B4-BE49-F238E27FC236}">
+                <a16:creationId xmlns:a16="http://schemas.microsoft.com/office/drawing/2014/main" id="{063DA34A-35CC-4CAB-BDD4-649A1CEDD4CA}"/>
+              </a:ext>
+            </a:extLst>
+          </p:cNvPr>
+          <p:cNvPicPr>
+            <a:picLocks noChangeAspect="1"/>
+          </p:cNvPicPr>
+          <p:nvPr/>
+        </p:nvPicPr>
+        <p:blipFill>
+          <a:blip r:embed="rId2"/>
+          <a:stretch>
+            <a:fillRect/>
+          </a:stretch>
+        </p:blipFill>
+        <p:spPr>
+          <a:xfrm>
+            <a:off x="2525302" y="3687947"/>
+            <a:ext cx="4900731" cy="2819446"/>
+          </a:xfrm>
+          <a:prstGeom prst="rect">
+            <a:avLst/>
+          </a:prstGeom>
+        </p:spPr>
+      </p:pic>
     </p:spTree>
     <p:extLst>
       <p:ext uri="{BB962C8B-B14F-4D97-AF65-F5344CB8AC3E}">
-        <p14:creationId xmlns:p14="http://schemas.microsoft.com/office/powerpoint/2010/main" val="1619176313"/>
+        <p14:creationId xmlns:p14="http://schemas.microsoft.com/office/powerpoint/2010/main" val="704837061"/>
       </p:ext>
     </p:extLst>
   </p:cSld>
@@ -6832,12 +6898,41 @@
           <a:chExt cx="0" cy="0"/>
         </a:xfrm>
       </p:grpSpPr>
+      <p:pic>
+        <p:nvPicPr>
+          <p:cNvPr id="7" name="Espace réservé du contenu 6">
+            <a:extLst>
+              <a:ext uri="{FF2B5EF4-FFF2-40B4-BE49-F238E27FC236}">
+                <a16:creationId xmlns:a16="http://schemas.microsoft.com/office/drawing/2014/main" id="{4357E537-BE51-4018-A5F1-45B8E968D091}"/>
+              </a:ext>
+            </a:extLst>
+          </p:cNvPr>
+          <p:cNvPicPr>
+            <a:picLocks noGrp="1" noChangeAspect="1"/>
+          </p:cNvPicPr>
+          <p:nvPr>
+            <p:ph idx="1"/>
+          </p:nvPr>
+        </p:nvPicPr>
+        <p:blipFill>
+          <a:blip r:embed="rId2"/>
+          <a:stretch>
+            <a:fillRect/>
+          </a:stretch>
+        </p:blipFill>
+        <p:spPr>
+          <a:xfrm>
+            <a:off x="335937" y="1501709"/>
+            <a:ext cx="8938065" cy="4521404"/>
+          </a:xfrm>
+        </p:spPr>
+      </p:pic>
       <p:sp>
         <p:nvSpPr>
           <p:cNvPr id="2" name="Titre 1">
             <a:extLst>
               <a:ext uri="{FF2B5EF4-FFF2-40B4-BE49-F238E27FC236}">
-                <a16:creationId xmlns:a16="http://schemas.microsoft.com/office/drawing/2014/main" id="{2AE821B2-35E4-45A2-ABEB-FC16961D562D}"/>
+                <a16:creationId xmlns:a16="http://schemas.microsoft.com/office/drawing/2014/main" id="{8B2FE3B9-F892-4D52-87B5-E9A5E01207C5}"/>
               </a:ext>
             </a:extLst>
           </p:cNvPr>
@@ -6855,107 +6950,7 @@
           <a:p>
             <a:r>
               <a:rPr lang="fr-FR" dirty="0"/>
-              <a:t>III – Recalage spatial</a:t>
-            </a:r>
-          </a:p>
-        </p:txBody>
-      </p:sp>
-      <p:sp>
-        <p:nvSpPr>
-          <p:cNvPr id="3" name="Espace réservé du contenu 2">
-            <a:extLst>
-              <a:ext uri="{FF2B5EF4-FFF2-40B4-BE49-F238E27FC236}">
-                <a16:creationId xmlns:a16="http://schemas.microsoft.com/office/drawing/2014/main" id="{56440F31-4D4E-43B9-A8EB-98C559C46EB6}"/>
-              </a:ext>
-            </a:extLst>
-          </p:cNvPr>
-          <p:cNvSpPr>
-            <a:spLocks noGrp="1"/>
-          </p:cNvSpPr>
-          <p:nvPr>
-            <p:ph idx="1"/>
-          </p:nvPr>
-        </p:nvSpPr>
-        <p:spPr>
-          <a:xfrm>
-            <a:off x="677334" y="1643270"/>
-            <a:ext cx="8596668" cy="4451102"/>
-          </a:xfrm>
-        </p:spPr>
-        <p:txBody>
-          <a:bodyPr>
-            <a:normAutofit lnSpcReduction="10000"/>
-          </a:bodyPr>
-          <a:lstStyle/>
-          <a:p>
-            <a:r>
-              <a:rPr lang="fr-FR" dirty="0"/>
-              <a:t>Deux étapes appliquées aux frames sélectionnées : </a:t>
-            </a:r>
-          </a:p>
-          <a:p>
-            <a:pPr lvl="1"/>
-            <a:r>
-              <a:rPr lang="fr-FR" dirty="0"/>
-              <a:t>Faire correspondre un même point caractéristique, l’épaule gauche par exemple.  </a:t>
-            </a:r>
-            <a:r>
-              <a:rPr lang="fr-FR" dirty="0">
-                <a:sym typeface="Wingdings" panose="05000000000000000000" pitchFamily="2" charset="2"/>
-              </a:rPr>
-              <a:t></a:t>
-            </a:r>
-            <a:r>
-              <a:rPr lang="fr-FR" dirty="0"/>
-              <a:t> Translation</a:t>
-            </a:r>
-          </a:p>
-          <a:p>
-            <a:pPr lvl="1"/>
-            <a:r>
-              <a:rPr lang="fr-FR" dirty="0"/>
-              <a:t>Chercher le meilleur angle par un processus itératif. A chaque étape faire la rotation d’un angle, projeter les points 3D sur le plan des personnes (défini par la verticale et les deux bassins), et calculer la distance euclidienne entre les points caractéristiques des deux nuages. Sélectionner l’angle qui minimise celle-ci.                                                            </a:t>
-            </a:r>
-            <a:r>
-              <a:rPr lang="fr-FR" dirty="0">
-                <a:sym typeface="Wingdings" panose="05000000000000000000" pitchFamily="2" charset="2"/>
-              </a:rPr>
-              <a:t> Rotation </a:t>
-            </a:r>
-            <a:endParaRPr lang="fr-FR" dirty="0"/>
-          </a:p>
-          <a:p>
-            <a:endParaRPr lang="fr-FR" dirty="0"/>
-          </a:p>
-          <a:p>
-            <a:r>
-              <a:rPr lang="fr-FR" dirty="0"/>
-              <a:t>Cette rotation et cette translation seront appliquées aux nuages de points </a:t>
-            </a:r>
-            <a:r>
-              <a:rPr lang="fr-FR" dirty="0" err="1"/>
-              <a:t>MoCap</a:t>
-            </a:r>
-            <a:r>
-              <a:rPr lang="fr-FR" dirty="0"/>
-              <a:t> à tout instant.</a:t>
-            </a:r>
-          </a:p>
-          <a:p>
-            <a:endParaRPr lang="fr-FR" dirty="0"/>
-          </a:p>
-          <a:p>
-            <a:r>
-              <a:rPr lang="fr-FR" dirty="0"/>
-              <a:t>Ces nouveaux nuages de points seront enfin affichés, sous </a:t>
-            </a:r>
-            <a:r>
-              <a:rPr lang="fr-FR" dirty="0" err="1"/>
-              <a:t>Unity</a:t>
-            </a:r>
-            <a:r>
-              <a:rPr lang="fr-FR" dirty="0"/>
-              <a:t>, au-dessus de la vidéo d’origine. </a:t>
+              <a:t>II – Recalage temporel</a:t>
             </a:r>
           </a:p>
         </p:txBody>
@@ -6963,7 +6958,7 @@
     </p:spTree>
     <p:extLst>
       <p:ext uri="{BB962C8B-B14F-4D97-AF65-F5344CB8AC3E}">
-        <p14:creationId xmlns:p14="http://schemas.microsoft.com/office/powerpoint/2010/main" val="2734896860"/>
+        <p14:creationId xmlns:p14="http://schemas.microsoft.com/office/powerpoint/2010/main" val="1216462225"/>
       </p:ext>
     </p:extLst>
   </p:cSld>
@@ -6995,7 +6990,7 @@
           <p:cNvPr id="2" name="Titre 1">
             <a:extLst>
               <a:ext uri="{FF2B5EF4-FFF2-40B4-BE49-F238E27FC236}">
-                <a16:creationId xmlns:a16="http://schemas.microsoft.com/office/drawing/2014/main" id="{FF2388AD-A8BC-44F8-A51D-D1EFD4465856}"/>
+                <a16:creationId xmlns:a16="http://schemas.microsoft.com/office/drawing/2014/main" id="{91FE2666-0284-4534-B3AF-E9CEE75FF1CC}"/>
               </a:ext>
             </a:extLst>
           </p:cNvPr>
@@ -7013,7 +7008,7 @@
           <a:p>
             <a:r>
               <a:rPr lang="fr-FR" dirty="0"/>
-              <a:t>IV - Résultats</a:t>
+              <a:t>III - Recalage spatial</a:t>
             </a:r>
           </a:p>
         </p:txBody>
@@ -7023,7 +7018,7 @@
           <p:cNvPr id="3" name="Espace réservé du contenu 2">
             <a:extLst>
               <a:ext uri="{FF2B5EF4-FFF2-40B4-BE49-F238E27FC236}">
-                <a16:creationId xmlns:a16="http://schemas.microsoft.com/office/drawing/2014/main" id="{F39EDD58-65E5-4134-8D51-F129DABF7E67}"/>
+                <a16:creationId xmlns:a16="http://schemas.microsoft.com/office/drawing/2014/main" id="{B1ADC298-E4E2-42C5-B338-B8E4D0734EC0}"/>
               </a:ext>
             </a:extLst>
           </p:cNvPr>
@@ -7034,19 +7029,315 @@
             <p:ph idx="1"/>
           </p:nvPr>
         </p:nvSpPr>
-        <p:spPr/>
-        <p:txBody>
-          <a:bodyPr/>
-          <a:lstStyle/>
-          <a:p>
-            <a:endParaRPr lang="fr-FR"/>
+        <p:spPr>
+          <a:xfrm>
+            <a:off x="677334" y="1829285"/>
+            <a:ext cx="8596668" cy="4419115"/>
+          </a:xfrm>
+        </p:spPr>
+        <p:txBody>
+          <a:bodyPr>
+            <a:normAutofit/>
+          </a:bodyPr>
+          <a:lstStyle/>
+          <a:p>
+            <a:r>
+              <a:rPr lang="fr-FR" dirty="0"/>
+              <a:t>Recaler un nuage de points </a:t>
+            </a:r>
+            <a:r>
+              <a:rPr lang="fr-FR" dirty="0" err="1"/>
+              <a:t>MoCap</a:t>
+            </a:r>
+            <a:r>
+              <a:rPr lang="fr-FR" dirty="0"/>
+              <a:t> </a:t>
+            </a:r>
+            <a:r>
+              <a:rPr lang="fr-FR" b="1" dirty="0"/>
+              <a:t>3D</a:t>
+            </a:r>
+            <a:r>
+              <a:rPr lang="fr-FR" dirty="0"/>
+              <a:t> et des données vidéo </a:t>
+            </a:r>
+            <a:r>
+              <a:rPr lang="fr-FR" b="1" dirty="0"/>
+              <a:t>2D.</a:t>
+            </a:r>
+          </a:p>
+          <a:p>
+            <a:endParaRPr lang="fr-FR" dirty="0"/>
+          </a:p>
+          <a:p>
+            <a:r>
+              <a:rPr lang="fr-FR" dirty="0"/>
+              <a:t>Proposition : </a:t>
+            </a:r>
+            <a:r>
+              <a:rPr lang="fr-FR" b="1" dirty="0"/>
+              <a:t>projeter les données 3D sur le plan des données 2D</a:t>
+            </a:r>
+            <a:r>
+              <a:rPr lang="fr-FR" dirty="0"/>
+              <a:t>, en déterminant la translation et la rotation optimales entre les deux nuages de points.</a:t>
+            </a:r>
+          </a:p>
+          <a:p>
+            <a:endParaRPr lang="fr-FR" dirty="0"/>
+          </a:p>
+          <a:p>
+            <a:r>
+              <a:rPr lang="fr-FR" dirty="0"/>
+              <a:t>Nécessité de comparer deux nuages de points </a:t>
+            </a:r>
+            <a:r>
+              <a:rPr lang="fr-FR" b="1" dirty="0"/>
+              <a:t>pris au même instant</a:t>
+            </a:r>
+          </a:p>
+          <a:p>
+            <a:pPr lvl="1"/>
+            <a:r>
+              <a:rPr lang="fr-FR" dirty="0"/>
+              <a:t>Utilisation des résultats du recalage temporel pour déterminer le delta temporel entre les deux séquences.</a:t>
+            </a:r>
+          </a:p>
+          <a:p>
+            <a:pPr lvl="1"/>
+            <a:r>
+              <a:rPr lang="fr-FR" dirty="0"/>
+              <a:t>Echantillonnage entre la vidéo (25 </a:t>
+            </a:r>
+            <a:r>
+              <a:rPr lang="fr-FR" dirty="0" err="1"/>
+              <a:t>fps</a:t>
+            </a:r>
+            <a:r>
+              <a:rPr lang="fr-FR" dirty="0"/>
+              <a:t>) et les données </a:t>
+            </a:r>
+            <a:r>
+              <a:rPr lang="fr-FR" dirty="0" err="1"/>
+              <a:t>MoCap</a:t>
+            </a:r>
+            <a:r>
+              <a:rPr lang="fr-FR" dirty="0"/>
+              <a:t> (120 </a:t>
+            </a:r>
+            <a:r>
+              <a:rPr lang="fr-FR" dirty="0" err="1"/>
+              <a:t>fps</a:t>
+            </a:r>
+            <a:r>
+              <a:rPr lang="fr-FR" dirty="0"/>
+              <a:t>) et sélection d’une dizaine de frames qui permettront de déterminer translation et rotation optimales.</a:t>
+            </a:r>
+          </a:p>
+          <a:p>
+            <a:endParaRPr lang="fr-FR" dirty="0"/>
           </a:p>
         </p:txBody>
       </p:sp>
     </p:spTree>
     <p:extLst>
       <p:ext uri="{BB962C8B-B14F-4D97-AF65-F5344CB8AC3E}">
-        <p14:creationId xmlns:p14="http://schemas.microsoft.com/office/powerpoint/2010/main" val="2918964941"/>
+        <p14:creationId xmlns:p14="http://schemas.microsoft.com/office/powerpoint/2010/main" val="1619176313"/>
+      </p:ext>
+    </p:extLst>
+  </p:cSld>
+  <p:clrMapOvr>
+    <a:masterClrMapping/>
+  </p:clrMapOvr>
+</p:sld>
+</file>
+
+<file path=ppt/slides/slide9.xml><?xml version="1.0" encoding="utf-8"?>
+<p:sld xmlns:a="http://schemas.openxmlformats.org/drawingml/2006/main" xmlns:r="http://schemas.openxmlformats.org/officeDocument/2006/relationships" xmlns:p="http://schemas.openxmlformats.org/presentationml/2006/main">
+  <p:cSld>
+    <p:spTree>
+      <p:nvGrpSpPr>
+        <p:cNvPr id="1" name=""/>
+        <p:cNvGrpSpPr/>
+        <p:nvPr/>
+      </p:nvGrpSpPr>
+      <p:grpSpPr>
+        <a:xfrm>
+          <a:off x="0" y="0"/>
+          <a:ext cx="0" cy="0"/>
+          <a:chOff x="0" y="0"/>
+          <a:chExt cx="0" cy="0"/>
+        </a:xfrm>
+      </p:grpSpPr>
+      <p:sp>
+        <p:nvSpPr>
+          <p:cNvPr id="2" name="Titre 1">
+            <a:extLst>
+              <a:ext uri="{FF2B5EF4-FFF2-40B4-BE49-F238E27FC236}">
+                <a16:creationId xmlns:a16="http://schemas.microsoft.com/office/drawing/2014/main" id="{2AE821B2-35E4-45A2-ABEB-FC16961D562D}"/>
+              </a:ext>
+            </a:extLst>
+          </p:cNvPr>
+          <p:cNvSpPr>
+            <a:spLocks noGrp="1"/>
+          </p:cNvSpPr>
+          <p:nvPr>
+            <p:ph type="title"/>
+          </p:nvPr>
+        </p:nvSpPr>
+        <p:spPr/>
+        <p:txBody>
+          <a:bodyPr/>
+          <a:lstStyle/>
+          <a:p>
+            <a:r>
+              <a:rPr lang="fr-FR" dirty="0"/>
+              <a:t>III – Recalage spatial</a:t>
+            </a:r>
+          </a:p>
+        </p:txBody>
+      </p:sp>
+      <p:sp>
+        <p:nvSpPr>
+          <p:cNvPr id="3" name="Espace réservé du contenu 2">
+            <a:extLst>
+              <a:ext uri="{FF2B5EF4-FFF2-40B4-BE49-F238E27FC236}">
+                <a16:creationId xmlns:a16="http://schemas.microsoft.com/office/drawing/2014/main" id="{56440F31-4D4E-43B9-A8EB-98C559C46EB6}"/>
+              </a:ext>
+            </a:extLst>
+          </p:cNvPr>
+          <p:cNvSpPr>
+            <a:spLocks noGrp="1"/>
+          </p:cNvSpPr>
+          <p:nvPr>
+            <p:ph idx="1"/>
+          </p:nvPr>
+        </p:nvSpPr>
+        <p:spPr>
+          <a:xfrm>
+            <a:off x="677334" y="1590260"/>
+            <a:ext cx="9248544" cy="5088835"/>
+          </a:xfrm>
+        </p:spPr>
+        <p:txBody>
+          <a:bodyPr>
+            <a:normAutofit lnSpcReduction="10000"/>
+          </a:bodyPr>
+          <a:lstStyle/>
+          <a:p>
+            <a:r>
+              <a:rPr lang="fr-FR" dirty="0"/>
+              <a:t>Trois étapes appliquées aux frames sélectionnées : </a:t>
+            </a:r>
+          </a:p>
+          <a:p>
+            <a:pPr lvl="1"/>
+            <a:r>
+              <a:rPr lang="fr-FR" dirty="0"/>
+              <a:t>Projection des points </a:t>
+            </a:r>
+            <a:r>
+              <a:rPr lang="fr-FR" dirty="0" err="1"/>
+              <a:t>MoCap</a:t>
+            </a:r>
+            <a:r>
+              <a:rPr lang="fr-FR" dirty="0"/>
+              <a:t> 3D sur le plan 2D des personnes (défini par la verticale et les deux bassins)</a:t>
+            </a:r>
+          </a:p>
+          <a:p>
+            <a:pPr lvl="1"/>
+            <a:r>
+              <a:rPr lang="fr-FR" dirty="0"/>
+              <a:t>Faire correspondre un même point caractéristique, l’épaule gauche par exemple.  </a:t>
+            </a:r>
+          </a:p>
+          <a:p>
+            <a:pPr marL="457200" lvl="1" indent="0">
+              <a:buNone/>
+            </a:pPr>
+            <a:r>
+              <a:rPr lang="fr-FR" dirty="0">
+                <a:sym typeface="Wingdings" panose="05000000000000000000" pitchFamily="2" charset="2"/>
+              </a:rPr>
+              <a:t>	</a:t>
+            </a:r>
+            <a:r>
+              <a:rPr lang="fr-FR" dirty="0"/>
+              <a:t> Translation</a:t>
+            </a:r>
+          </a:p>
+          <a:p>
+            <a:pPr lvl="1"/>
+            <a:r>
+              <a:rPr lang="fr-FR" dirty="0"/>
+              <a:t>Chercher le meilleur angle par un processus itératif. A chaque étape faire la rotation du nuage </a:t>
+            </a:r>
+            <a:r>
+              <a:rPr lang="fr-FR" dirty="0" err="1"/>
+              <a:t>MoCap</a:t>
+            </a:r>
+            <a:r>
+              <a:rPr lang="fr-FR" dirty="0"/>
+              <a:t> d’un angle donné et calculer la distance euclidienne entre les points caractéristiques des deux nuages. Sélectionner l’angle qui minimise celle-ci.    </a:t>
+            </a:r>
+          </a:p>
+          <a:p>
+            <a:pPr marL="457200" lvl="1" indent="0">
+              <a:buNone/>
+            </a:pPr>
+            <a:r>
+              <a:rPr lang="fr-FR" dirty="0"/>
+              <a:t>	 </a:t>
+            </a:r>
+            <a:r>
+              <a:rPr lang="fr-FR" dirty="0">
+                <a:sym typeface="Wingdings" panose="05000000000000000000" pitchFamily="2" charset="2"/>
+              </a:rPr>
+              <a:t> Rotation </a:t>
+            </a:r>
+            <a:endParaRPr lang="fr-FR" dirty="0"/>
+          </a:p>
+          <a:p>
+            <a:endParaRPr lang="fr-FR" dirty="0"/>
+          </a:p>
+          <a:p>
+            <a:r>
+              <a:rPr lang="fr-FR" dirty="0"/>
+              <a:t>Cette rotation et cette translation seront appliquées aux deux nuages de points </a:t>
+            </a:r>
+            <a:r>
+              <a:rPr lang="fr-FR" dirty="0" err="1"/>
+              <a:t>MoCap</a:t>
+            </a:r>
+            <a:r>
+              <a:rPr lang="fr-FR" dirty="0"/>
+              <a:t> à tout instant.</a:t>
+            </a:r>
+          </a:p>
+          <a:p>
+            <a:endParaRPr lang="fr-FR" dirty="0"/>
+          </a:p>
+          <a:p>
+            <a:r>
+              <a:rPr lang="fr-FR" dirty="0"/>
+              <a:t>Ces nouveaux nuages de points seront enfin associés à des avatars sous </a:t>
+            </a:r>
+            <a:r>
+              <a:rPr lang="fr-FR" dirty="0" err="1"/>
+              <a:t>Unity</a:t>
+            </a:r>
+            <a:r>
+              <a:rPr lang="fr-FR" dirty="0"/>
+              <a:t>, et rendus visibles au-dessus de la vidéo d’origine. </a:t>
+            </a:r>
+          </a:p>
+        </p:txBody>
+      </p:sp>
+    </p:spTree>
+    <p:extLst>
+      <p:ext uri="{BB962C8B-B14F-4D97-AF65-F5344CB8AC3E}">
+        <p14:creationId xmlns:p14="http://schemas.microsoft.com/office/powerpoint/2010/main" val="2734896860"/>
       </p:ext>
     </p:extLst>
   </p:cSld>

--- a/Présentation.pptx
+++ b/Présentation.pptx
@@ -72,13 +72,13 @@
         </a:solidFill>
         <a:effectLst/>
         <a:uFillTx/>
-        <a:latin typeface="+mj-lt"/>
-        <a:ea typeface="+mj-ea"/>
-        <a:cs typeface="+mj-cs"/>
-        <a:sym typeface="Trebuchet MS"/>
+        <a:latin typeface="+mn-lt"/>
+        <a:ea typeface="+mn-ea"/>
+        <a:cs typeface="+mn-cs"/>
+        <a:sym typeface="Helvetica"/>
       </a:defRPr>
     </a:lvl1pPr>
-    <a:lvl2pPr marL="0" marR="0" indent="457200" algn="l" defTabSz="457200" rtl="0" fontAlgn="auto" latinLnBrk="0" hangingPunct="0">
+    <a:lvl2pPr marL="0" marR="0" indent="0" algn="l" defTabSz="457200" rtl="0" fontAlgn="auto" latinLnBrk="0" hangingPunct="0">
       <a:lnSpc>
         <a:spcPct val="100000"/>
       </a:lnSpc>
@@ -102,13 +102,13 @@
         </a:solidFill>
         <a:effectLst/>
         <a:uFillTx/>
-        <a:latin typeface="+mj-lt"/>
-        <a:ea typeface="+mj-ea"/>
-        <a:cs typeface="+mj-cs"/>
-        <a:sym typeface="Trebuchet MS"/>
+        <a:latin typeface="+mn-lt"/>
+        <a:ea typeface="+mn-ea"/>
+        <a:cs typeface="+mn-cs"/>
+        <a:sym typeface="Helvetica"/>
       </a:defRPr>
     </a:lvl2pPr>
-    <a:lvl3pPr marL="0" marR="0" indent="914400" algn="l" defTabSz="457200" rtl="0" fontAlgn="auto" latinLnBrk="0" hangingPunct="0">
+    <a:lvl3pPr marL="0" marR="0" indent="0" algn="l" defTabSz="457200" rtl="0" fontAlgn="auto" latinLnBrk="0" hangingPunct="0">
       <a:lnSpc>
         <a:spcPct val="100000"/>
       </a:lnSpc>
@@ -132,13 +132,13 @@
         </a:solidFill>
         <a:effectLst/>
         <a:uFillTx/>
-        <a:latin typeface="+mj-lt"/>
-        <a:ea typeface="+mj-ea"/>
-        <a:cs typeface="+mj-cs"/>
-        <a:sym typeface="Trebuchet MS"/>
+        <a:latin typeface="+mn-lt"/>
+        <a:ea typeface="+mn-ea"/>
+        <a:cs typeface="+mn-cs"/>
+        <a:sym typeface="Helvetica"/>
       </a:defRPr>
     </a:lvl3pPr>
-    <a:lvl4pPr marL="0" marR="0" indent="1371600" algn="l" defTabSz="457200" rtl="0" fontAlgn="auto" latinLnBrk="0" hangingPunct="0">
+    <a:lvl4pPr marL="0" marR="0" indent="0" algn="l" defTabSz="457200" rtl="0" fontAlgn="auto" latinLnBrk="0" hangingPunct="0">
       <a:lnSpc>
         <a:spcPct val="100000"/>
       </a:lnSpc>
@@ -162,13 +162,13 @@
         </a:solidFill>
         <a:effectLst/>
         <a:uFillTx/>
-        <a:latin typeface="+mj-lt"/>
-        <a:ea typeface="+mj-ea"/>
-        <a:cs typeface="+mj-cs"/>
-        <a:sym typeface="Trebuchet MS"/>
+        <a:latin typeface="+mn-lt"/>
+        <a:ea typeface="+mn-ea"/>
+        <a:cs typeface="+mn-cs"/>
+        <a:sym typeface="Helvetica"/>
       </a:defRPr>
     </a:lvl4pPr>
-    <a:lvl5pPr marL="0" marR="0" indent="1828800" algn="l" defTabSz="457200" rtl="0" fontAlgn="auto" latinLnBrk="0" hangingPunct="0">
+    <a:lvl5pPr marL="0" marR="0" indent="0" algn="l" defTabSz="457200" rtl="0" fontAlgn="auto" latinLnBrk="0" hangingPunct="0">
       <a:lnSpc>
         <a:spcPct val="100000"/>
       </a:lnSpc>
@@ -192,13 +192,13 @@
         </a:solidFill>
         <a:effectLst/>
         <a:uFillTx/>
-        <a:latin typeface="+mj-lt"/>
-        <a:ea typeface="+mj-ea"/>
-        <a:cs typeface="+mj-cs"/>
-        <a:sym typeface="Trebuchet MS"/>
+        <a:latin typeface="+mn-lt"/>
+        <a:ea typeface="+mn-ea"/>
+        <a:cs typeface="+mn-cs"/>
+        <a:sym typeface="Helvetica"/>
       </a:defRPr>
     </a:lvl5pPr>
-    <a:lvl6pPr marL="0" marR="0" indent="2286000" algn="l" defTabSz="457200" rtl="0" fontAlgn="auto" latinLnBrk="0" hangingPunct="0">
+    <a:lvl6pPr marL="0" marR="0" indent="0" algn="l" defTabSz="457200" rtl="0" fontAlgn="auto" latinLnBrk="0" hangingPunct="0">
       <a:lnSpc>
         <a:spcPct val="100000"/>
       </a:lnSpc>
@@ -222,13 +222,13 @@
         </a:solidFill>
         <a:effectLst/>
         <a:uFillTx/>
-        <a:latin typeface="+mj-lt"/>
-        <a:ea typeface="+mj-ea"/>
-        <a:cs typeface="+mj-cs"/>
-        <a:sym typeface="Trebuchet MS"/>
+        <a:latin typeface="+mn-lt"/>
+        <a:ea typeface="+mn-ea"/>
+        <a:cs typeface="+mn-cs"/>
+        <a:sym typeface="Helvetica"/>
       </a:defRPr>
     </a:lvl6pPr>
-    <a:lvl7pPr marL="0" marR="0" indent="2743200" algn="l" defTabSz="457200" rtl="0" fontAlgn="auto" latinLnBrk="0" hangingPunct="0">
+    <a:lvl7pPr marL="0" marR="0" indent="0" algn="l" defTabSz="457200" rtl="0" fontAlgn="auto" latinLnBrk="0" hangingPunct="0">
       <a:lnSpc>
         <a:spcPct val="100000"/>
       </a:lnSpc>
@@ -252,13 +252,13 @@
         </a:solidFill>
         <a:effectLst/>
         <a:uFillTx/>
-        <a:latin typeface="+mj-lt"/>
-        <a:ea typeface="+mj-ea"/>
-        <a:cs typeface="+mj-cs"/>
-        <a:sym typeface="Trebuchet MS"/>
+        <a:latin typeface="+mn-lt"/>
+        <a:ea typeface="+mn-ea"/>
+        <a:cs typeface="+mn-cs"/>
+        <a:sym typeface="Helvetica"/>
       </a:defRPr>
     </a:lvl7pPr>
-    <a:lvl8pPr marL="0" marR="0" indent="3200400" algn="l" defTabSz="457200" rtl="0" fontAlgn="auto" latinLnBrk="0" hangingPunct="0">
+    <a:lvl8pPr marL="0" marR="0" indent="0" algn="l" defTabSz="457200" rtl="0" fontAlgn="auto" latinLnBrk="0" hangingPunct="0">
       <a:lnSpc>
         <a:spcPct val="100000"/>
       </a:lnSpc>
@@ -282,13 +282,13 @@
         </a:solidFill>
         <a:effectLst/>
         <a:uFillTx/>
-        <a:latin typeface="+mj-lt"/>
-        <a:ea typeface="+mj-ea"/>
-        <a:cs typeface="+mj-cs"/>
-        <a:sym typeface="Trebuchet MS"/>
+        <a:latin typeface="+mn-lt"/>
+        <a:ea typeface="+mn-ea"/>
+        <a:cs typeface="+mn-cs"/>
+        <a:sym typeface="Helvetica"/>
       </a:defRPr>
     </a:lvl8pPr>
-    <a:lvl9pPr marL="0" marR="0" indent="3657600" algn="l" defTabSz="457200" rtl="0" fontAlgn="auto" latinLnBrk="0" hangingPunct="0">
+    <a:lvl9pPr marL="0" marR="0" indent="0" algn="l" defTabSz="457200" rtl="0" fontAlgn="auto" latinLnBrk="0" hangingPunct="0">
       <a:lnSpc>
         <a:spcPct val="100000"/>
       </a:lnSpc>
@@ -312,10 +312,10 @@
         </a:solidFill>
         <a:effectLst/>
         <a:uFillTx/>
-        <a:latin typeface="+mj-lt"/>
-        <a:ea typeface="+mj-ea"/>
-        <a:cs typeface="+mj-cs"/>
-        <a:sym typeface="Trebuchet MS"/>
+        <a:latin typeface="+mn-lt"/>
+        <a:ea typeface="+mn-ea"/>
+        <a:cs typeface="+mn-cs"/>
+        <a:sym typeface="Helvetica"/>
       </a:defRPr>
     </a:lvl9pPr>
   </p:defaultTextStyle>
@@ -498,10 +498,10 @@
         </p:nvGrpSpPr>
         <p:grpSpPr>
           <a:xfrm>
-            <a:off x="-1" y="-8468"/>
-            <a:ext cx="12192002" cy="6866469"/>
-            <a:chOff x="0" y="0"/>
-            <a:chExt cx="12192000" cy="6866467"/>
+            <a:off x="-3" y="-8469"/>
+            <a:ext cx="12192006" cy="6866472"/>
+            <a:chOff x="-1" y="0"/>
+            <a:chExt cx="12192004" cy="6866470"/>
           </a:xfrm>
         </p:grpSpPr>
         <p:sp>
@@ -512,8 +512,8 @@
           </p:nvSpPr>
           <p:spPr>
             <a:xfrm>
-              <a:off x="-1" y="605"/>
-              <a:ext cx="863601" cy="5698068"/>
+              <a:off x="-2" y="605"/>
+              <a:ext cx="863603" cy="5698070"/>
             </a:xfrm>
             <a:custGeom>
               <a:avLst/>
@@ -567,12 +567,19 @@
             <a:effectLst/>
           </p:spPr>
           <p:txBody>
-            <a:bodyPr wrap="square" lIns="45719" tIns="45719" rIns="45719" bIns="45719" numCol="1" anchor="t">
+            <a:bodyPr wrap="square" lIns="45718" tIns="45718" rIns="45718" bIns="45718" numCol="1" anchor="t">
               <a:noAutofit/>
             </a:bodyPr>
             <a:lstStyle/>
             <a:p>
-              <a:pPr/>
+              <a:pPr>
+                <a:defRPr>
+                  <a:latin typeface="+mj-lt"/>
+                  <a:ea typeface="+mj-ea"/>
+                  <a:cs typeface="+mj-cs"/>
+                  <a:sym typeface="Trebuchet MS"/>
+                </a:defRPr>
+              </a:pPr>
             </a:p>
           </p:txBody>
         </p:sp>
@@ -584,8 +591,8 @@
           </p:nvSpPr>
           <p:spPr>
             <a:xfrm>
-              <a:off x="9371012" y="8466"/>
-              <a:ext cx="1219201" cy="6858002"/>
+              <a:off x="9371013" y="8466"/>
+              <a:ext cx="1219202" cy="6858005"/>
             </a:xfrm>
             <a:prstGeom prst="line">
               <a:avLst/>
@@ -603,7 +610,7 @@
             <a:effectLst/>
           </p:spPr>
           <p:txBody>
-            <a:bodyPr wrap="square" lIns="45719" tIns="45719" rIns="45719" bIns="45719" numCol="1" anchor="t">
+            <a:bodyPr wrap="square" lIns="45718" tIns="45718" rIns="45718" bIns="45718" numCol="1" anchor="t">
               <a:noAutofit/>
             </a:bodyPr>
             <a:lstStyle/>
@@ -620,8 +627,8 @@
           </p:nvSpPr>
           <p:spPr>
             <a:xfrm flipH="1">
-              <a:off x="7425267" y="3689879"/>
-              <a:ext cx="4763559" cy="3176588"/>
+              <a:off x="7425268" y="3689880"/>
+              <a:ext cx="4763561" cy="3176589"/>
             </a:xfrm>
             <a:prstGeom prst="line">
               <a:avLst/>
@@ -639,7 +646,7 @@
             <a:effectLst/>
           </p:spPr>
           <p:txBody>
-            <a:bodyPr wrap="square" lIns="45719" tIns="45719" rIns="45719" bIns="45719" numCol="1" anchor="t">
+            <a:bodyPr wrap="square" lIns="45718" tIns="45718" rIns="45718" bIns="45718" numCol="1" anchor="t">
               <a:noAutofit/>
             </a:bodyPr>
             <a:lstStyle/>
@@ -656,8 +663,8 @@
           </p:nvSpPr>
           <p:spPr>
             <a:xfrm>
-              <a:off x="9181476" y="0"/>
-              <a:ext cx="3007350" cy="6866468"/>
+              <a:off x="9181477" y="-1"/>
+              <a:ext cx="3007352" cy="6866471"/>
             </a:xfrm>
             <a:custGeom>
               <a:avLst/>
@@ -711,12 +718,19 @@
             <a:effectLst/>
           </p:spPr>
           <p:txBody>
-            <a:bodyPr wrap="square" lIns="45719" tIns="45719" rIns="45719" bIns="45719" numCol="1" anchor="t">
+            <a:bodyPr wrap="square" lIns="45718" tIns="45718" rIns="45718" bIns="45718" numCol="1" anchor="t">
               <a:noAutofit/>
             </a:bodyPr>
             <a:lstStyle/>
             <a:p>
-              <a:pPr/>
+              <a:pPr>
+                <a:defRPr>
+                  <a:latin typeface="+mj-lt"/>
+                  <a:ea typeface="+mj-ea"/>
+                  <a:cs typeface="+mj-cs"/>
+                  <a:sym typeface="Trebuchet MS"/>
+                </a:defRPr>
+              </a:pPr>
             </a:p>
           </p:txBody>
         </p:sp>
@@ -728,8 +742,8 @@
           </p:nvSpPr>
           <p:spPr>
             <a:xfrm>
-              <a:off x="9603441" y="0"/>
-              <a:ext cx="2588560" cy="6866468"/>
+              <a:off x="9603442" y="-1"/>
+              <a:ext cx="2588562" cy="6866471"/>
             </a:xfrm>
             <a:custGeom>
               <a:avLst/>
@@ -783,12 +797,19 @@
             <a:effectLst/>
           </p:spPr>
           <p:txBody>
-            <a:bodyPr wrap="square" lIns="45719" tIns="45719" rIns="45719" bIns="45719" numCol="1" anchor="t">
+            <a:bodyPr wrap="square" lIns="45718" tIns="45718" rIns="45718" bIns="45718" numCol="1" anchor="t">
               <a:noAutofit/>
             </a:bodyPr>
             <a:lstStyle/>
             <a:p>
-              <a:pPr/>
+              <a:pPr>
+                <a:defRPr>
+                  <a:latin typeface="+mj-lt"/>
+                  <a:ea typeface="+mj-ea"/>
+                  <a:cs typeface="+mj-cs"/>
+                  <a:sym typeface="Trebuchet MS"/>
+                </a:defRPr>
+              </a:pPr>
             </a:p>
           </p:txBody>
         </p:sp>
@@ -800,8 +821,8 @@
           </p:nvSpPr>
           <p:spPr>
             <a:xfrm>
-              <a:off x="8932333" y="3056466"/>
-              <a:ext cx="3259668" cy="3810002"/>
+              <a:off x="8932334" y="3056466"/>
+              <a:ext cx="3259670" cy="3810005"/>
             </a:xfrm>
             <a:custGeom>
               <a:avLst/>
@@ -849,12 +870,19 @@
             <a:effectLst/>
           </p:spPr>
           <p:txBody>
-            <a:bodyPr wrap="square" lIns="45719" tIns="45719" rIns="45719" bIns="45719" numCol="1" anchor="t">
+            <a:bodyPr wrap="square" lIns="45718" tIns="45718" rIns="45718" bIns="45718" numCol="1" anchor="t">
               <a:noAutofit/>
             </a:bodyPr>
             <a:lstStyle/>
             <a:p>
-              <a:pPr/>
+              <a:pPr>
+                <a:defRPr>
+                  <a:latin typeface="+mj-lt"/>
+                  <a:ea typeface="+mj-ea"/>
+                  <a:cs typeface="+mj-cs"/>
+                  <a:sym typeface="Trebuchet MS"/>
+                </a:defRPr>
+              </a:pPr>
             </a:p>
           </p:txBody>
         </p:sp>
@@ -866,8 +894,8 @@
           </p:nvSpPr>
           <p:spPr>
             <a:xfrm>
-              <a:off x="9334500" y="0"/>
-              <a:ext cx="2854327" cy="6866468"/>
+              <a:off x="9334501" y="-1"/>
+              <a:ext cx="2854329" cy="6866471"/>
             </a:xfrm>
             <a:custGeom>
               <a:avLst/>
@@ -921,12 +949,19 @@
             <a:effectLst/>
           </p:spPr>
           <p:txBody>
-            <a:bodyPr wrap="square" lIns="45719" tIns="45719" rIns="45719" bIns="45719" numCol="1" anchor="t">
+            <a:bodyPr wrap="square" lIns="45718" tIns="45718" rIns="45718" bIns="45718" numCol="1" anchor="t">
               <a:noAutofit/>
             </a:bodyPr>
             <a:lstStyle/>
             <a:p>
-              <a:pPr/>
+              <a:pPr>
+                <a:defRPr>
+                  <a:latin typeface="+mj-lt"/>
+                  <a:ea typeface="+mj-ea"/>
+                  <a:cs typeface="+mj-cs"/>
+                  <a:sym typeface="Trebuchet MS"/>
+                </a:defRPr>
+              </a:pPr>
             </a:p>
           </p:txBody>
         </p:sp>
@@ -938,8 +973,8 @@
           </p:nvSpPr>
           <p:spPr>
             <a:xfrm>
-              <a:off x="10898730" y="0"/>
-              <a:ext cx="1290095" cy="6866468"/>
+              <a:off x="10898732" y="-1"/>
+              <a:ext cx="1290096" cy="6866471"/>
             </a:xfrm>
             <a:custGeom>
               <a:avLst/>
@@ -993,12 +1028,19 @@
             <a:effectLst/>
           </p:spPr>
           <p:txBody>
-            <a:bodyPr wrap="square" lIns="45719" tIns="45719" rIns="45719" bIns="45719" numCol="1" anchor="t">
+            <a:bodyPr wrap="square" lIns="45718" tIns="45718" rIns="45718" bIns="45718" numCol="1" anchor="t">
               <a:noAutofit/>
             </a:bodyPr>
             <a:lstStyle/>
             <a:p>
-              <a:pPr/>
+              <a:pPr>
+                <a:defRPr>
+                  <a:latin typeface="+mj-lt"/>
+                  <a:ea typeface="+mj-ea"/>
+                  <a:cs typeface="+mj-cs"/>
+                  <a:sym typeface="Trebuchet MS"/>
+                </a:defRPr>
+              </a:pPr>
             </a:p>
           </p:txBody>
         </p:sp>
@@ -1010,8 +1052,8 @@
           </p:nvSpPr>
           <p:spPr>
             <a:xfrm>
-              <a:off x="10938999" y="0"/>
-              <a:ext cx="1249826" cy="6866468"/>
+              <a:off x="10939001" y="-1"/>
+              <a:ext cx="1249827" cy="6866471"/>
             </a:xfrm>
             <a:custGeom>
               <a:avLst/>
@@ -1065,12 +1107,19 @@
             <a:effectLst/>
           </p:spPr>
           <p:txBody>
-            <a:bodyPr wrap="square" lIns="45719" tIns="45719" rIns="45719" bIns="45719" numCol="1" anchor="t">
+            <a:bodyPr wrap="square" lIns="45718" tIns="45718" rIns="45718" bIns="45718" numCol="1" anchor="t">
               <a:noAutofit/>
             </a:bodyPr>
             <a:lstStyle/>
             <a:p>
-              <a:pPr/>
+              <a:pPr>
+                <a:defRPr>
+                  <a:latin typeface="+mj-lt"/>
+                  <a:ea typeface="+mj-ea"/>
+                  <a:cs typeface="+mj-cs"/>
+                  <a:sym typeface="Trebuchet MS"/>
+                </a:defRPr>
+              </a:pPr>
             </a:p>
           </p:txBody>
         </p:sp>
@@ -1082,8 +1131,8 @@
           </p:nvSpPr>
           <p:spPr>
             <a:xfrm>
-              <a:off x="10371666" y="3598333"/>
-              <a:ext cx="1817160" cy="3268134"/>
+              <a:off x="10371667" y="3598334"/>
+              <a:ext cx="1817162" cy="3268136"/>
             </a:xfrm>
             <a:custGeom>
               <a:avLst/>
@@ -1131,12 +1180,19 @@
             <a:effectLst/>
           </p:spPr>
           <p:txBody>
-            <a:bodyPr wrap="square" lIns="45719" tIns="45719" rIns="45719" bIns="45719" numCol="1" anchor="t">
+            <a:bodyPr wrap="square" lIns="45718" tIns="45718" rIns="45718" bIns="45718" numCol="1" anchor="t">
               <a:noAutofit/>
             </a:bodyPr>
             <a:lstStyle/>
             <a:p>
-              <a:pPr/>
+              <a:pPr>
+                <a:defRPr>
+                  <a:latin typeface="+mj-lt"/>
+                  <a:ea typeface="+mj-ea"/>
+                  <a:cs typeface="+mj-cs"/>
+                  <a:sym typeface="Trebuchet MS"/>
+                </a:defRPr>
+              </a:pPr>
             </a:p>
           </p:txBody>
         </p:sp>
@@ -1152,7 +1208,7 @@
         <p:spPr>
           <a:xfrm>
             <a:off x="1507067" y="2404534"/>
-            <a:ext cx="7766937" cy="1646303"/>
+            <a:ext cx="7766937" cy="1646304"/>
           </a:xfrm>
           <a:prstGeom prst="rect">
             <a:avLst/>
@@ -1183,8 +1239,8 @@
         </p:nvSpPr>
         <p:spPr>
           <a:xfrm>
-            <a:off x="1507067" y="4050832"/>
-            <a:ext cx="7766937" cy="1096901"/>
+            <a:off x="1507067" y="4050831"/>
+            <a:ext cx="7766937" cy="1096902"/>
           </a:xfrm>
           <a:prstGeom prst="rect">
             <a:avLst/>
@@ -1196,6 +1252,7 @@
             <a:lvl1pPr marL="0" indent="0" algn="r">
               <a:buClrTx/>
               <a:buSzTx/>
+              <a:buFontTx/>
               <a:buNone/>
               <a:defRPr>
                 <a:solidFill>
@@ -1203,9 +1260,10 @@
                 </a:solidFill>
               </a:defRPr>
             </a:lvl1pPr>
-            <a:lvl2pPr marL="0" indent="457200" algn="r">
+            <a:lvl2pPr marL="0" indent="0" algn="r">
               <a:buClrTx/>
               <a:buSzTx/>
+              <a:buFontTx/>
               <a:buNone/>
               <a:defRPr>
                 <a:solidFill>
@@ -1213,9 +1271,10 @@
                 </a:solidFill>
               </a:defRPr>
             </a:lvl2pPr>
-            <a:lvl3pPr marL="0" indent="914400" algn="r">
+            <a:lvl3pPr marL="0" indent="0" algn="r">
               <a:buClrTx/>
               <a:buSzTx/>
+              <a:buFontTx/>
               <a:buNone/>
               <a:defRPr>
                 <a:solidFill>
@@ -1223,9 +1282,10 @@
                 </a:solidFill>
               </a:defRPr>
             </a:lvl3pPr>
-            <a:lvl4pPr marL="0" indent="1371600" algn="r">
+            <a:lvl4pPr marL="0" indent="0" algn="r">
               <a:buClrTx/>
               <a:buSzTx/>
+              <a:buFontTx/>
               <a:buNone/>
               <a:defRPr>
                 <a:solidFill>
@@ -1233,9 +1293,10 @@
                 </a:solidFill>
               </a:defRPr>
             </a:lvl4pPr>
-            <a:lvl5pPr marL="0" indent="1828800" algn="r">
+            <a:lvl5pPr marL="0" indent="0" algn="r">
               <a:buClrTx/>
               <a:buSzTx/>
+              <a:buFontTx/>
               <a:buNone/>
               <a:defRPr>
                 <a:solidFill>
@@ -1335,7 +1396,7 @@
         <p:spPr>
           <a:xfrm>
             <a:off x="677335" y="609600"/>
-            <a:ext cx="8596669" cy="3403600"/>
+            <a:ext cx="8596670" cy="3403600"/>
           </a:xfrm>
           <a:prstGeom prst="rect">
             <a:avLst/>
@@ -1367,7 +1428,7 @@
         <p:spPr>
           <a:xfrm>
             <a:off x="677335" y="4470400"/>
-            <a:ext cx="8596669" cy="1570962"/>
+            <a:ext cx="8596670" cy="1570962"/>
           </a:xfrm>
           <a:prstGeom prst="rect">
             <a:avLst/>
@@ -1379,26 +1440,31 @@
             <a:lvl1pPr marL="0" indent="0">
               <a:buClrTx/>
               <a:buSzTx/>
+              <a:buFontTx/>
               <a:buNone/>
             </a:lvl1pPr>
-            <a:lvl2pPr marL="0" indent="457200">
+            <a:lvl2pPr marL="0" indent="0">
               <a:buClrTx/>
               <a:buSzTx/>
+              <a:buFontTx/>
               <a:buNone/>
             </a:lvl2pPr>
-            <a:lvl3pPr marL="0" indent="914400">
+            <a:lvl3pPr marL="0" indent="0">
               <a:buClrTx/>
               <a:buSzTx/>
+              <a:buFontTx/>
               <a:buNone/>
             </a:lvl3pPr>
-            <a:lvl4pPr marL="0" indent="1371600">
+            <a:lvl4pPr marL="0" indent="0">
               <a:buClrTx/>
               <a:buSzTx/>
+              <a:buFontTx/>
               <a:buNone/>
             </a:lvl4pPr>
-            <a:lvl5pPr marL="0" indent="1828800">
+            <a:lvl5pPr marL="0" indent="0">
               <a:buClrTx/>
               <a:buSzTx/>
+              <a:buFontTx/>
               <a:buNone/>
             </a:lvl5pPr>
           </a:lstStyle>
@@ -1537,6 +1603,7 @@
             <a:lvl1pPr marL="0" indent="0">
               <a:buClrTx/>
               <a:buSzTx/>
+              <a:buFontTx/>
               <a:buNone/>
               <a:defRPr sz="1600">
                 <a:solidFill>
@@ -1544,9 +1611,10 @@
                 </a:solidFill>
               </a:defRPr>
             </a:lvl1pPr>
-            <a:lvl2pPr marL="0" indent="457200">
+            <a:lvl2pPr marL="0" indent="0">
               <a:buClrTx/>
               <a:buSzTx/>
+              <a:buFontTx/>
               <a:buNone/>
               <a:defRPr sz="1600">
                 <a:solidFill>
@@ -1554,9 +1622,10 @@
                 </a:solidFill>
               </a:defRPr>
             </a:lvl2pPr>
-            <a:lvl3pPr marL="0" indent="914400">
+            <a:lvl3pPr marL="0" indent="0">
               <a:buClrTx/>
               <a:buSzTx/>
+              <a:buFontTx/>
               <a:buNone/>
               <a:defRPr sz="1600">
                 <a:solidFill>
@@ -1564,9 +1633,10 @@
                 </a:solidFill>
               </a:defRPr>
             </a:lvl3pPr>
-            <a:lvl4pPr marL="0" indent="1371600">
+            <a:lvl4pPr marL="0" indent="0">
               <a:buClrTx/>
               <a:buSzTx/>
+              <a:buFontTx/>
               <a:buNone/>
               <a:defRPr sz="1600">
                 <a:solidFill>
@@ -1574,9 +1644,10 @@
                 </a:solidFill>
               </a:defRPr>
             </a:lvl4pPr>
-            <a:lvl5pPr marL="0" indent="1828800">
+            <a:lvl5pPr marL="0" indent="0">
               <a:buClrTx/>
               <a:buSzTx/>
+              <a:buFontTx/>
               <a:buNone/>
               <a:defRPr sz="1600">
                 <a:solidFill>
@@ -1627,8 +1698,8 @@
         </p:nvSpPr>
         <p:spPr>
           <a:xfrm>
-            <a:off x="677334" y="4470399"/>
-            <a:ext cx="8596670" cy="1570964"/>
+            <a:off x="677334" y="4470398"/>
+            <a:ext cx="8596670" cy="1570965"/>
           </a:xfrm>
           <a:prstGeom prst="rect">
             <a:avLst/>
@@ -1638,11 +1709,7 @@
           <a:bodyPr anchor="ctr"/>
           <a:lstStyle/>
           <a:p>
-            <a:pPr marL="0" indent="0">
-              <a:buClrTx/>
-              <a:buSzTx/>
-              <a:buNone/>
-            </a:pPr>
+            <a:pPr/>
           </a:p>
         </p:txBody>
       </p:sp>
@@ -1654,8 +1721,8 @@
         </p:nvSpPr>
         <p:spPr>
           <a:xfrm>
-            <a:off x="541869" y="469465"/>
-            <a:ext cx="609601" cy="1226602"/>
+            <a:off x="541868" y="469465"/>
+            <a:ext cx="609603" cy="1226600"/>
           </a:xfrm>
           <a:prstGeom prst="rect">
             <a:avLst/>
@@ -1670,7 +1737,7 @@
           </a:extLst>
         </p:spPr>
         <p:txBody>
-          <a:bodyPr lIns="45719" rIns="45719" anchor="ctr">
+          <a:bodyPr lIns="45718" tIns="45718" rIns="45718" bIns="45718" anchor="ctr">
             <a:spAutoFit/>
           </a:bodyPr>
           <a:lstStyle>
@@ -1702,8 +1769,8 @@
         </p:nvSpPr>
         <p:spPr>
           <a:xfrm>
-            <a:off x="8893010" y="2565643"/>
-            <a:ext cx="609601" cy="1226602"/>
+            <a:off x="8893009" y="2565643"/>
+            <a:ext cx="609602" cy="1226600"/>
           </a:xfrm>
           <a:prstGeom prst="rect">
             <a:avLst/>
@@ -1718,7 +1785,7 @@
           </a:extLst>
         </p:spPr>
         <p:txBody>
-          <a:bodyPr lIns="45719" rIns="45719" anchor="ctr">
+          <a:bodyPr lIns="45718" tIns="45718" rIns="45718" bIns="45718" anchor="ctr">
             <a:spAutoFit/>
           </a:bodyPr>
           <a:lstStyle>
@@ -1801,7 +1868,7 @@
         <p:spPr>
           <a:xfrm>
             <a:off x="677335" y="1931988"/>
-            <a:ext cx="8596669" cy="2595461"/>
+            <a:ext cx="8596670" cy="2595462"/>
           </a:xfrm>
           <a:prstGeom prst="rect">
             <a:avLst/>
@@ -1833,7 +1900,7 @@
         <p:spPr>
           <a:xfrm>
             <a:off x="677335" y="4527448"/>
-            <a:ext cx="8596669" cy="1513915"/>
+            <a:ext cx="8596670" cy="1513916"/>
           </a:xfrm>
           <a:prstGeom prst="rect">
             <a:avLst/>
@@ -1845,26 +1912,31 @@
             <a:lvl1pPr marL="0" indent="0">
               <a:buClrTx/>
               <a:buSzTx/>
+              <a:buFontTx/>
               <a:buNone/>
             </a:lvl1pPr>
-            <a:lvl2pPr marL="0" indent="457200">
+            <a:lvl2pPr marL="0" indent="0">
               <a:buClrTx/>
               <a:buSzTx/>
+              <a:buFontTx/>
               <a:buNone/>
             </a:lvl2pPr>
-            <a:lvl3pPr marL="0" indent="914400">
+            <a:lvl3pPr marL="0" indent="0">
               <a:buClrTx/>
               <a:buSzTx/>
+              <a:buFontTx/>
               <a:buNone/>
             </a:lvl3pPr>
-            <a:lvl4pPr marL="0" indent="1371600">
+            <a:lvl4pPr marL="0" indent="0">
               <a:buClrTx/>
               <a:buSzTx/>
+              <a:buFontTx/>
               <a:buNone/>
             </a:lvl4pPr>
-            <a:lvl5pPr marL="0" indent="1828800">
+            <a:lvl5pPr marL="0" indent="0">
               <a:buClrTx/>
               <a:buSzTx/>
+              <a:buFontTx/>
               <a:buNone/>
             </a:lvl5pPr>
           </a:lstStyle>
@@ -2003,30 +2075,35 @@
             <a:lvl1pPr marL="0" indent="0">
               <a:buClrTx/>
               <a:buSzTx/>
+              <a:buFontTx/>
               <a:buNone/>
               <a:defRPr sz="2400"/>
             </a:lvl1pPr>
-            <a:lvl2pPr marL="0" indent="457200">
+            <a:lvl2pPr marL="0" indent="0">
               <a:buClrTx/>
               <a:buSzTx/>
+              <a:buFontTx/>
               <a:buNone/>
               <a:defRPr sz="2400"/>
             </a:lvl2pPr>
-            <a:lvl3pPr marL="0" indent="914400">
+            <a:lvl3pPr marL="0" indent="0">
               <a:buClrTx/>
               <a:buSzTx/>
+              <a:buFontTx/>
               <a:buNone/>
               <a:defRPr sz="2400"/>
             </a:lvl3pPr>
-            <a:lvl4pPr marL="0" indent="1371600">
+            <a:lvl4pPr marL="0" indent="0">
               <a:buClrTx/>
               <a:buSzTx/>
+              <a:buFontTx/>
               <a:buNone/>
               <a:defRPr sz="2400"/>
             </a:lvl4pPr>
-            <a:lvl5pPr marL="0" indent="1828800">
+            <a:lvl5pPr marL="0" indent="0">
               <a:buClrTx/>
               <a:buSzTx/>
+              <a:buFontTx/>
               <a:buNone/>
               <a:defRPr sz="2400"/>
             </a:lvl5pPr>
@@ -2074,7 +2151,7 @@
         <p:spPr>
           <a:xfrm>
             <a:off x="677334" y="4527448"/>
-            <a:ext cx="8596670" cy="1513915"/>
+            <a:ext cx="8596670" cy="1513916"/>
           </a:xfrm>
           <a:prstGeom prst="rect">
             <a:avLst/>
@@ -2084,16 +2161,7 @@
           <a:bodyPr/>
           <a:lstStyle/>
           <a:p>
-            <a:pPr marL="0" indent="0">
-              <a:buClrTx/>
-              <a:buSzTx/>
-              <a:buNone/>
-              <a:defRPr>
-                <a:solidFill>
-                  <a:srgbClr val="808080"/>
-                </a:solidFill>
-              </a:defRPr>
-            </a:pPr>
+            <a:pPr/>
           </a:p>
         </p:txBody>
       </p:sp>
@@ -2105,8 +2173,8 @@
         </p:nvSpPr>
         <p:spPr>
           <a:xfrm>
-            <a:off x="541869" y="469465"/>
-            <a:ext cx="609601" cy="1226602"/>
+            <a:off x="541868" y="469465"/>
+            <a:ext cx="609603" cy="1226600"/>
           </a:xfrm>
           <a:prstGeom prst="rect">
             <a:avLst/>
@@ -2121,7 +2189,7 @@
           </a:extLst>
         </p:spPr>
         <p:txBody>
-          <a:bodyPr lIns="45719" rIns="45719" anchor="ctr">
+          <a:bodyPr lIns="45718" tIns="45718" rIns="45718" bIns="45718" anchor="ctr">
             <a:spAutoFit/>
           </a:bodyPr>
           <a:lstStyle>
@@ -2153,8 +2221,8 @@
         </p:nvSpPr>
         <p:spPr>
           <a:xfrm>
-            <a:off x="8893010" y="2565643"/>
-            <a:ext cx="609601" cy="1226602"/>
+            <a:off x="8893009" y="2565643"/>
+            <a:ext cx="609602" cy="1226600"/>
           </a:xfrm>
           <a:prstGeom prst="rect">
             <a:avLst/>
@@ -2169,7 +2237,7 @@
           </a:extLst>
         </p:spPr>
         <p:txBody>
-          <a:bodyPr lIns="45719" rIns="45719" anchor="ctr">
+          <a:bodyPr lIns="45718" tIns="45718" rIns="45718" bIns="45718" anchor="ctr">
             <a:spAutoFit/>
           </a:bodyPr>
           <a:lstStyle>
@@ -2296,6 +2364,7 @@
             <a:lvl1pPr marL="0" indent="0">
               <a:buClrTx/>
               <a:buSzTx/>
+              <a:buFontTx/>
               <a:buNone/>
               <a:defRPr sz="2400">
                 <a:solidFill>
@@ -2303,9 +2372,10 @@
                 </a:solidFill>
               </a:defRPr>
             </a:lvl1pPr>
-            <a:lvl2pPr marL="0" indent="457200">
+            <a:lvl2pPr marL="0" indent="0">
               <a:buClrTx/>
               <a:buSzTx/>
+              <a:buFontTx/>
               <a:buNone/>
               <a:defRPr sz="2400">
                 <a:solidFill>
@@ -2313,9 +2383,10 @@
                 </a:solidFill>
               </a:defRPr>
             </a:lvl2pPr>
-            <a:lvl3pPr marL="0" indent="914400">
+            <a:lvl3pPr marL="0" indent="0">
               <a:buClrTx/>
               <a:buSzTx/>
+              <a:buFontTx/>
               <a:buNone/>
               <a:defRPr sz="2400">
                 <a:solidFill>
@@ -2323,9 +2394,10 @@
                 </a:solidFill>
               </a:defRPr>
             </a:lvl3pPr>
-            <a:lvl4pPr marL="0" indent="1371600">
+            <a:lvl4pPr marL="0" indent="0">
               <a:buClrTx/>
               <a:buSzTx/>
+              <a:buFontTx/>
               <a:buNone/>
               <a:defRPr sz="2400">
                 <a:solidFill>
@@ -2333,9 +2405,10 @@
                 </a:solidFill>
               </a:defRPr>
             </a:lvl4pPr>
-            <a:lvl5pPr marL="0" indent="1828800">
+            <a:lvl5pPr marL="0" indent="0">
               <a:buClrTx/>
               <a:buSzTx/>
+              <a:buFontTx/>
               <a:buNone/>
               <a:defRPr sz="2400">
                 <a:solidFill>
@@ -2387,7 +2460,7 @@
         <p:spPr>
           <a:xfrm>
             <a:off x="677334" y="4527448"/>
-            <a:ext cx="8596670" cy="1513915"/>
+            <a:ext cx="8596670" cy="1513916"/>
           </a:xfrm>
           <a:prstGeom prst="rect">
             <a:avLst/>
@@ -2397,16 +2470,7 @@
           <a:bodyPr/>
           <a:lstStyle/>
           <a:p>
-            <a:pPr marL="0" indent="0">
-              <a:buClrTx/>
-              <a:buSzTx/>
-              <a:buNone/>
-              <a:defRPr>
-                <a:solidFill>
-                  <a:srgbClr val="808080"/>
-                </a:solidFill>
-              </a:defRPr>
-            </a:pPr>
+            <a:pPr/>
           </a:p>
         </p:txBody>
       </p:sp>
@@ -2467,10 +2531,6 @@
           </p:nvPr>
         </p:nvSpPr>
         <p:spPr>
-          <a:xfrm>
-            <a:off x="677333" y="609600"/>
-            <a:ext cx="8596670" cy="1320800"/>
-          </a:xfrm>
           <a:prstGeom prst="rect">
             <a:avLst/>
           </a:prstGeom>
@@ -2496,8 +2556,8 @@
         </p:nvSpPr>
         <p:spPr>
           <a:xfrm>
-            <a:off x="677333" y="2160589"/>
-            <a:ext cx="8596670" cy="3880773"/>
+            <a:off x="677332" y="2160589"/>
+            <a:ext cx="8596671" cy="3880773"/>
           </a:xfrm>
           <a:prstGeom prst="rect">
             <a:avLst/>
@@ -2597,7 +2657,7 @@
         <p:spPr>
           <a:xfrm>
             <a:off x="7967673" y="609598"/>
-            <a:ext cx="1304744" cy="5251453"/>
+            <a:ext cx="1304745" cy="5251454"/>
           </a:xfrm>
           <a:prstGeom prst="rect">
             <a:avLst/>
@@ -2723,10 +2783,6 @@
           </p:nvPr>
         </p:nvSpPr>
         <p:spPr>
-          <a:xfrm>
-            <a:off x="677333" y="609600"/>
-            <a:ext cx="8596670" cy="1320800"/>
-          </a:xfrm>
           <a:prstGeom prst="rect">
             <a:avLst/>
           </a:prstGeom>
@@ -2752,8 +2808,8 @@
         </p:nvSpPr>
         <p:spPr>
           <a:xfrm>
-            <a:off x="677333" y="2160589"/>
-            <a:ext cx="8596670" cy="3880773"/>
+            <a:off x="677332" y="2160589"/>
+            <a:ext cx="8596671" cy="3880773"/>
           </a:xfrm>
           <a:prstGeom prst="rect">
             <a:avLst/>
@@ -2852,8 +2908,8 @@
         </p:nvSpPr>
         <p:spPr>
           <a:xfrm>
-            <a:off x="677335" y="2700866"/>
-            <a:ext cx="8596669" cy="1826582"/>
+            <a:off x="677335" y="2700865"/>
+            <a:ext cx="8596670" cy="1826583"/>
           </a:xfrm>
           <a:prstGeom prst="rect">
             <a:avLst/>
@@ -2885,7 +2941,7 @@
         <p:spPr>
           <a:xfrm>
             <a:off x="677335" y="4527448"/>
-            <a:ext cx="8596669" cy="860401"/>
+            <a:ext cx="8596670" cy="860402"/>
           </a:xfrm>
           <a:prstGeom prst="rect">
             <a:avLst/>
@@ -2897,6 +2953,7 @@
             <a:lvl1pPr marL="0" indent="0">
               <a:buClrTx/>
               <a:buSzTx/>
+              <a:buFontTx/>
               <a:buNone/>
               <a:defRPr sz="2000">
                 <a:solidFill>
@@ -2904,9 +2961,10 @@
                 </a:solidFill>
               </a:defRPr>
             </a:lvl1pPr>
-            <a:lvl2pPr marL="0" indent="457200">
+            <a:lvl2pPr marL="0" indent="0">
               <a:buClrTx/>
               <a:buSzTx/>
+              <a:buFontTx/>
               <a:buNone/>
               <a:defRPr sz="2000">
                 <a:solidFill>
@@ -2914,9 +2972,10 @@
                 </a:solidFill>
               </a:defRPr>
             </a:lvl2pPr>
-            <a:lvl3pPr marL="0" indent="914400">
+            <a:lvl3pPr marL="0" indent="0">
               <a:buClrTx/>
               <a:buSzTx/>
+              <a:buFontTx/>
               <a:buNone/>
               <a:defRPr sz="2000">
                 <a:solidFill>
@@ -2924,9 +2983,10 @@
                 </a:solidFill>
               </a:defRPr>
             </a:lvl3pPr>
-            <a:lvl4pPr marL="0" indent="1371600">
+            <a:lvl4pPr marL="0" indent="0">
               <a:buClrTx/>
               <a:buSzTx/>
+              <a:buFontTx/>
               <a:buNone/>
               <a:defRPr sz="2000">
                 <a:solidFill>
@@ -2934,9 +2994,10 @@
                 </a:solidFill>
               </a:defRPr>
             </a:lvl4pPr>
-            <a:lvl5pPr marL="0" indent="1828800">
+            <a:lvl5pPr marL="0" indent="0">
               <a:buClrTx/>
               <a:buSzTx/>
+              <a:buFontTx/>
               <a:buNone/>
               <a:defRPr sz="2000">
                 <a:solidFill>
@@ -3034,10 +3095,6 @@
           </p:nvPr>
         </p:nvSpPr>
         <p:spPr>
-          <a:xfrm>
-            <a:off x="677333" y="609600"/>
-            <a:ext cx="8596670" cy="1320800"/>
-          </a:xfrm>
           <a:prstGeom prst="rect">
             <a:avLst/>
           </a:prstGeom>
@@ -3063,8 +3120,8 @@
         </p:nvSpPr>
         <p:spPr>
           <a:xfrm>
-            <a:off x="677333" y="2160589"/>
-            <a:ext cx="4184036" cy="3880773"/>
+            <a:off x="677332" y="2160589"/>
+            <a:ext cx="4184038" cy="3880773"/>
           </a:xfrm>
           <a:prstGeom prst="rect">
             <a:avLst/>
@@ -3162,10 +3219,6 @@
           </p:nvPr>
         </p:nvSpPr>
         <p:spPr>
-          <a:xfrm>
-            <a:off x="677333" y="609600"/>
-            <a:ext cx="8596670" cy="1320800"/>
-          </a:xfrm>
           <a:prstGeom prst="rect">
             <a:avLst/>
           </a:prstGeom>
@@ -3191,8 +3244,8 @@
         </p:nvSpPr>
         <p:spPr>
           <a:xfrm>
-            <a:off x="675744" y="2160983"/>
-            <a:ext cx="4185624" cy="576263"/>
+            <a:off x="675743" y="2160983"/>
+            <a:ext cx="4185625" cy="576264"/>
           </a:xfrm>
           <a:prstGeom prst="rect">
             <a:avLst/>
@@ -3204,30 +3257,35 @@
             <a:lvl1pPr marL="0" indent="0">
               <a:buClrTx/>
               <a:buSzTx/>
+              <a:buFontTx/>
               <a:buNone/>
               <a:defRPr sz="2400"/>
             </a:lvl1pPr>
-            <a:lvl2pPr marL="0" indent="457200">
+            <a:lvl2pPr marL="0" indent="0">
               <a:buClrTx/>
               <a:buSzTx/>
+              <a:buFontTx/>
               <a:buNone/>
               <a:defRPr sz="2400"/>
             </a:lvl2pPr>
-            <a:lvl3pPr marL="0" indent="914400">
+            <a:lvl3pPr marL="0" indent="0">
               <a:buClrTx/>
               <a:buSzTx/>
+              <a:buFontTx/>
               <a:buNone/>
               <a:defRPr sz="2400"/>
             </a:lvl3pPr>
-            <a:lvl4pPr marL="0" indent="1371600">
+            <a:lvl4pPr marL="0" indent="0">
               <a:buClrTx/>
               <a:buSzTx/>
+              <a:buFontTx/>
               <a:buNone/>
               <a:defRPr sz="2400"/>
             </a:lvl4pPr>
-            <a:lvl5pPr marL="0" indent="1828800">
+            <a:lvl5pPr marL="0" indent="0">
               <a:buClrTx/>
               <a:buSzTx/>
+              <a:buFontTx/>
               <a:buNone/>
               <a:defRPr sz="2400"/>
             </a:lvl5pPr>
@@ -3275,7 +3333,7 @@
         <p:spPr>
           <a:xfrm>
             <a:off x="5088382" y="2160983"/>
-            <a:ext cx="4185619" cy="576263"/>
+            <a:ext cx="4185620" cy="576264"/>
           </a:xfrm>
           <a:prstGeom prst="rect">
             <a:avLst/>
@@ -3285,12 +3343,7 @@
           <a:bodyPr anchor="b"/>
           <a:lstStyle/>
           <a:p>
-            <a:pPr marL="0" indent="0">
-              <a:buClrTx/>
-              <a:buSzTx/>
-              <a:buNone/>
-              <a:defRPr sz="2400"/>
-            </a:pPr>
+            <a:pPr/>
           </a:p>
         </p:txBody>
       </p:sp>
@@ -3351,10 +3404,6 @@
           </p:nvPr>
         </p:nvSpPr>
         <p:spPr>
-          <a:xfrm>
-            <a:off x="677333" y="609600"/>
-            <a:ext cx="8596670" cy="1320800"/>
-          </a:xfrm>
           <a:prstGeom prst="rect">
             <a:avLst/>
           </a:prstGeom>
@@ -3476,8 +3525,8 @@
         </p:nvSpPr>
         <p:spPr>
           <a:xfrm>
-            <a:off x="677333" y="1498603"/>
-            <a:ext cx="3854529" cy="1278467"/>
+            <a:off x="677332" y="1498603"/>
+            <a:ext cx="3854531" cy="1278468"/>
           </a:xfrm>
           <a:prstGeom prst="rect">
             <a:avLst/>
@@ -3508,8 +3557,8 @@
         </p:nvSpPr>
         <p:spPr>
           <a:xfrm>
-            <a:off x="4760460" y="514923"/>
-            <a:ext cx="4513543" cy="5526439"/>
+            <a:off x="4760459" y="514922"/>
+            <a:ext cx="4513544" cy="5526441"/>
           </a:xfrm>
           <a:prstGeom prst="rect">
             <a:avLst/>
@@ -3561,7 +3610,7 @@
         <p:spPr>
           <a:xfrm>
             <a:off x="677334" y="2777069"/>
-            <a:ext cx="3854528" cy="2584450"/>
+            <a:ext cx="3854528" cy="2584451"/>
           </a:xfrm>
           <a:prstGeom prst="rect">
             <a:avLst/>
@@ -3571,12 +3620,7 @@
           <a:bodyPr/>
           <a:lstStyle/>
           <a:p>
-            <a:pPr marL="0" indent="0">
-              <a:buClrTx/>
-              <a:buSzTx/>
-              <a:buNone/>
-              <a:defRPr sz="1400"/>
-            </a:pPr>
+            <a:pPr/>
           </a:p>
         </p:txBody>
       </p:sp>
@@ -3638,8 +3682,8 @@
         </p:nvSpPr>
         <p:spPr>
           <a:xfrm>
-            <a:off x="677333" y="4800600"/>
-            <a:ext cx="8596668" cy="566738"/>
+            <a:off x="677332" y="4800600"/>
+            <a:ext cx="8596670" cy="566738"/>
           </a:xfrm>
           <a:prstGeom prst="rect">
             <a:avLst/>
@@ -3670,15 +3714,15 @@
         </p:nvSpPr>
         <p:spPr>
           <a:xfrm>
-            <a:off x="677333" y="609600"/>
-            <a:ext cx="8596670" cy="3845718"/>
+            <a:off x="677332" y="609600"/>
+            <a:ext cx="8596671" cy="3845718"/>
           </a:xfrm>
           <a:prstGeom prst="rect">
             <a:avLst/>
           </a:prstGeom>
         </p:spPr>
         <p:txBody>
-          <a:bodyPr lIns="91439" rIns="91439">
+          <a:bodyPr lIns="91439" tIns="45719" rIns="91439" bIns="45719">
             <a:noAutofit/>
           </a:bodyPr>
           <a:lstStyle/>
@@ -3697,8 +3741,8 @@
         </p:nvSpPr>
         <p:spPr>
           <a:xfrm>
-            <a:off x="677333" y="5367337"/>
-            <a:ext cx="8596668" cy="674025"/>
+            <a:off x="677332" y="5367337"/>
+            <a:ext cx="8596670" cy="674026"/>
           </a:xfrm>
           <a:prstGeom prst="rect">
             <a:avLst/>
@@ -3710,30 +3754,35 @@
             <a:lvl1pPr marL="0" indent="0">
               <a:buClrTx/>
               <a:buSzTx/>
+              <a:buFontTx/>
               <a:buNone/>
               <a:defRPr sz="1200"/>
             </a:lvl1pPr>
-            <a:lvl2pPr marL="0" indent="457200">
+            <a:lvl2pPr marL="0" indent="0">
               <a:buClrTx/>
               <a:buSzTx/>
+              <a:buFontTx/>
               <a:buNone/>
               <a:defRPr sz="1200"/>
             </a:lvl2pPr>
-            <a:lvl3pPr marL="0" indent="914400">
+            <a:lvl3pPr marL="0" indent="0">
               <a:buClrTx/>
               <a:buSzTx/>
+              <a:buFontTx/>
               <a:buNone/>
               <a:defRPr sz="1200"/>
             </a:lvl3pPr>
-            <a:lvl4pPr marL="0" indent="1371600">
+            <a:lvl4pPr marL="0" indent="0">
               <a:buClrTx/>
               <a:buSzTx/>
+              <a:buFontTx/>
               <a:buNone/>
               <a:defRPr sz="1200"/>
             </a:lvl4pPr>
-            <a:lvl5pPr marL="0" indent="1828800">
+            <a:lvl5pPr marL="0" indent="0">
               <a:buClrTx/>
               <a:buSzTx/>
+              <a:buFontTx/>
               <a:buNone/>
               <a:defRPr sz="1200"/>
             </a:lvl5pPr>
@@ -3833,10 +3882,10 @@
         </p:nvGrpSpPr>
         <p:grpSpPr>
           <a:xfrm>
-            <a:off x="-1" y="-8468"/>
-            <a:ext cx="12192002" cy="6866469"/>
-            <a:chOff x="0" y="0"/>
-            <a:chExt cx="12192000" cy="6866467"/>
+            <a:off x="-3" y="-8469"/>
+            <a:ext cx="12192006" cy="6866472"/>
+            <a:chOff x="-1" y="0"/>
+            <a:chExt cx="12192004" cy="6866470"/>
           </a:xfrm>
         </p:grpSpPr>
         <p:sp>
@@ -3847,8 +3896,8 @@
           </p:nvSpPr>
           <p:spPr>
             <a:xfrm>
-              <a:off x="9371012" y="8466"/>
-              <a:ext cx="1219201" cy="6858002"/>
+              <a:off x="9371013" y="8466"/>
+              <a:ext cx="1219202" cy="6858005"/>
             </a:xfrm>
             <a:prstGeom prst="line">
               <a:avLst/>
@@ -3866,7 +3915,7 @@
             <a:effectLst/>
           </p:spPr>
           <p:txBody>
-            <a:bodyPr wrap="square" lIns="45719" tIns="45719" rIns="45719" bIns="45719" numCol="1" anchor="t">
+            <a:bodyPr wrap="square" lIns="45718" tIns="45718" rIns="45718" bIns="45718" numCol="1" anchor="t">
               <a:noAutofit/>
             </a:bodyPr>
             <a:lstStyle/>
@@ -3883,8 +3932,8 @@
           </p:nvSpPr>
           <p:spPr>
             <a:xfrm flipH="1">
-              <a:off x="7425267" y="3689879"/>
-              <a:ext cx="4763559" cy="3176588"/>
+              <a:off x="7425268" y="3689880"/>
+              <a:ext cx="4763561" cy="3176589"/>
             </a:xfrm>
             <a:prstGeom prst="line">
               <a:avLst/>
@@ -3902,7 +3951,7 @@
             <a:effectLst/>
           </p:spPr>
           <p:txBody>
-            <a:bodyPr wrap="square" lIns="45719" tIns="45719" rIns="45719" bIns="45719" numCol="1" anchor="t">
+            <a:bodyPr wrap="square" lIns="45718" tIns="45718" rIns="45718" bIns="45718" numCol="1" anchor="t">
               <a:noAutofit/>
             </a:bodyPr>
             <a:lstStyle/>
@@ -3919,8 +3968,8 @@
           </p:nvSpPr>
           <p:spPr>
             <a:xfrm>
-              <a:off x="9181476" y="0"/>
-              <a:ext cx="3007350" cy="6866468"/>
+              <a:off x="9181477" y="-1"/>
+              <a:ext cx="3007352" cy="6866471"/>
             </a:xfrm>
             <a:custGeom>
               <a:avLst/>
@@ -3974,12 +4023,19 @@
             <a:effectLst/>
           </p:spPr>
           <p:txBody>
-            <a:bodyPr wrap="square" lIns="45719" tIns="45719" rIns="45719" bIns="45719" numCol="1" anchor="t">
+            <a:bodyPr wrap="square" lIns="45718" tIns="45718" rIns="45718" bIns="45718" numCol="1" anchor="t">
               <a:noAutofit/>
             </a:bodyPr>
             <a:lstStyle/>
             <a:p>
-              <a:pPr/>
+              <a:pPr>
+                <a:defRPr>
+                  <a:latin typeface="+mj-lt"/>
+                  <a:ea typeface="+mj-ea"/>
+                  <a:cs typeface="+mj-cs"/>
+                  <a:sym typeface="Trebuchet MS"/>
+                </a:defRPr>
+              </a:pPr>
             </a:p>
           </p:txBody>
         </p:sp>
@@ -3991,8 +4047,8 @@
           </p:nvSpPr>
           <p:spPr>
             <a:xfrm>
-              <a:off x="9603441" y="0"/>
-              <a:ext cx="2588560" cy="6866468"/>
+              <a:off x="9603442" y="-1"/>
+              <a:ext cx="2588562" cy="6866471"/>
             </a:xfrm>
             <a:custGeom>
               <a:avLst/>
@@ -4046,12 +4102,19 @@
             <a:effectLst/>
           </p:spPr>
           <p:txBody>
-            <a:bodyPr wrap="square" lIns="45719" tIns="45719" rIns="45719" bIns="45719" numCol="1" anchor="t">
+            <a:bodyPr wrap="square" lIns="45718" tIns="45718" rIns="45718" bIns="45718" numCol="1" anchor="t">
               <a:noAutofit/>
             </a:bodyPr>
             <a:lstStyle/>
             <a:p>
-              <a:pPr/>
+              <a:pPr>
+                <a:defRPr>
+                  <a:latin typeface="+mj-lt"/>
+                  <a:ea typeface="+mj-ea"/>
+                  <a:cs typeface="+mj-cs"/>
+                  <a:sym typeface="Trebuchet MS"/>
+                </a:defRPr>
+              </a:pPr>
             </a:p>
           </p:txBody>
         </p:sp>
@@ -4063,8 +4126,8 @@
           </p:nvSpPr>
           <p:spPr>
             <a:xfrm>
-              <a:off x="8932333" y="3056466"/>
-              <a:ext cx="3259668" cy="3810002"/>
+              <a:off x="8932334" y="3056466"/>
+              <a:ext cx="3259670" cy="3810005"/>
             </a:xfrm>
             <a:custGeom>
               <a:avLst/>
@@ -4112,12 +4175,19 @@
             <a:effectLst/>
           </p:spPr>
           <p:txBody>
-            <a:bodyPr wrap="square" lIns="45719" tIns="45719" rIns="45719" bIns="45719" numCol="1" anchor="t">
+            <a:bodyPr wrap="square" lIns="45718" tIns="45718" rIns="45718" bIns="45718" numCol="1" anchor="t">
               <a:noAutofit/>
             </a:bodyPr>
             <a:lstStyle/>
             <a:p>
-              <a:pPr/>
+              <a:pPr>
+                <a:defRPr>
+                  <a:latin typeface="+mj-lt"/>
+                  <a:ea typeface="+mj-ea"/>
+                  <a:cs typeface="+mj-cs"/>
+                  <a:sym typeface="Trebuchet MS"/>
+                </a:defRPr>
+              </a:pPr>
             </a:p>
           </p:txBody>
         </p:sp>
@@ -4129,8 +4199,8 @@
           </p:nvSpPr>
           <p:spPr>
             <a:xfrm>
-              <a:off x="9334500" y="0"/>
-              <a:ext cx="2854327" cy="6866468"/>
+              <a:off x="9334501" y="-1"/>
+              <a:ext cx="2854329" cy="6866471"/>
             </a:xfrm>
             <a:custGeom>
               <a:avLst/>
@@ -4184,12 +4254,19 @@
             <a:effectLst/>
           </p:spPr>
           <p:txBody>
-            <a:bodyPr wrap="square" lIns="45719" tIns="45719" rIns="45719" bIns="45719" numCol="1" anchor="t">
+            <a:bodyPr wrap="square" lIns="45718" tIns="45718" rIns="45718" bIns="45718" numCol="1" anchor="t">
               <a:noAutofit/>
             </a:bodyPr>
             <a:lstStyle/>
             <a:p>
-              <a:pPr/>
+              <a:pPr>
+                <a:defRPr>
+                  <a:latin typeface="+mj-lt"/>
+                  <a:ea typeface="+mj-ea"/>
+                  <a:cs typeface="+mj-cs"/>
+                  <a:sym typeface="Trebuchet MS"/>
+                </a:defRPr>
+              </a:pPr>
             </a:p>
           </p:txBody>
         </p:sp>
@@ -4201,8 +4278,8 @@
           </p:nvSpPr>
           <p:spPr>
             <a:xfrm>
-              <a:off x="10898730" y="0"/>
-              <a:ext cx="1290095" cy="6866468"/>
+              <a:off x="10898732" y="-1"/>
+              <a:ext cx="1290096" cy="6866471"/>
             </a:xfrm>
             <a:custGeom>
               <a:avLst/>
@@ -4256,12 +4333,19 @@
             <a:effectLst/>
           </p:spPr>
           <p:txBody>
-            <a:bodyPr wrap="square" lIns="45719" tIns="45719" rIns="45719" bIns="45719" numCol="1" anchor="t">
+            <a:bodyPr wrap="square" lIns="45718" tIns="45718" rIns="45718" bIns="45718" numCol="1" anchor="t">
               <a:noAutofit/>
             </a:bodyPr>
             <a:lstStyle/>
             <a:p>
-              <a:pPr/>
+              <a:pPr>
+                <a:defRPr>
+                  <a:latin typeface="+mj-lt"/>
+                  <a:ea typeface="+mj-ea"/>
+                  <a:cs typeface="+mj-cs"/>
+                  <a:sym typeface="Trebuchet MS"/>
+                </a:defRPr>
+              </a:pPr>
             </a:p>
           </p:txBody>
         </p:sp>
@@ -4273,8 +4357,8 @@
           </p:nvSpPr>
           <p:spPr>
             <a:xfrm>
-              <a:off x="10938999" y="0"/>
-              <a:ext cx="1249826" cy="6866468"/>
+              <a:off x="10939001" y="-1"/>
+              <a:ext cx="1249827" cy="6866471"/>
             </a:xfrm>
             <a:custGeom>
               <a:avLst/>
@@ -4328,12 +4412,19 @@
             <a:effectLst/>
           </p:spPr>
           <p:txBody>
-            <a:bodyPr wrap="square" lIns="45719" tIns="45719" rIns="45719" bIns="45719" numCol="1" anchor="t">
+            <a:bodyPr wrap="square" lIns="45718" tIns="45718" rIns="45718" bIns="45718" numCol="1" anchor="t">
               <a:noAutofit/>
             </a:bodyPr>
             <a:lstStyle/>
             <a:p>
-              <a:pPr/>
+              <a:pPr>
+                <a:defRPr>
+                  <a:latin typeface="+mj-lt"/>
+                  <a:ea typeface="+mj-ea"/>
+                  <a:cs typeface="+mj-cs"/>
+                  <a:sym typeface="Trebuchet MS"/>
+                </a:defRPr>
+              </a:pPr>
             </a:p>
           </p:txBody>
         </p:sp>
@@ -4345,8 +4436,8 @@
           </p:nvSpPr>
           <p:spPr>
             <a:xfrm>
-              <a:off x="10371666" y="3598333"/>
-              <a:ext cx="1817160" cy="3268134"/>
+              <a:off x="10371667" y="3598334"/>
+              <a:ext cx="1817162" cy="3268136"/>
             </a:xfrm>
             <a:custGeom>
               <a:avLst/>
@@ -4394,12 +4485,19 @@
             <a:effectLst/>
           </p:spPr>
           <p:txBody>
-            <a:bodyPr wrap="square" lIns="45719" tIns="45719" rIns="45719" bIns="45719" numCol="1" anchor="t">
+            <a:bodyPr wrap="square" lIns="45718" tIns="45718" rIns="45718" bIns="45718" numCol="1" anchor="t">
               <a:noAutofit/>
             </a:bodyPr>
             <a:lstStyle/>
             <a:p>
-              <a:pPr/>
+              <a:pPr>
+                <a:defRPr>
+                  <a:latin typeface="+mj-lt"/>
+                  <a:ea typeface="+mj-ea"/>
+                  <a:cs typeface="+mj-cs"/>
+                  <a:sym typeface="Trebuchet MS"/>
+                </a:defRPr>
+              </a:pPr>
             </a:p>
           </p:txBody>
         </p:sp>
@@ -4411,8 +4509,8 @@
           </p:nvSpPr>
           <p:spPr>
             <a:xfrm>
-              <a:off x="-1" y="4021666"/>
-              <a:ext cx="448734" cy="2844802"/>
+              <a:off x="-2" y="4021667"/>
+              <a:ext cx="448736" cy="2844804"/>
             </a:xfrm>
             <a:custGeom>
               <a:avLst/>
@@ -4460,12 +4558,19 @@
             <a:effectLst/>
           </p:spPr>
           <p:txBody>
-            <a:bodyPr wrap="square" lIns="45719" tIns="45719" rIns="45719" bIns="45719" numCol="1" anchor="t">
+            <a:bodyPr wrap="square" lIns="45718" tIns="45718" rIns="45718" bIns="45718" numCol="1" anchor="t">
               <a:noAutofit/>
             </a:bodyPr>
             <a:lstStyle/>
             <a:p>
-              <a:pPr/>
+              <a:pPr>
+                <a:defRPr>
+                  <a:latin typeface="+mj-lt"/>
+                  <a:ea typeface="+mj-ea"/>
+                  <a:cs typeface="+mj-cs"/>
+                  <a:sym typeface="Trebuchet MS"/>
+                </a:defRPr>
+              </a:pPr>
             </a:p>
           </p:txBody>
         </p:sp>
@@ -4480,8 +4585,8 @@
         </p:nvSpPr>
         <p:spPr>
           <a:xfrm>
-            <a:off x="609600" y="274637"/>
-            <a:ext cx="10972800" cy="1325564"/>
+            <a:off x="677332" y="609600"/>
+            <a:ext cx="8596671" cy="1320800"/>
           </a:xfrm>
           <a:prstGeom prst="rect">
             <a:avLst/>
@@ -4496,7 +4601,7 @@
           </a:extLst>
         </p:spPr>
         <p:txBody>
-          <a:bodyPr lIns="45719" rIns="45719">
+          <a:bodyPr lIns="45718" tIns="45718" rIns="45718" bIns="45718">
             <a:normAutofit fontScale="100000" lnSpcReduction="0"/>
           </a:bodyPr>
           <a:lstStyle/>
@@ -4518,8 +4623,8 @@
         </p:nvSpPr>
         <p:spPr>
           <a:xfrm>
-            <a:off x="609600" y="1600200"/>
-            <a:ext cx="10972800" cy="5257800"/>
+            <a:off x="6805083" y="2438400"/>
+            <a:ext cx="4775201" cy="4419600"/>
           </a:xfrm>
           <a:prstGeom prst="rect">
             <a:avLst/>
@@ -4534,7 +4639,7 @@
           </a:extLst>
         </p:spPr>
         <p:txBody>
-          <a:bodyPr lIns="45719" rIns="45719">
+          <a:bodyPr lIns="45718" tIns="45718" rIns="45718" bIns="45718">
             <a:normAutofit fontScale="100000" lnSpcReduction="0"/>
           </a:bodyPr>
           <a:lstStyle/>
@@ -4580,8 +4685,8 @@
         </p:nvSpPr>
         <p:spPr>
           <a:xfrm>
-            <a:off x="9049981" y="6114704"/>
-            <a:ext cx="224022" cy="218441"/>
+            <a:off x="9049983" y="6114705"/>
+            <a:ext cx="224020" cy="218439"/>
           </a:xfrm>
           <a:prstGeom prst="rect">
             <a:avLst/>
@@ -4591,7 +4696,7 @@
           </a:ln>
         </p:spPr>
         <p:txBody>
-          <a:bodyPr wrap="none" lIns="45719" rIns="45719" anchor="ctr">
+          <a:bodyPr wrap="none" lIns="45718" tIns="45718" rIns="45718" bIns="45718" anchor="ctr">
             <a:spAutoFit/>
           </a:bodyPr>
           <a:lstStyle>
@@ -4600,6 +4705,10 @@
                 <a:solidFill>
                   <a:schemeClr val="accent1"/>
                 </a:solidFill>
+                <a:latin typeface="+mj-lt"/>
+                <a:ea typeface="+mj-ea"/>
+                <a:cs typeface="+mj-cs"/>
+                <a:sym typeface="Trebuchet MS"/>
               </a:defRPr>
             </a:lvl1pPr>
           </a:lstStyle>
@@ -4910,8 +5019,8 @@
           <a:schemeClr val="accent1"/>
         </a:buClr>
         <a:buSzPct val="80000"/>
-        <a:buFontTx/>
-        <a:buChar char=""/>
+        <a:buFont typeface="Trebuchet MS"/>
+        <a:buChar char="u"/>
         <a:tabLst/>
         <a:defRPr b="0" baseline="0" cap="none" i="0" spc="0" strike="noStrike" sz="1800" u="none">
           <a:ln>
@@ -4941,8 +5050,8 @@
           <a:schemeClr val="accent1"/>
         </a:buClr>
         <a:buSzPct val="80000"/>
-        <a:buFontTx/>
-        <a:buChar char=""/>
+        <a:buFont typeface="Trebuchet MS"/>
+        <a:buChar char="u"/>
         <a:tabLst/>
         <a:defRPr b="0" baseline="0" cap="none" i="0" spc="0" strike="noStrike" sz="1800" u="none">
           <a:ln>
@@ -4972,8 +5081,8 @@
           <a:schemeClr val="accent1"/>
         </a:buClr>
         <a:buSzPct val="80000"/>
-        <a:buFontTx/>
-        <a:buChar char=""/>
+        <a:buFont typeface="Trebuchet MS"/>
+        <a:buChar char="u"/>
         <a:tabLst/>
         <a:defRPr b="0" baseline="0" cap="none" i="0" spc="0" strike="noStrike" sz="1800" u="none">
           <a:ln>
@@ -5003,8 +5112,8 @@
           <a:schemeClr val="accent1"/>
         </a:buClr>
         <a:buSzPct val="80000"/>
-        <a:buFontTx/>
-        <a:buChar char=""/>
+        <a:buFont typeface="Trebuchet MS"/>
+        <a:buChar char="u"/>
         <a:tabLst/>
         <a:defRPr b="0" baseline="0" cap="none" i="0" spc="0" strike="noStrike" sz="1800" u="none">
           <a:ln>
@@ -5034,8 +5143,8 @@
           <a:schemeClr val="accent1"/>
         </a:buClr>
         <a:buSzPct val="80000"/>
-        <a:buFontTx/>
-        <a:buChar char=""/>
+        <a:buFont typeface="Trebuchet MS"/>
+        <a:buChar char="u"/>
         <a:tabLst/>
         <a:defRPr b="0" baseline="0" cap="none" i="0" spc="0" strike="noStrike" sz="1800" u="none">
           <a:ln>
@@ -5065,8 +5174,8 @@
           <a:schemeClr val="accent1"/>
         </a:buClr>
         <a:buSzPct val="80000"/>
-        <a:buFontTx/>
-        <a:buChar char=""/>
+        <a:buFont typeface="Trebuchet MS"/>
+        <a:buChar char="u"/>
         <a:tabLst/>
         <a:defRPr b="0" baseline="0" cap="none" i="0" spc="0" strike="noStrike" sz="1800" u="none">
           <a:ln>
@@ -5096,8 +5205,8 @@
           <a:schemeClr val="accent1"/>
         </a:buClr>
         <a:buSzPct val="80000"/>
-        <a:buFontTx/>
-        <a:buChar char=""/>
+        <a:buFont typeface="Trebuchet MS"/>
+        <a:buChar char="u"/>
         <a:tabLst/>
         <a:defRPr b="0" baseline="0" cap="none" i="0" spc="0" strike="noStrike" sz="1800" u="none">
           <a:ln>
@@ -5127,8 +5236,8 @@
           <a:schemeClr val="accent1"/>
         </a:buClr>
         <a:buSzPct val="80000"/>
-        <a:buFontTx/>
-        <a:buChar char=""/>
+        <a:buFont typeface="Trebuchet MS"/>
+        <a:buChar char="u"/>
         <a:tabLst/>
         <a:defRPr b="0" baseline="0" cap="none" i="0" spc="0" strike="noStrike" sz="1800" u="none">
           <a:ln>
@@ -5158,8 +5267,8 @@
           <a:schemeClr val="accent1"/>
         </a:buClr>
         <a:buSzPct val="80000"/>
-        <a:buFontTx/>
-        <a:buChar char=""/>
+        <a:buFont typeface="Trebuchet MS"/>
+        <a:buChar char="u"/>
         <a:tabLst/>
         <a:defRPr b="0" baseline="0" cap="none" i="0" spc="0" strike="noStrike" sz="1800" u="none">
           <a:ln>
@@ -5206,7 +5315,7 @@
           <a:sym typeface="Trebuchet MS"/>
         </a:defRPr>
       </a:lvl1pPr>
-      <a:lvl2pPr marL="0" marR="0" indent="457200" algn="r" defTabSz="457200" rtl="0" latinLnBrk="0">
+      <a:lvl2pPr marL="0" marR="0" indent="0" algn="r" defTabSz="457200" rtl="0" latinLnBrk="0">
         <a:lnSpc>
           <a:spcPct val="100000"/>
         </a:lnSpc>
@@ -5235,7 +5344,7 @@
           <a:sym typeface="Trebuchet MS"/>
         </a:defRPr>
       </a:lvl2pPr>
-      <a:lvl3pPr marL="0" marR="0" indent="914400" algn="r" defTabSz="457200" rtl="0" latinLnBrk="0">
+      <a:lvl3pPr marL="0" marR="0" indent="0" algn="r" defTabSz="457200" rtl="0" latinLnBrk="0">
         <a:lnSpc>
           <a:spcPct val="100000"/>
         </a:lnSpc>
@@ -5264,7 +5373,7 @@
           <a:sym typeface="Trebuchet MS"/>
         </a:defRPr>
       </a:lvl3pPr>
-      <a:lvl4pPr marL="0" marR="0" indent="1371600" algn="r" defTabSz="457200" rtl="0" latinLnBrk="0">
+      <a:lvl4pPr marL="0" marR="0" indent="0" algn="r" defTabSz="457200" rtl="0" latinLnBrk="0">
         <a:lnSpc>
           <a:spcPct val="100000"/>
         </a:lnSpc>
@@ -5293,7 +5402,7 @@
           <a:sym typeface="Trebuchet MS"/>
         </a:defRPr>
       </a:lvl4pPr>
-      <a:lvl5pPr marL="0" marR="0" indent="1828800" algn="r" defTabSz="457200" rtl="0" latinLnBrk="0">
+      <a:lvl5pPr marL="0" marR="0" indent="0" algn="r" defTabSz="457200" rtl="0" latinLnBrk="0">
         <a:lnSpc>
           <a:spcPct val="100000"/>
         </a:lnSpc>
@@ -5322,7 +5431,7 @@
           <a:sym typeface="Trebuchet MS"/>
         </a:defRPr>
       </a:lvl5pPr>
-      <a:lvl6pPr marL="0" marR="0" indent="2286000" algn="r" defTabSz="457200" rtl="0" latinLnBrk="0">
+      <a:lvl6pPr marL="0" marR="0" indent="0" algn="r" defTabSz="457200" rtl="0" latinLnBrk="0">
         <a:lnSpc>
           <a:spcPct val="100000"/>
         </a:lnSpc>
@@ -5351,7 +5460,7 @@
           <a:sym typeface="Trebuchet MS"/>
         </a:defRPr>
       </a:lvl6pPr>
-      <a:lvl7pPr marL="0" marR="0" indent="2743200" algn="r" defTabSz="457200" rtl="0" latinLnBrk="0">
+      <a:lvl7pPr marL="0" marR="0" indent="0" algn="r" defTabSz="457200" rtl="0" latinLnBrk="0">
         <a:lnSpc>
           <a:spcPct val="100000"/>
         </a:lnSpc>
@@ -5380,7 +5489,7 @@
           <a:sym typeface="Trebuchet MS"/>
         </a:defRPr>
       </a:lvl7pPr>
-      <a:lvl8pPr marL="0" marR="0" indent="3200400" algn="r" defTabSz="457200" rtl="0" latinLnBrk="0">
+      <a:lvl8pPr marL="0" marR="0" indent="0" algn="r" defTabSz="457200" rtl="0" latinLnBrk="0">
         <a:lnSpc>
           <a:spcPct val="100000"/>
         </a:lnSpc>
@@ -5409,7 +5518,7 @@
           <a:sym typeface="Trebuchet MS"/>
         </a:defRPr>
       </a:lvl8pPr>
-      <a:lvl9pPr marL="0" marR="0" indent="3657600" algn="r" defTabSz="457200" rtl="0" latinLnBrk="0">
+      <a:lvl9pPr marL="0" marR="0" indent="0" algn="r" defTabSz="457200" rtl="0" latinLnBrk="0">
         <a:lnSpc>
           <a:spcPct val="100000"/>
         </a:lnSpc>
@@ -5471,7 +5580,7 @@
         <p:spPr>
           <a:xfrm>
             <a:off x="1507067" y="2404534"/>
-            <a:ext cx="7766937" cy="1646303"/>
+            <a:ext cx="7766937" cy="1646304"/>
           </a:xfrm>
           <a:prstGeom prst="rect">
             <a:avLst/>
@@ -5480,8 +5589,8 @@
         <p:txBody>
           <a:bodyPr/>
           <a:lstStyle>
-            <a:lvl1pPr defTabSz="443484">
-              <a:defRPr sz="5238"/>
+            <a:lvl1pPr defTabSz="443483">
+              <a:defRPr sz="5200"/>
             </a:lvl1pPr>
           </a:lstStyle>
           <a:p>
@@ -5503,7 +5612,7 @@
         <p:spPr>
           <a:xfrm>
             <a:off x="1507067" y="4395389"/>
-            <a:ext cx="7766937" cy="1096900"/>
+            <a:ext cx="7766937" cy="1096901"/>
           </a:xfrm>
           <a:prstGeom prst="rect">
             <a:avLst/>
@@ -5689,6 +5798,7 @@
           <a:lstStyle/>
           <a:p>
             <a:pPr marL="400050" indent="-400050">
+              <a:buFontTx/>
               <a:buAutoNum type="romanUcPeriod" startAt="1"/>
             </a:pPr>
             <a:r>
@@ -5697,11 +5807,13 @@
           </a:p>
           <a:p>
             <a:pPr marL="400050" indent="-400050">
+              <a:buFontTx/>
               <a:buAutoNum type="romanUcPeriod" startAt="1"/>
             </a:pPr>
           </a:p>
           <a:p>
             <a:pPr marL="400050" indent="-400050">
+              <a:buFontTx/>
               <a:buAutoNum type="romanUcPeriod" startAt="2"/>
             </a:pPr>
             <a:r>
@@ -5710,11 +5822,13 @@
           </a:p>
           <a:p>
             <a:pPr marL="400050" indent="-400050">
+              <a:buFontTx/>
               <a:buAutoNum type="romanUcPeriod" startAt="2"/>
             </a:pPr>
           </a:p>
           <a:p>
             <a:pPr marL="400050" indent="-400050">
+              <a:buFontTx/>
               <a:buAutoNum type="romanUcPeriod" startAt="3"/>
             </a:pPr>
             <a:r>
@@ -5723,11 +5837,13 @@
           </a:p>
           <a:p>
             <a:pPr marL="400050" indent="-400050">
+              <a:buFontTx/>
               <a:buAutoNum type="romanUcPeriod" startAt="3"/>
             </a:pPr>
           </a:p>
           <a:p>
             <a:pPr marL="400050" indent="-400050">
+              <a:buFontTx/>
               <a:buAutoNum type="romanUcPeriod" startAt="4"/>
             </a:pPr>
             <a:r>
@@ -5810,7 +5926,7 @@
         <p:spPr>
           <a:xfrm>
             <a:off x="919253" y="2657867"/>
-            <a:ext cx="3768482" cy="2800074"/>
+            <a:ext cx="3768482" cy="2800075"/>
           </a:xfrm>
           <a:prstGeom prst="rect">
             <a:avLst/>
@@ -5829,7 +5945,7 @@
         <p:spPr>
           <a:xfrm>
             <a:off x="677334" y="1452843"/>
-            <a:ext cx="5592418" cy="358140"/>
+            <a:ext cx="5592418" cy="358139"/>
           </a:xfrm>
           <a:prstGeom prst="rect">
             <a:avLst/>
@@ -5844,7 +5960,7 @@
           </a:extLst>
         </p:spPr>
         <p:txBody>
-          <a:bodyPr lIns="45719" rIns="45719">
+          <a:bodyPr lIns="45718" tIns="45718" rIns="45718" bIns="45718">
             <a:spAutoFit/>
           </a:bodyPr>
           <a:lstStyle/>
@@ -5854,6 +5970,10 @@
                 <a:solidFill>
                   <a:srgbClr val="404040"/>
                 </a:solidFill>
+                <a:latin typeface="+mj-lt"/>
+                <a:ea typeface="+mj-ea"/>
+                <a:cs typeface="+mj-cs"/>
+                <a:sym typeface="Trebuchet MS"/>
               </a:defRPr>
             </a:pPr>
             <a:r>
@@ -5882,7 +6002,7 @@
         <p:spPr>
           <a:xfrm>
             <a:off x="1979282" y="5757443"/>
-            <a:ext cx="1648424" cy="358141"/>
+            <a:ext cx="1648425" cy="358139"/>
           </a:xfrm>
           <a:prstGeom prst="rect">
             <a:avLst/>
@@ -5897,7 +6017,7 @@
           </a:extLst>
         </p:spPr>
         <p:txBody>
-          <a:bodyPr lIns="45719" rIns="45719">
+          <a:bodyPr lIns="45718" tIns="45718" rIns="45718" bIns="45718">
             <a:spAutoFit/>
           </a:bodyPr>
           <a:lstStyle>
@@ -5906,6 +6026,10 @@
                 <a:solidFill>
                   <a:srgbClr val="404040"/>
                 </a:solidFill>
+                <a:latin typeface="+mj-lt"/>
+                <a:ea typeface="+mj-ea"/>
+                <a:cs typeface="+mj-cs"/>
+                <a:sym typeface="Trebuchet MS"/>
               </a:defRPr>
             </a:lvl1pPr>
           </a:lstStyle>
@@ -5926,7 +6050,7 @@
         <p:spPr>
           <a:xfrm>
             <a:off x="5552659" y="5618943"/>
-            <a:ext cx="4007021" cy="624841"/>
+            <a:ext cx="4007022" cy="624839"/>
           </a:xfrm>
           <a:prstGeom prst="rect">
             <a:avLst/>
@@ -5941,7 +6065,7 @@
           </a:extLst>
         </p:spPr>
         <p:txBody>
-          <a:bodyPr lIns="45719" rIns="45719">
+          <a:bodyPr lIns="45718" tIns="45718" rIns="45718" bIns="45718">
             <a:spAutoFit/>
           </a:bodyPr>
           <a:lstStyle/>
@@ -5951,6 +6075,10 @@
                 <a:solidFill>
                   <a:srgbClr val="404040"/>
                 </a:solidFill>
+                <a:latin typeface="+mj-lt"/>
+                <a:ea typeface="+mj-ea"/>
+                <a:cs typeface="+mj-cs"/>
+                <a:sym typeface="Trebuchet MS"/>
               </a:defRPr>
             </a:pPr>
             <a:r>
@@ -5963,6 +6091,10 @@
                 <a:solidFill>
                   <a:srgbClr val="404040"/>
                 </a:solidFill>
+                <a:latin typeface="+mj-lt"/>
+                <a:ea typeface="+mj-ea"/>
+                <a:cs typeface="+mj-cs"/>
+                <a:sym typeface="Trebuchet MS"/>
               </a:defRPr>
             </a:pPr>
             <a:r>
@@ -5990,8 +6122,8 @@
         </p:blipFill>
         <p:spPr>
           <a:xfrm>
-            <a:off x="5500757" y="2657866"/>
-            <a:ext cx="4058924" cy="2812377"/>
+            <a:off x="5500756" y="2657866"/>
+            <a:ext cx="4058925" cy="2812377"/>
           </a:xfrm>
           <a:prstGeom prst="rect">
             <a:avLst/>
@@ -6094,8 +6226,9 @@
             <a:endParaRPr b="1"/>
           </a:p>
           <a:p>
-            <a:pPr/>
-            <a:endParaRPr b="1"/>
+            <a:pPr>
+              <a:defRPr b="1"/>
+            </a:pPr>
           </a:p>
           <a:p>
             <a:pPr/>
@@ -6222,8 +6355,8 @@
         </p:nvSpPr>
         <p:spPr>
           <a:xfrm>
-            <a:off x="2663687" y="3592734"/>
-            <a:ext cx="4956314" cy="624841"/>
+            <a:off x="2663686" y="3592734"/>
+            <a:ext cx="4956316" cy="624839"/>
           </a:xfrm>
           <a:prstGeom prst="rect">
             <a:avLst/>
@@ -6241,7 +6374,7 @@
           </a:extLst>
         </p:spPr>
         <p:txBody>
-          <a:bodyPr lIns="45719" rIns="45719">
+          <a:bodyPr lIns="45718" tIns="45718" rIns="45718" bIns="45718">
             <a:spAutoFit/>
           </a:bodyPr>
           <a:lstStyle>
@@ -6250,6 +6383,10 @@
                 <a:solidFill>
                   <a:srgbClr val="FFFF00"/>
                 </a:solidFill>
+                <a:latin typeface="+mj-lt"/>
+                <a:ea typeface="+mj-ea"/>
+                <a:cs typeface="+mj-cs"/>
+                <a:sym typeface="Trebuchet MS"/>
               </a:defRPr>
             </a:lvl1pPr>
           </a:lstStyle>
@@ -6326,7 +6463,7 @@
         <p:spPr>
           <a:xfrm>
             <a:off x="677333" y="1488612"/>
-            <a:ext cx="8596670" cy="3880774"/>
+            <a:ext cx="8596670" cy="3880775"/>
           </a:xfrm>
           <a:prstGeom prst="rect">
             <a:avLst/>
@@ -6393,8 +6530,8 @@
         </p:blipFill>
         <p:spPr>
           <a:xfrm>
-            <a:off x="2525302" y="3687946"/>
-            <a:ext cx="4900732" cy="2819447"/>
+            <a:off x="2525302" y="3687945"/>
+            <a:ext cx="4900732" cy="2819448"/>
           </a:xfrm>
           <a:prstGeom prst="rect">
             <a:avLst/>
@@ -6449,7 +6586,7 @@
         <p:spPr>
           <a:xfrm>
             <a:off x="335937" y="1501709"/>
-            <a:ext cx="8938066" cy="4521404"/>
+            <a:ext cx="8938067" cy="4521404"/>
           </a:xfrm>
           <a:prstGeom prst="rect">
             <a:avLst/>
@@ -6552,7 +6689,7 @@
         <p:spPr>
           <a:xfrm>
             <a:off x="677333" y="1829284"/>
-            <a:ext cx="8596670" cy="4419117"/>
+            <a:ext cx="8596670" cy="4419118"/>
           </a:xfrm>
           <a:prstGeom prst="rect">
             <a:avLst/>
@@ -6580,8 +6717,9 @@
             <a:endParaRPr b="1"/>
           </a:p>
           <a:p>
-            <a:pPr/>
-            <a:endParaRPr b="1"/>
+            <a:pPr>
+              <a:defRPr b="1"/>
+            </a:pPr>
           </a:p>
           <a:p>
             <a:pPr/>
@@ -6692,8 +6830,8 @@
         </p:nvSpPr>
         <p:spPr>
           <a:xfrm>
-            <a:off x="677333" y="1590259"/>
-            <a:ext cx="9248545" cy="5088837"/>
+            <a:off x="677333" y="1303516"/>
+            <a:ext cx="9803476" cy="5375581"/>
           </a:xfrm>
           <a:prstGeom prst="rect">
             <a:avLst/>
@@ -6729,7 +6867,6 @@
                 <a:spcPct val="90000"/>
               </a:lnSpc>
               <a:buSzTx/>
-              <a:buFont typeface="Wingdings 3"/>
               <a:buNone/>
               <a:defRPr sz="1600"/>
             </a:pPr>
@@ -6768,6 +6905,17 @@
               <a:defRPr sz="1600"/>
             </a:pPr>
             <a:r>
+              <a:t>Remise à l’échelle des deux nuages de points en comparant la distance entre épaule gauche et droite</a:t>
+            </a:r>
+          </a:p>
+          <a:p>
+            <a:pPr lvl="1" marL="742950" indent="-285750">
+              <a:lnSpc>
+                <a:spcPct val="90000"/>
+              </a:lnSpc>
+              <a:defRPr sz="1600"/>
+            </a:pPr>
+            <a:r>
               <a:t>Faire correspondre un même point caractéristique, l’épaule gauche par exemple.  </a:t>
             </a:r>
           </a:p>
@@ -6777,20 +6925,24 @@
                 <a:spcPct val="90000"/>
               </a:lnSpc>
               <a:buSzTx/>
-              <a:buFont typeface="Wingdings 3"/>
               <a:buNone/>
-              <a:defRPr sz="1600"/>
-            </a:pPr>
-            <a:r>
-              <a:rPr>
+              <a:defRPr sz="1600">
                 <a:latin typeface="Wingdings"/>
                 <a:ea typeface="Wingdings"/>
                 <a:cs typeface="Wingdings"/>
                 <a:sym typeface="Wingdings"/>
+              </a:defRPr>
+            </a:pPr>
+            <a:r>
+              <a:t>	</a:t>
+            </a:r>
+            <a:r>
+              <a:rPr>
+                <a:latin typeface="+mj-lt"/>
+                <a:ea typeface="+mj-ea"/>
+                <a:cs typeface="+mj-cs"/>
+                <a:sym typeface="Trebuchet MS"/>
               </a:rPr>
-              <a:t>	</a:t>
-            </a:r>
-            <a:r>
               <a:t> Translation</a:t>
             </a:r>
           </a:p>
@@ -6799,8 +6951,8 @@
               <a:lnSpc>
                 <a:spcPct val="90000"/>
               </a:lnSpc>
+              <a:defRPr sz="1600"/>
             </a:pPr>
-            <a:endParaRPr sz="1600"/>
           </a:p>
           <a:p>
             <a:pPr>
@@ -6984,7 +7136,13 @@
           </a:effectLst>
         </a:effectStyle>
         <a:effectStyle>
-          <a:effectLst/>
+          <a:effectLst>
+            <a:outerShdw sx="100000" sy="100000" kx="0" ky="0" algn="b" rotWithShape="0" blurRad="38100" dist="25400" dir="5400000">
+              <a:srgbClr val="000000">
+                <a:alpha val="35000"/>
+              </a:srgbClr>
+            </a:outerShdw>
+          </a:effectLst>
         </a:effectStyle>
       </a:effectStyleLst>
       <a:bgFillStyleLst>
@@ -7045,7 +7203,7 @@
         <a:solidFill>
           <a:srgbClr val="FFFFFF"/>
         </a:solidFill>
-        <a:ln w="19050" cap="rnd">
+        <a:ln w="25400" cap="flat">
           <a:solidFill>
             <a:schemeClr val="accent1"/>
           </a:solidFill>
@@ -7061,7 +7219,7 @@
         </a:effectLst>
         <a:sp3d/>
       </a:spPr>
-      <a:bodyPr rot="0" spcFirstLastPara="1" vertOverflow="overflow" horzOverflow="overflow" vert="horz" wrap="square" lIns="45719" tIns="45719" rIns="45719" bIns="45719" numCol="1" spcCol="38100" rtlCol="0" anchor="ctr" upright="0">
+      <a:bodyPr rot="0" spcFirstLastPara="1" vertOverflow="overflow" horzOverflow="overflow" vert="horz" wrap="square" lIns="45718" tIns="45718" rIns="45718" bIns="45718" numCol="1" spcCol="38100" rtlCol="0" anchor="ctr" upright="0">
         <a:spAutoFit/>
       </a:bodyPr>
       <a:lstStyle>
@@ -7089,10 +7247,10 @@
             </a:solidFill>
             <a:effectLst/>
             <a:uFillTx/>
-            <a:latin typeface="+mj-lt"/>
-            <a:ea typeface="+mj-ea"/>
-            <a:cs typeface="+mj-cs"/>
-            <a:sym typeface="Trebuchet MS"/>
+            <a:latin typeface="+mn-lt"/>
+            <a:ea typeface="+mn-ea"/>
+            <a:cs typeface="+mn-cs"/>
+            <a:sym typeface="Helvetica"/>
           </a:defRPr>
         </a:defPPr>
         <a:lvl1pPr marL="0" marR="0" indent="0" algn="l" defTabSz="914400" rtl="0" fontAlgn="auto" latinLnBrk="1" hangingPunct="0">
@@ -7340,14 +7498,20 @@
     <a:lnDef>
       <a:spPr>
         <a:noFill/>
-        <a:ln w="19050" cap="rnd">
+        <a:ln w="25400" cap="flat">
           <a:solidFill>
             <a:schemeClr val="accent1"/>
           </a:solidFill>
           <a:prstDash val="solid"/>
           <a:round/>
         </a:ln>
-        <a:effectLst/>
+        <a:effectLst>
+          <a:outerShdw sx="100000" sy="100000" kx="0" ky="0" algn="b" rotWithShape="0" blurRad="38100" dist="25400" dir="5400000">
+            <a:srgbClr val="000000">
+              <a:alpha val="35000"/>
+            </a:srgbClr>
+          </a:outerShdw>
+        </a:effectLst>
         <a:sp3d/>
       </a:spPr>
       <a:bodyPr rot="0" spcFirstLastPara="1" vertOverflow="overflow" horzOverflow="overflow" vert="horz" wrap="square" lIns="91439" tIns="45719" rIns="91439" bIns="45719" numCol="1" spcCol="38100" rtlCol="0" anchor="t" upright="0">
@@ -7632,7 +7796,7 @@
         <a:effectLst/>
         <a:sp3d/>
       </a:spPr>
-      <a:bodyPr rot="0" spcFirstLastPara="1" vertOverflow="overflow" horzOverflow="overflow" vert="horz" wrap="square" lIns="45719" tIns="45719" rIns="45719" bIns="45719" numCol="1" spcCol="38100" rtlCol="0" anchor="t" upright="0">
+      <a:bodyPr rot="0" spcFirstLastPara="1" vertOverflow="overflow" horzOverflow="overflow" vert="horz" wrap="square" lIns="45718" tIns="45718" rIns="45718" bIns="45718" numCol="1" spcCol="38100" rtlCol="0" anchor="t" upright="0">
         <a:spAutoFit/>
       </a:bodyPr>
       <a:lstStyle>
@@ -7660,10 +7824,10 @@
             </a:solidFill>
             <a:effectLst/>
             <a:uFillTx/>
-            <a:latin typeface="+mj-lt"/>
-            <a:ea typeface="+mj-ea"/>
-            <a:cs typeface="+mj-cs"/>
-            <a:sym typeface="Trebuchet MS"/>
+            <a:latin typeface="+mn-lt"/>
+            <a:ea typeface="+mn-ea"/>
+            <a:cs typeface="+mn-cs"/>
+            <a:sym typeface="Helvetica"/>
           </a:defRPr>
         </a:defPPr>
         <a:lvl1pPr marL="0" marR="0" indent="0" algn="l" defTabSz="914400" rtl="0" fontAlgn="auto" latinLnBrk="1" hangingPunct="0">
@@ -8056,7 +8220,13 @@
           </a:effectLst>
         </a:effectStyle>
         <a:effectStyle>
-          <a:effectLst/>
+          <a:effectLst>
+            <a:outerShdw sx="100000" sy="100000" kx="0" ky="0" algn="b" rotWithShape="0" blurRad="38100" dist="25400" dir="5400000">
+              <a:srgbClr val="000000">
+                <a:alpha val="35000"/>
+              </a:srgbClr>
+            </a:outerShdw>
+          </a:effectLst>
         </a:effectStyle>
       </a:effectStyleLst>
       <a:bgFillStyleLst>
@@ -8117,7 +8287,7 @@
         <a:solidFill>
           <a:srgbClr val="FFFFFF"/>
         </a:solidFill>
-        <a:ln w="19050" cap="rnd">
+        <a:ln w="25400" cap="flat">
           <a:solidFill>
             <a:schemeClr val="accent1"/>
           </a:solidFill>
@@ -8133,7 +8303,7 @@
         </a:effectLst>
         <a:sp3d/>
       </a:spPr>
-      <a:bodyPr rot="0" spcFirstLastPara="1" vertOverflow="overflow" horzOverflow="overflow" vert="horz" wrap="square" lIns="45719" tIns="45719" rIns="45719" bIns="45719" numCol="1" spcCol="38100" rtlCol="0" anchor="ctr" upright="0">
+      <a:bodyPr rot="0" spcFirstLastPara="1" vertOverflow="overflow" horzOverflow="overflow" vert="horz" wrap="square" lIns="45718" tIns="45718" rIns="45718" bIns="45718" numCol="1" spcCol="38100" rtlCol="0" anchor="ctr" upright="0">
         <a:spAutoFit/>
       </a:bodyPr>
       <a:lstStyle>
@@ -8161,10 +8331,10 @@
             </a:solidFill>
             <a:effectLst/>
             <a:uFillTx/>
-            <a:latin typeface="+mj-lt"/>
-            <a:ea typeface="+mj-ea"/>
-            <a:cs typeface="+mj-cs"/>
-            <a:sym typeface="Trebuchet MS"/>
+            <a:latin typeface="+mn-lt"/>
+            <a:ea typeface="+mn-ea"/>
+            <a:cs typeface="+mn-cs"/>
+            <a:sym typeface="Helvetica"/>
           </a:defRPr>
         </a:defPPr>
         <a:lvl1pPr marL="0" marR="0" indent="0" algn="l" defTabSz="914400" rtl="0" fontAlgn="auto" latinLnBrk="1" hangingPunct="0">
@@ -8412,14 +8582,20 @@
     <a:lnDef>
       <a:spPr>
         <a:noFill/>
-        <a:ln w="19050" cap="rnd">
+        <a:ln w="25400" cap="flat">
           <a:solidFill>
             <a:schemeClr val="accent1"/>
           </a:solidFill>
           <a:prstDash val="solid"/>
           <a:round/>
         </a:ln>
-        <a:effectLst/>
+        <a:effectLst>
+          <a:outerShdw sx="100000" sy="100000" kx="0" ky="0" algn="b" rotWithShape="0" blurRad="38100" dist="25400" dir="5400000">
+            <a:srgbClr val="000000">
+              <a:alpha val="35000"/>
+            </a:srgbClr>
+          </a:outerShdw>
+        </a:effectLst>
         <a:sp3d/>
       </a:spPr>
       <a:bodyPr rot="0" spcFirstLastPara="1" vertOverflow="overflow" horzOverflow="overflow" vert="horz" wrap="square" lIns="91439" tIns="45719" rIns="91439" bIns="45719" numCol="1" spcCol="38100" rtlCol="0" anchor="t" upright="0">
@@ -8704,7 +8880,7 @@
         <a:effectLst/>
         <a:sp3d/>
       </a:spPr>
-      <a:bodyPr rot="0" spcFirstLastPara="1" vertOverflow="overflow" horzOverflow="overflow" vert="horz" wrap="square" lIns="45719" tIns="45719" rIns="45719" bIns="45719" numCol="1" spcCol="38100" rtlCol="0" anchor="t" upright="0">
+      <a:bodyPr rot="0" spcFirstLastPara="1" vertOverflow="overflow" horzOverflow="overflow" vert="horz" wrap="square" lIns="45718" tIns="45718" rIns="45718" bIns="45718" numCol="1" spcCol="38100" rtlCol="0" anchor="t" upright="0">
         <a:spAutoFit/>
       </a:bodyPr>
       <a:lstStyle>
@@ -8732,10 +8908,10 @@
             </a:solidFill>
             <a:effectLst/>
             <a:uFillTx/>
-            <a:latin typeface="+mj-lt"/>
-            <a:ea typeface="+mj-ea"/>
-            <a:cs typeface="+mj-cs"/>
-            <a:sym typeface="Trebuchet MS"/>
+            <a:latin typeface="+mn-lt"/>
+            <a:ea typeface="+mn-ea"/>
+            <a:cs typeface="+mn-cs"/>
+            <a:sym typeface="Helvetica"/>
           </a:defRPr>
         </a:defPPr>
         <a:lvl1pPr marL="0" marR="0" indent="0" algn="l" defTabSz="914400" rtl="0" fontAlgn="auto" latinLnBrk="1" hangingPunct="0">

--- a/Présentation.pptx
+++ b/Présentation.pptx
@@ -1,23 +1,26 @@
 
 <file path=ppt/presentation.xml><?xml version="1.0" encoding="utf-8"?>
-<p:presentation xmlns:a="http://schemas.openxmlformats.org/drawingml/2006/main" xmlns:r="http://schemas.openxmlformats.org/officeDocument/2006/relationships" xmlns:p="http://schemas.openxmlformats.org/presentationml/2006/main" xmlns:m="http://schemas.openxmlformats.org/officeDocument/2006/math" xmlns:a14="http://schemas.microsoft.com/office/drawing/2010/main">
+<p:presentation xmlns:a="http://schemas.openxmlformats.org/drawingml/2006/main" xmlns:r="http://schemas.openxmlformats.org/officeDocument/2006/relationships" xmlns:p="http://schemas.openxmlformats.org/presentationml/2006/main">
   <p:sldMasterIdLst>
-    <p:sldMasterId id="2147483648" r:id="rId5"/>
+    <p:sldMasterId id="2147483648" r:id="rId1"/>
   </p:sldMasterIdLst>
   <p:notesMasterIdLst>
-    <p:notesMasterId r:id="rId7"/>
+    <p:notesMasterId r:id="rId15"/>
   </p:notesMasterIdLst>
   <p:sldIdLst>
-    <p:sldId id="256" r:id="rId8"/>
-    <p:sldId id="257" r:id="rId9"/>
-    <p:sldId id="258" r:id="rId10"/>
-    <p:sldId id="259" r:id="rId11"/>
-    <p:sldId id="260" r:id="rId12"/>
-    <p:sldId id="261" r:id="rId13"/>
-    <p:sldId id="262" r:id="rId14"/>
-    <p:sldId id="263" r:id="rId15"/>
-    <p:sldId id="264" r:id="rId16"/>
-    <p:sldId id="265" r:id="rId17"/>
+    <p:sldId id="256" r:id="rId2"/>
+    <p:sldId id="257" r:id="rId3"/>
+    <p:sldId id="258" r:id="rId4"/>
+    <p:sldId id="259" r:id="rId5"/>
+    <p:sldId id="260" r:id="rId6"/>
+    <p:sldId id="261" r:id="rId7"/>
+    <p:sldId id="262" r:id="rId8"/>
+    <p:sldId id="263" r:id="rId9"/>
+    <p:sldId id="266" r:id="rId10"/>
+    <p:sldId id="264" r:id="rId11"/>
+    <p:sldId id="265" r:id="rId12"/>
+    <p:sldId id="268" r:id="rId13"/>
+    <p:sldId id="267" r:id="rId14"/>
   </p:sldIdLst>
   <p:sldSz cx="12192000" cy="6858000"/>
   <p:notesSz cx="6858000" cy="9144000"/>
@@ -37,7 +40,7 @@
       <a:buFontTx/>
       <a:buNone/>
       <a:tabLst/>
-      <a:defRPr b="0" baseline="0" cap="none" i="0" spc="0" strike="noStrike" sz="1800" u="none" kumimoji="0" normalizeH="0">
+      <a:defRPr kumimoji="0" sz="1800" b="0" i="0" u="none" strike="noStrike" cap="none" spc="0" normalizeH="0" baseline="0">
         <a:ln>
           <a:noFill/>
         </a:ln>
@@ -63,7 +66,7 @@
       <a:buFontTx/>
       <a:buNone/>
       <a:tabLst/>
-      <a:defRPr b="0" baseline="0" cap="none" i="0" spc="0" strike="noStrike" sz="1800" u="none" kumimoji="0" normalizeH="0">
+      <a:defRPr kumimoji="0" sz="1800" b="0" i="0" u="none" strike="noStrike" cap="none" spc="0" normalizeH="0" baseline="0">
         <a:ln>
           <a:noFill/>
         </a:ln>
@@ -93,7 +96,7 @@
       <a:buFontTx/>
       <a:buNone/>
       <a:tabLst/>
-      <a:defRPr b="0" baseline="0" cap="none" i="0" spc="0" strike="noStrike" sz="1800" u="none" kumimoji="0" normalizeH="0">
+      <a:defRPr kumimoji="0" sz="1800" b="0" i="0" u="none" strike="noStrike" cap="none" spc="0" normalizeH="0" baseline="0">
         <a:ln>
           <a:noFill/>
         </a:ln>
@@ -123,7 +126,7 @@
       <a:buFontTx/>
       <a:buNone/>
       <a:tabLst/>
-      <a:defRPr b="0" baseline="0" cap="none" i="0" spc="0" strike="noStrike" sz="1800" u="none" kumimoji="0" normalizeH="0">
+      <a:defRPr kumimoji="0" sz="1800" b="0" i="0" u="none" strike="noStrike" cap="none" spc="0" normalizeH="0" baseline="0">
         <a:ln>
           <a:noFill/>
         </a:ln>
@@ -153,7 +156,7 @@
       <a:buFontTx/>
       <a:buNone/>
       <a:tabLst/>
-      <a:defRPr b="0" baseline="0" cap="none" i="0" spc="0" strike="noStrike" sz="1800" u="none" kumimoji="0" normalizeH="0">
+      <a:defRPr kumimoji="0" sz="1800" b="0" i="0" u="none" strike="noStrike" cap="none" spc="0" normalizeH="0" baseline="0">
         <a:ln>
           <a:noFill/>
         </a:ln>
@@ -183,7 +186,7 @@
       <a:buFontTx/>
       <a:buNone/>
       <a:tabLst/>
-      <a:defRPr b="0" baseline="0" cap="none" i="0" spc="0" strike="noStrike" sz="1800" u="none" kumimoji="0" normalizeH="0">
+      <a:defRPr kumimoji="0" sz="1800" b="0" i="0" u="none" strike="noStrike" cap="none" spc="0" normalizeH="0" baseline="0">
         <a:ln>
           <a:noFill/>
         </a:ln>
@@ -213,7 +216,7 @@
       <a:buFontTx/>
       <a:buNone/>
       <a:tabLst/>
-      <a:defRPr b="0" baseline="0" cap="none" i="0" spc="0" strike="noStrike" sz="1800" u="none" kumimoji="0" normalizeH="0">
+      <a:defRPr kumimoji="0" sz="1800" b="0" i="0" u="none" strike="noStrike" cap="none" spc="0" normalizeH="0" baseline="0">
         <a:ln>
           <a:noFill/>
         </a:ln>
@@ -243,7 +246,7 @@
       <a:buFontTx/>
       <a:buNone/>
       <a:tabLst/>
-      <a:defRPr b="0" baseline="0" cap="none" i="0" spc="0" strike="noStrike" sz="1800" u="none" kumimoji="0" normalizeH="0">
+      <a:defRPr kumimoji="0" sz="1800" b="0" i="0" u="none" strike="noStrike" cap="none" spc="0" normalizeH="0" baseline="0">
         <a:ln>
           <a:noFill/>
         </a:ln>
@@ -273,7 +276,7 @@
       <a:buFontTx/>
       <a:buNone/>
       <a:tabLst/>
-      <a:defRPr b="0" baseline="0" cap="none" i="0" spc="0" strike="noStrike" sz="1800" u="none" kumimoji="0" normalizeH="0">
+      <a:defRPr kumimoji="0" sz="1800" b="0" i="0" u="none" strike="noStrike" cap="none" spc="0" normalizeH="0" baseline="0">
         <a:ln>
           <a:noFill/>
         </a:ln>
@@ -303,7 +306,7 @@
       <a:buFontTx/>
       <a:buNone/>
       <a:tabLst/>
-      <a:defRPr b="0" baseline="0" cap="none" i="0" spc="0" strike="noStrike" sz="1800" u="none" kumimoji="0" normalizeH="0">
+      <a:defRPr kumimoji="0" sz="1800" b="0" i="0" u="none" strike="noStrike" cap="none" spc="0" normalizeH="0" baseline="0">
         <a:ln>
           <a:noFill/>
         </a:ln>
@@ -322,13 +325,14 @@
 </p:presentation>
 </file>
 
-<file path=ppt/commentAuthors.xml><?xml version="1.0" encoding="utf-8"?>
-<p:cmAuthorLst xmlns:a="http://schemas.openxmlformats.org/drawingml/2006/main" xmlns:r="http://schemas.openxmlformats.org/officeDocument/2006/relationships" xmlns:p="http://schemas.openxmlformats.org/presentationml/2006/main" xmlns:m="http://schemas.openxmlformats.org/officeDocument/2006/math" xmlns:a14="http://schemas.microsoft.com/office/drawing/2010/main"/>
-</file>
-
 <file path=ppt/notesMasters/notesMaster1.xml><?xml version="1.0" encoding="utf-8"?>
-<p:notesMaster xmlns:a="http://schemas.openxmlformats.org/drawingml/2006/main" xmlns:r="http://schemas.openxmlformats.org/officeDocument/2006/relationships" xmlns:p="http://schemas.openxmlformats.org/presentationml/2006/main" xmlns:m="http://schemas.openxmlformats.org/officeDocument/2006/math" xmlns:a14="http://schemas.microsoft.com/office/drawing/2010/main">
+<p:notesMaster xmlns:a="http://schemas.openxmlformats.org/drawingml/2006/main" xmlns:r="http://schemas.openxmlformats.org/officeDocument/2006/relationships" xmlns:p="http://schemas.openxmlformats.org/presentationml/2006/main">
   <p:cSld>
+    <p:bg>
+      <p:bgRef idx="1001">
+        <a:schemeClr val="bg1"/>
+      </p:bgRef>
+    </p:bg>
     <p:spTree>
       <p:nvGrpSpPr>
         <p:cNvPr id="1" name=""/>
@@ -346,7 +350,9 @@
       <p:sp>
         <p:nvSpPr>
           <p:cNvPr id="183" name="Shape 183"/>
-          <p:cNvSpPr/>
+          <p:cNvSpPr>
+            <a:spLocks noGrp="1" noRot="1" noChangeAspect="1"/>
+          </p:cNvSpPr>
           <p:nvPr>
             <p:ph type="sldImg"/>
           </p:nvPr>
@@ -364,14 +370,16 @@
           <a:bodyPr/>
           <a:lstStyle/>
           <a:p>
-            <a:pPr/>
+            <a:endParaRPr/>
           </a:p>
         </p:txBody>
       </p:sp>
       <p:sp>
         <p:nvSpPr>
           <p:cNvPr id="184" name="Shape 184"/>
-          <p:cNvSpPr/>
+          <p:cNvSpPr>
+            <a:spLocks noGrp="1"/>
+          </p:cNvSpPr>
           <p:nvPr>
             <p:ph type="body" sz="quarter" idx="1"/>
           </p:nvPr>
@@ -389,7 +397,7 @@
           <a:bodyPr/>
           <a:lstStyle/>
           <a:p>
-            <a:pPr/>
+            <a:endParaRPr/>
           </a:p>
         </p:txBody>
       </p:sp>
@@ -474,7 +482,7 @@
 </file>
 
 <file path=ppt/slideLayouts/slideLayout1.xml><?xml version="1.0" encoding="utf-8"?>
-<p:sldLayout xmlns:a="http://schemas.openxmlformats.org/drawingml/2006/main" xmlns:r="http://schemas.openxmlformats.org/officeDocument/2006/relationships" xmlns:p="http://schemas.openxmlformats.org/presentationml/2006/main" xmlns:m="http://schemas.openxmlformats.org/officeDocument/2006/math" xmlns:a14="http://schemas.microsoft.com/office/drawing/2010/main" type="title" showMasterSp="0" showMasterPhAnim="1">
+<p:sldLayout xmlns:a="http://schemas.openxmlformats.org/drawingml/2006/main" xmlns:r="http://schemas.openxmlformats.org/officeDocument/2006/relationships" xmlns:p="http://schemas.openxmlformats.org/presentationml/2006/main" showMasterSp="0" type="title">
   <p:cSld name="Diapositive de titre">
     <p:spTree>
       <p:nvGrpSpPr>
@@ -535,7 +543,7 @@
               </a:cxnLst>
               <a:rect l="0" t="0" r="r" b="b"/>
               <a:pathLst>
-                <a:path w="21600" h="21600" fill="norm" stroke="1" extrusionOk="0">
+                <a:path w="21600" h="21600" extrusionOk="0">
                   <a:moveTo>
                     <a:pt x="0" y="32"/>
                   </a:moveTo>
@@ -580,6 +588,7 @@
                   <a:sym typeface="Trebuchet MS"/>
                 </a:defRPr>
               </a:pPr>
+              <a:endParaRPr/>
             </a:p>
           </p:txBody>
         </p:sp>
@@ -615,7 +624,7 @@
             </a:bodyPr>
             <a:lstStyle/>
             <a:p>
-              <a:pPr/>
+              <a:endParaRPr/>
             </a:p>
           </p:txBody>
         </p:sp>
@@ -651,7 +660,7 @@
             </a:bodyPr>
             <a:lstStyle/>
             <a:p>
-              <a:pPr/>
+              <a:endParaRPr/>
             </a:p>
           </p:txBody>
         </p:sp>
@@ -686,7 +695,7 @@
               </a:cxnLst>
               <a:rect l="0" t="0" r="r" b="b"/>
               <a:pathLst>
-                <a:path w="21600" h="21600" fill="norm" stroke="1" extrusionOk="0">
+                <a:path w="21600" h="21600" extrusionOk="0">
                   <a:moveTo>
                     <a:pt x="14692" y="0"/>
                   </a:moveTo>
@@ -731,6 +740,7 @@
                   <a:sym typeface="Trebuchet MS"/>
                 </a:defRPr>
               </a:pPr>
+              <a:endParaRPr/>
             </a:p>
           </p:txBody>
         </p:sp>
@@ -765,7 +775,7 @@
               </a:cxnLst>
               <a:rect l="0" t="0" r="r" b="b"/>
               <a:pathLst>
-                <a:path w="21600" h="21600" fill="norm" stroke="1" extrusionOk="0">
+                <a:path w="21600" h="21600" extrusionOk="0">
                   <a:moveTo>
                     <a:pt x="0" y="0"/>
                   </a:moveTo>
@@ -810,6 +820,7 @@
                   <a:sym typeface="Trebuchet MS"/>
                 </a:defRPr>
               </a:pPr>
+              <a:endParaRPr/>
             </a:p>
           </p:txBody>
         </p:sp>
@@ -844,7 +855,7 @@
               </a:cxnLst>
               <a:rect l="0" t="0" r="r" b="b"/>
               <a:pathLst>
-                <a:path w="21600" h="21600" fill="norm" stroke="1" extrusionOk="0">
+                <a:path w="21600" h="21600" extrusionOk="0">
                   <a:moveTo>
                     <a:pt x="0" y="21600"/>
                   </a:moveTo>
@@ -883,6 +894,7 @@
                   <a:sym typeface="Trebuchet MS"/>
                 </a:defRPr>
               </a:pPr>
+              <a:endParaRPr/>
             </a:p>
           </p:txBody>
         </p:sp>
@@ -917,7 +929,7 @@
               </a:cxnLst>
               <a:rect l="0" t="0" r="r" b="b"/>
               <a:pathLst>
-                <a:path w="21600" h="21600" fill="norm" stroke="1" extrusionOk="0">
+                <a:path w="21600" h="21600" extrusionOk="0">
                   <a:moveTo>
                     <a:pt x="0" y="0"/>
                   </a:moveTo>
@@ -962,6 +974,7 @@
                   <a:sym typeface="Trebuchet MS"/>
                 </a:defRPr>
               </a:pPr>
+              <a:endParaRPr/>
             </a:p>
           </p:txBody>
         </p:sp>
@@ -996,7 +1009,7 @@
               </a:cxnLst>
               <a:rect l="0" t="0" r="r" b="b"/>
               <a:pathLst>
-                <a:path w="21600" h="21600" fill="norm" stroke="1" extrusionOk="0">
+                <a:path w="21600" h="21600" extrusionOk="0">
                   <a:moveTo>
                     <a:pt x="17073" y="0"/>
                   </a:moveTo>
@@ -1041,6 +1054,7 @@
                   <a:sym typeface="Trebuchet MS"/>
                 </a:defRPr>
               </a:pPr>
+              <a:endParaRPr/>
             </a:p>
           </p:txBody>
         </p:sp>
@@ -1075,7 +1089,7 @@
               </a:cxnLst>
               <a:rect l="0" t="0" r="r" b="b"/>
               <a:pathLst>
-                <a:path w="21600" h="21600" fill="norm" stroke="1" extrusionOk="0">
+                <a:path w="21600" h="21600" extrusionOk="0">
                   <a:moveTo>
                     <a:pt x="0" y="0"/>
                   </a:moveTo>
@@ -1120,6 +1134,7 @@
                   <a:sym typeface="Trebuchet MS"/>
                 </a:defRPr>
               </a:pPr>
+              <a:endParaRPr/>
             </a:p>
           </p:txBody>
         </p:sp>
@@ -1154,7 +1169,7 @@
               </a:cxnLst>
               <a:rect l="0" t="0" r="r" b="b"/>
               <a:pathLst>
-                <a:path w="21600" h="21600" fill="norm" stroke="1" extrusionOk="0">
+                <a:path w="21600" h="21600" extrusionOk="0">
                   <a:moveTo>
                     <a:pt x="0" y="21600"/>
                   </a:moveTo>
@@ -1193,6 +1208,7 @@
                   <a:sym typeface="Trebuchet MS"/>
                 </a:defRPr>
               </a:pPr>
+              <a:endParaRPr/>
             </a:p>
           </p:txBody>
         </p:sp>
@@ -1200,7 +1216,9 @@
       <p:sp>
         <p:nvSpPr>
           <p:cNvPr id="33" name="Titeltext"/>
-          <p:cNvSpPr txBox="1"/>
+          <p:cNvSpPr txBox="1">
+            <a:spLocks noGrp="1"/>
+          </p:cNvSpPr>
           <p:nvPr>
             <p:ph type="title"/>
           </p:nvPr>
@@ -1222,7 +1240,6 @@
             </a:lvl1pPr>
           </a:lstStyle>
           <a:p>
-            <a:pPr/>
             <a:r>
               <a:t>Titeltext</a:t>
             </a:r>
@@ -1232,7 +1249,9 @@
       <p:sp>
         <p:nvSpPr>
           <p:cNvPr id="34" name="Textebene 1…"/>
-          <p:cNvSpPr txBox="1"/>
+          <p:cNvSpPr txBox="1">
+            <a:spLocks noGrp="1"/>
+          </p:cNvSpPr>
           <p:nvPr>
             <p:ph type="body" sz="quarter" idx="1"/>
           </p:nvPr>
@@ -1306,7 +1325,6 @@
             </a:lvl5pPr>
           </a:lstStyle>
           <a:p>
-            <a:pPr/>
             <a:r>
               <a:t>Textebene 1</a:t>
             </a:r>
@@ -1340,7 +1358,9 @@
       <p:sp>
         <p:nvSpPr>
           <p:cNvPr id="35" name="Foliennummer"/>
-          <p:cNvSpPr txBox="1"/>
+          <p:cNvSpPr txBox="1">
+            <a:spLocks noGrp="1"/>
+          </p:cNvSpPr>
           <p:nvPr>
             <p:ph type="sldNum" sz="quarter" idx="2"/>
           </p:nvPr>
@@ -1354,8 +1374,10 @@
           <a:bodyPr/>
           <a:lstStyle/>
           <a:p>
-            <a:pPr/>
-            <a:fld id="{86CB4B4D-7CA3-9044-876B-883B54F8677D}" type="slidenum"/>
+            <a:fld id="{86CB4B4D-7CA3-9044-876B-883B54F8677D}" type="slidenum">
+              <a:t>‹N°›</a:t>
+            </a:fld>
+            <a:endParaRPr/>
           </a:p>
         </p:txBody>
       </p:sp>
@@ -1364,12 +1386,12 @@
   <p:clrMapOvr>
     <a:masterClrMapping/>
   </p:clrMapOvr>
-  <p:transition xmlns:p14="http://schemas.microsoft.com/office/powerpoint/2010/main" spd="med" advClick="1"/>
+  <p:transition spd="med"/>
 </p:sldLayout>
 </file>
 
 <file path=ppt/slideLayouts/slideLayout10.xml><?xml version="1.0" encoding="utf-8"?>
-<p:sldLayout xmlns:a="http://schemas.openxmlformats.org/drawingml/2006/main" xmlns:r="http://schemas.openxmlformats.org/officeDocument/2006/relationships" xmlns:p="http://schemas.openxmlformats.org/presentationml/2006/main" xmlns:m="http://schemas.openxmlformats.org/officeDocument/2006/math" xmlns:a14="http://schemas.microsoft.com/office/drawing/2010/main" type="tx" showMasterSp="1" showMasterPhAnim="1">
+<p:sldLayout xmlns:a="http://schemas.openxmlformats.org/drawingml/2006/main" xmlns:r="http://schemas.openxmlformats.org/officeDocument/2006/relationships" xmlns:p="http://schemas.openxmlformats.org/presentationml/2006/main" type="tx">
   <p:cSld name="Titre et légende">
     <p:spTree>
       <p:nvGrpSpPr>
@@ -1388,7 +1410,9 @@
       <p:sp>
         <p:nvSpPr>
           <p:cNvPr id="114" name="Titeltext"/>
-          <p:cNvSpPr txBox="1"/>
+          <p:cNvSpPr txBox="1">
+            <a:spLocks noGrp="1"/>
+          </p:cNvSpPr>
           <p:nvPr>
             <p:ph type="title"/>
           </p:nvPr>
@@ -1410,7 +1434,6 @@
             </a:lvl1pPr>
           </a:lstStyle>
           <a:p>
-            <a:pPr/>
             <a:r>
               <a:t>Titeltext</a:t>
             </a:r>
@@ -1420,7 +1443,9 @@
       <p:sp>
         <p:nvSpPr>
           <p:cNvPr id="115" name="Textebene 1…"/>
-          <p:cNvSpPr txBox="1"/>
+          <p:cNvSpPr txBox="1">
+            <a:spLocks noGrp="1"/>
+          </p:cNvSpPr>
           <p:nvPr>
             <p:ph type="body" sz="quarter" idx="1"/>
           </p:nvPr>
@@ -1469,7 +1494,6 @@
             </a:lvl5pPr>
           </a:lstStyle>
           <a:p>
-            <a:pPr/>
             <a:r>
               <a:t>Textebene 1</a:t>
             </a:r>
@@ -1503,7 +1527,9 @@
       <p:sp>
         <p:nvSpPr>
           <p:cNvPr id="116" name="Foliennummer"/>
-          <p:cNvSpPr txBox="1"/>
+          <p:cNvSpPr txBox="1">
+            <a:spLocks noGrp="1"/>
+          </p:cNvSpPr>
           <p:nvPr>
             <p:ph type="sldNum" sz="quarter" idx="2"/>
           </p:nvPr>
@@ -1517,8 +1543,10 @@
           <a:bodyPr/>
           <a:lstStyle/>
           <a:p>
-            <a:pPr/>
-            <a:fld id="{86CB4B4D-7CA3-9044-876B-883B54F8677D}" type="slidenum"/>
+            <a:fld id="{86CB4B4D-7CA3-9044-876B-883B54F8677D}" type="slidenum">
+              <a:t>‹N°›</a:t>
+            </a:fld>
+            <a:endParaRPr/>
           </a:p>
         </p:txBody>
       </p:sp>
@@ -1527,12 +1555,12 @@
   <p:clrMapOvr>
     <a:masterClrMapping/>
   </p:clrMapOvr>
-  <p:transition xmlns:p14="http://schemas.microsoft.com/office/powerpoint/2010/main" spd="med" advClick="1"/>
+  <p:transition spd="med"/>
 </p:sldLayout>
 </file>
 
 <file path=ppt/slideLayouts/slideLayout11.xml><?xml version="1.0" encoding="utf-8"?>
-<p:sldLayout xmlns:a="http://schemas.openxmlformats.org/drawingml/2006/main" xmlns:r="http://schemas.openxmlformats.org/officeDocument/2006/relationships" xmlns:p="http://schemas.openxmlformats.org/presentationml/2006/main" xmlns:m="http://schemas.openxmlformats.org/officeDocument/2006/math" xmlns:a14="http://schemas.microsoft.com/office/drawing/2010/main" type="tx" showMasterSp="1" showMasterPhAnim="1">
+<p:sldLayout xmlns:a="http://schemas.openxmlformats.org/drawingml/2006/main" xmlns:r="http://schemas.openxmlformats.org/officeDocument/2006/relationships" xmlns:p="http://schemas.openxmlformats.org/presentationml/2006/main" type="tx">
   <p:cSld name="Citation avec légende">
     <p:spTree>
       <p:nvGrpSpPr>
@@ -1551,7 +1579,9 @@
       <p:sp>
         <p:nvSpPr>
           <p:cNvPr id="123" name="Titeltext"/>
-          <p:cNvSpPr txBox="1"/>
+          <p:cNvSpPr txBox="1">
+            <a:spLocks noGrp="1"/>
+          </p:cNvSpPr>
           <p:nvPr>
             <p:ph type="title"/>
           </p:nvPr>
@@ -1573,7 +1603,6 @@
             </a:lvl1pPr>
           </a:lstStyle>
           <a:p>
-            <a:pPr/>
             <a:r>
               <a:t>Titeltext</a:t>
             </a:r>
@@ -1583,7 +1612,9 @@
       <p:sp>
         <p:nvSpPr>
           <p:cNvPr id="124" name="Textebene 1…"/>
-          <p:cNvSpPr txBox="1"/>
+          <p:cNvSpPr txBox="1">
+            <a:spLocks noGrp="1"/>
+          </p:cNvSpPr>
           <p:nvPr>
             <p:ph type="body" sz="quarter" idx="1"/>
           </p:nvPr>
@@ -1657,7 +1688,6 @@
             </a:lvl5pPr>
           </a:lstStyle>
           <a:p>
-            <a:pPr/>
             <a:r>
               <a:t>Textebene 1</a:t>
             </a:r>
@@ -1691,7 +1721,9 @@
       <p:sp>
         <p:nvSpPr>
           <p:cNvPr id="125" name="Text Placeholder 2"/>
-          <p:cNvSpPr/>
+          <p:cNvSpPr>
+            <a:spLocks noGrp="1"/>
+          </p:cNvSpPr>
           <p:nvPr>
             <p:ph type="body" sz="quarter" idx="13"/>
           </p:nvPr>
@@ -1709,7 +1741,7 @@
           <a:bodyPr anchor="ctr"/>
           <a:lstStyle/>
           <a:p>
-            <a:pPr/>
+            <a:endParaRPr/>
           </a:p>
         </p:txBody>
       </p:sp>
@@ -1732,7 +1764,7 @@
           </a:ln>
           <a:extLst>
             <a:ext uri="{C572A759-6A51-4108-AA02-DFA0A04FC94B}">
-              <ma14:wrappingTextBoxFlag xmlns:ma14="http://schemas.microsoft.com/office/mac/drawingml/2011/main" val="1"/>
+              <ma14:wrappingTextBoxFlag xmlns:ma14="http://schemas.microsoft.com/office/mac/drawingml/2011/main" xmlns:a14="http://schemas.microsoft.com/office/drawing/2010/main" xmlns:m="http://schemas.openxmlformats.org/officeDocument/2006/math" xmlns="" val="1"/>
             </a:ext>
           </a:extLst>
         </p:spPr>
@@ -1754,7 +1786,6 @@
             </a:lvl1pPr>
           </a:lstStyle>
           <a:p>
-            <a:pPr/>
             <a:r>
               <a:t>“</a:t>
             </a:r>
@@ -1780,7 +1811,7 @@
           </a:ln>
           <a:extLst>
             <a:ext uri="{C572A759-6A51-4108-AA02-DFA0A04FC94B}">
-              <ma14:wrappingTextBoxFlag xmlns:ma14="http://schemas.microsoft.com/office/mac/drawingml/2011/main" val="1"/>
+              <ma14:wrappingTextBoxFlag xmlns:ma14="http://schemas.microsoft.com/office/mac/drawingml/2011/main" xmlns:a14="http://schemas.microsoft.com/office/drawing/2010/main" xmlns:m="http://schemas.openxmlformats.org/officeDocument/2006/math" xmlns="" val="1"/>
             </a:ext>
           </a:extLst>
         </p:spPr>
@@ -1802,7 +1833,6 @@
             </a:lvl1pPr>
           </a:lstStyle>
           <a:p>
-            <a:pPr/>
             <a:r>
               <a:t>”</a:t>
             </a:r>
@@ -1812,7 +1842,9 @@
       <p:sp>
         <p:nvSpPr>
           <p:cNvPr id="128" name="Foliennummer"/>
-          <p:cNvSpPr txBox="1"/>
+          <p:cNvSpPr txBox="1">
+            <a:spLocks noGrp="1"/>
+          </p:cNvSpPr>
           <p:nvPr>
             <p:ph type="sldNum" sz="quarter" idx="2"/>
           </p:nvPr>
@@ -1826,8 +1858,10 @@
           <a:bodyPr/>
           <a:lstStyle/>
           <a:p>
-            <a:pPr/>
-            <a:fld id="{86CB4B4D-7CA3-9044-876B-883B54F8677D}" type="slidenum"/>
+            <a:fld id="{86CB4B4D-7CA3-9044-876B-883B54F8677D}" type="slidenum">
+              <a:t>‹N°›</a:t>
+            </a:fld>
+            <a:endParaRPr/>
           </a:p>
         </p:txBody>
       </p:sp>
@@ -1836,12 +1870,12 @@
   <p:clrMapOvr>
     <a:masterClrMapping/>
   </p:clrMapOvr>
-  <p:transition xmlns:p14="http://schemas.microsoft.com/office/powerpoint/2010/main" spd="med" advClick="1"/>
+  <p:transition spd="med"/>
 </p:sldLayout>
 </file>
 
 <file path=ppt/slideLayouts/slideLayout12.xml><?xml version="1.0" encoding="utf-8"?>
-<p:sldLayout xmlns:a="http://schemas.openxmlformats.org/drawingml/2006/main" xmlns:r="http://schemas.openxmlformats.org/officeDocument/2006/relationships" xmlns:p="http://schemas.openxmlformats.org/presentationml/2006/main" xmlns:m="http://schemas.openxmlformats.org/officeDocument/2006/math" xmlns:a14="http://schemas.microsoft.com/office/drawing/2010/main" type="tx" showMasterSp="1" showMasterPhAnim="1">
+<p:sldLayout xmlns:a="http://schemas.openxmlformats.org/drawingml/2006/main" xmlns:r="http://schemas.openxmlformats.org/officeDocument/2006/relationships" xmlns:p="http://schemas.openxmlformats.org/presentationml/2006/main" type="tx">
   <p:cSld name="Carte nom">
     <p:spTree>
       <p:nvGrpSpPr>
@@ -1860,7 +1894,9 @@
       <p:sp>
         <p:nvSpPr>
           <p:cNvPr id="135" name="Titeltext"/>
-          <p:cNvSpPr txBox="1"/>
+          <p:cNvSpPr txBox="1">
+            <a:spLocks noGrp="1"/>
+          </p:cNvSpPr>
           <p:nvPr>
             <p:ph type="title"/>
           </p:nvPr>
@@ -1882,7 +1918,6 @@
             </a:lvl1pPr>
           </a:lstStyle>
           <a:p>
-            <a:pPr/>
             <a:r>
               <a:t>Titeltext</a:t>
             </a:r>
@@ -1892,7 +1927,9 @@
       <p:sp>
         <p:nvSpPr>
           <p:cNvPr id="136" name="Textebene 1…"/>
-          <p:cNvSpPr txBox="1"/>
+          <p:cNvSpPr txBox="1">
+            <a:spLocks noGrp="1"/>
+          </p:cNvSpPr>
           <p:nvPr>
             <p:ph type="body" sz="quarter" idx="1"/>
           </p:nvPr>
@@ -1941,7 +1978,6 @@
             </a:lvl5pPr>
           </a:lstStyle>
           <a:p>
-            <a:pPr/>
             <a:r>
               <a:t>Textebene 1</a:t>
             </a:r>
@@ -1975,7 +2011,9 @@
       <p:sp>
         <p:nvSpPr>
           <p:cNvPr id="137" name="Foliennummer"/>
-          <p:cNvSpPr txBox="1"/>
+          <p:cNvSpPr txBox="1">
+            <a:spLocks noGrp="1"/>
+          </p:cNvSpPr>
           <p:nvPr>
             <p:ph type="sldNum" sz="quarter" idx="2"/>
           </p:nvPr>
@@ -1989,8 +2027,10 @@
           <a:bodyPr/>
           <a:lstStyle/>
           <a:p>
-            <a:pPr/>
-            <a:fld id="{86CB4B4D-7CA3-9044-876B-883B54F8677D}" type="slidenum"/>
+            <a:fld id="{86CB4B4D-7CA3-9044-876B-883B54F8677D}" type="slidenum">
+              <a:t>‹N°›</a:t>
+            </a:fld>
+            <a:endParaRPr/>
           </a:p>
         </p:txBody>
       </p:sp>
@@ -1999,12 +2039,12 @@
   <p:clrMapOvr>
     <a:masterClrMapping/>
   </p:clrMapOvr>
-  <p:transition xmlns:p14="http://schemas.microsoft.com/office/powerpoint/2010/main" spd="med" advClick="1"/>
+  <p:transition spd="med"/>
 </p:sldLayout>
 </file>
 
 <file path=ppt/slideLayouts/slideLayout13.xml><?xml version="1.0" encoding="utf-8"?>
-<p:sldLayout xmlns:a="http://schemas.openxmlformats.org/drawingml/2006/main" xmlns:r="http://schemas.openxmlformats.org/officeDocument/2006/relationships" xmlns:p="http://schemas.openxmlformats.org/presentationml/2006/main" xmlns:m="http://schemas.openxmlformats.org/officeDocument/2006/math" xmlns:a14="http://schemas.microsoft.com/office/drawing/2010/main" type="tx" showMasterSp="1" showMasterPhAnim="1">
+<p:sldLayout xmlns:a="http://schemas.openxmlformats.org/drawingml/2006/main" xmlns:r="http://schemas.openxmlformats.org/officeDocument/2006/relationships" xmlns:p="http://schemas.openxmlformats.org/presentationml/2006/main" type="tx">
   <p:cSld name="Carte nom citation">
     <p:spTree>
       <p:nvGrpSpPr>
@@ -2023,7 +2063,9 @@
       <p:sp>
         <p:nvSpPr>
           <p:cNvPr id="144" name="Titeltext"/>
-          <p:cNvSpPr txBox="1"/>
+          <p:cNvSpPr txBox="1">
+            <a:spLocks noGrp="1"/>
+          </p:cNvSpPr>
           <p:nvPr>
             <p:ph type="title"/>
           </p:nvPr>
@@ -2045,7 +2087,6 @@
             </a:lvl1pPr>
           </a:lstStyle>
           <a:p>
-            <a:pPr/>
             <a:r>
               <a:t>Titeltext</a:t>
             </a:r>
@@ -2055,7 +2096,9 @@
       <p:sp>
         <p:nvSpPr>
           <p:cNvPr id="145" name="Textebene 1…"/>
-          <p:cNvSpPr txBox="1"/>
+          <p:cNvSpPr txBox="1">
+            <a:spLocks noGrp="1"/>
+          </p:cNvSpPr>
           <p:nvPr>
             <p:ph type="body" sz="quarter" idx="1"/>
           </p:nvPr>
@@ -2109,7 +2152,6 @@
             </a:lvl5pPr>
           </a:lstStyle>
           <a:p>
-            <a:pPr/>
             <a:r>
               <a:t>Textebene 1</a:t>
             </a:r>
@@ -2143,7 +2185,9 @@
       <p:sp>
         <p:nvSpPr>
           <p:cNvPr id="146" name="Text Placeholder 2"/>
-          <p:cNvSpPr/>
+          <p:cNvSpPr>
+            <a:spLocks noGrp="1"/>
+          </p:cNvSpPr>
           <p:nvPr>
             <p:ph type="body" sz="quarter" idx="13"/>
           </p:nvPr>
@@ -2161,7 +2205,7 @@
           <a:bodyPr/>
           <a:lstStyle/>
           <a:p>
-            <a:pPr/>
+            <a:endParaRPr/>
           </a:p>
         </p:txBody>
       </p:sp>
@@ -2184,7 +2228,7 @@
           </a:ln>
           <a:extLst>
             <a:ext uri="{C572A759-6A51-4108-AA02-DFA0A04FC94B}">
-              <ma14:wrappingTextBoxFlag xmlns:ma14="http://schemas.microsoft.com/office/mac/drawingml/2011/main" val="1"/>
+              <ma14:wrappingTextBoxFlag xmlns:ma14="http://schemas.microsoft.com/office/mac/drawingml/2011/main" xmlns:a14="http://schemas.microsoft.com/office/drawing/2010/main" xmlns:m="http://schemas.openxmlformats.org/officeDocument/2006/math" xmlns="" val="1"/>
             </a:ext>
           </a:extLst>
         </p:spPr>
@@ -2206,7 +2250,6 @@
             </a:lvl1pPr>
           </a:lstStyle>
           <a:p>
-            <a:pPr/>
             <a:r>
               <a:t>“</a:t>
             </a:r>
@@ -2232,7 +2275,7 @@
           </a:ln>
           <a:extLst>
             <a:ext uri="{C572A759-6A51-4108-AA02-DFA0A04FC94B}">
-              <ma14:wrappingTextBoxFlag xmlns:ma14="http://schemas.microsoft.com/office/mac/drawingml/2011/main" val="1"/>
+              <ma14:wrappingTextBoxFlag xmlns:ma14="http://schemas.microsoft.com/office/mac/drawingml/2011/main" xmlns:a14="http://schemas.microsoft.com/office/drawing/2010/main" xmlns:m="http://schemas.openxmlformats.org/officeDocument/2006/math" xmlns="" val="1"/>
             </a:ext>
           </a:extLst>
         </p:spPr>
@@ -2254,7 +2297,6 @@
             </a:lvl1pPr>
           </a:lstStyle>
           <a:p>
-            <a:pPr/>
             <a:r>
               <a:t>”</a:t>
             </a:r>
@@ -2264,7 +2306,9 @@
       <p:sp>
         <p:nvSpPr>
           <p:cNvPr id="149" name="Foliennummer"/>
-          <p:cNvSpPr txBox="1"/>
+          <p:cNvSpPr txBox="1">
+            <a:spLocks noGrp="1"/>
+          </p:cNvSpPr>
           <p:nvPr>
             <p:ph type="sldNum" sz="quarter" idx="2"/>
           </p:nvPr>
@@ -2278,8 +2322,10 @@
           <a:bodyPr/>
           <a:lstStyle/>
           <a:p>
-            <a:pPr/>
-            <a:fld id="{86CB4B4D-7CA3-9044-876B-883B54F8677D}" type="slidenum"/>
+            <a:fld id="{86CB4B4D-7CA3-9044-876B-883B54F8677D}" type="slidenum">
+              <a:t>‹N°›</a:t>
+            </a:fld>
+            <a:endParaRPr/>
           </a:p>
         </p:txBody>
       </p:sp>
@@ -2288,12 +2334,12 @@
   <p:clrMapOvr>
     <a:masterClrMapping/>
   </p:clrMapOvr>
-  <p:transition xmlns:p14="http://schemas.microsoft.com/office/powerpoint/2010/main" spd="med" advClick="1"/>
+  <p:transition spd="med"/>
 </p:sldLayout>
 </file>
 
 <file path=ppt/slideLayouts/slideLayout14.xml><?xml version="1.0" encoding="utf-8"?>
-<p:sldLayout xmlns:a="http://schemas.openxmlformats.org/drawingml/2006/main" xmlns:r="http://schemas.openxmlformats.org/officeDocument/2006/relationships" xmlns:p="http://schemas.openxmlformats.org/presentationml/2006/main" xmlns:m="http://schemas.openxmlformats.org/officeDocument/2006/math" xmlns:a14="http://schemas.microsoft.com/office/drawing/2010/main" type="tx" showMasterSp="1" showMasterPhAnim="1">
+<p:sldLayout xmlns:a="http://schemas.openxmlformats.org/drawingml/2006/main" xmlns:r="http://schemas.openxmlformats.org/officeDocument/2006/relationships" xmlns:p="http://schemas.openxmlformats.org/presentationml/2006/main" type="tx">
   <p:cSld name="Vrai ou faux">
     <p:spTree>
       <p:nvGrpSpPr>
@@ -2312,7 +2358,9 @@
       <p:sp>
         <p:nvSpPr>
           <p:cNvPr id="156" name="Titeltext"/>
-          <p:cNvSpPr txBox="1"/>
+          <p:cNvSpPr txBox="1">
+            <a:spLocks noGrp="1"/>
+          </p:cNvSpPr>
           <p:nvPr>
             <p:ph type="title"/>
           </p:nvPr>
@@ -2334,7 +2382,6 @@
             </a:lvl1pPr>
           </a:lstStyle>
           <a:p>
-            <a:pPr/>
             <a:r>
               <a:t>Titeltext</a:t>
             </a:r>
@@ -2344,7 +2391,9 @@
       <p:sp>
         <p:nvSpPr>
           <p:cNvPr id="157" name="Textebene 1…"/>
-          <p:cNvSpPr txBox="1"/>
+          <p:cNvSpPr txBox="1">
+            <a:spLocks noGrp="1"/>
+          </p:cNvSpPr>
           <p:nvPr>
             <p:ph type="body" sz="quarter" idx="1"/>
           </p:nvPr>
@@ -2418,7 +2467,6 @@
             </a:lvl5pPr>
           </a:lstStyle>
           <a:p>
-            <a:pPr/>
             <a:r>
               <a:t>Textebene 1</a:t>
             </a:r>
@@ -2452,7 +2500,9 @@
       <p:sp>
         <p:nvSpPr>
           <p:cNvPr id="158" name="Text Placeholder 2"/>
-          <p:cNvSpPr/>
+          <p:cNvSpPr>
+            <a:spLocks noGrp="1"/>
+          </p:cNvSpPr>
           <p:nvPr>
             <p:ph type="body" sz="quarter" idx="13"/>
           </p:nvPr>
@@ -2470,14 +2520,16 @@
           <a:bodyPr/>
           <a:lstStyle/>
           <a:p>
-            <a:pPr/>
+            <a:endParaRPr/>
           </a:p>
         </p:txBody>
       </p:sp>
       <p:sp>
         <p:nvSpPr>
           <p:cNvPr id="159" name="Foliennummer"/>
-          <p:cNvSpPr txBox="1"/>
+          <p:cNvSpPr txBox="1">
+            <a:spLocks noGrp="1"/>
+          </p:cNvSpPr>
           <p:nvPr>
             <p:ph type="sldNum" sz="quarter" idx="2"/>
           </p:nvPr>
@@ -2491,8 +2543,10 @@
           <a:bodyPr/>
           <a:lstStyle/>
           <a:p>
-            <a:pPr/>
-            <a:fld id="{86CB4B4D-7CA3-9044-876B-883B54F8677D}" type="slidenum"/>
+            <a:fld id="{86CB4B4D-7CA3-9044-876B-883B54F8677D}" type="slidenum">
+              <a:t>‹N°›</a:t>
+            </a:fld>
+            <a:endParaRPr/>
           </a:p>
         </p:txBody>
       </p:sp>
@@ -2501,12 +2555,12 @@
   <p:clrMapOvr>
     <a:masterClrMapping/>
   </p:clrMapOvr>
-  <p:transition xmlns:p14="http://schemas.microsoft.com/office/powerpoint/2010/main" spd="med" advClick="1"/>
+  <p:transition spd="med"/>
 </p:sldLayout>
 </file>
 
 <file path=ppt/slideLayouts/slideLayout15.xml><?xml version="1.0" encoding="utf-8"?>
-<p:sldLayout xmlns:a="http://schemas.openxmlformats.org/drawingml/2006/main" xmlns:r="http://schemas.openxmlformats.org/officeDocument/2006/relationships" xmlns:p="http://schemas.openxmlformats.org/presentationml/2006/main" xmlns:m="http://schemas.openxmlformats.org/officeDocument/2006/math" xmlns:a14="http://schemas.microsoft.com/office/drawing/2010/main" type="tx" showMasterSp="1" showMasterPhAnim="1">
+<p:sldLayout xmlns:a="http://schemas.openxmlformats.org/drawingml/2006/main" xmlns:r="http://schemas.openxmlformats.org/officeDocument/2006/relationships" xmlns:p="http://schemas.openxmlformats.org/presentationml/2006/main" type="tx">
   <p:cSld name="Titre et texte vertical">
     <p:spTree>
       <p:nvGrpSpPr>
@@ -2525,7 +2579,9 @@
       <p:sp>
         <p:nvSpPr>
           <p:cNvPr id="166" name="Titeltext"/>
-          <p:cNvSpPr txBox="1"/>
+          <p:cNvSpPr txBox="1">
+            <a:spLocks noGrp="1"/>
+          </p:cNvSpPr>
           <p:nvPr>
             <p:ph type="title"/>
           </p:nvPr>
@@ -2539,7 +2595,6 @@
           <a:bodyPr/>
           <a:lstStyle/>
           <a:p>
-            <a:pPr/>
             <a:r>
               <a:t>Titeltext</a:t>
             </a:r>
@@ -2549,7 +2604,9 @@
       <p:sp>
         <p:nvSpPr>
           <p:cNvPr id="167" name="Textebene 1…"/>
-          <p:cNvSpPr txBox="1"/>
+          <p:cNvSpPr txBox="1">
+            <a:spLocks noGrp="1"/>
+          </p:cNvSpPr>
           <p:nvPr>
             <p:ph type="body" sz="half" idx="1"/>
           </p:nvPr>
@@ -2567,7 +2624,6 @@
           <a:bodyPr/>
           <a:lstStyle/>
           <a:p>
-            <a:pPr/>
             <a:r>
               <a:t>Textebene 1</a:t>
             </a:r>
@@ -2601,7 +2657,9 @@
       <p:sp>
         <p:nvSpPr>
           <p:cNvPr id="168" name="Foliennummer"/>
-          <p:cNvSpPr txBox="1"/>
+          <p:cNvSpPr txBox="1">
+            <a:spLocks noGrp="1"/>
+          </p:cNvSpPr>
           <p:nvPr>
             <p:ph type="sldNum" sz="quarter" idx="2"/>
           </p:nvPr>
@@ -2615,8 +2673,10 @@
           <a:bodyPr/>
           <a:lstStyle/>
           <a:p>
-            <a:pPr/>
-            <a:fld id="{86CB4B4D-7CA3-9044-876B-883B54F8677D}" type="slidenum"/>
+            <a:fld id="{86CB4B4D-7CA3-9044-876B-883B54F8677D}" type="slidenum">
+              <a:t>‹N°›</a:t>
+            </a:fld>
+            <a:endParaRPr/>
           </a:p>
         </p:txBody>
       </p:sp>
@@ -2625,12 +2685,12 @@
   <p:clrMapOvr>
     <a:masterClrMapping/>
   </p:clrMapOvr>
-  <p:transition xmlns:p14="http://schemas.microsoft.com/office/powerpoint/2010/main" spd="med" advClick="1"/>
+  <p:transition spd="med"/>
 </p:sldLayout>
 </file>
 
 <file path=ppt/slideLayouts/slideLayout16.xml><?xml version="1.0" encoding="utf-8"?>
-<p:sldLayout xmlns:a="http://schemas.openxmlformats.org/drawingml/2006/main" xmlns:r="http://schemas.openxmlformats.org/officeDocument/2006/relationships" xmlns:p="http://schemas.openxmlformats.org/presentationml/2006/main" xmlns:m="http://schemas.openxmlformats.org/officeDocument/2006/math" xmlns:a14="http://schemas.microsoft.com/office/drawing/2010/main" type="tx" showMasterSp="1" showMasterPhAnim="1">
+<p:sldLayout xmlns:a="http://schemas.openxmlformats.org/drawingml/2006/main" xmlns:r="http://schemas.openxmlformats.org/officeDocument/2006/relationships" xmlns:p="http://schemas.openxmlformats.org/presentationml/2006/main" type="tx">
   <p:cSld name="Titre vertical et texte">
     <p:spTree>
       <p:nvGrpSpPr>
@@ -2649,7 +2709,9 @@
       <p:sp>
         <p:nvSpPr>
           <p:cNvPr id="175" name="Titeltext"/>
-          <p:cNvSpPr txBox="1"/>
+          <p:cNvSpPr txBox="1">
+            <a:spLocks noGrp="1"/>
+          </p:cNvSpPr>
           <p:nvPr>
             <p:ph type="title"/>
           </p:nvPr>
@@ -2667,7 +2729,6 @@
           <a:bodyPr anchor="ctr"/>
           <a:lstStyle/>
           <a:p>
-            <a:pPr/>
             <a:r>
               <a:t>Titeltext</a:t>
             </a:r>
@@ -2677,7 +2738,9 @@
       <p:sp>
         <p:nvSpPr>
           <p:cNvPr id="176" name="Textebene 1…"/>
-          <p:cNvSpPr txBox="1"/>
+          <p:cNvSpPr txBox="1">
+            <a:spLocks noGrp="1"/>
+          </p:cNvSpPr>
           <p:nvPr>
             <p:ph type="body" idx="1"/>
           </p:nvPr>
@@ -2695,7 +2758,6 @@
           <a:bodyPr/>
           <a:lstStyle/>
           <a:p>
-            <a:pPr/>
             <a:r>
               <a:t>Textebene 1</a:t>
             </a:r>
@@ -2729,7 +2791,9 @@
       <p:sp>
         <p:nvSpPr>
           <p:cNvPr id="177" name="Foliennummer"/>
-          <p:cNvSpPr txBox="1"/>
+          <p:cNvSpPr txBox="1">
+            <a:spLocks noGrp="1"/>
+          </p:cNvSpPr>
           <p:nvPr>
             <p:ph type="sldNum" sz="quarter" idx="2"/>
           </p:nvPr>
@@ -2743,8 +2807,10 @@
           <a:bodyPr/>
           <a:lstStyle/>
           <a:p>
-            <a:pPr/>
-            <a:fld id="{86CB4B4D-7CA3-9044-876B-883B54F8677D}" type="slidenum"/>
+            <a:fld id="{86CB4B4D-7CA3-9044-876B-883B54F8677D}" type="slidenum">
+              <a:t>‹N°›</a:t>
+            </a:fld>
+            <a:endParaRPr/>
           </a:p>
         </p:txBody>
       </p:sp>
@@ -2753,12 +2819,12 @@
   <p:clrMapOvr>
     <a:masterClrMapping/>
   </p:clrMapOvr>
-  <p:transition xmlns:p14="http://schemas.microsoft.com/office/powerpoint/2010/main" spd="med" advClick="1"/>
+  <p:transition spd="med"/>
 </p:sldLayout>
 </file>
 
 <file path=ppt/slideLayouts/slideLayout2.xml><?xml version="1.0" encoding="utf-8"?>
-<p:sldLayout xmlns:a="http://schemas.openxmlformats.org/drawingml/2006/main" xmlns:r="http://schemas.openxmlformats.org/officeDocument/2006/relationships" xmlns:p="http://schemas.openxmlformats.org/presentationml/2006/main" xmlns:m="http://schemas.openxmlformats.org/officeDocument/2006/math" xmlns:a14="http://schemas.microsoft.com/office/drawing/2010/main" type="tx" showMasterSp="1" showMasterPhAnim="1">
+<p:sldLayout xmlns:a="http://schemas.openxmlformats.org/drawingml/2006/main" xmlns:r="http://schemas.openxmlformats.org/officeDocument/2006/relationships" xmlns:p="http://schemas.openxmlformats.org/presentationml/2006/main" type="tx">
   <p:cSld name="Titre et contenu">
     <p:spTree>
       <p:nvGrpSpPr>
@@ -2777,7 +2843,9 @@
       <p:sp>
         <p:nvSpPr>
           <p:cNvPr id="42" name="Titeltext"/>
-          <p:cNvSpPr txBox="1"/>
+          <p:cNvSpPr txBox="1">
+            <a:spLocks noGrp="1"/>
+          </p:cNvSpPr>
           <p:nvPr>
             <p:ph type="title"/>
           </p:nvPr>
@@ -2791,7 +2859,6 @@
           <a:bodyPr/>
           <a:lstStyle/>
           <a:p>
-            <a:pPr/>
             <a:r>
               <a:t>Titeltext</a:t>
             </a:r>
@@ -2801,7 +2868,9 @@
       <p:sp>
         <p:nvSpPr>
           <p:cNvPr id="43" name="Textebene 1…"/>
-          <p:cNvSpPr txBox="1"/>
+          <p:cNvSpPr txBox="1">
+            <a:spLocks noGrp="1"/>
+          </p:cNvSpPr>
           <p:nvPr>
             <p:ph type="body" sz="half" idx="1"/>
           </p:nvPr>
@@ -2819,7 +2888,6 @@
           <a:bodyPr/>
           <a:lstStyle/>
           <a:p>
-            <a:pPr/>
             <a:r>
               <a:t>Textebene 1</a:t>
             </a:r>
@@ -2853,7 +2921,9 @@
       <p:sp>
         <p:nvSpPr>
           <p:cNvPr id="44" name="Foliennummer"/>
-          <p:cNvSpPr txBox="1"/>
+          <p:cNvSpPr txBox="1">
+            <a:spLocks noGrp="1"/>
+          </p:cNvSpPr>
           <p:nvPr>
             <p:ph type="sldNum" sz="quarter" idx="2"/>
           </p:nvPr>
@@ -2867,8 +2937,10 @@
           <a:bodyPr/>
           <a:lstStyle/>
           <a:p>
-            <a:pPr/>
-            <a:fld id="{86CB4B4D-7CA3-9044-876B-883B54F8677D}" type="slidenum"/>
+            <a:fld id="{86CB4B4D-7CA3-9044-876B-883B54F8677D}" type="slidenum">
+              <a:t>‹N°›</a:t>
+            </a:fld>
+            <a:endParaRPr/>
           </a:p>
         </p:txBody>
       </p:sp>
@@ -2877,12 +2949,12 @@
   <p:clrMapOvr>
     <a:masterClrMapping/>
   </p:clrMapOvr>
-  <p:transition xmlns:p14="http://schemas.microsoft.com/office/powerpoint/2010/main" spd="med" advClick="1"/>
+  <p:transition spd="med"/>
 </p:sldLayout>
 </file>
 
 <file path=ppt/slideLayouts/slideLayout3.xml><?xml version="1.0" encoding="utf-8"?>
-<p:sldLayout xmlns:a="http://schemas.openxmlformats.org/drawingml/2006/main" xmlns:r="http://schemas.openxmlformats.org/officeDocument/2006/relationships" xmlns:p="http://schemas.openxmlformats.org/presentationml/2006/main" xmlns:m="http://schemas.openxmlformats.org/officeDocument/2006/math" xmlns:a14="http://schemas.microsoft.com/office/drawing/2010/main" type="tx" showMasterSp="1" showMasterPhAnim="1">
+<p:sldLayout xmlns:a="http://schemas.openxmlformats.org/drawingml/2006/main" xmlns:r="http://schemas.openxmlformats.org/officeDocument/2006/relationships" xmlns:p="http://schemas.openxmlformats.org/presentationml/2006/main" type="tx">
   <p:cSld name="Titre de section">
     <p:spTree>
       <p:nvGrpSpPr>
@@ -2901,7 +2973,9 @@
       <p:sp>
         <p:nvSpPr>
           <p:cNvPr id="51" name="Titeltext"/>
-          <p:cNvSpPr txBox="1"/>
+          <p:cNvSpPr txBox="1">
+            <a:spLocks noGrp="1"/>
+          </p:cNvSpPr>
           <p:nvPr>
             <p:ph type="title"/>
           </p:nvPr>
@@ -2923,7 +2997,6 @@
             </a:lvl1pPr>
           </a:lstStyle>
           <a:p>
-            <a:pPr/>
             <a:r>
               <a:t>Titeltext</a:t>
             </a:r>
@@ -2933,7 +3006,9 @@
       <p:sp>
         <p:nvSpPr>
           <p:cNvPr id="52" name="Textebene 1…"/>
-          <p:cNvSpPr txBox="1"/>
+          <p:cNvSpPr txBox="1">
+            <a:spLocks noGrp="1"/>
+          </p:cNvSpPr>
           <p:nvPr>
             <p:ph type="body" sz="quarter" idx="1"/>
           </p:nvPr>
@@ -3007,7 +3082,6 @@
             </a:lvl5pPr>
           </a:lstStyle>
           <a:p>
-            <a:pPr/>
             <a:r>
               <a:t>Textebene 1</a:t>
             </a:r>
@@ -3041,7 +3115,9 @@
       <p:sp>
         <p:nvSpPr>
           <p:cNvPr id="53" name="Foliennummer"/>
-          <p:cNvSpPr txBox="1"/>
+          <p:cNvSpPr txBox="1">
+            <a:spLocks noGrp="1"/>
+          </p:cNvSpPr>
           <p:nvPr>
             <p:ph type="sldNum" sz="quarter" idx="2"/>
           </p:nvPr>
@@ -3055,8 +3131,10 @@
           <a:bodyPr/>
           <a:lstStyle/>
           <a:p>
-            <a:pPr/>
-            <a:fld id="{86CB4B4D-7CA3-9044-876B-883B54F8677D}" type="slidenum"/>
+            <a:fld id="{86CB4B4D-7CA3-9044-876B-883B54F8677D}" type="slidenum">
+              <a:t>‹N°›</a:t>
+            </a:fld>
+            <a:endParaRPr/>
           </a:p>
         </p:txBody>
       </p:sp>
@@ -3065,12 +3143,12 @@
   <p:clrMapOvr>
     <a:masterClrMapping/>
   </p:clrMapOvr>
-  <p:transition xmlns:p14="http://schemas.microsoft.com/office/powerpoint/2010/main" spd="med" advClick="1"/>
+  <p:transition spd="med"/>
 </p:sldLayout>
 </file>
 
 <file path=ppt/slideLayouts/slideLayout4.xml><?xml version="1.0" encoding="utf-8"?>
-<p:sldLayout xmlns:a="http://schemas.openxmlformats.org/drawingml/2006/main" xmlns:r="http://schemas.openxmlformats.org/officeDocument/2006/relationships" xmlns:p="http://schemas.openxmlformats.org/presentationml/2006/main" xmlns:m="http://schemas.openxmlformats.org/officeDocument/2006/math" xmlns:a14="http://schemas.microsoft.com/office/drawing/2010/main" type="tx" showMasterSp="1" showMasterPhAnim="1">
+<p:sldLayout xmlns:a="http://schemas.openxmlformats.org/drawingml/2006/main" xmlns:r="http://schemas.openxmlformats.org/officeDocument/2006/relationships" xmlns:p="http://schemas.openxmlformats.org/presentationml/2006/main" type="tx">
   <p:cSld name="Deux contenus">
     <p:spTree>
       <p:nvGrpSpPr>
@@ -3089,7 +3167,9 @@
       <p:sp>
         <p:nvSpPr>
           <p:cNvPr id="60" name="Titeltext"/>
-          <p:cNvSpPr txBox="1"/>
+          <p:cNvSpPr txBox="1">
+            <a:spLocks noGrp="1"/>
+          </p:cNvSpPr>
           <p:nvPr>
             <p:ph type="title"/>
           </p:nvPr>
@@ -3103,7 +3183,6 @@
           <a:bodyPr/>
           <a:lstStyle/>
           <a:p>
-            <a:pPr/>
             <a:r>
               <a:t>Titeltext</a:t>
             </a:r>
@@ -3113,7 +3192,9 @@
       <p:sp>
         <p:nvSpPr>
           <p:cNvPr id="61" name="Textebene 1…"/>
-          <p:cNvSpPr txBox="1"/>
+          <p:cNvSpPr txBox="1">
+            <a:spLocks noGrp="1"/>
+          </p:cNvSpPr>
           <p:nvPr>
             <p:ph type="body" sz="quarter" idx="1"/>
           </p:nvPr>
@@ -3131,7 +3212,6 @@
           <a:bodyPr/>
           <a:lstStyle/>
           <a:p>
-            <a:pPr/>
             <a:r>
               <a:t>Textebene 1</a:t>
             </a:r>
@@ -3165,7 +3245,9 @@
       <p:sp>
         <p:nvSpPr>
           <p:cNvPr id="62" name="Foliennummer"/>
-          <p:cNvSpPr txBox="1"/>
+          <p:cNvSpPr txBox="1">
+            <a:spLocks noGrp="1"/>
+          </p:cNvSpPr>
           <p:nvPr>
             <p:ph type="sldNum" sz="quarter" idx="2"/>
           </p:nvPr>
@@ -3179,8 +3261,10 @@
           <a:bodyPr/>
           <a:lstStyle/>
           <a:p>
-            <a:pPr/>
-            <a:fld id="{86CB4B4D-7CA3-9044-876B-883B54F8677D}" type="slidenum"/>
+            <a:fld id="{86CB4B4D-7CA3-9044-876B-883B54F8677D}" type="slidenum">
+              <a:t>‹N°›</a:t>
+            </a:fld>
+            <a:endParaRPr/>
           </a:p>
         </p:txBody>
       </p:sp>
@@ -3189,12 +3273,12 @@
   <p:clrMapOvr>
     <a:masterClrMapping/>
   </p:clrMapOvr>
-  <p:transition xmlns:p14="http://schemas.microsoft.com/office/powerpoint/2010/main" spd="med" advClick="1"/>
+  <p:transition spd="med"/>
 </p:sldLayout>
 </file>
 
 <file path=ppt/slideLayouts/slideLayout5.xml><?xml version="1.0" encoding="utf-8"?>
-<p:sldLayout xmlns:a="http://schemas.openxmlformats.org/drawingml/2006/main" xmlns:r="http://schemas.openxmlformats.org/officeDocument/2006/relationships" xmlns:p="http://schemas.openxmlformats.org/presentationml/2006/main" xmlns:m="http://schemas.openxmlformats.org/officeDocument/2006/math" xmlns:a14="http://schemas.microsoft.com/office/drawing/2010/main" type="tx" showMasterSp="1" showMasterPhAnim="1">
+<p:sldLayout xmlns:a="http://schemas.openxmlformats.org/drawingml/2006/main" xmlns:r="http://schemas.openxmlformats.org/officeDocument/2006/relationships" xmlns:p="http://schemas.openxmlformats.org/presentationml/2006/main" type="tx">
   <p:cSld name="Comparaison">
     <p:spTree>
       <p:nvGrpSpPr>
@@ -3213,7 +3297,9 @@
       <p:sp>
         <p:nvSpPr>
           <p:cNvPr id="69" name="Titeltext"/>
-          <p:cNvSpPr txBox="1"/>
+          <p:cNvSpPr txBox="1">
+            <a:spLocks noGrp="1"/>
+          </p:cNvSpPr>
           <p:nvPr>
             <p:ph type="title"/>
           </p:nvPr>
@@ -3227,7 +3313,6 @@
           <a:bodyPr/>
           <a:lstStyle/>
           <a:p>
-            <a:pPr/>
             <a:r>
               <a:t>Titeltext</a:t>
             </a:r>
@@ -3237,7 +3322,9 @@
       <p:sp>
         <p:nvSpPr>
           <p:cNvPr id="70" name="Textebene 1…"/>
-          <p:cNvSpPr txBox="1"/>
+          <p:cNvSpPr txBox="1">
+            <a:spLocks noGrp="1"/>
+          </p:cNvSpPr>
           <p:nvPr>
             <p:ph type="body" sz="quarter" idx="1"/>
           </p:nvPr>
@@ -3291,7 +3378,6 @@
             </a:lvl5pPr>
           </a:lstStyle>
           <a:p>
-            <a:pPr/>
             <a:r>
               <a:t>Textebene 1</a:t>
             </a:r>
@@ -3325,7 +3411,9 @@
       <p:sp>
         <p:nvSpPr>
           <p:cNvPr id="71" name="Text Placeholder 4"/>
-          <p:cNvSpPr/>
+          <p:cNvSpPr>
+            <a:spLocks noGrp="1"/>
+          </p:cNvSpPr>
           <p:nvPr>
             <p:ph type="body" sz="quarter" idx="13"/>
           </p:nvPr>
@@ -3343,14 +3431,16 @@
           <a:bodyPr anchor="b"/>
           <a:lstStyle/>
           <a:p>
-            <a:pPr/>
+            <a:endParaRPr/>
           </a:p>
         </p:txBody>
       </p:sp>
       <p:sp>
         <p:nvSpPr>
           <p:cNvPr id="72" name="Foliennummer"/>
-          <p:cNvSpPr txBox="1"/>
+          <p:cNvSpPr txBox="1">
+            <a:spLocks noGrp="1"/>
+          </p:cNvSpPr>
           <p:nvPr>
             <p:ph type="sldNum" sz="quarter" idx="2"/>
           </p:nvPr>
@@ -3364,8 +3454,10 @@
           <a:bodyPr/>
           <a:lstStyle/>
           <a:p>
-            <a:pPr/>
-            <a:fld id="{86CB4B4D-7CA3-9044-876B-883B54F8677D}" type="slidenum"/>
+            <a:fld id="{86CB4B4D-7CA3-9044-876B-883B54F8677D}" type="slidenum">
+              <a:t>‹N°›</a:t>
+            </a:fld>
+            <a:endParaRPr/>
           </a:p>
         </p:txBody>
       </p:sp>
@@ -3374,12 +3466,12 @@
   <p:clrMapOvr>
     <a:masterClrMapping/>
   </p:clrMapOvr>
-  <p:transition xmlns:p14="http://schemas.microsoft.com/office/powerpoint/2010/main" spd="med" advClick="1"/>
+  <p:transition spd="med"/>
 </p:sldLayout>
 </file>
 
 <file path=ppt/slideLayouts/slideLayout6.xml><?xml version="1.0" encoding="utf-8"?>
-<p:sldLayout xmlns:a="http://schemas.openxmlformats.org/drawingml/2006/main" xmlns:r="http://schemas.openxmlformats.org/officeDocument/2006/relationships" xmlns:p="http://schemas.openxmlformats.org/presentationml/2006/main" xmlns:m="http://schemas.openxmlformats.org/officeDocument/2006/math" xmlns:a14="http://schemas.microsoft.com/office/drawing/2010/main" type="tx" showMasterSp="1" showMasterPhAnim="1">
+<p:sldLayout xmlns:a="http://schemas.openxmlformats.org/drawingml/2006/main" xmlns:r="http://schemas.openxmlformats.org/officeDocument/2006/relationships" xmlns:p="http://schemas.openxmlformats.org/presentationml/2006/main" type="tx">
   <p:cSld name="Titre seul">
     <p:spTree>
       <p:nvGrpSpPr>
@@ -3398,7 +3490,9 @@
       <p:sp>
         <p:nvSpPr>
           <p:cNvPr id="79" name="Titeltext"/>
-          <p:cNvSpPr txBox="1"/>
+          <p:cNvSpPr txBox="1">
+            <a:spLocks noGrp="1"/>
+          </p:cNvSpPr>
           <p:nvPr>
             <p:ph type="title"/>
           </p:nvPr>
@@ -3412,7 +3506,6 @@
           <a:bodyPr/>
           <a:lstStyle/>
           <a:p>
-            <a:pPr/>
             <a:r>
               <a:t>Titeltext</a:t>
             </a:r>
@@ -3422,7 +3515,9 @@
       <p:sp>
         <p:nvSpPr>
           <p:cNvPr id="80" name="Foliennummer"/>
-          <p:cNvSpPr txBox="1"/>
+          <p:cNvSpPr txBox="1">
+            <a:spLocks noGrp="1"/>
+          </p:cNvSpPr>
           <p:nvPr>
             <p:ph type="sldNum" sz="quarter" idx="2"/>
           </p:nvPr>
@@ -3436,8 +3531,10 @@
           <a:bodyPr/>
           <a:lstStyle/>
           <a:p>
-            <a:pPr/>
-            <a:fld id="{86CB4B4D-7CA3-9044-876B-883B54F8677D}" type="slidenum"/>
+            <a:fld id="{86CB4B4D-7CA3-9044-876B-883B54F8677D}" type="slidenum">
+              <a:t>‹N°›</a:t>
+            </a:fld>
+            <a:endParaRPr/>
           </a:p>
         </p:txBody>
       </p:sp>
@@ -3446,12 +3543,12 @@
   <p:clrMapOvr>
     <a:masterClrMapping/>
   </p:clrMapOvr>
-  <p:transition xmlns:p14="http://schemas.microsoft.com/office/powerpoint/2010/main" spd="med" advClick="1"/>
+  <p:transition spd="med"/>
 </p:sldLayout>
 </file>
 
 <file path=ppt/slideLayouts/slideLayout7.xml><?xml version="1.0" encoding="utf-8"?>
-<p:sldLayout xmlns:a="http://schemas.openxmlformats.org/drawingml/2006/main" xmlns:r="http://schemas.openxmlformats.org/officeDocument/2006/relationships" xmlns:p="http://schemas.openxmlformats.org/presentationml/2006/main" xmlns:m="http://schemas.openxmlformats.org/officeDocument/2006/math" xmlns:a14="http://schemas.microsoft.com/office/drawing/2010/main" type="tx" showMasterSp="1" showMasterPhAnim="1">
+<p:sldLayout xmlns:a="http://schemas.openxmlformats.org/drawingml/2006/main" xmlns:r="http://schemas.openxmlformats.org/officeDocument/2006/relationships" xmlns:p="http://schemas.openxmlformats.org/presentationml/2006/main" type="tx">
   <p:cSld name="Vide">
     <p:spTree>
       <p:nvGrpSpPr>
@@ -3470,7 +3567,9 @@
       <p:sp>
         <p:nvSpPr>
           <p:cNvPr id="87" name="Foliennummer"/>
-          <p:cNvSpPr txBox="1"/>
+          <p:cNvSpPr txBox="1">
+            <a:spLocks noGrp="1"/>
+          </p:cNvSpPr>
           <p:nvPr>
             <p:ph type="sldNum" sz="quarter" idx="2"/>
           </p:nvPr>
@@ -3484,8 +3583,10 @@
           <a:bodyPr/>
           <a:lstStyle/>
           <a:p>
-            <a:pPr/>
-            <a:fld id="{86CB4B4D-7CA3-9044-876B-883B54F8677D}" type="slidenum"/>
+            <a:fld id="{86CB4B4D-7CA3-9044-876B-883B54F8677D}" type="slidenum">
+              <a:t>‹N°›</a:t>
+            </a:fld>
+            <a:endParaRPr/>
           </a:p>
         </p:txBody>
       </p:sp>
@@ -3494,12 +3595,12 @@
   <p:clrMapOvr>
     <a:masterClrMapping/>
   </p:clrMapOvr>
-  <p:transition xmlns:p14="http://schemas.microsoft.com/office/powerpoint/2010/main" spd="med" advClick="1"/>
+  <p:transition spd="med"/>
 </p:sldLayout>
 </file>
 
 <file path=ppt/slideLayouts/slideLayout8.xml><?xml version="1.0" encoding="utf-8"?>
-<p:sldLayout xmlns:a="http://schemas.openxmlformats.org/drawingml/2006/main" xmlns:r="http://schemas.openxmlformats.org/officeDocument/2006/relationships" xmlns:p="http://schemas.openxmlformats.org/presentationml/2006/main" xmlns:m="http://schemas.openxmlformats.org/officeDocument/2006/math" xmlns:a14="http://schemas.microsoft.com/office/drawing/2010/main" type="tx" showMasterSp="1" showMasterPhAnim="1">
+<p:sldLayout xmlns:a="http://schemas.openxmlformats.org/drawingml/2006/main" xmlns:r="http://schemas.openxmlformats.org/officeDocument/2006/relationships" xmlns:p="http://schemas.openxmlformats.org/presentationml/2006/main" type="tx">
   <p:cSld name="Contenu avec légende">
     <p:spTree>
       <p:nvGrpSpPr>
@@ -3518,7 +3619,9 @@
       <p:sp>
         <p:nvSpPr>
           <p:cNvPr id="94" name="Titeltext"/>
-          <p:cNvSpPr txBox="1"/>
+          <p:cNvSpPr txBox="1">
+            <a:spLocks noGrp="1"/>
+          </p:cNvSpPr>
           <p:nvPr>
             <p:ph type="title"/>
           </p:nvPr>
@@ -3540,7 +3643,6 @@
             </a:lvl1pPr>
           </a:lstStyle>
           <a:p>
-            <a:pPr/>
             <a:r>
               <a:t>Titeltext</a:t>
             </a:r>
@@ -3550,7 +3652,9 @@
       <p:sp>
         <p:nvSpPr>
           <p:cNvPr id="95" name="Textebene 1…"/>
-          <p:cNvSpPr txBox="1"/>
+          <p:cNvSpPr txBox="1">
+            <a:spLocks noGrp="1"/>
+          </p:cNvSpPr>
           <p:nvPr>
             <p:ph type="body" sz="half" idx="1"/>
           </p:nvPr>
@@ -3568,7 +3672,6 @@
           <a:bodyPr/>
           <a:lstStyle/>
           <a:p>
-            <a:pPr/>
             <a:r>
               <a:t>Textebene 1</a:t>
             </a:r>
@@ -3602,7 +3705,9 @@
       <p:sp>
         <p:nvSpPr>
           <p:cNvPr id="96" name="Text Placeholder 3"/>
-          <p:cNvSpPr/>
+          <p:cNvSpPr>
+            <a:spLocks noGrp="1"/>
+          </p:cNvSpPr>
           <p:nvPr>
             <p:ph type="body" sz="quarter" idx="13"/>
           </p:nvPr>
@@ -3620,14 +3725,16 @@
           <a:bodyPr/>
           <a:lstStyle/>
           <a:p>
-            <a:pPr/>
+            <a:endParaRPr/>
           </a:p>
         </p:txBody>
       </p:sp>
       <p:sp>
         <p:nvSpPr>
           <p:cNvPr id="97" name="Foliennummer"/>
-          <p:cNvSpPr txBox="1"/>
+          <p:cNvSpPr txBox="1">
+            <a:spLocks noGrp="1"/>
+          </p:cNvSpPr>
           <p:nvPr>
             <p:ph type="sldNum" sz="quarter" idx="2"/>
           </p:nvPr>
@@ -3641,8 +3748,10 @@
           <a:bodyPr/>
           <a:lstStyle/>
           <a:p>
-            <a:pPr/>
-            <a:fld id="{86CB4B4D-7CA3-9044-876B-883B54F8677D}" type="slidenum"/>
+            <a:fld id="{86CB4B4D-7CA3-9044-876B-883B54F8677D}" type="slidenum">
+              <a:t>‹N°›</a:t>
+            </a:fld>
+            <a:endParaRPr/>
           </a:p>
         </p:txBody>
       </p:sp>
@@ -3651,12 +3760,12 @@
   <p:clrMapOvr>
     <a:masterClrMapping/>
   </p:clrMapOvr>
-  <p:transition xmlns:p14="http://schemas.microsoft.com/office/powerpoint/2010/main" spd="med" advClick="1"/>
+  <p:transition spd="med"/>
 </p:sldLayout>
 </file>
 
 <file path=ppt/slideLayouts/slideLayout9.xml><?xml version="1.0" encoding="utf-8"?>
-<p:sldLayout xmlns:a="http://schemas.openxmlformats.org/drawingml/2006/main" xmlns:r="http://schemas.openxmlformats.org/officeDocument/2006/relationships" xmlns:p="http://schemas.openxmlformats.org/presentationml/2006/main" xmlns:m="http://schemas.openxmlformats.org/officeDocument/2006/math" xmlns:a14="http://schemas.microsoft.com/office/drawing/2010/main" type="tx" showMasterSp="1" showMasterPhAnim="1">
+<p:sldLayout xmlns:a="http://schemas.openxmlformats.org/drawingml/2006/main" xmlns:r="http://schemas.openxmlformats.org/officeDocument/2006/relationships" xmlns:p="http://schemas.openxmlformats.org/presentationml/2006/main" type="tx">
   <p:cSld name="Image avec légende">
     <p:spTree>
       <p:nvGrpSpPr>
@@ -3675,7 +3784,9 @@
       <p:sp>
         <p:nvSpPr>
           <p:cNvPr id="104" name="Titeltext"/>
-          <p:cNvSpPr txBox="1"/>
+          <p:cNvSpPr txBox="1">
+            <a:spLocks noGrp="1"/>
+          </p:cNvSpPr>
           <p:nvPr>
             <p:ph type="title"/>
           </p:nvPr>
@@ -3697,7 +3808,6 @@
             </a:lvl1pPr>
           </a:lstStyle>
           <a:p>
-            <a:pPr/>
             <a:r>
               <a:t>Titeltext</a:t>
             </a:r>
@@ -3707,7 +3817,9 @@
       <p:sp>
         <p:nvSpPr>
           <p:cNvPr id="105" name="Picture Placeholder 2"/>
-          <p:cNvSpPr/>
+          <p:cNvSpPr>
+            <a:spLocks noGrp="1"/>
+          </p:cNvSpPr>
           <p:nvPr>
             <p:ph type="pic" sz="half" idx="13"/>
           </p:nvPr>
@@ -3727,14 +3839,16 @@
           </a:bodyPr>
           <a:lstStyle/>
           <a:p>
-            <a:pPr/>
+            <a:endParaRPr/>
           </a:p>
         </p:txBody>
       </p:sp>
       <p:sp>
         <p:nvSpPr>
           <p:cNvPr id="106" name="Textebene 1…"/>
-          <p:cNvSpPr txBox="1"/>
+          <p:cNvSpPr txBox="1">
+            <a:spLocks noGrp="1"/>
+          </p:cNvSpPr>
           <p:nvPr>
             <p:ph type="body" sz="quarter" idx="1"/>
           </p:nvPr>
@@ -3788,7 +3902,6 @@
             </a:lvl5pPr>
           </a:lstStyle>
           <a:p>
-            <a:pPr/>
             <a:r>
               <a:t>Textebene 1</a:t>
             </a:r>
@@ -3822,7 +3935,9 @@
       <p:sp>
         <p:nvSpPr>
           <p:cNvPr id="107" name="Foliennummer"/>
-          <p:cNvSpPr txBox="1"/>
+          <p:cNvSpPr txBox="1">
+            <a:spLocks noGrp="1"/>
+          </p:cNvSpPr>
           <p:nvPr>
             <p:ph type="sldNum" sz="quarter" idx="2"/>
           </p:nvPr>
@@ -3836,8 +3951,10 @@
           <a:bodyPr/>
           <a:lstStyle/>
           <a:p>
-            <a:pPr/>
-            <a:fld id="{86CB4B4D-7CA3-9044-876B-883B54F8677D}" type="slidenum"/>
+            <a:fld id="{86CB4B4D-7CA3-9044-876B-883B54F8677D}" type="slidenum">
+              <a:t>‹N°›</a:t>
+            </a:fld>
+            <a:endParaRPr/>
           </a:p>
         </p:txBody>
       </p:sp>
@@ -3846,18 +3963,19 @@
   <p:clrMapOvr>
     <a:masterClrMapping/>
   </p:clrMapOvr>
-  <p:transition xmlns:p14="http://schemas.microsoft.com/office/powerpoint/2010/main" spd="med" advClick="1"/>
+  <p:transition spd="med"/>
 </p:sldLayout>
 </file>
 
 <file path=ppt/slideMasters/slideMaster1.xml><?xml version="1.0" encoding="utf-8"?>
-<p:sldMaster xmlns:a="http://schemas.openxmlformats.org/drawingml/2006/main" xmlns:r="http://schemas.openxmlformats.org/officeDocument/2006/relationships" xmlns:p="http://schemas.openxmlformats.org/presentationml/2006/main" xmlns:m="http://schemas.openxmlformats.org/officeDocument/2006/math" xmlns:a14="http://schemas.microsoft.com/office/drawing/2010/main">
+<p:sldMaster xmlns:a="http://schemas.openxmlformats.org/drawingml/2006/main" xmlns:r="http://schemas.openxmlformats.org/officeDocument/2006/relationships" xmlns:p="http://schemas.openxmlformats.org/presentationml/2006/main">
   <p:cSld>
     <p:bg>
       <p:bgPr>
         <a:solidFill>
           <a:srgbClr val="FFFFFF"/>
         </a:solidFill>
+        <a:effectLst/>
       </p:bgPr>
     </p:bg>
     <p:spTree>
@@ -3920,7 +4038,7 @@
             </a:bodyPr>
             <a:lstStyle/>
             <a:p>
-              <a:pPr/>
+              <a:endParaRPr/>
             </a:p>
           </p:txBody>
         </p:sp>
@@ -3956,7 +4074,7 @@
             </a:bodyPr>
             <a:lstStyle/>
             <a:p>
-              <a:pPr/>
+              <a:endParaRPr/>
             </a:p>
           </p:txBody>
         </p:sp>
@@ -3991,7 +4109,7 @@
               </a:cxnLst>
               <a:rect l="0" t="0" r="r" b="b"/>
               <a:pathLst>
-                <a:path w="21600" h="21600" fill="norm" stroke="1" extrusionOk="0">
+                <a:path w="21600" h="21600" extrusionOk="0">
                   <a:moveTo>
                     <a:pt x="14692" y="0"/>
                   </a:moveTo>
@@ -4036,6 +4154,7 @@
                   <a:sym typeface="Trebuchet MS"/>
                 </a:defRPr>
               </a:pPr>
+              <a:endParaRPr/>
             </a:p>
           </p:txBody>
         </p:sp>
@@ -4070,7 +4189,7 @@
               </a:cxnLst>
               <a:rect l="0" t="0" r="r" b="b"/>
               <a:pathLst>
-                <a:path w="21600" h="21600" fill="norm" stroke="1" extrusionOk="0">
+                <a:path w="21600" h="21600" extrusionOk="0">
                   <a:moveTo>
                     <a:pt x="0" y="0"/>
                   </a:moveTo>
@@ -4115,6 +4234,7 @@
                   <a:sym typeface="Trebuchet MS"/>
                 </a:defRPr>
               </a:pPr>
+              <a:endParaRPr/>
             </a:p>
           </p:txBody>
         </p:sp>
@@ -4149,7 +4269,7 @@
               </a:cxnLst>
               <a:rect l="0" t="0" r="r" b="b"/>
               <a:pathLst>
-                <a:path w="21600" h="21600" fill="norm" stroke="1" extrusionOk="0">
+                <a:path w="21600" h="21600" extrusionOk="0">
                   <a:moveTo>
                     <a:pt x="0" y="21600"/>
                   </a:moveTo>
@@ -4188,6 +4308,7 @@
                   <a:sym typeface="Trebuchet MS"/>
                 </a:defRPr>
               </a:pPr>
+              <a:endParaRPr/>
             </a:p>
           </p:txBody>
         </p:sp>
@@ -4222,7 +4343,7 @@
               </a:cxnLst>
               <a:rect l="0" t="0" r="r" b="b"/>
               <a:pathLst>
-                <a:path w="21600" h="21600" fill="norm" stroke="1" extrusionOk="0">
+                <a:path w="21600" h="21600" extrusionOk="0">
                   <a:moveTo>
                     <a:pt x="0" y="0"/>
                   </a:moveTo>
@@ -4267,6 +4388,7 @@
                   <a:sym typeface="Trebuchet MS"/>
                 </a:defRPr>
               </a:pPr>
+              <a:endParaRPr/>
             </a:p>
           </p:txBody>
         </p:sp>
@@ -4301,7 +4423,7 @@
               </a:cxnLst>
               <a:rect l="0" t="0" r="r" b="b"/>
               <a:pathLst>
-                <a:path w="21600" h="21600" fill="norm" stroke="1" extrusionOk="0">
+                <a:path w="21600" h="21600" extrusionOk="0">
                   <a:moveTo>
                     <a:pt x="17073" y="0"/>
                   </a:moveTo>
@@ -4346,6 +4468,7 @@
                   <a:sym typeface="Trebuchet MS"/>
                 </a:defRPr>
               </a:pPr>
+              <a:endParaRPr/>
             </a:p>
           </p:txBody>
         </p:sp>
@@ -4380,7 +4503,7 @@
               </a:cxnLst>
               <a:rect l="0" t="0" r="r" b="b"/>
               <a:pathLst>
-                <a:path w="21600" h="21600" fill="norm" stroke="1" extrusionOk="0">
+                <a:path w="21600" h="21600" extrusionOk="0">
                   <a:moveTo>
                     <a:pt x="0" y="0"/>
                   </a:moveTo>
@@ -4425,6 +4548,7 @@
                   <a:sym typeface="Trebuchet MS"/>
                 </a:defRPr>
               </a:pPr>
+              <a:endParaRPr/>
             </a:p>
           </p:txBody>
         </p:sp>
@@ -4459,7 +4583,7 @@
               </a:cxnLst>
               <a:rect l="0" t="0" r="r" b="b"/>
               <a:pathLst>
-                <a:path w="21600" h="21600" fill="norm" stroke="1" extrusionOk="0">
+                <a:path w="21600" h="21600" extrusionOk="0">
                   <a:moveTo>
                     <a:pt x="0" y="21600"/>
                   </a:moveTo>
@@ -4498,6 +4622,7 @@
                   <a:sym typeface="Trebuchet MS"/>
                 </a:defRPr>
               </a:pPr>
+              <a:endParaRPr/>
             </a:p>
           </p:txBody>
         </p:sp>
@@ -4532,7 +4657,7 @@
               </a:cxnLst>
               <a:rect l="0" t="0" r="r" b="b"/>
               <a:pathLst>
-                <a:path w="21600" h="21600" fill="norm" stroke="1" extrusionOk="0">
+                <a:path w="21600" h="21600" extrusionOk="0">
                   <a:moveTo>
                     <a:pt x="0" y="21600"/>
                   </a:moveTo>
@@ -4571,6 +4696,7 @@
                   <a:sym typeface="Trebuchet MS"/>
                 </a:defRPr>
               </a:pPr>
+              <a:endParaRPr/>
             </a:p>
           </p:txBody>
         </p:sp>
@@ -4578,7 +4704,9 @@
       <p:sp>
         <p:nvSpPr>
           <p:cNvPr id="13" name="Titeltext"/>
-          <p:cNvSpPr txBox="1"/>
+          <p:cNvSpPr txBox="1">
+            <a:spLocks noGrp="1"/>
+          </p:cNvSpPr>
           <p:nvPr>
             <p:ph type="title"/>
           </p:nvPr>
@@ -4596,17 +4724,16 @@
           </a:ln>
           <a:extLst>
             <a:ext uri="{C572A759-6A51-4108-AA02-DFA0A04FC94B}">
-              <ma14:wrappingTextBoxFlag xmlns:ma14="http://schemas.microsoft.com/office/mac/drawingml/2011/main" val="1"/>
+              <ma14:wrappingTextBoxFlag xmlns:ma14="http://schemas.microsoft.com/office/mac/drawingml/2011/main" xmlns:a14="http://schemas.microsoft.com/office/drawing/2010/main" xmlns:m="http://schemas.openxmlformats.org/officeDocument/2006/math" xmlns="" val="1"/>
             </a:ext>
           </a:extLst>
         </p:spPr>
         <p:txBody>
           <a:bodyPr lIns="45718" tIns="45718" rIns="45718" bIns="45718">
-            <a:normAutofit fontScale="100000" lnSpcReduction="0"/>
+            <a:normAutofit/>
           </a:bodyPr>
           <a:lstStyle/>
           <a:p>
-            <a:pPr/>
             <a:r>
               <a:t>Titeltext</a:t>
             </a:r>
@@ -4616,7 +4743,9 @@
       <p:sp>
         <p:nvSpPr>
           <p:cNvPr id="14" name="Textebene 1…"/>
-          <p:cNvSpPr txBox="1"/>
+          <p:cNvSpPr txBox="1">
+            <a:spLocks noGrp="1"/>
+          </p:cNvSpPr>
           <p:nvPr>
             <p:ph type="body" idx="1"/>
           </p:nvPr>
@@ -4634,17 +4763,16 @@
           </a:ln>
           <a:extLst>
             <a:ext uri="{C572A759-6A51-4108-AA02-DFA0A04FC94B}">
-              <ma14:wrappingTextBoxFlag xmlns:ma14="http://schemas.microsoft.com/office/mac/drawingml/2011/main" val="1"/>
+              <ma14:wrappingTextBoxFlag xmlns:ma14="http://schemas.microsoft.com/office/mac/drawingml/2011/main" xmlns:a14="http://schemas.microsoft.com/office/drawing/2010/main" xmlns:m="http://schemas.openxmlformats.org/officeDocument/2006/math" xmlns="" val="1"/>
             </a:ext>
           </a:extLst>
         </p:spPr>
         <p:txBody>
           <a:bodyPr lIns="45718" tIns="45718" rIns="45718" bIns="45718">
-            <a:normAutofit fontScale="100000" lnSpcReduction="0"/>
+            <a:normAutofit/>
           </a:bodyPr>
           <a:lstStyle/>
           <a:p>
-            <a:pPr/>
             <a:r>
               <a:t>Textebene 1</a:t>
             </a:r>
@@ -4678,7 +4806,9 @@
       <p:sp>
         <p:nvSpPr>
           <p:cNvPr id="15" name="Foliennummer"/>
-          <p:cNvSpPr txBox="1"/>
+          <p:cNvSpPr txBox="1">
+            <a:spLocks noGrp="1"/>
+          </p:cNvSpPr>
           <p:nvPr>
             <p:ph type="sldNum" sz="quarter" idx="2"/>
           </p:nvPr>
@@ -4713,8 +4843,10 @@
             </a:lvl1pPr>
           </a:lstStyle>
           <a:p>
-            <a:pPr/>
-            <a:fld id="{86CB4B4D-7CA3-9044-876B-883B54F8677D}" type="slidenum"/>
+            <a:fld id="{86CB4B4D-7CA3-9044-876B-883B54F8677D}" type="slidenum">
+              <a:t>‹N°›</a:t>
+            </a:fld>
+            <a:endParaRPr/>
           </a:p>
         </p:txBody>
       </p:sp>
@@ -4722,24 +4854,24 @@
   </p:cSld>
   <p:clrMap bg1="lt1" tx1="dk1" bg2="lt2" tx2="dk2" accent1="accent1" accent2="accent2" accent3="accent3" accent4="accent4" accent5="accent5" accent6="accent6" hlink="hlink" folHlink="folHlink"/>
   <p:sldLayoutIdLst>
-    <p:sldLayoutId id="2147483649" r:id="rId2"/>
-    <p:sldLayoutId id="2147483650" r:id="rId3"/>
-    <p:sldLayoutId id="2147483651" r:id="rId4"/>
-    <p:sldLayoutId id="2147483652" r:id="rId5"/>
-    <p:sldLayoutId id="2147483653" r:id="rId6"/>
-    <p:sldLayoutId id="2147483654" r:id="rId7"/>
-    <p:sldLayoutId id="2147483655" r:id="rId8"/>
-    <p:sldLayoutId id="2147483656" r:id="rId9"/>
-    <p:sldLayoutId id="2147483657" r:id="rId10"/>
-    <p:sldLayoutId id="2147483658" r:id="rId11"/>
-    <p:sldLayoutId id="2147483659" r:id="rId12"/>
-    <p:sldLayoutId id="2147483660" r:id="rId13"/>
-    <p:sldLayoutId id="2147483661" r:id="rId14"/>
-    <p:sldLayoutId id="2147483662" r:id="rId15"/>
-    <p:sldLayoutId id="2147483663" r:id="rId16"/>
-    <p:sldLayoutId id="2147483664" r:id="rId17"/>
+    <p:sldLayoutId id="2147483649" r:id="rId1"/>
+    <p:sldLayoutId id="2147483650" r:id="rId2"/>
+    <p:sldLayoutId id="2147483651" r:id="rId3"/>
+    <p:sldLayoutId id="2147483652" r:id="rId4"/>
+    <p:sldLayoutId id="2147483653" r:id="rId5"/>
+    <p:sldLayoutId id="2147483654" r:id="rId6"/>
+    <p:sldLayoutId id="2147483655" r:id="rId7"/>
+    <p:sldLayoutId id="2147483656" r:id="rId8"/>
+    <p:sldLayoutId id="2147483657" r:id="rId9"/>
+    <p:sldLayoutId id="2147483658" r:id="rId10"/>
+    <p:sldLayoutId id="2147483659" r:id="rId11"/>
+    <p:sldLayoutId id="2147483660" r:id="rId12"/>
+    <p:sldLayoutId id="2147483661" r:id="rId13"/>
+    <p:sldLayoutId id="2147483662" r:id="rId14"/>
+    <p:sldLayoutId id="2147483663" r:id="rId15"/>
+    <p:sldLayoutId id="2147483664" r:id="rId16"/>
   </p:sldLayoutIdLst>
-  <p:transition xmlns:p14="http://schemas.microsoft.com/office/powerpoint/2010/main" spd="med" advClick="1"/>
+  <p:transition spd="med"/>
   <p:txStyles>
     <p:titleStyle>
       <a:lvl1pPr marL="0" marR="0" indent="0" algn="l" defTabSz="457200" rtl="0" latinLnBrk="0">
@@ -4757,7 +4889,7 @@
         <a:buFontTx/>
         <a:buNone/>
         <a:tabLst/>
-        <a:defRPr b="0" baseline="0" cap="none" i="0" spc="0" strike="noStrike" sz="3600" u="none">
+        <a:defRPr sz="3600" b="0" i="0" u="none" strike="noStrike" cap="none" spc="0" baseline="0">
           <a:ln>
             <a:noFill/>
           </a:ln>
@@ -4786,7 +4918,7 @@
         <a:buFontTx/>
         <a:buNone/>
         <a:tabLst/>
-        <a:defRPr b="0" baseline="0" cap="none" i="0" spc="0" strike="noStrike" sz="3600" u="none">
+        <a:defRPr sz="3600" b="0" i="0" u="none" strike="noStrike" cap="none" spc="0" baseline="0">
           <a:ln>
             <a:noFill/>
           </a:ln>
@@ -4815,7 +4947,7 @@
         <a:buFontTx/>
         <a:buNone/>
         <a:tabLst/>
-        <a:defRPr b="0" baseline="0" cap="none" i="0" spc="0" strike="noStrike" sz="3600" u="none">
+        <a:defRPr sz="3600" b="0" i="0" u="none" strike="noStrike" cap="none" spc="0" baseline="0">
           <a:ln>
             <a:noFill/>
           </a:ln>
@@ -4844,7 +4976,7 @@
         <a:buFontTx/>
         <a:buNone/>
         <a:tabLst/>
-        <a:defRPr b="0" baseline="0" cap="none" i="0" spc="0" strike="noStrike" sz="3600" u="none">
+        <a:defRPr sz="3600" b="0" i="0" u="none" strike="noStrike" cap="none" spc="0" baseline="0">
           <a:ln>
             <a:noFill/>
           </a:ln>
@@ -4873,7 +5005,7 @@
         <a:buFontTx/>
         <a:buNone/>
         <a:tabLst/>
-        <a:defRPr b="0" baseline="0" cap="none" i="0" spc="0" strike="noStrike" sz="3600" u="none">
+        <a:defRPr sz="3600" b="0" i="0" u="none" strike="noStrike" cap="none" spc="0" baseline="0">
           <a:ln>
             <a:noFill/>
           </a:ln>
@@ -4902,7 +5034,7 @@
         <a:buFontTx/>
         <a:buNone/>
         <a:tabLst/>
-        <a:defRPr b="0" baseline="0" cap="none" i="0" spc="0" strike="noStrike" sz="3600" u="none">
+        <a:defRPr sz="3600" b="0" i="0" u="none" strike="noStrike" cap="none" spc="0" baseline="0">
           <a:ln>
             <a:noFill/>
           </a:ln>
@@ -4931,7 +5063,7 @@
         <a:buFontTx/>
         <a:buNone/>
         <a:tabLst/>
-        <a:defRPr b="0" baseline="0" cap="none" i="0" spc="0" strike="noStrike" sz="3600" u="none">
+        <a:defRPr sz="3600" b="0" i="0" u="none" strike="noStrike" cap="none" spc="0" baseline="0">
           <a:ln>
             <a:noFill/>
           </a:ln>
@@ -4960,7 +5092,7 @@
         <a:buFontTx/>
         <a:buNone/>
         <a:tabLst/>
-        <a:defRPr b="0" baseline="0" cap="none" i="0" spc="0" strike="noStrike" sz="3600" u="none">
+        <a:defRPr sz="3600" b="0" i="0" u="none" strike="noStrike" cap="none" spc="0" baseline="0">
           <a:ln>
             <a:noFill/>
           </a:ln>
@@ -4989,7 +5121,7 @@
         <a:buFontTx/>
         <a:buNone/>
         <a:tabLst/>
-        <a:defRPr b="0" baseline="0" cap="none" i="0" spc="0" strike="noStrike" sz="3600" u="none">
+        <a:defRPr sz="3600" b="0" i="0" u="none" strike="noStrike" cap="none" spc="0" baseline="0">
           <a:ln>
             <a:noFill/>
           </a:ln>
@@ -5022,7 +5154,7 @@
         <a:buFont typeface="Trebuchet MS"/>
         <a:buChar char="u"/>
         <a:tabLst/>
-        <a:defRPr b="0" baseline="0" cap="none" i="0" spc="0" strike="noStrike" sz="1800" u="none">
+        <a:defRPr sz="1800" b="0" i="0" u="none" strike="noStrike" cap="none" spc="0" baseline="0">
           <a:ln>
             <a:noFill/>
           </a:ln>
@@ -5053,7 +5185,7 @@
         <a:buFont typeface="Trebuchet MS"/>
         <a:buChar char="u"/>
         <a:tabLst/>
-        <a:defRPr b="0" baseline="0" cap="none" i="0" spc="0" strike="noStrike" sz="1800" u="none">
+        <a:defRPr sz="1800" b="0" i="0" u="none" strike="noStrike" cap="none" spc="0" baseline="0">
           <a:ln>
             <a:noFill/>
           </a:ln>
@@ -5084,7 +5216,7 @@
         <a:buFont typeface="Trebuchet MS"/>
         <a:buChar char="u"/>
         <a:tabLst/>
-        <a:defRPr b="0" baseline="0" cap="none" i="0" spc="0" strike="noStrike" sz="1800" u="none">
+        <a:defRPr sz="1800" b="0" i="0" u="none" strike="noStrike" cap="none" spc="0" baseline="0">
           <a:ln>
             <a:noFill/>
           </a:ln>
@@ -5115,7 +5247,7 @@
         <a:buFont typeface="Trebuchet MS"/>
         <a:buChar char="u"/>
         <a:tabLst/>
-        <a:defRPr b="0" baseline="0" cap="none" i="0" spc="0" strike="noStrike" sz="1800" u="none">
+        <a:defRPr sz="1800" b="0" i="0" u="none" strike="noStrike" cap="none" spc="0" baseline="0">
           <a:ln>
             <a:noFill/>
           </a:ln>
@@ -5146,7 +5278,7 @@
         <a:buFont typeface="Trebuchet MS"/>
         <a:buChar char="u"/>
         <a:tabLst/>
-        <a:defRPr b="0" baseline="0" cap="none" i="0" spc="0" strike="noStrike" sz="1800" u="none">
+        <a:defRPr sz="1800" b="0" i="0" u="none" strike="noStrike" cap="none" spc="0" baseline="0">
           <a:ln>
             <a:noFill/>
           </a:ln>
@@ -5177,7 +5309,7 @@
         <a:buFont typeface="Trebuchet MS"/>
         <a:buChar char="u"/>
         <a:tabLst/>
-        <a:defRPr b="0" baseline="0" cap="none" i="0" spc="0" strike="noStrike" sz="1800" u="none">
+        <a:defRPr sz="1800" b="0" i="0" u="none" strike="noStrike" cap="none" spc="0" baseline="0">
           <a:ln>
             <a:noFill/>
           </a:ln>
@@ -5208,7 +5340,7 @@
         <a:buFont typeface="Trebuchet MS"/>
         <a:buChar char="u"/>
         <a:tabLst/>
-        <a:defRPr b="0" baseline="0" cap="none" i="0" spc="0" strike="noStrike" sz="1800" u="none">
+        <a:defRPr sz="1800" b="0" i="0" u="none" strike="noStrike" cap="none" spc="0" baseline="0">
           <a:ln>
             <a:noFill/>
           </a:ln>
@@ -5239,7 +5371,7 @@
         <a:buFont typeface="Trebuchet MS"/>
         <a:buChar char="u"/>
         <a:tabLst/>
-        <a:defRPr b="0" baseline="0" cap="none" i="0" spc="0" strike="noStrike" sz="1800" u="none">
+        <a:defRPr sz="1800" b="0" i="0" u="none" strike="noStrike" cap="none" spc="0" baseline="0">
           <a:ln>
             <a:noFill/>
           </a:ln>
@@ -5270,7 +5402,7 @@
         <a:buFont typeface="Trebuchet MS"/>
         <a:buChar char="u"/>
         <a:tabLst/>
-        <a:defRPr b="0" baseline="0" cap="none" i="0" spc="0" strike="noStrike" sz="1800" u="none">
+        <a:defRPr sz="1800" b="0" i="0" u="none" strike="noStrike" cap="none" spc="0" baseline="0">
           <a:ln>
             <a:noFill/>
           </a:ln>
@@ -5301,7 +5433,7 @@
         <a:buFontTx/>
         <a:buNone/>
         <a:tabLst/>
-        <a:defRPr b="0" baseline="0" cap="none" i="0" spc="0" strike="noStrike" sz="900" u="none">
+        <a:defRPr sz="900" b="0" i="0" u="none" strike="noStrike" cap="none" spc="0" baseline="0">
           <a:ln>
             <a:noFill/>
           </a:ln>
@@ -5330,7 +5462,7 @@
         <a:buFontTx/>
         <a:buNone/>
         <a:tabLst/>
-        <a:defRPr b="0" baseline="0" cap="none" i="0" spc="0" strike="noStrike" sz="900" u="none">
+        <a:defRPr sz="900" b="0" i="0" u="none" strike="noStrike" cap="none" spc="0" baseline="0">
           <a:ln>
             <a:noFill/>
           </a:ln>
@@ -5359,7 +5491,7 @@
         <a:buFontTx/>
         <a:buNone/>
         <a:tabLst/>
-        <a:defRPr b="0" baseline="0" cap="none" i="0" spc="0" strike="noStrike" sz="900" u="none">
+        <a:defRPr sz="900" b="0" i="0" u="none" strike="noStrike" cap="none" spc="0" baseline="0">
           <a:ln>
             <a:noFill/>
           </a:ln>
@@ -5388,7 +5520,7 @@
         <a:buFontTx/>
         <a:buNone/>
         <a:tabLst/>
-        <a:defRPr b="0" baseline="0" cap="none" i="0" spc="0" strike="noStrike" sz="900" u="none">
+        <a:defRPr sz="900" b="0" i="0" u="none" strike="noStrike" cap="none" spc="0" baseline="0">
           <a:ln>
             <a:noFill/>
           </a:ln>
@@ -5417,7 +5549,7 @@
         <a:buFontTx/>
         <a:buNone/>
         <a:tabLst/>
-        <a:defRPr b="0" baseline="0" cap="none" i="0" spc="0" strike="noStrike" sz="900" u="none">
+        <a:defRPr sz="900" b="0" i="0" u="none" strike="noStrike" cap="none" spc="0" baseline="0">
           <a:ln>
             <a:noFill/>
           </a:ln>
@@ -5446,7 +5578,7 @@
         <a:buFontTx/>
         <a:buNone/>
         <a:tabLst/>
-        <a:defRPr b="0" baseline="0" cap="none" i="0" spc="0" strike="noStrike" sz="900" u="none">
+        <a:defRPr sz="900" b="0" i="0" u="none" strike="noStrike" cap="none" spc="0" baseline="0">
           <a:ln>
             <a:noFill/>
           </a:ln>
@@ -5475,7 +5607,7 @@
         <a:buFontTx/>
         <a:buNone/>
         <a:tabLst/>
-        <a:defRPr b="0" baseline="0" cap="none" i="0" spc="0" strike="noStrike" sz="900" u="none">
+        <a:defRPr sz="900" b="0" i="0" u="none" strike="noStrike" cap="none" spc="0" baseline="0">
           <a:ln>
             <a:noFill/>
           </a:ln>
@@ -5504,7 +5636,7 @@
         <a:buFontTx/>
         <a:buNone/>
         <a:tabLst/>
-        <a:defRPr b="0" baseline="0" cap="none" i="0" spc="0" strike="noStrike" sz="900" u="none">
+        <a:defRPr sz="900" b="0" i="0" u="none" strike="noStrike" cap="none" spc="0" baseline="0">
           <a:ln>
             <a:noFill/>
           </a:ln>
@@ -5533,7 +5665,7 @@
         <a:buFontTx/>
         <a:buNone/>
         <a:tabLst/>
-        <a:defRPr b="0" baseline="0" cap="none" i="0" spc="0" strike="noStrike" sz="900" u="none">
+        <a:defRPr sz="900" b="0" i="0" u="none" strike="noStrike" cap="none" spc="0" baseline="0">
           <a:ln>
             <a:noFill/>
           </a:ln>
@@ -5553,7 +5685,7 @@
 </file>
 
 <file path=ppt/slides/slide1.xml><?xml version="1.0" encoding="utf-8"?>
-<p:sld xmlns:a="http://schemas.openxmlformats.org/drawingml/2006/main" xmlns:r="http://schemas.openxmlformats.org/officeDocument/2006/relationships" xmlns:p="http://schemas.openxmlformats.org/presentationml/2006/main" xmlns:m="http://schemas.openxmlformats.org/officeDocument/2006/math" xmlns:a14="http://schemas.microsoft.com/office/drawing/2010/main" showMasterSp="1" showMasterPhAnim="1">
+<p:sld xmlns:a="http://schemas.openxmlformats.org/drawingml/2006/main" xmlns:r="http://schemas.openxmlformats.org/officeDocument/2006/relationships" xmlns:p="http://schemas.openxmlformats.org/presentationml/2006/main">
   <p:cSld>
     <p:spTree>
       <p:nvGrpSpPr>
@@ -5572,7 +5704,9 @@
       <p:sp>
         <p:nvSpPr>
           <p:cNvPr id="186" name="Titre 1"/>
-          <p:cNvSpPr txBox="1"/>
+          <p:cNvSpPr txBox="1">
+            <a:spLocks noGrp="1"/>
+          </p:cNvSpPr>
           <p:nvPr>
             <p:ph type="ctrTitle"/>
           </p:nvPr>
@@ -5587,14 +5721,15 @@
           </a:prstGeom>
         </p:spPr>
         <p:txBody>
-          <a:bodyPr/>
+          <a:bodyPr>
+            <a:normAutofit fontScale="90000"/>
+          </a:bodyPr>
           <a:lstStyle>
             <a:lvl1pPr defTabSz="443483">
               <a:defRPr sz="5200"/>
             </a:lvl1pPr>
           </a:lstStyle>
           <a:p>
-            <a:pPr/>
             <a:r>
               <a:t>Recalage automatique Motion Capture et vidéo</a:t>
             </a:r>
@@ -5604,7 +5739,9 @@
       <p:sp>
         <p:nvSpPr>
           <p:cNvPr id="187" name="Sous-titre 2"/>
-          <p:cNvSpPr txBox="1"/>
+          <p:cNvSpPr txBox="1">
+            <a:spLocks noGrp="1"/>
+          </p:cNvSpPr>
           <p:nvPr>
             <p:ph type="subTitle" sz="quarter" idx="1"/>
           </p:nvPr>
@@ -5648,12 +5785,284 @@
   <p:clrMapOvr>
     <a:masterClrMapping/>
   </p:clrMapOvr>
-  <p:transition xmlns:p14="http://schemas.microsoft.com/office/powerpoint/2010/main" spd="med" advClick="1"/>
+  <p:transition spd="med"/>
 </p:sld>
 </file>
 
 <file path=ppt/slides/slide10.xml><?xml version="1.0" encoding="utf-8"?>
-<p:sld xmlns:a="http://schemas.openxmlformats.org/drawingml/2006/main" xmlns:r="http://schemas.openxmlformats.org/officeDocument/2006/relationships" xmlns:p="http://schemas.openxmlformats.org/presentationml/2006/main" xmlns:m="http://schemas.openxmlformats.org/officeDocument/2006/math" xmlns:a14="http://schemas.microsoft.com/office/drawing/2010/main" showMasterSp="1" showMasterPhAnim="1">
+<p:sld xmlns:a="http://schemas.openxmlformats.org/drawingml/2006/main" xmlns:r="http://schemas.openxmlformats.org/officeDocument/2006/relationships" xmlns:p="http://schemas.openxmlformats.org/presentationml/2006/main">
+  <p:cSld>
+    <p:spTree>
+      <p:nvGrpSpPr>
+        <p:cNvPr id="1" name=""/>
+        <p:cNvGrpSpPr/>
+        <p:nvPr/>
+      </p:nvGrpSpPr>
+      <p:grpSpPr>
+        <a:xfrm>
+          <a:off x="0" y="0"/>
+          <a:ext cx="0" cy="0"/>
+          <a:chOff x="0" y="0"/>
+          <a:chExt cx="0" cy="0"/>
+        </a:xfrm>
+      </p:grpSpPr>
+      <p:sp>
+        <p:nvSpPr>
+          <p:cNvPr id="216" name="Titre 1"/>
+          <p:cNvSpPr txBox="1">
+            <a:spLocks noGrp="1"/>
+          </p:cNvSpPr>
+          <p:nvPr>
+            <p:ph type="title"/>
+          </p:nvPr>
+        </p:nvSpPr>
+        <p:spPr>
+          <a:xfrm>
+            <a:off x="677333" y="609600"/>
+            <a:ext cx="8596670" cy="1320800"/>
+          </a:xfrm>
+          <a:prstGeom prst="rect">
+            <a:avLst/>
+          </a:prstGeom>
+        </p:spPr>
+        <p:txBody>
+          <a:bodyPr/>
+          <a:lstStyle/>
+          <a:p>
+            <a:r>
+              <a:rPr dirty="0"/>
+              <a:t>III – </a:t>
+            </a:r>
+            <a:r>
+              <a:rPr lang="fr-FR" dirty="0"/>
+              <a:t>Recalage</a:t>
+            </a:r>
+            <a:r>
+              <a:rPr dirty="0"/>
+              <a:t> spatial</a:t>
+            </a:r>
+          </a:p>
+        </p:txBody>
+      </p:sp>
+      <p:sp>
+        <p:nvSpPr>
+          <p:cNvPr id="2" name="Rectangle 1">
+            <a:extLst>
+              <a:ext uri="{FF2B5EF4-FFF2-40B4-BE49-F238E27FC236}">
+                <a16:creationId xmlns:a16="http://schemas.microsoft.com/office/drawing/2014/main" id="{40FD6DC8-39F5-48CF-BAD4-7C4C0E3563F6}"/>
+              </a:ext>
+            </a:extLst>
+          </p:cNvPr>
+          <p:cNvSpPr/>
+          <p:nvPr/>
+        </p:nvSpPr>
+        <p:spPr>
+          <a:xfrm>
+            <a:off x="677332" y="1930400"/>
+            <a:ext cx="8916833" cy="2107028"/>
+          </a:xfrm>
+          <a:prstGeom prst="rect">
+            <a:avLst/>
+          </a:prstGeom>
+          <a:ln w="12700">
+            <a:miter lim="400000"/>
+          </a:ln>
+        </p:spPr>
+        <p:txBody>
+          <a:bodyPr lIns="45718" tIns="45718" rIns="45718" bIns="45718">
+            <a:normAutofit/>
+          </a:bodyPr>
+          <a:lstStyle/>
+          <a:p>
+            <a:pPr marL="342900" indent="-342900">
+              <a:lnSpc>
+                <a:spcPct val="90000"/>
+              </a:lnSpc>
+              <a:spcBef>
+                <a:spcPts val="1000"/>
+              </a:spcBef>
+              <a:buClr>
+                <a:schemeClr val="accent1"/>
+              </a:buClr>
+              <a:buSzPct val="80000"/>
+              <a:buFont typeface="Wingdings" panose="05000000000000000000" pitchFamily="2" charset="2"/>
+              <a:buChar char="§"/>
+            </a:pPr>
+            <a:r>
+              <a:rPr lang="fr-FR" b="1" dirty="0">
+                <a:solidFill>
+                  <a:srgbClr val="404040"/>
+                </a:solidFill>
+                <a:latin typeface="+mj-lt"/>
+                <a:ea typeface="+mj-ea"/>
+                <a:cs typeface="+mj-cs"/>
+                <a:sym typeface="Trebuchet MS"/>
+              </a:rPr>
+              <a:t>Cette rotation et cette translation seront appliquées aux deux nuages de points </a:t>
+            </a:r>
+            <a:r>
+              <a:rPr lang="fr-FR" b="1" dirty="0" err="1">
+                <a:solidFill>
+                  <a:srgbClr val="404040"/>
+                </a:solidFill>
+                <a:latin typeface="+mj-lt"/>
+                <a:ea typeface="+mj-ea"/>
+                <a:cs typeface="+mj-cs"/>
+                <a:sym typeface="Trebuchet MS"/>
+              </a:rPr>
+              <a:t>MoCap</a:t>
+            </a:r>
+            <a:r>
+              <a:rPr lang="fr-FR" dirty="0">
+                <a:solidFill>
+                  <a:srgbClr val="404040"/>
+                </a:solidFill>
+                <a:latin typeface="+mj-lt"/>
+                <a:ea typeface="+mj-ea"/>
+                <a:cs typeface="+mj-cs"/>
+                <a:sym typeface="Trebuchet MS"/>
+              </a:rPr>
+              <a:t> à tout instant.</a:t>
+            </a:r>
+          </a:p>
+          <a:p>
+            <a:pPr marL="342900" indent="-342900">
+              <a:lnSpc>
+                <a:spcPct val="90000"/>
+              </a:lnSpc>
+              <a:spcBef>
+                <a:spcPts val="1000"/>
+              </a:spcBef>
+              <a:buClr>
+                <a:schemeClr val="accent1"/>
+              </a:buClr>
+              <a:buSzPct val="80000"/>
+              <a:buFont typeface="Wingdings" panose="05000000000000000000" pitchFamily="2" charset="2"/>
+              <a:buChar char="§"/>
+            </a:pPr>
+            <a:endParaRPr lang="fr-FR" dirty="0">
+              <a:solidFill>
+                <a:srgbClr val="404040"/>
+              </a:solidFill>
+              <a:latin typeface="+mj-lt"/>
+              <a:ea typeface="+mj-ea"/>
+              <a:cs typeface="+mj-cs"/>
+              <a:sym typeface="Trebuchet MS"/>
+            </a:endParaRPr>
+          </a:p>
+          <a:p>
+            <a:pPr marL="342900" indent="-342900">
+              <a:lnSpc>
+                <a:spcPct val="90000"/>
+              </a:lnSpc>
+              <a:spcBef>
+                <a:spcPts val="1000"/>
+              </a:spcBef>
+              <a:buClr>
+                <a:schemeClr val="accent1"/>
+              </a:buClr>
+              <a:buSzPct val="80000"/>
+              <a:buFont typeface="Wingdings" panose="05000000000000000000" pitchFamily="2" charset="2"/>
+              <a:buChar char="§"/>
+            </a:pPr>
+            <a:r>
+              <a:rPr lang="fr-FR" dirty="0">
+                <a:solidFill>
+                  <a:srgbClr val="404040"/>
+                </a:solidFill>
+                <a:latin typeface="+mj-lt"/>
+                <a:ea typeface="+mj-ea"/>
+                <a:cs typeface="+mj-cs"/>
+                <a:sym typeface="Trebuchet MS"/>
+              </a:rPr>
+              <a:t>Ces nouveaux nuages de points sont à terme destinés à être </a:t>
+            </a:r>
+            <a:r>
+              <a:rPr lang="fr-FR" b="1" dirty="0">
+                <a:solidFill>
+                  <a:srgbClr val="404040"/>
+                </a:solidFill>
+                <a:latin typeface="+mj-lt"/>
+                <a:ea typeface="+mj-ea"/>
+                <a:cs typeface="+mj-cs"/>
+                <a:sym typeface="Trebuchet MS"/>
+              </a:rPr>
+              <a:t>associés à des avatars sous </a:t>
+            </a:r>
+            <a:r>
+              <a:rPr lang="fr-FR" b="1" dirty="0" err="1">
+                <a:solidFill>
+                  <a:srgbClr val="404040"/>
+                </a:solidFill>
+                <a:latin typeface="+mj-lt"/>
+                <a:ea typeface="+mj-ea"/>
+                <a:cs typeface="+mj-cs"/>
+                <a:sym typeface="Trebuchet MS"/>
+              </a:rPr>
+              <a:t>Unity</a:t>
+            </a:r>
+            <a:r>
+              <a:rPr lang="fr-FR" dirty="0">
+                <a:solidFill>
+                  <a:srgbClr val="404040"/>
+                </a:solidFill>
+                <a:latin typeface="+mj-lt"/>
+                <a:ea typeface="+mj-ea"/>
+                <a:cs typeface="+mj-cs"/>
+                <a:sym typeface="Trebuchet MS"/>
+              </a:rPr>
+              <a:t>, et rendus visibles au-dessus de la vidéo d’origine. </a:t>
+            </a:r>
+          </a:p>
+        </p:txBody>
+      </p:sp>
+      <p:pic>
+        <p:nvPicPr>
+          <p:cNvPr id="7" name="Image 3" descr="Image 3">
+            <a:extLst>
+              <a:ext uri="{FF2B5EF4-FFF2-40B4-BE49-F238E27FC236}">
+                <a16:creationId xmlns:a16="http://schemas.microsoft.com/office/drawing/2014/main" id="{8B3F334D-AEE9-4EA9-A96D-12E5FCEDD973}"/>
+              </a:ext>
+            </a:extLst>
+          </p:cNvPr>
+          <p:cNvPicPr>
+            <a:picLocks noChangeAspect="1"/>
+          </p:cNvPicPr>
+          <p:nvPr/>
+        </p:nvPicPr>
+        <p:blipFill>
+          <a:blip r:embed="rId2">
+            <a:extLst/>
+          </a:blip>
+          <a:srcRect l="23934" t="25121" r="23934" b="10663"/>
+          <a:stretch>
+            <a:fillRect/>
+          </a:stretch>
+        </p:blipFill>
+        <p:spPr>
+          <a:xfrm>
+            <a:off x="3249339" y="3911186"/>
+            <a:ext cx="3772817" cy="2614136"/>
+          </a:xfrm>
+          <a:prstGeom prst="rect">
+            <a:avLst/>
+          </a:prstGeom>
+          <a:ln w="12700">
+            <a:miter lim="400000"/>
+          </a:ln>
+        </p:spPr>
+      </p:pic>
+    </p:spTree>
+  </p:cSld>
+  <p:clrMapOvr>
+    <a:masterClrMapping/>
+  </p:clrMapOvr>
+  <p:transition spd="med"/>
+</p:sld>
+</file>
+
+<file path=ppt/slides/slide11.xml><?xml version="1.0" encoding="utf-8"?>
+<p:sld xmlns:a="http://schemas.openxmlformats.org/drawingml/2006/main" xmlns:r="http://schemas.openxmlformats.org/officeDocument/2006/relationships" xmlns:p="http://schemas.openxmlformats.org/presentationml/2006/main">
   <p:cSld>
     <p:spTree>
       <p:nvGrpSpPr>
@@ -5672,7 +6081,9 @@
       <p:sp>
         <p:nvSpPr>
           <p:cNvPr id="219" name="Titre 1"/>
-          <p:cNvSpPr txBox="1"/>
+          <p:cNvSpPr txBox="1">
+            <a:spLocks noGrp="1"/>
+          </p:cNvSpPr>
           <p:nvPr>
             <p:ph type="title"/>
           </p:nvPr>
@@ -5690,7 +6101,6 @@
           <a:bodyPr/>
           <a:lstStyle/>
           <a:p>
-            <a:pPr/>
             <a:r>
               <a:t>IV - Résultats</a:t>
             </a:r>
@@ -5699,16 +6109,371 @@
       </p:sp>
       <p:sp>
         <p:nvSpPr>
-          <p:cNvPr id="220" name="Espace réservé du contenu 2"/>
+          <p:cNvPr id="4" name="ZoneTexte 6">
+            <a:extLst>
+              <a:ext uri="{FF2B5EF4-FFF2-40B4-BE49-F238E27FC236}">
+                <a16:creationId xmlns:a16="http://schemas.microsoft.com/office/drawing/2014/main" id="{983F7EBA-6CC2-46C6-9948-28AA4E5A07C6}"/>
+              </a:ext>
+            </a:extLst>
+          </p:cNvPr>
           <p:cNvSpPr txBox="1"/>
+          <p:nvPr/>
+        </p:nvSpPr>
+        <p:spPr>
+          <a:xfrm>
+            <a:off x="887940" y="5470133"/>
+            <a:ext cx="3348111" cy="646327"/>
+          </a:xfrm>
+          <a:prstGeom prst="rect">
+            <a:avLst/>
+          </a:prstGeom>
+          <a:ln w="12700">
+            <a:miter lim="400000"/>
+          </a:ln>
+          <a:extLst>
+            <a:ext uri="{C572A759-6A51-4108-AA02-DFA0A04FC94B}">
+              <ma14:wrappingTextBoxFlag xmlns:ma14="http://schemas.microsoft.com/office/mac/drawingml/2011/main" xmlns:a14="http://schemas.microsoft.com/office/drawing/2010/main" xmlns:m="http://schemas.openxmlformats.org/officeDocument/2006/math" xmlns="" val="1"/>
+            </a:ext>
+          </a:extLst>
+        </p:spPr>
+        <p:txBody>
+          <a:bodyPr wrap="square" lIns="45718" tIns="45718" rIns="45718" bIns="45718">
+            <a:spAutoFit/>
+          </a:bodyPr>
+          <a:lstStyle>
+            <a:lvl1pPr>
+              <a:defRPr>
+                <a:solidFill>
+                  <a:srgbClr val="404040"/>
+                </a:solidFill>
+                <a:latin typeface="+mj-lt"/>
+                <a:ea typeface="+mj-ea"/>
+                <a:cs typeface="+mj-cs"/>
+                <a:sym typeface="Trebuchet MS"/>
+              </a:defRPr>
+            </a:lvl1pPr>
+          </a:lstStyle>
+          <a:p>
+            <a:pPr algn="ctr"/>
+            <a:r>
+              <a:rPr lang="fr-FR" dirty="0"/>
+              <a:t>Les points </a:t>
+            </a:r>
+            <a:r>
+              <a:rPr lang="fr-FR" dirty="0" err="1"/>
+              <a:t>MoCap</a:t>
+            </a:r>
+            <a:r>
+              <a:rPr lang="fr-FR" dirty="0"/>
+              <a:t> 3D projetés sur le plan des personnes</a:t>
+            </a:r>
+            <a:endParaRPr dirty="0"/>
+          </a:p>
+        </p:txBody>
+      </p:sp>
+      <p:sp>
+        <p:nvSpPr>
+          <p:cNvPr id="5" name="ZoneTexte 6">
+            <a:extLst>
+              <a:ext uri="{FF2B5EF4-FFF2-40B4-BE49-F238E27FC236}">
+                <a16:creationId xmlns:a16="http://schemas.microsoft.com/office/drawing/2014/main" id="{0957C506-8216-4BF5-8651-2D1237E57153}"/>
+              </a:ext>
+            </a:extLst>
+          </p:cNvPr>
+          <p:cNvSpPr txBox="1"/>
+          <p:nvPr/>
+        </p:nvSpPr>
+        <p:spPr>
+          <a:xfrm>
+            <a:off x="5770296" y="5470132"/>
+            <a:ext cx="3348110" cy="646327"/>
+          </a:xfrm>
+          <a:prstGeom prst="rect">
+            <a:avLst/>
+          </a:prstGeom>
+          <a:ln w="12700">
+            <a:miter lim="400000"/>
+          </a:ln>
+          <a:extLst>
+            <a:ext uri="{C572A759-6A51-4108-AA02-DFA0A04FC94B}">
+              <ma14:wrappingTextBoxFlag xmlns:ma14="http://schemas.microsoft.com/office/mac/drawingml/2011/main" xmlns:a14="http://schemas.microsoft.com/office/drawing/2010/main" xmlns:m="http://schemas.openxmlformats.org/officeDocument/2006/math" xmlns="" val="1"/>
+            </a:ext>
+          </a:extLst>
+        </p:spPr>
+        <p:txBody>
+          <a:bodyPr wrap="square" lIns="45718" tIns="45718" rIns="45718" bIns="45718">
+            <a:spAutoFit/>
+          </a:bodyPr>
+          <a:lstStyle>
+            <a:lvl1pPr>
+              <a:defRPr>
+                <a:solidFill>
+                  <a:srgbClr val="404040"/>
+                </a:solidFill>
+                <a:latin typeface="+mj-lt"/>
+                <a:ea typeface="+mj-ea"/>
+                <a:cs typeface="+mj-cs"/>
+                <a:sym typeface="Trebuchet MS"/>
+              </a:defRPr>
+            </a:lvl1pPr>
+          </a:lstStyle>
+          <a:p>
+            <a:pPr algn="ctr"/>
+            <a:r>
+              <a:rPr lang="fr-FR" dirty="0"/>
+              <a:t>Nuages de points après optimisation (</a:t>
+            </a:r>
+            <a:r>
+              <a:rPr lang="fr-FR" b="1" dirty="0">
+                <a:solidFill>
+                  <a:schemeClr val="accent2"/>
+                </a:solidFill>
+              </a:rPr>
+              <a:t>vidéo</a:t>
+            </a:r>
+            <a:r>
+              <a:rPr lang="fr-FR" dirty="0"/>
+              <a:t> et </a:t>
+            </a:r>
+            <a:r>
+              <a:rPr lang="fr-FR" b="1" dirty="0" err="1">
+                <a:solidFill>
+                  <a:srgbClr val="FF0000"/>
+                </a:solidFill>
+              </a:rPr>
+              <a:t>MoCap</a:t>
+            </a:r>
+            <a:r>
+              <a:rPr lang="fr-FR" dirty="0"/>
+              <a:t>)</a:t>
+            </a:r>
+            <a:endParaRPr dirty="0"/>
+          </a:p>
+        </p:txBody>
+      </p:sp>
+      <p:pic>
+        <p:nvPicPr>
+          <p:cNvPr id="2" name="Image 1">
+            <a:extLst>
+              <a:ext uri="{FF2B5EF4-FFF2-40B4-BE49-F238E27FC236}">
+                <a16:creationId xmlns:a16="http://schemas.microsoft.com/office/drawing/2014/main" id="{8254C45F-D4B3-48C1-BC81-8FA2CEACCDDB}"/>
+              </a:ext>
+            </a:extLst>
+          </p:cNvPr>
+          <p:cNvPicPr>
+            <a:picLocks noChangeAspect="1"/>
+          </p:cNvPicPr>
+          <p:nvPr/>
+        </p:nvPicPr>
+        <p:blipFill>
+          <a:blip r:embed="rId2"/>
+          <a:stretch>
+            <a:fillRect/>
+          </a:stretch>
+        </p:blipFill>
+        <p:spPr>
+          <a:xfrm>
+            <a:off x="4959256" y="1613885"/>
+            <a:ext cx="4970190" cy="3616467"/>
+          </a:xfrm>
+          <a:prstGeom prst="rect">
+            <a:avLst/>
+          </a:prstGeom>
+        </p:spPr>
+      </p:pic>
+      <p:cxnSp>
+        <p:nvCxnSpPr>
+          <p:cNvPr id="7" name="Connecteur droit avec flèche 6">
+            <a:extLst>
+              <a:ext uri="{FF2B5EF4-FFF2-40B4-BE49-F238E27FC236}">
+                <a16:creationId xmlns:a16="http://schemas.microsoft.com/office/drawing/2014/main" id="{16EFAF6D-99D4-433C-A5F2-800B1347B535}"/>
+              </a:ext>
+            </a:extLst>
+          </p:cNvPr>
+          <p:cNvCxnSpPr>
+            <a:cxnSpLocks/>
+          </p:cNvCxnSpPr>
+          <p:nvPr/>
+        </p:nvCxnSpPr>
+        <p:spPr>
+          <a:xfrm flipH="1" flipV="1">
+            <a:off x="7343335" y="2180492"/>
+            <a:ext cx="1294228" cy="1871004"/>
+          </a:xfrm>
+          <a:prstGeom prst="straightConnector1">
+            <a:avLst/>
+          </a:prstGeom>
+          <a:ln>
+            <a:tailEnd type="triangle"/>
+          </a:ln>
+        </p:spPr>
+        <p:style>
+          <a:lnRef idx="1">
+            <a:schemeClr val="accent2"/>
+          </a:lnRef>
+          <a:fillRef idx="0">
+            <a:schemeClr val="accent2"/>
+          </a:fillRef>
+          <a:effectRef idx="0">
+            <a:schemeClr val="accent2"/>
+          </a:effectRef>
+          <a:fontRef idx="minor">
+            <a:schemeClr val="tx1"/>
+          </a:fontRef>
+        </p:style>
+      </p:cxnSp>
+      <p:pic>
+        <p:nvPicPr>
+          <p:cNvPr id="10" name="Image 9">
+            <a:extLst>
+              <a:ext uri="{FF2B5EF4-FFF2-40B4-BE49-F238E27FC236}">
+                <a16:creationId xmlns:a16="http://schemas.microsoft.com/office/drawing/2014/main" id="{940D89D6-6E43-4060-B589-56CB0DEF06CA}"/>
+              </a:ext>
+            </a:extLst>
+          </p:cNvPr>
+          <p:cNvPicPr>
+            <a:picLocks noChangeAspect="1"/>
+          </p:cNvPicPr>
+          <p:nvPr/>
+        </p:nvPicPr>
+        <p:blipFill>
+          <a:blip r:embed="rId3"/>
+          <a:stretch>
+            <a:fillRect/>
+          </a:stretch>
+        </p:blipFill>
+        <p:spPr>
+          <a:xfrm>
+            <a:off x="164737" y="1613885"/>
+            <a:ext cx="4794519" cy="3630229"/>
+          </a:xfrm>
+          <a:prstGeom prst="rect">
+            <a:avLst/>
+          </a:prstGeom>
+        </p:spPr>
+      </p:pic>
+      <p:sp>
+        <p:nvSpPr>
+          <p:cNvPr id="17" name="ZoneTexte 16">
+            <a:extLst>
+              <a:ext uri="{FF2B5EF4-FFF2-40B4-BE49-F238E27FC236}">
+                <a16:creationId xmlns:a16="http://schemas.microsoft.com/office/drawing/2014/main" id="{BB552F96-0B7A-466A-A968-3A7B14160DBB}"/>
+              </a:ext>
+            </a:extLst>
+          </p:cNvPr>
+          <p:cNvSpPr txBox="1"/>
+          <p:nvPr/>
+        </p:nvSpPr>
+        <p:spPr>
+          <a:xfrm>
+            <a:off x="7989278" y="4090573"/>
+            <a:ext cx="1645920" cy="461661"/>
+          </a:xfrm>
+          <a:prstGeom prst="rect">
+            <a:avLst/>
+          </a:prstGeom>
+          <a:noFill/>
+          <a:ln w="12700" cap="flat">
+            <a:noFill/>
+            <a:miter lim="400000"/>
+          </a:ln>
+          <a:effectLst/>
+          <a:sp3d/>
+        </p:spPr>
+        <p:style>
+          <a:lnRef idx="0">
+            <a:scrgbClr r="0" g="0" b="0"/>
+          </a:lnRef>
+          <a:fillRef idx="0">
+            <a:scrgbClr r="0" g="0" b="0"/>
+          </a:fillRef>
+          <a:effectRef idx="0">
+            <a:scrgbClr r="0" g="0" b="0"/>
+          </a:effectRef>
+          <a:fontRef idx="none"/>
+        </p:style>
+        <p:txBody>
+          <a:bodyPr rot="0" spcFirstLastPara="1" vertOverflow="overflow" horzOverflow="overflow" vert="horz" wrap="square" lIns="45718" tIns="45718" rIns="45718" bIns="45718" numCol="1" spcCol="38100" rtlCol="0" anchor="t">
+            <a:spAutoFit/>
+          </a:bodyPr>
+          <a:lstStyle/>
+          <a:p>
+            <a:pPr marL="0" marR="0" indent="0" algn="ctr" defTabSz="457200" rtl="0" fontAlgn="auto" latinLnBrk="0" hangingPunct="0">
+              <a:lnSpc>
+                <a:spcPct val="100000"/>
+              </a:lnSpc>
+              <a:spcBef>
+                <a:spcPts val="0"/>
+              </a:spcBef>
+              <a:spcAft>
+                <a:spcPts val="0"/>
+              </a:spcAft>
+              <a:buClrTx/>
+              <a:buSzTx/>
+              <a:buFontTx/>
+              <a:buNone/>
+              <a:tabLst/>
+            </a:pPr>
+            <a:r>
+              <a:rPr kumimoji="0" lang="fr-FR" sz="1200" b="0" i="0" u="none" strike="noStrike" cap="none" spc="0" normalizeH="0" baseline="0" dirty="0">
+                <a:ln>
+                  <a:noFill/>
+                </a:ln>
+                <a:solidFill>
+                  <a:schemeClr val="accent2"/>
+                </a:solidFill>
+                <a:effectLst/>
+                <a:uFillTx/>
+                <a:latin typeface="+mn-lt"/>
+                <a:ea typeface="+mn-ea"/>
+                <a:cs typeface="+mn-cs"/>
+                <a:sym typeface="Helvetica"/>
+              </a:rPr>
+              <a:t>Point caractéristique commun</a:t>
+            </a:r>
+          </a:p>
+        </p:txBody>
+      </p:sp>
+    </p:spTree>
+  </p:cSld>
+  <p:clrMapOvr>
+    <a:masterClrMapping/>
+  </p:clrMapOvr>
+  <p:transition spd="med"/>
+</p:sld>
+</file>
+
+<file path=ppt/slides/slide12.xml><?xml version="1.0" encoding="utf-8"?>
+<p:sld xmlns:a="http://schemas.openxmlformats.org/drawingml/2006/main" xmlns:r="http://schemas.openxmlformats.org/officeDocument/2006/relationships" xmlns:p="http://schemas.openxmlformats.org/presentationml/2006/main">
+  <p:cSld>
+    <p:spTree>
+      <p:nvGrpSpPr>
+        <p:cNvPr id="1" name=""/>
+        <p:cNvGrpSpPr/>
+        <p:nvPr/>
+      </p:nvGrpSpPr>
+      <p:grpSpPr>
+        <a:xfrm>
+          <a:off x="0" y="0"/>
+          <a:ext cx="0" cy="0"/>
+          <a:chOff x="0" y="0"/>
+          <a:chExt cx="0" cy="0"/>
+        </a:xfrm>
+      </p:grpSpPr>
+      <p:sp>
+        <p:nvSpPr>
+          <p:cNvPr id="219" name="Titre 1"/>
+          <p:cNvSpPr txBox="1">
+            <a:spLocks noGrp="1"/>
+          </p:cNvSpPr>
           <p:nvPr>
-            <p:ph type="body" sz="half" idx="1"/>
+            <p:ph type="title"/>
           </p:nvPr>
         </p:nvSpPr>
         <p:spPr>
           <a:xfrm>
-            <a:off x="677333" y="2160589"/>
-            <a:ext cx="8596670" cy="3880773"/>
+            <a:off x="677333" y="609600"/>
+            <a:ext cx="8596670" cy="1320800"/>
           </a:xfrm>
           <a:prstGeom prst="rect">
             <a:avLst/>
@@ -5718,21 +6483,135 @@
           <a:bodyPr/>
           <a:lstStyle/>
           <a:p>
-            <a:pPr/>
+            <a:r>
+              <a:t>IV - Résultats</a:t>
+            </a:r>
           </a:p>
         </p:txBody>
       </p:sp>
+      <p:pic>
+        <p:nvPicPr>
+          <p:cNvPr id="3" name="Image 2">
+            <a:extLst>
+              <a:ext uri="{FF2B5EF4-FFF2-40B4-BE49-F238E27FC236}">
+                <a16:creationId xmlns:a16="http://schemas.microsoft.com/office/drawing/2014/main" id="{C8E44CE5-7EE4-44BD-8906-B9A894BE2F6C}"/>
+              </a:ext>
+            </a:extLst>
+          </p:cNvPr>
+          <p:cNvPicPr>
+            <a:picLocks noChangeAspect="1"/>
+          </p:cNvPicPr>
+          <p:nvPr/>
+        </p:nvPicPr>
+        <p:blipFill>
+          <a:blip r:embed="rId2"/>
+          <a:stretch>
+            <a:fillRect/>
+          </a:stretch>
+        </p:blipFill>
+        <p:spPr>
+          <a:xfrm>
+            <a:off x="1807113" y="1266093"/>
+            <a:ext cx="6870977" cy="5254820"/>
+          </a:xfrm>
+          <a:prstGeom prst="rect">
+            <a:avLst/>
+          </a:prstGeom>
+        </p:spPr>
+      </p:pic>
     </p:spTree>
+    <p:extLst>
+      <p:ext uri="{BB962C8B-B14F-4D97-AF65-F5344CB8AC3E}">
+        <p14:creationId xmlns:p14="http://schemas.microsoft.com/office/powerpoint/2010/main" val="3738083953"/>
+      </p:ext>
+    </p:extLst>
   </p:cSld>
   <p:clrMapOvr>
     <a:masterClrMapping/>
   </p:clrMapOvr>
-  <p:transition xmlns:p14="http://schemas.microsoft.com/office/powerpoint/2010/main" spd="med" advClick="1"/>
+  <p:transition spd="med"/>
+</p:sld>
+</file>
+
+<file path=ppt/slides/slide13.xml><?xml version="1.0" encoding="utf-8"?>
+<p:sld xmlns:a="http://schemas.openxmlformats.org/drawingml/2006/main" xmlns:r="http://schemas.openxmlformats.org/officeDocument/2006/relationships" xmlns:p="http://schemas.openxmlformats.org/presentationml/2006/main">
+  <p:cSld>
+    <p:spTree>
+      <p:nvGrpSpPr>
+        <p:cNvPr id="1" name=""/>
+        <p:cNvGrpSpPr/>
+        <p:nvPr/>
+      </p:nvGrpSpPr>
+      <p:grpSpPr>
+        <a:xfrm>
+          <a:off x="0" y="0"/>
+          <a:ext cx="0" cy="0"/>
+          <a:chOff x="0" y="0"/>
+          <a:chExt cx="0" cy="0"/>
+        </a:xfrm>
+      </p:grpSpPr>
+      <p:sp>
+        <p:nvSpPr>
+          <p:cNvPr id="2" name="Titre 1">
+            <a:extLst>
+              <a:ext uri="{FF2B5EF4-FFF2-40B4-BE49-F238E27FC236}">
+                <a16:creationId xmlns:a16="http://schemas.microsoft.com/office/drawing/2014/main" id="{F8170971-78B5-445B-B147-BB31A6432ACE}"/>
+              </a:ext>
+            </a:extLst>
+          </p:cNvPr>
+          <p:cNvSpPr>
+            <a:spLocks noGrp="1"/>
+          </p:cNvSpPr>
+          <p:nvPr>
+            <p:ph type="title"/>
+          </p:nvPr>
+        </p:nvSpPr>
+        <p:spPr>
+          <a:xfrm>
+            <a:off x="874281" y="2207456"/>
+            <a:ext cx="8596671" cy="2443088"/>
+          </a:xfrm>
+        </p:spPr>
+        <p:txBody>
+          <a:bodyPr>
+            <a:noAutofit/>
+          </a:bodyPr>
+          <a:lstStyle/>
+          <a:p>
+            <a:pPr algn="ctr"/>
+            <a:r>
+              <a:rPr lang="fr-FR" sz="4400" dirty="0"/>
+              <a:t>Merci pour votre attention ! </a:t>
+            </a:r>
+            <a:br>
+              <a:rPr lang="fr-FR" sz="4400" dirty="0"/>
+            </a:br>
+            <a:br>
+              <a:rPr lang="fr-FR" sz="4400" dirty="0"/>
+            </a:br>
+            <a:r>
+              <a:rPr lang="fr-FR" sz="4400" dirty="0"/>
+              <a:t>Des questions ?</a:t>
+            </a:r>
+          </a:p>
+        </p:txBody>
+      </p:sp>
+    </p:spTree>
+    <p:extLst>
+      <p:ext uri="{BB962C8B-B14F-4D97-AF65-F5344CB8AC3E}">
+        <p14:creationId xmlns:p14="http://schemas.microsoft.com/office/powerpoint/2010/main" val="1477262868"/>
+      </p:ext>
+    </p:extLst>
+  </p:cSld>
+  <p:clrMapOvr>
+    <a:masterClrMapping/>
+  </p:clrMapOvr>
+  <p:transition spd="med"/>
 </p:sld>
 </file>
 
 <file path=ppt/slides/slide2.xml><?xml version="1.0" encoding="utf-8"?>
-<p:sld xmlns:a="http://schemas.openxmlformats.org/drawingml/2006/main" xmlns:r="http://schemas.openxmlformats.org/officeDocument/2006/relationships" xmlns:p="http://schemas.openxmlformats.org/presentationml/2006/main" xmlns:m="http://schemas.openxmlformats.org/officeDocument/2006/math" xmlns:a14="http://schemas.microsoft.com/office/drawing/2010/main" showMasterSp="1" showMasterPhAnim="1">
+<p:sld xmlns:a="http://schemas.openxmlformats.org/drawingml/2006/main" xmlns:r="http://schemas.openxmlformats.org/officeDocument/2006/relationships" xmlns:p="http://schemas.openxmlformats.org/presentationml/2006/main">
   <p:cSld>
     <p:spTree>
       <p:nvGrpSpPr>
@@ -5751,7 +6630,9 @@
       <p:sp>
         <p:nvSpPr>
           <p:cNvPr id="189" name="Titre 1"/>
-          <p:cNvSpPr txBox="1"/>
+          <p:cNvSpPr txBox="1">
+            <a:spLocks noGrp="1"/>
+          </p:cNvSpPr>
           <p:nvPr>
             <p:ph type="title"/>
           </p:nvPr>
@@ -5769,8 +6650,8 @@
           <a:bodyPr/>
           <a:lstStyle/>
           <a:p>
-            <a:pPr/>
-            <a:r>
+            <a:r>
+              <a:rPr dirty="0"/>
               <a:t>Plan</a:t>
             </a:r>
           </a:p>
@@ -5779,7 +6660,9 @@
       <p:sp>
         <p:nvSpPr>
           <p:cNvPr id="190" name="Espace réservé du contenu 2"/>
-          <p:cNvSpPr txBox="1"/>
+          <p:cNvSpPr txBox="1">
+            <a:spLocks noGrp="1"/>
+          </p:cNvSpPr>
           <p:nvPr>
             <p:ph type="body" sz="half" idx="1"/>
           </p:nvPr>
@@ -5799,17 +6682,23 @@
           <a:p>
             <a:pPr marL="400050" indent="-400050">
               <a:buFontTx/>
-              <a:buAutoNum type="romanUcPeriod" startAt="1"/>
+              <a:buAutoNum type="romanUcPeriod"/>
             </a:pPr>
             <a:r>
+              <a:rPr lang="fr-FR" dirty="0">
+                <a:solidFill>
+                  <a:schemeClr val="accent2"/>
+                </a:solidFill>
+              </a:rPr>
               <a:t>Objectif et données initiales</a:t>
             </a:r>
           </a:p>
           <a:p>
             <a:pPr marL="400050" indent="-400050">
               <a:buFontTx/>
-              <a:buAutoNum type="romanUcPeriod" startAt="1"/>
+              <a:buAutoNum type="romanUcPeriod"/>
             </a:pPr>
+            <a:endParaRPr lang="fr-FR" dirty="0"/>
           </a:p>
           <a:p>
             <a:pPr marL="400050" indent="-400050">
@@ -5817,7 +6706,24 @@
               <a:buAutoNum type="romanUcPeriod" startAt="2"/>
             </a:pPr>
             <a:r>
-              <a:t>Recalage temporel</a:t>
+              <a:rPr lang="fr-FR" dirty="0">
+                <a:solidFill>
+                  <a:schemeClr val="accent2"/>
+                </a:solidFill>
+              </a:rPr>
+              <a:t>Recalage</a:t>
+            </a:r>
+            <a:r>
+              <a:rPr lang="fr-FR" dirty="0"/>
+              <a:t> </a:t>
+            </a:r>
+            <a:r>
+              <a:rPr lang="fr-FR" dirty="0">
+                <a:solidFill>
+                  <a:schemeClr val="accent2"/>
+                </a:solidFill>
+              </a:rPr>
+              <a:t>temporel</a:t>
             </a:r>
           </a:p>
           <a:p>
@@ -5825,6 +6731,7 @@
               <a:buFontTx/>
               <a:buAutoNum type="romanUcPeriod" startAt="2"/>
             </a:pPr>
+            <a:endParaRPr lang="fr-FR" dirty="0"/>
           </a:p>
           <a:p>
             <a:pPr marL="400050" indent="-400050">
@@ -5832,6 +6739,11 @@
               <a:buAutoNum type="romanUcPeriod" startAt="3"/>
             </a:pPr>
             <a:r>
+              <a:rPr lang="fr-FR" dirty="0">
+                <a:solidFill>
+                  <a:schemeClr val="accent2"/>
+                </a:solidFill>
+              </a:rPr>
               <a:t>Recalage spatial</a:t>
             </a:r>
           </a:p>
@@ -5840,6 +6752,11 @@
               <a:buFontTx/>
               <a:buAutoNum type="romanUcPeriod" startAt="3"/>
             </a:pPr>
+            <a:endParaRPr lang="fr-FR" dirty="0">
+              <a:solidFill>
+                <a:schemeClr val="accent2"/>
+              </a:solidFill>
+            </a:endParaRPr>
           </a:p>
           <a:p>
             <a:pPr marL="400050" indent="-400050">
@@ -5847,6 +6764,11 @@
               <a:buAutoNum type="romanUcPeriod" startAt="4"/>
             </a:pPr>
             <a:r>
+              <a:rPr lang="fr-FR" dirty="0">
+                <a:solidFill>
+                  <a:schemeClr val="accent2"/>
+                </a:solidFill>
+              </a:rPr>
               <a:t>Résultats</a:t>
             </a:r>
           </a:p>
@@ -5857,12 +6779,12 @@
   <p:clrMapOvr>
     <a:masterClrMapping/>
   </p:clrMapOvr>
-  <p:transition xmlns:p14="http://schemas.microsoft.com/office/powerpoint/2010/main" spd="med" advClick="1"/>
+  <p:transition spd="med"/>
 </p:sld>
 </file>
 
 <file path=ppt/slides/slide3.xml><?xml version="1.0" encoding="utf-8"?>
-<p:sld xmlns:a="http://schemas.openxmlformats.org/drawingml/2006/main" xmlns:r="http://schemas.openxmlformats.org/officeDocument/2006/relationships" xmlns:p="http://schemas.openxmlformats.org/presentationml/2006/main" xmlns:m="http://schemas.openxmlformats.org/officeDocument/2006/math" xmlns:a14="http://schemas.microsoft.com/office/drawing/2010/main" showMasterSp="1" showMasterPhAnim="1">
+<p:sld xmlns:a="http://schemas.openxmlformats.org/drawingml/2006/main" xmlns:r="http://schemas.openxmlformats.org/officeDocument/2006/relationships" xmlns:p="http://schemas.openxmlformats.org/presentationml/2006/main">
   <p:cSld>
     <p:spTree>
       <p:nvGrpSpPr>
@@ -5881,7 +6803,9 @@
       <p:sp>
         <p:nvSpPr>
           <p:cNvPr id="192" name="Titre 1"/>
-          <p:cNvSpPr txBox="1"/>
+          <p:cNvSpPr txBox="1">
+            <a:spLocks noGrp="1"/>
+          </p:cNvSpPr>
           <p:nvPr>
             <p:ph type="title"/>
           </p:nvPr>
@@ -5899,7 +6823,6 @@
           <a:bodyPr/>
           <a:lstStyle/>
           <a:p>
-            <a:pPr/>
             <a:r>
               <a:t>I – Objectif et données initiales</a:t>
             </a:r>
@@ -5918,7 +6841,7 @@
           <a:blip r:embed="rId2">
             <a:extLst/>
           </a:blip>
-          <a:srcRect l="11084" t="0" r="13213" b="0"/>
+          <a:srcRect l="11084" r="13213"/>
           <a:stretch>
             <a:fillRect/>
           </a:stretch>
@@ -5955,7 +6878,7 @@
           </a:ln>
           <a:extLst>
             <a:ext uri="{C572A759-6A51-4108-AA02-DFA0A04FC94B}">
-              <ma14:wrappingTextBoxFlag xmlns:ma14="http://schemas.microsoft.com/office/mac/drawingml/2011/main" val="1"/>
+              <ma14:wrappingTextBoxFlag xmlns:ma14="http://schemas.microsoft.com/office/mac/drawingml/2011/main" xmlns:a14="http://schemas.microsoft.com/office/drawing/2010/main" xmlns:m="http://schemas.openxmlformats.org/officeDocument/2006/math" xmlns="" val="1"/>
             </a:ext>
           </a:extLst>
         </p:spPr>
@@ -6012,7 +6935,7 @@
           </a:ln>
           <a:extLst>
             <a:ext uri="{C572A759-6A51-4108-AA02-DFA0A04FC94B}">
-              <ma14:wrappingTextBoxFlag xmlns:ma14="http://schemas.microsoft.com/office/mac/drawingml/2011/main" val="1"/>
+              <ma14:wrappingTextBoxFlag xmlns:ma14="http://schemas.microsoft.com/office/mac/drawingml/2011/main" xmlns:a14="http://schemas.microsoft.com/office/drawing/2010/main" xmlns:m="http://schemas.openxmlformats.org/officeDocument/2006/math" xmlns="" val="1"/>
             </a:ext>
           </a:extLst>
         </p:spPr>
@@ -6034,7 +6957,6 @@
             </a:lvl1pPr>
           </a:lstStyle>
           <a:p>
-            <a:pPr/>
             <a:r>
               <a:t>une vidéo…</a:t>
             </a:r>
@@ -6060,7 +6982,7 @@
           </a:ln>
           <a:extLst>
             <a:ext uri="{C572A759-6A51-4108-AA02-DFA0A04FC94B}">
-              <ma14:wrappingTextBoxFlag xmlns:ma14="http://schemas.microsoft.com/office/mac/drawingml/2011/main" val="1"/>
+              <ma14:wrappingTextBoxFlag xmlns:ma14="http://schemas.microsoft.com/office/mac/drawingml/2011/main" xmlns:a14="http://schemas.microsoft.com/office/drawing/2010/main" xmlns:m="http://schemas.openxmlformats.org/officeDocument/2006/math" xmlns="" val="1"/>
             </a:ext>
           </a:extLst>
         </p:spPr>
@@ -6138,12 +7060,12 @@
   <p:clrMapOvr>
     <a:masterClrMapping/>
   </p:clrMapOvr>
-  <p:transition xmlns:p14="http://schemas.microsoft.com/office/powerpoint/2010/main" spd="med" advClick="1"/>
+  <p:transition spd="med"/>
 </p:sld>
 </file>
 
 <file path=ppt/slides/slide4.xml><?xml version="1.0" encoding="utf-8"?>
-<p:sld xmlns:a="http://schemas.openxmlformats.org/drawingml/2006/main" xmlns:r="http://schemas.openxmlformats.org/officeDocument/2006/relationships" xmlns:p="http://schemas.openxmlformats.org/presentationml/2006/main" xmlns:m="http://schemas.openxmlformats.org/officeDocument/2006/math" xmlns:a14="http://schemas.microsoft.com/office/drawing/2010/main" showMasterSp="1" showMasterPhAnim="1">
+<p:sld xmlns:a="http://schemas.openxmlformats.org/drawingml/2006/main" xmlns:r="http://schemas.openxmlformats.org/officeDocument/2006/relationships" xmlns:p="http://schemas.openxmlformats.org/presentationml/2006/main">
   <p:cSld>
     <p:spTree>
       <p:nvGrpSpPr>
@@ -6162,7 +7084,9 @@
       <p:sp>
         <p:nvSpPr>
           <p:cNvPr id="199" name="Titre 1"/>
-          <p:cNvSpPr txBox="1"/>
+          <p:cNvSpPr txBox="1">
+            <a:spLocks noGrp="1"/>
+          </p:cNvSpPr>
           <p:nvPr>
             <p:ph type="title"/>
           </p:nvPr>
@@ -6180,7 +7104,6 @@
           <a:bodyPr/>
           <a:lstStyle/>
           <a:p>
-            <a:pPr/>
             <a:r>
               <a:t>I – Objectif et données initiales</a:t>
             </a:r>
@@ -6190,7 +7113,9 @@
       <p:sp>
         <p:nvSpPr>
           <p:cNvPr id="200" name="Espace réservé du contenu 2"/>
-          <p:cNvSpPr txBox="1"/>
+          <p:cNvSpPr txBox="1">
+            <a:spLocks noGrp="1"/>
+          </p:cNvSpPr>
           <p:nvPr>
             <p:ph type="body" idx="1"/>
           </p:nvPr>
@@ -6208,61 +7133,121 @@
           <a:bodyPr/>
           <a:lstStyle/>
           <a:p>
-            <a:pPr/>
-            <a:r>
+            <a:pPr>
+              <a:buFont typeface="Wingdings" panose="05000000000000000000" pitchFamily="2" charset="2"/>
+              <a:buChar char="§"/>
+            </a:pPr>
+            <a:r>
+              <a:rPr lang="fr-FR" dirty="0"/>
               <a:t>Une </a:t>
             </a:r>
             <a:r>
-              <a:rPr b="1"/>
+              <a:rPr lang="fr-FR" b="1" dirty="0"/>
               <a:t>vidéo</a:t>
             </a:r>
             <a:r>
-              <a:t> et les positions MoCap associées </a:t>
-            </a:r>
-            <a:r>
-              <a:rPr b="1"/>
+              <a:rPr lang="fr-FR" dirty="0"/>
+              <a:t> et les positions </a:t>
+            </a:r>
+            <a:r>
+              <a:rPr lang="fr-FR" dirty="0" err="1"/>
+              <a:t>MoCap</a:t>
+            </a:r>
+            <a:r>
+              <a:rPr lang="fr-FR" dirty="0"/>
+              <a:t> associées </a:t>
+            </a:r>
+            <a:r>
+              <a:rPr lang="fr-FR" b="1" dirty="0"/>
               <a:t>des mains, des avant-bras, des bras, de la tête, de la nuque, des épaules, du buste et du bassin, pour chaque personne.</a:t>
             </a:r>
-            <a:endParaRPr b="1"/>
           </a:p>
           <a:p>
             <a:pPr>
               <a:defRPr b="1"/>
             </a:pPr>
-          </a:p>
-          <a:p>
-            <a:pPr/>
-            <a:r>
-              <a:t>Pour les données MoCap : deux fichiers .fbx lisibles par Unity, qui exporte ces données en </a:t>
-            </a:r>
-            <a:r>
-              <a:rPr b="1"/>
+            <a:endParaRPr lang="fr-FR" b="1" dirty="0"/>
+          </a:p>
+          <a:p>
+            <a:pPr>
+              <a:buFont typeface="Wingdings" panose="05000000000000000000" pitchFamily="2" charset="2"/>
+              <a:buChar char="§"/>
+            </a:pPr>
+            <a:r>
+              <a:rPr lang="fr-FR" dirty="0"/>
+              <a:t>Pour les données </a:t>
+            </a:r>
+            <a:r>
+              <a:rPr lang="fr-FR" dirty="0" err="1"/>
+              <a:t>MoCap</a:t>
+            </a:r>
+            <a:r>
+              <a:rPr lang="fr-FR" dirty="0"/>
+              <a:t> : deux fichiers .</a:t>
+            </a:r>
+            <a:r>
+              <a:rPr lang="fr-FR" dirty="0" err="1"/>
+              <a:t>fbx</a:t>
+            </a:r>
+            <a:r>
+              <a:rPr lang="fr-FR" dirty="0"/>
+              <a:t> lisibles par </a:t>
+            </a:r>
+            <a:r>
+              <a:rPr lang="fr-FR" dirty="0" err="1"/>
+              <a:t>Unity</a:t>
+            </a:r>
+            <a:r>
+              <a:rPr lang="fr-FR" dirty="0"/>
+              <a:t>, qui exporte ces données en </a:t>
+            </a:r>
+            <a:r>
+              <a:rPr lang="fr-FR" b="1" dirty="0"/>
               <a:t>deux fichiers .csv de positions 3D</a:t>
             </a:r>
             <a:r>
+              <a:rPr lang="fr-FR" dirty="0"/>
               <a:t>.</a:t>
             </a:r>
           </a:p>
           <a:p>
-            <a:pPr/>
-          </a:p>
-          <a:p>
-            <a:pPr/>
-            <a:r>
-              <a:t>Pour la vidéo : une analyse par la bibliothèque OpenPose donne </a:t>
-            </a:r>
-            <a:r>
-              <a:rPr b="1"/>
+            <a:pPr>
+              <a:buFont typeface="Wingdings" panose="05000000000000000000" pitchFamily="2" charset="2"/>
+              <a:buChar char="§"/>
+            </a:pPr>
+            <a:endParaRPr lang="fr-FR" dirty="0"/>
+          </a:p>
+          <a:p>
+            <a:pPr>
+              <a:buFont typeface="Wingdings" panose="05000000000000000000" pitchFamily="2" charset="2"/>
+              <a:buChar char="§"/>
+            </a:pPr>
+            <a:r>
+              <a:rPr lang="fr-FR" dirty="0"/>
+              <a:t>Pour la vidéo : une analyse par la bibliothèque </a:t>
+            </a:r>
+            <a:r>
+              <a:rPr lang="fr-FR" dirty="0" err="1"/>
+              <a:t>OpenPose</a:t>
+            </a:r>
+            <a:r>
+              <a:rPr lang="fr-FR" dirty="0"/>
+              <a:t> donne </a:t>
+            </a:r>
+            <a:r>
+              <a:rPr lang="fr-FR" b="1" dirty="0"/>
               <a:t>les positions 2D de points caractéristiques</a:t>
             </a:r>
             <a:r>
+              <a:rPr lang="fr-FR" dirty="0"/>
               <a:t> (dont ceux cités ci-dessus) </a:t>
             </a:r>
             <a:r>
-              <a:rPr b="1"/>
+              <a:rPr lang="fr-FR" b="1" dirty="0"/>
               <a:t>dans deux fichiers .csv</a:t>
             </a:r>
             <a:r>
+              <a:rPr lang="fr-FR" dirty="0"/>
               <a:t>. </a:t>
             </a:r>
           </a:p>
@@ -6273,12 +7258,12 @@
   <p:clrMapOvr>
     <a:masterClrMapping/>
   </p:clrMapOvr>
-  <p:transition xmlns:p14="http://schemas.microsoft.com/office/powerpoint/2010/main" spd="med" advClick="1"/>
+  <p:transition spd="med"/>
 </p:sld>
 </file>
 
 <file path=ppt/slides/slide5.xml><?xml version="1.0" encoding="utf-8"?>
-<p:sld xmlns:a="http://schemas.openxmlformats.org/drawingml/2006/main" xmlns:r="http://schemas.openxmlformats.org/officeDocument/2006/relationships" xmlns:p="http://schemas.openxmlformats.org/presentationml/2006/main" xmlns:m="http://schemas.openxmlformats.org/officeDocument/2006/math" xmlns:a14="http://schemas.microsoft.com/office/drawing/2010/main" showMasterSp="1" showMasterPhAnim="1">
+<p:sld xmlns:a="http://schemas.openxmlformats.org/drawingml/2006/main" xmlns:r="http://schemas.openxmlformats.org/officeDocument/2006/relationships" xmlns:p="http://schemas.openxmlformats.org/presentationml/2006/main">
   <p:cSld>
     <p:spTree>
       <p:nvGrpSpPr>
@@ -6297,7 +7282,9 @@
       <p:sp>
         <p:nvSpPr>
           <p:cNvPr id="202" name="Titre 1"/>
-          <p:cNvSpPr txBox="1"/>
+          <p:cNvSpPr txBox="1">
+            <a:spLocks noGrp="1"/>
+          </p:cNvSpPr>
           <p:nvPr>
             <p:ph type="title"/>
           </p:nvPr>
@@ -6315,100 +7302,95 @@
           <a:bodyPr/>
           <a:lstStyle/>
           <a:p>
-            <a:pPr/>
             <a:r>
               <a:t>I – Objectif et données initiales</a:t>
             </a:r>
           </a:p>
         </p:txBody>
       </p:sp>
-      <p:sp>
-        <p:nvSpPr>
-          <p:cNvPr id="203" name="Espace réservé du contenu 2"/>
-          <p:cNvSpPr txBox="1"/>
-          <p:nvPr>
-            <p:ph type="body" sz="half" idx="1"/>
-          </p:nvPr>
-        </p:nvSpPr>
+      <p:pic>
+        <p:nvPicPr>
+          <p:cNvPr id="3" name="Image 2">
+            <a:extLst>
+              <a:ext uri="{FF2B5EF4-FFF2-40B4-BE49-F238E27FC236}">
+                <a16:creationId xmlns:a16="http://schemas.microsoft.com/office/drawing/2014/main" id="{B0A6CC16-E1E3-400E-AF1E-890EE5E837E7}"/>
+              </a:ext>
+            </a:extLst>
+          </p:cNvPr>
+          <p:cNvPicPr>
+            <a:picLocks noChangeAspect="1"/>
+          </p:cNvPicPr>
+          <p:nvPr/>
+        </p:nvPicPr>
+        <p:blipFill>
+          <a:blip r:embed="rId2">
+            <a:extLst>
+              <a:ext uri="{28A0092B-C50C-407E-A947-70E740481C1C}">
+                <a14:useLocalDpi xmlns:a14="http://schemas.microsoft.com/office/drawing/2010/main" val="0"/>
+              </a:ext>
+            </a:extLst>
+          </a:blip>
+          <a:stretch>
+            <a:fillRect/>
+          </a:stretch>
+        </p:blipFill>
         <p:spPr>
           <a:xfrm>
-            <a:off x="677333" y="2160589"/>
-            <a:ext cx="8596670" cy="3880773"/>
+            <a:off x="5291536" y="3429000"/>
+            <a:ext cx="5744745" cy="3231419"/>
           </a:xfrm>
           <a:prstGeom prst="rect">
             <a:avLst/>
           </a:prstGeom>
         </p:spPr>
-        <p:txBody>
-          <a:bodyPr/>
-          <a:lstStyle/>
-          <a:p>
-            <a:pPr/>
-          </a:p>
-        </p:txBody>
-      </p:sp>
-      <p:sp>
-        <p:nvSpPr>
-          <p:cNvPr id="204" name="ZoneTexte 3"/>
-          <p:cNvSpPr txBox="1"/>
+      </p:pic>
+      <p:pic>
+        <p:nvPicPr>
+          <p:cNvPr id="5" name="Image 4">
+            <a:extLst>
+              <a:ext uri="{FF2B5EF4-FFF2-40B4-BE49-F238E27FC236}">
+                <a16:creationId xmlns:a16="http://schemas.microsoft.com/office/drawing/2014/main" id="{DF064A4A-2A3A-483B-BDC8-2AB1E8D0AA00}"/>
+              </a:ext>
+            </a:extLst>
+          </p:cNvPr>
+          <p:cNvPicPr>
+            <a:picLocks noChangeAspect="1"/>
+          </p:cNvPicPr>
           <p:nvPr/>
-        </p:nvSpPr>
+        </p:nvPicPr>
+        <p:blipFill>
+          <a:blip r:embed="rId3">
+            <a:extLst>
+              <a:ext uri="{28A0092B-C50C-407E-A947-70E740481C1C}">
+                <a14:useLocalDpi xmlns:a14="http://schemas.microsoft.com/office/drawing/2010/main" val="0"/>
+              </a:ext>
+            </a:extLst>
+          </a:blip>
+          <a:stretch>
+            <a:fillRect/>
+          </a:stretch>
+        </p:blipFill>
         <p:spPr>
           <a:xfrm>
-            <a:off x="2663686" y="3592734"/>
-            <a:ext cx="4956316" cy="624839"/>
+            <a:off x="677333" y="1696182"/>
+            <a:ext cx="5744745" cy="3231419"/>
           </a:xfrm>
           <a:prstGeom prst="rect">
             <a:avLst/>
           </a:prstGeom>
-          <a:solidFill>
-            <a:srgbClr val="C00000"/>
-          </a:solidFill>
-          <a:ln w="12700">
-            <a:miter lim="400000"/>
-          </a:ln>
-          <a:extLst>
-            <a:ext uri="{C572A759-6A51-4108-AA02-DFA0A04FC94B}">
-              <ma14:wrappingTextBoxFlag xmlns:ma14="http://schemas.microsoft.com/office/mac/drawingml/2011/main" val="1"/>
-            </a:ext>
-          </a:extLst>
         </p:spPr>
-        <p:txBody>
-          <a:bodyPr lIns="45718" tIns="45718" rIns="45718" bIns="45718">
-            <a:spAutoFit/>
-          </a:bodyPr>
-          <a:lstStyle>
-            <a:lvl1pPr>
-              <a:defRPr>
-                <a:solidFill>
-                  <a:srgbClr val="FFFF00"/>
-                </a:solidFill>
-                <a:latin typeface="+mj-lt"/>
-                <a:ea typeface="+mj-ea"/>
-                <a:cs typeface="+mj-cs"/>
-                <a:sym typeface="Trebuchet MS"/>
-              </a:defRPr>
-            </a:lvl1pPr>
-          </a:lstStyle>
-          <a:p>
-            <a:pPr/>
-            <a:r>
-              <a:t>ICI CAPTURE ECRAN DU RESULTAT D OPEN POSE SUR NOTRE VIDEO</a:t>
-            </a:r>
-          </a:p>
-        </p:txBody>
-      </p:sp>
+      </p:pic>
     </p:spTree>
   </p:cSld>
   <p:clrMapOvr>
     <a:masterClrMapping/>
   </p:clrMapOvr>
-  <p:transition xmlns:p14="http://schemas.microsoft.com/office/powerpoint/2010/main" spd="med" advClick="1"/>
+  <p:transition spd="med"/>
 </p:sld>
 </file>
 
 <file path=ppt/slides/slide6.xml><?xml version="1.0" encoding="utf-8"?>
-<p:sld xmlns:a="http://schemas.openxmlformats.org/drawingml/2006/main" xmlns:r="http://schemas.openxmlformats.org/officeDocument/2006/relationships" xmlns:p="http://schemas.openxmlformats.org/presentationml/2006/main" xmlns:m="http://schemas.openxmlformats.org/officeDocument/2006/math" xmlns:a14="http://schemas.microsoft.com/office/drawing/2010/main" showMasterSp="1" showMasterPhAnim="1">
+<p:sld xmlns:a="http://schemas.openxmlformats.org/drawingml/2006/main" xmlns:r="http://schemas.openxmlformats.org/officeDocument/2006/relationships" xmlns:p="http://schemas.openxmlformats.org/presentationml/2006/main">
   <p:cSld>
     <p:spTree>
       <p:nvGrpSpPr>
@@ -6427,7 +7409,9 @@
       <p:sp>
         <p:nvSpPr>
           <p:cNvPr id="206" name="Titre 1"/>
-          <p:cNvSpPr txBox="1"/>
+          <p:cNvSpPr txBox="1">
+            <a:spLocks noGrp="1"/>
+          </p:cNvSpPr>
           <p:nvPr>
             <p:ph type="title"/>
           </p:nvPr>
@@ -6445,7 +7429,6 @@
           <a:bodyPr/>
           <a:lstStyle/>
           <a:p>
-            <a:pPr/>
             <a:r>
               <a:t>II - Recalage temporel</a:t>
             </a:r>
@@ -6455,7 +7438,9 @@
       <p:sp>
         <p:nvSpPr>
           <p:cNvPr id="207" name="Espace réservé du contenu 2"/>
-          <p:cNvSpPr txBox="1"/>
+          <p:cNvSpPr txBox="1">
+            <a:spLocks noGrp="1"/>
+          </p:cNvSpPr>
           <p:nvPr>
             <p:ph type="body" sz="half" idx="1"/>
           </p:nvPr>
@@ -6473,40 +7458,62 @@
           <a:bodyPr/>
           <a:lstStyle/>
           <a:p>
-            <a:pPr/>
-            <a:r>
+            <a:pPr>
+              <a:buFont typeface="Wingdings" panose="05000000000000000000" pitchFamily="2" charset="2"/>
+              <a:buChar char="§"/>
+            </a:pPr>
+            <a:r>
+              <a:rPr lang="fr-FR" dirty="0"/>
               <a:t>Déterminer </a:t>
             </a:r>
             <a:r>
-              <a:rPr b="1"/>
+              <a:rPr lang="fr-FR" b="1" dirty="0"/>
               <a:t>le décalage de temps </a:t>
             </a:r>
             <a:r>
-              <a:t>entre la vidéo et la série de données MoCap.</a:t>
+              <a:rPr lang="fr-FR" dirty="0"/>
+              <a:t>entre la vidéo et la série de données </a:t>
+            </a:r>
+            <a:r>
+              <a:rPr lang="fr-FR" dirty="0" err="1"/>
+              <a:t>MoCap</a:t>
+            </a:r>
+            <a:r>
+              <a:rPr lang="fr-FR" dirty="0"/>
+              <a:t>.</a:t>
             </a:r>
           </a:p>
           <a:p>
             <a:pPr>
+              <a:buFont typeface="Wingdings" panose="05000000000000000000" pitchFamily="2" charset="2"/>
+              <a:buChar char="§"/>
               <a:defRPr sz="900"/>
             </a:pPr>
-          </a:p>
-          <a:p>
-            <a:pPr/>
-            <a:r>
+            <a:endParaRPr lang="fr-FR" dirty="0"/>
+          </a:p>
+          <a:p>
+            <a:pPr>
+              <a:buFont typeface="Wingdings" panose="05000000000000000000" pitchFamily="2" charset="2"/>
+              <a:buChar char="§"/>
+            </a:pPr>
+            <a:r>
+              <a:rPr lang="fr-FR" dirty="0"/>
               <a:t>Idée : </a:t>
             </a:r>
             <a:r>
-              <a:rPr b="1"/>
+              <a:rPr lang="fr-FR" b="1" dirty="0"/>
               <a:t>étudier les variations de vitesse d’un point caractéristique</a:t>
             </a:r>
             <a:r>
+              <a:rPr lang="fr-FR" dirty="0"/>
               <a:t> dans les deux jeux de données, et chercher à </a:t>
             </a:r>
             <a:r>
-              <a:rPr b="1"/>
+              <a:rPr lang="fr-FR" b="1" dirty="0"/>
               <a:t>repérer un geste particulier</a:t>
             </a:r>
             <a:r>
+              <a:rPr lang="fr-FR" dirty="0"/>
               <a:t> dans chacun de ces deux jeux.</a:t>
             </a:r>
           </a:p>
@@ -6546,12 +7553,12 @@
   <p:clrMapOvr>
     <a:masterClrMapping/>
   </p:clrMapOvr>
-  <p:transition xmlns:p14="http://schemas.microsoft.com/office/powerpoint/2010/main" spd="med" advClick="1"/>
+  <p:transition spd="med"/>
 </p:sld>
 </file>
 
 <file path=ppt/slides/slide7.xml><?xml version="1.0" encoding="utf-8"?>
-<p:sld xmlns:a="http://schemas.openxmlformats.org/drawingml/2006/main" xmlns:r="http://schemas.openxmlformats.org/officeDocument/2006/relationships" xmlns:p="http://schemas.openxmlformats.org/presentationml/2006/main" xmlns:m="http://schemas.openxmlformats.org/officeDocument/2006/math" xmlns:a14="http://schemas.microsoft.com/office/drawing/2010/main" showMasterSp="1" showMasterPhAnim="1">
+<p:sld xmlns:a="http://schemas.openxmlformats.org/drawingml/2006/main" xmlns:r="http://schemas.openxmlformats.org/officeDocument/2006/relationships" xmlns:p="http://schemas.openxmlformats.org/presentationml/2006/main">
   <p:cSld>
     <p:spTree>
       <p:nvGrpSpPr>
@@ -6599,7 +7606,9 @@
       <p:sp>
         <p:nvSpPr>
           <p:cNvPr id="211" name="Titre 1"/>
-          <p:cNvSpPr txBox="1"/>
+          <p:cNvSpPr txBox="1">
+            <a:spLocks noGrp="1"/>
+          </p:cNvSpPr>
           <p:nvPr>
             <p:ph type="title"/>
           </p:nvPr>
@@ -6617,7 +7626,6 @@
           <a:bodyPr/>
           <a:lstStyle/>
           <a:p>
-            <a:pPr/>
             <a:r>
               <a:t>II – Recalage temporel</a:t>
             </a:r>
@@ -6629,12 +7637,12 @@
   <p:clrMapOvr>
     <a:masterClrMapping/>
   </p:clrMapOvr>
-  <p:transition xmlns:p14="http://schemas.microsoft.com/office/powerpoint/2010/main" spd="med" advClick="1"/>
+  <p:transition spd="med"/>
 </p:sld>
 </file>
 
 <file path=ppt/slides/slide8.xml><?xml version="1.0" encoding="utf-8"?>
-<p:sld xmlns:a="http://schemas.openxmlformats.org/drawingml/2006/main" xmlns:r="http://schemas.openxmlformats.org/officeDocument/2006/relationships" xmlns:p="http://schemas.openxmlformats.org/presentationml/2006/main" xmlns:m="http://schemas.openxmlformats.org/officeDocument/2006/math" xmlns:a14="http://schemas.microsoft.com/office/drawing/2010/main" showMasterSp="1" showMasterPhAnim="1">
+<p:sld xmlns:a="http://schemas.openxmlformats.org/drawingml/2006/main" xmlns:r="http://schemas.openxmlformats.org/officeDocument/2006/relationships" xmlns:p="http://schemas.openxmlformats.org/presentationml/2006/main">
   <p:cSld>
     <p:spTree>
       <p:nvGrpSpPr>
@@ -6653,7 +7661,9 @@
       <p:sp>
         <p:nvSpPr>
           <p:cNvPr id="213" name="Titre 1"/>
-          <p:cNvSpPr txBox="1"/>
+          <p:cNvSpPr txBox="1">
+            <a:spLocks noGrp="1"/>
+          </p:cNvSpPr>
           <p:nvPr>
             <p:ph type="title"/>
           </p:nvPr>
@@ -6671,7 +7681,6 @@
           <a:bodyPr/>
           <a:lstStyle/>
           <a:p>
-            <a:pPr/>
             <a:r>
               <a:t>III - Recalage spatial</a:t>
             </a:r>
@@ -6681,7 +7690,9 @@
       <p:sp>
         <p:nvSpPr>
           <p:cNvPr id="214" name="Espace réservé du contenu 2"/>
-          <p:cNvSpPr txBox="1"/>
+          <p:cNvSpPr txBox="1">
+            <a:spLocks noGrp="1"/>
+          </p:cNvSpPr>
           <p:nvPr>
             <p:ph type="body" idx="1"/>
           </p:nvPr>
@@ -6699,69 +7710,126 @@
           <a:bodyPr/>
           <a:lstStyle/>
           <a:p>
-            <a:pPr/>
-            <a:r>
-              <a:t>Recaler un nuage de points MoCap </a:t>
-            </a:r>
-            <a:r>
-              <a:rPr b="1"/>
+            <a:pPr>
+              <a:buFont typeface="Wingdings" panose="05000000000000000000" pitchFamily="2" charset="2"/>
+              <a:buChar char="§"/>
+            </a:pPr>
+            <a:r>
+              <a:rPr lang="fr-FR" dirty="0"/>
+              <a:t>Recaler un nuage de points </a:t>
+            </a:r>
+            <a:r>
+              <a:rPr lang="fr-FR" dirty="0" err="1"/>
+              <a:t>MoCap</a:t>
+            </a:r>
+            <a:r>
+              <a:rPr lang="fr-FR" dirty="0"/>
+              <a:t> </a:t>
+            </a:r>
+            <a:r>
+              <a:rPr lang="fr-FR" b="1" dirty="0"/>
               <a:t>3D</a:t>
             </a:r>
             <a:r>
+              <a:rPr lang="fr-FR" dirty="0"/>
               <a:t> et des données vidéo </a:t>
             </a:r>
             <a:r>
-              <a:rPr b="1"/>
+              <a:rPr lang="fr-FR" b="1" dirty="0"/>
               <a:t>2D.</a:t>
             </a:r>
-            <a:endParaRPr b="1"/>
           </a:p>
           <a:p>
             <a:pPr>
+              <a:buFont typeface="Wingdings" panose="05000000000000000000" pitchFamily="2" charset="2"/>
+              <a:buChar char="§"/>
               <a:defRPr b="1"/>
             </a:pPr>
-          </a:p>
-          <a:p>
-            <a:pPr/>
-            <a:r>
+            <a:endParaRPr lang="fr-FR" b="1" dirty="0"/>
+          </a:p>
+          <a:p>
+            <a:pPr>
+              <a:buFont typeface="Wingdings" panose="05000000000000000000" pitchFamily="2" charset="2"/>
+              <a:buChar char="§"/>
+            </a:pPr>
+            <a:r>
+              <a:rPr lang="fr-FR" dirty="0"/>
               <a:t>Proposition : </a:t>
             </a:r>
             <a:r>
-              <a:rPr b="1"/>
+              <a:rPr lang="fr-FR" b="1" dirty="0"/>
               <a:t>projeter les données 3D sur le plan des données 2D</a:t>
             </a:r>
             <a:r>
+              <a:rPr lang="fr-FR" dirty="0"/>
               <a:t>, en déterminant la translation et la rotation optimales entre les deux nuages de points.</a:t>
             </a:r>
           </a:p>
           <a:p>
-            <a:pPr/>
-          </a:p>
-          <a:p>
-            <a:pPr/>
-            <a:r>
+            <a:pPr>
+              <a:buFont typeface="Wingdings" panose="05000000000000000000" pitchFamily="2" charset="2"/>
+              <a:buChar char="§"/>
+            </a:pPr>
+            <a:endParaRPr lang="fr-FR" dirty="0"/>
+          </a:p>
+          <a:p>
+            <a:pPr>
+              <a:buFont typeface="Wingdings" panose="05000000000000000000" pitchFamily="2" charset="2"/>
+              <a:buChar char="§"/>
+            </a:pPr>
+            <a:r>
+              <a:rPr lang="fr-FR" dirty="0"/>
               <a:t>Nécessité de comparer deux nuages de points </a:t>
             </a:r>
             <a:r>
-              <a:rPr b="1"/>
+              <a:rPr lang="fr-FR" b="1" dirty="0"/>
               <a:t>pris au même instant</a:t>
             </a:r>
-            <a:endParaRPr b="1"/>
-          </a:p>
-          <a:p>
-            <a:pPr lvl="1" marL="742950" indent="-285750">
+          </a:p>
+          <a:p>
+            <a:pPr lvl="1">
+              <a:buFont typeface="Wingdings" panose="05000000000000000000" pitchFamily="2" charset="2"/>
+              <a:buChar char="§"/>
               <a:defRPr sz="1600"/>
             </a:pPr>
             <a:r>
+              <a:rPr lang="fr-FR" dirty="0"/>
               <a:t>Utilisation des résultats du recalage temporel pour déterminer le delta temporel entre les deux séquences.</a:t>
             </a:r>
           </a:p>
           <a:p>
-            <a:pPr lvl="1" marL="742950" indent="-285750">
+            <a:pPr lvl="1">
+              <a:buFont typeface="Wingdings" panose="05000000000000000000" pitchFamily="2" charset="2"/>
+              <a:buChar char="§"/>
               <a:defRPr sz="1600"/>
             </a:pPr>
             <a:r>
-              <a:t>Echantillonnage entre la vidéo (25 fps) et les données MoCap (120 fps) et sélection d’une dizaine de frames qui permettront de déterminer translation et rotation optimales.</a:t>
+              <a:rPr lang="fr-FR" dirty="0"/>
+              <a:t>Echantillonnage entre la vidéo (25 </a:t>
+            </a:r>
+            <a:r>
+              <a:rPr lang="fr-FR" dirty="0" err="1"/>
+              <a:t>fps</a:t>
+            </a:r>
+            <a:r>
+              <a:rPr lang="fr-FR" dirty="0"/>
+              <a:t>) et les données </a:t>
+            </a:r>
+            <a:r>
+              <a:rPr lang="fr-FR" dirty="0" err="1"/>
+              <a:t>MoCap</a:t>
+            </a:r>
+            <a:r>
+              <a:rPr lang="fr-FR" dirty="0"/>
+              <a:t> (120 </a:t>
+            </a:r>
+            <a:r>
+              <a:rPr lang="fr-FR" dirty="0" err="1"/>
+              <a:t>fps</a:t>
+            </a:r>
+            <a:r>
+              <a:rPr lang="fr-FR" dirty="0"/>
+              <a:t>) et sélection d’une dizaine de frames qui permettront de déterminer translation et rotation optimales.</a:t>
             </a:r>
           </a:p>
         </p:txBody>
@@ -6771,12 +7839,12 @@
   <p:clrMapOvr>
     <a:masterClrMapping/>
   </p:clrMapOvr>
-  <p:transition xmlns:p14="http://schemas.microsoft.com/office/powerpoint/2010/main" spd="med" advClick="1"/>
+  <p:transition spd="med"/>
 </p:sld>
 </file>
 
 <file path=ppt/slides/slide9.xml><?xml version="1.0" encoding="utf-8"?>
-<p:sld xmlns:a="http://schemas.openxmlformats.org/drawingml/2006/main" xmlns:r="http://schemas.openxmlformats.org/officeDocument/2006/relationships" xmlns:p="http://schemas.openxmlformats.org/presentationml/2006/main" xmlns:m="http://schemas.openxmlformats.org/officeDocument/2006/math" xmlns:a14="http://schemas.microsoft.com/office/drawing/2010/main" showMasterSp="1" showMasterPhAnim="1">
+<p:sld xmlns:a="http://schemas.openxmlformats.org/drawingml/2006/main" xmlns:r="http://schemas.openxmlformats.org/officeDocument/2006/relationships" xmlns:p="http://schemas.openxmlformats.org/presentationml/2006/main">
   <p:cSld>
     <p:spTree>
       <p:nvGrpSpPr>
@@ -6795,7 +7863,9 @@
       <p:sp>
         <p:nvSpPr>
           <p:cNvPr id="216" name="Titre 1"/>
-          <p:cNvSpPr txBox="1"/>
+          <p:cNvSpPr txBox="1">
+            <a:spLocks noGrp="1"/>
+          </p:cNvSpPr>
           <p:nvPr>
             <p:ph type="title"/>
           </p:nvPr>
@@ -6813,9 +7883,17 @@
           <a:bodyPr/>
           <a:lstStyle/>
           <a:p>
-            <a:pPr/>
-            <a:r>
-              <a:t>III – Recalage spatial</a:t>
+            <a:r>
+              <a:rPr dirty="0"/>
+              <a:t>III – </a:t>
+            </a:r>
+            <a:r>
+              <a:rPr lang="fr-FR" dirty="0"/>
+              <a:t>Recalage</a:t>
+            </a:r>
+            <a:r>
+              <a:rPr dirty="0"/>
+              <a:t> spatial</a:t>
             </a:r>
           </a:p>
         </p:txBody>
@@ -6823,46 +7901,82 @@
       <p:sp>
         <p:nvSpPr>
           <p:cNvPr id="217" name="Espace réservé du contenu 2"/>
-          <p:cNvSpPr txBox="1"/>
+          <p:cNvSpPr txBox="1">
+            <a:spLocks noGrp="1"/>
+          </p:cNvSpPr>
           <p:nvPr>
             <p:ph type="body" idx="1"/>
           </p:nvPr>
         </p:nvSpPr>
         <p:spPr>
           <a:xfrm>
-            <a:off x="677333" y="1303516"/>
-            <a:ext cx="9803476" cy="5375581"/>
+            <a:off x="522588" y="1546574"/>
+            <a:ext cx="8902766" cy="5121512"/>
           </a:xfrm>
           <a:prstGeom prst="rect">
             <a:avLst/>
           </a:prstGeom>
         </p:spPr>
         <p:txBody>
-          <a:bodyPr/>
+          <a:bodyPr>
+            <a:normAutofit/>
+          </a:bodyPr>
           <a:lstStyle/>
           <a:p>
             <a:pPr>
               <a:lnSpc>
                 <a:spcPct val="90000"/>
               </a:lnSpc>
+              <a:buFont typeface="Wingdings" panose="05000000000000000000" pitchFamily="2" charset="2"/>
+              <a:buChar char="§"/>
             </a:pPr>
             <a:r>
-              <a:t>Trois étapes appliquées aux frames sélectionnées : </a:t>
-            </a:r>
-          </a:p>
-          <a:p>
-            <a:pPr lvl="1" marL="742950" indent="-285750">
+              <a:rPr lang="fr-FR" dirty="0"/>
+              <a:t>Quatre étapes appliquées aux frames sélectionnées : </a:t>
+            </a:r>
+          </a:p>
+          <a:p>
+            <a:pPr>
               <a:lnSpc>
                 <a:spcPct val="90000"/>
               </a:lnSpc>
+              <a:buFont typeface="Wingdings" panose="05000000000000000000" pitchFamily="2" charset="2"/>
+              <a:buChar char="§"/>
+            </a:pPr>
+            <a:endParaRPr lang="fr-FR" dirty="0"/>
+          </a:p>
+          <a:p>
+            <a:pPr lvl="1">
+              <a:lnSpc>
+                <a:spcPct val="90000"/>
+              </a:lnSpc>
+              <a:buFont typeface="Wingdings" panose="05000000000000000000" pitchFamily="2" charset="2"/>
+              <a:buChar char="§"/>
               <a:defRPr sz="1600"/>
             </a:pPr>
             <a:r>
-              <a:t>Chercher le meilleur angle par un processus itératif. A chaque étape faire la rotation du nuage MoCap d’un angle donné et calculer la distance euclidienne entre les points caractéristiques des deux nuages. Sélectionner l’angle qui minimise celle-ci.    </a:t>
-            </a:r>
-          </a:p>
-          <a:p>
-            <a:pPr lvl="1" marL="0" indent="457200">
+              <a:rPr lang="fr-FR" dirty="0"/>
+              <a:t>Chercher le meilleur angle par un processus itératif. A chaque </a:t>
+            </a:r>
+            <a:r>
+              <a:rPr lang="fr-FR" b="1" dirty="0"/>
+              <a:t>étape faire la rotation du nuage </a:t>
+            </a:r>
+            <a:r>
+              <a:rPr lang="fr-FR" b="1" dirty="0" err="1"/>
+              <a:t>MoCap</a:t>
+            </a:r>
+            <a:r>
+              <a:rPr lang="fr-FR" b="1" dirty="0"/>
+              <a:t> d’un angle donné et calculer la distance euclidienne entre les points caractéristiques des deux nuages</a:t>
+            </a:r>
+            <a:r>
+              <a:rPr lang="fr-FR" dirty="0"/>
+              <a:t>. Sélectionner l’angle qui minimise celle-ci.    </a:t>
+            </a:r>
+          </a:p>
+          <a:p>
+            <a:pPr marL="0" lvl="1" indent="0">
               <a:lnSpc>
                 <a:spcPct val="90000"/>
               </a:lnSpc>
@@ -6871,10 +7985,11 @@
               <a:defRPr sz="1600"/>
             </a:pPr>
             <a:r>
-              <a:t>	 </a:t>
-            </a:r>
-            <a:r>
-              <a:rPr>
+              <a:rPr lang="fr-FR" dirty="0"/>
+              <a:t>	 		</a:t>
+            </a:r>
+            <a:r>
+              <a:rPr lang="fr-FR" dirty="0">
                 <a:latin typeface="Wingdings"/>
                 <a:ea typeface="Wingdings"/>
                 <a:cs typeface="Wingdings"/>
@@ -6883,44 +7998,107 @@
               <a:t> </a:t>
             </a:r>
             <a:r>
+              <a:rPr lang="fr-FR" b="1" dirty="0"/>
               <a:t>Rotation</a:t>
             </a:r>
           </a:p>
           <a:p>
-            <a:pPr lvl="1" marL="742950" indent="-285750">
+            <a:pPr marL="0" lvl="1" indent="0">
               <a:lnSpc>
                 <a:spcPct val="90000"/>
               </a:lnSpc>
+              <a:buSzTx/>
+              <a:buNone/>
               <a:defRPr sz="1600"/>
             </a:pPr>
-            <a:r>
-              <a:t>Projection des points MoCap 3D sur le plan 2D des personnes (défini par la verticale et les deux bassins)</a:t>
-            </a:r>
-          </a:p>
-          <a:p>
-            <a:pPr lvl="1" marL="742950" indent="-285750">
+            <a:endParaRPr lang="fr-FR" dirty="0"/>
+          </a:p>
+          <a:p>
+            <a:pPr lvl="1">
               <a:lnSpc>
                 <a:spcPct val="90000"/>
               </a:lnSpc>
+              <a:buFont typeface="Wingdings" panose="05000000000000000000" pitchFamily="2" charset="2"/>
+              <a:buChar char="§"/>
               <a:defRPr sz="1600"/>
             </a:pPr>
             <a:r>
-              <a:t>Remise à l’échelle des deux nuages de points en comparant la distance entre épaule gauche et droite</a:t>
-            </a:r>
-          </a:p>
-          <a:p>
-            <a:pPr lvl="1" marL="742950" indent="-285750">
+              <a:rPr lang="fr-FR" b="1" dirty="0"/>
+              <a:t>Projection des points </a:t>
+            </a:r>
+            <a:r>
+              <a:rPr lang="fr-FR" b="1" dirty="0" err="1"/>
+              <a:t>MoCap</a:t>
+            </a:r>
+            <a:r>
+              <a:rPr lang="fr-FR" b="1" dirty="0"/>
+              <a:t> 3D sur le plan 2D des personnes </a:t>
+            </a:r>
+            <a:r>
+              <a:rPr lang="fr-FR" dirty="0"/>
+              <a:t>(défini par la verticale et les deux bassins)</a:t>
+            </a:r>
+          </a:p>
+          <a:p>
+            <a:pPr lvl="1">
               <a:lnSpc>
                 <a:spcPct val="90000"/>
               </a:lnSpc>
+              <a:buFont typeface="Wingdings" panose="05000000000000000000" pitchFamily="2" charset="2"/>
+              <a:buChar char="§"/>
               <a:defRPr sz="1600"/>
             </a:pPr>
-            <a:r>
-              <a:t>Faire correspondre un même point caractéristique, l’épaule gauche par exemple.  </a:t>
-            </a:r>
-          </a:p>
-          <a:p>
-            <a:pPr lvl="1" marL="0" indent="457200">
+            <a:endParaRPr lang="fr-FR" dirty="0"/>
+          </a:p>
+          <a:p>
+            <a:pPr lvl="1">
+              <a:lnSpc>
+                <a:spcPct val="90000"/>
+              </a:lnSpc>
+              <a:buFont typeface="Wingdings" panose="05000000000000000000" pitchFamily="2" charset="2"/>
+              <a:buChar char="§"/>
+              <a:defRPr sz="1600"/>
+            </a:pPr>
+            <a:r>
+              <a:rPr lang="fr-FR" b="1" dirty="0"/>
+              <a:t>Remise à l’échelle des deux nuages de points </a:t>
+            </a:r>
+            <a:r>
+              <a:rPr lang="fr-FR" dirty="0"/>
+              <a:t>en comparant la distance entre épaule gauche et droite</a:t>
+            </a:r>
+          </a:p>
+          <a:p>
+            <a:pPr lvl="1">
+              <a:lnSpc>
+                <a:spcPct val="90000"/>
+              </a:lnSpc>
+              <a:buFont typeface="Wingdings" panose="05000000000000000000" pitchFamily="2" charset="2"/>
+              <a:buChar char="§"/>
+              <a:defRPr sz="1600"/>
+            </a:pPr>
+            <a:endParaRPr lang="fr-FR" dirty="0"/>
+          </a:p>
+          <a:p>
+            <a:pPr lvl="1">
+              <a:lnSpc>
+                <a:spcPct val="90000"/>
+              </a:lnSpc>
+              <a:buFont typeface="Wingdings" panose="05000000000000000000" pitchFamily="2" charset="2"/>
+              <a:buChar char="§"/>
+              <a:defRPr sz="1600"/>
+            </a:pPr>
+            <a:r>
+              <a:rPr lang="fr-FR" b="1" dirty="0"/>
+              <a:t>Faire correspondre un même point caractéristique</a:t>
+            </a:r>
+            <a:r>
+              <a:rPr lang="fr-FR" dirty="0"/>
+              <a:t>, la tête par exemple.  </a:t>
+            </a:r>
+          </a:p>
+          <a:p>
+            <a:pPr marL="0" lvl="1" indent="0">
               <a:lnSpc>
                 <a:spcPct val="90000"/>
               </a:lnSpc>
@@ -6934,16 +8112,26 @@
               </a:defRPr>
             </a:pPr>
             <a:r>
-              <a:t>	</a:t>
-            </a:r>
-            <a:r>
-              <a:rPr>
+              <a:rPr lang="fr-FR" dirty="0"/>
+              <a:t>			</a:t>
+            </a:r>
+            <a:r>
+              <a:rPr lang="fr-FR" dirty="0">
                 <a:latin typeface="+mj-lt"/>
                 <a:ea typeface="+mj-ea"/>
                 <a:cs typeface="+mj-cs"/>
                 <a:sym typeface="Trebuchet MS"/>
               </a:rPr>
-              <a:t> Translation</a:t>
+              <a:t> </a:t>
+            </a:r>
+            <a:r>
+              <a:rPr lang="fr-FR" b="1" dirty="0">
+                <a:latin typeface="+mj-lt"/>
+                <a:ea typeface="+mj-ea"/>
+                <a:cs typeface="+mj-cs"/>
+                <a:sym typeface="Trebuchet MS"/>
+              </a:rPr>
+              <a:t>Translation</a:t>
             </a:r>
           </a:p>
           <a:p>
@@ -6951,49 +8139,35 @@
               <a:lnSpc>
                 <a:spcPct val="90000"/>
               </a:lnSpc>
+              <a:buFont typeface="Wingdings" panose="05000000000000000000" pitchFamily="2" charset="2"/>
+              <a:buChar char="§"/>
               <a:defRPr sz="1600"/>
             </a:pPr>
-          </a:p>
-          <a:p>
-            <a:pPr>
-              <a:lnSpc>
-                <a:spcPct val="90000"/>
-              </a:lnSpc>
-            </a:pPr>
-            <a:r>
-              <a:t>Cette rotation et cette translation seront appliquées aux deux nuages de points MoCap à tout instant.</a:t>
-            </a:r>
-          </a:p>
-          <a:p>
-            <a:pPr>
-              <a:lnSpc>
-                <a:spcPct val="90000"/>
-              </a:lnSpc>
-            </a:pPr>
-          </a:p>
-          <a:p>
-            <a:pPr>
-              <a:lnSpc>
-                <a:spcPct val="90000"/>
-              </a:lnSpc>
-            </a:pPr>
-            <a:r>
-              <a:t>Ces nouveaux nuages de points seront enfin associés à des avatars sous Unity, et rendus visibles au-dessus de la vidéo d’origine. </a:t>
-            </a:r>
+            <a:endParaRPr lang="fr-FR" dirty="0">
+              <a:latin typeface="+mj-lt"/>
+              <a:ea typeface="+mj-ea"/>
+              <a:cs typeface="+mj-cs"/>
+              <a:sym typeface="Trebuchet MS"/>
+            </a:endParaRPr>
           </a:p>
         </p:txBody>
       </p:sp>
     </p:spTree>
+    <p:extLst>
+      <p:ext uri="{BB962C8B-B14F-4D97-AF65-F5344CB8AC3E}">
+        <p14:creationId xmlns:p14="http://schemas.microsoft.com/office/powerpoint/2010/main" val="1630339608"/>
+      </p:ext>
+    </p:extLst>
   </p:cSld>
   <p:clrMapOvr>
     <a:masterClrMapping/>
   </p:clrMapOvr>
-  <p:transition xmlns:p14="http://schemas.microsoft.com/office/powerpoint/2010/main" spd="med" advClick="1"/>
+  <p:transition spd="med"/>
 </p:sld>
 </file>
 
 <file path=ppt/theme/theme1.xml><?xml version="1.0" encoding="utf-8"?>
-<a:theme xmlns:a="http://schemas.openxmlformats.org/drawingml/2006/main" xmlns:r="http://schemas.openxmlformats.org/officeDocument/2006/relationships" name="Facette">
+<a:theme xmlns:a="http://schemas.openxmlformats.org/drawingml/2006/main" name="Facette">
   <a:themeElements>
     <a:clrScheme name="Facette">
       <a:dk1>
@@ -7119,7 +8293,7 @@
       <a:effectStyleLst>
         <a:effectStyle>
           <a:effectLst>
-            <a:outerShdw sx="100000" sy="100000" kx="0" ky="0" algn="b" rotWithShape="0" blurRad="38100" dist="25400" dir="5400000">
+            <a:outerShdw blurRad="38100" dist="25400" dir="5400000" rotWithShape="0">
               <a:srgbClr val="000000">
                 <a:alpha val="35000"/>
               </a:srgbClr>
@@ -7128,7 +8302,7 @@
         </a:effectStyle>
         <a:effectStyle>
           <a:effectLst>
-            <a:outerShdw sx="100000" sy="100000" kx="0" ky="0" algn="b" rotWithShape="0" blurRad="38100" dist="25400" dir="5400000">
+            <a:outerShdw blurRad="38100" dist="25400" dir="5400000" rotWithShape="0">
               <a:srgbClr val="000000">
                 <a:alpha val="35000"/>
               </a:srgbClr>
@@ -7137,7 +8311,7 @@
         </a:effectStyle>
         <a:effectStyle>
           <a:effectLst>
-            <a:outerShdw sx="100000" sy="100000" kx="0" ky="0" algn="b" rotWithShape="0" blurRad="38100" dist="25400" dir="5400000">
+            <a:outerShdw blurRad="38100" dist="25400" dir="5400000" rotWithShape="0">
               <a:srgbClr val="000000">
                 <a:alpha val="35000"/>
               </a:srgbClr>
@@ -7211,7 +8385,7 @@
           <a:round/>
         </a:ln>
         <a:effectLst>
-          <a:outerShdw sx="100000" sy="100000" kx="0" ky="0" algn="b" rotWithShape="0" blurRad="38100" dist="25400" dir="5400000">
+          <a:outerShdw blurRad="38100" dist="25400" dir="5400000" rotWithShape="0">
             <a:srgbClr val="000000">
               <a:alpha val="35000"/>
             </a:srgbClr>
@@ -7219,7 +8393,7 @@
         </a:effectLst>
         <a:sp3d/>
       </a:spPr>
-      <a:bodyPr rot="0" spcFirstLastPara="1" vertOverflow="overflow" horzOverflow="overflow" vert="horz" wrap="square" lIns="45718" tIns="45718" rIns="45718" bIns="45718" numCol="1" spcCol="38100" rtlCol="0" anchor="ctr" upright="0">
+      <a:bodyPr rot="0" spcFirstLastPara="1" vertOverflow="overflow" horzOverflow="overflow" vert="horz" wrap="square" lIns="45718" tIns="45718" rIns="45718" bIns="45718" numCol="1" spcCol="38100" rtlCol="0" anchor="ctr">
         <a:spAutoFit/>
       </a:bodyPr>
       <a:lstStyle>
@@ -7238,7 +8412,7 @@
           <a:buFontTx/>
           <a:buNone/>
           <a:tabLst/>
-          <a:defRPr b="0" baseline="0" cap="none" i="0" spc="0" strike="noStrike" sz="1800" u="none" kumimoji="0" normalizeH="0">
+          <a:defRPr kumimoji="0" sz="1800" b="0" i="0" u="none" strike="noStrike" cap="none" spc="0" normalizeH="0" baseline="0">
             <a:ln>
               <a:noFill/>
             </a:ln>
@@ -7268,7 +8442,7 @@
           <a:buFontTx/>
           <a:buNone/>
           <a:tabLst/>
-          <a:defRPr b="0" baseline="0" cap="none" i="0" spc="0" strike="noStrike" sz="1800" u="none" kumimoji="0" normalizeH="0">
+          <a:defRPr kumimoji="0" sz="1800" b="0" i="0" u="none" strike="noStrike" cap="none" spc="0" normalizeH="0" baseline="0">
             <a:ln>
               <a:noFill/>
             </a:ln>
@@ -7294,7 +8468,7 @@
           <a:buFontTx/>
           <a:buNone/>
           <a:tabLst/>
-          <a:defRPr b="0" baseline="0" cap="none" i="0" spc="0" strike="noStrike" sz="1800" u="none" kumimoji="0" normalizeH="0">
+          <a:defRPr kumimoji="0" sz="1800" b="0" i="0" u="none" strike="noStrike" cap="none" spc="0" normalizeH="0" baseline="0">
             <a:ln>
               <a:noFill/>
             </a:ln>
@@ -7320,7 +8494,7 @@
           <a:buFontTx/>
           <a:buNone/>
           <a:tabLst/>
-          <a:defRPr b="0" baseline="0" cap="none" i="0" spc="0" strike="noStrike" sz="1800" u="none" kumimoji="0" normalizeH="0">
+          <a:defRPr kumimoji="0" sz="1800" b="0" i="0" u="none" strike="noStrike" cap="none" spc="0" normalizeH="0" baseline="0">
             <a:ln>
               <a:noFill/>
             </a:ln>
@@ -7346,7 +8520,7 @@
           <a:buFontTx/>
           <a:buNone/>
           <a:tabLst/>
-          <a:defRPr b="0" baseline="0" cap="none" i="0" spc="0" strike="noStrike" sz="1800" u="none" kumimoji="0" normalizeH="0">
+          <a:defRPr kumimoji="0" sz="1800" b="0" i="0" u="none" strike="noStrike" cap="none" spc="0" normalizeH="0" baseline="0">
             <a:ln>
               <a:noFill/>
             </a:ln>
@@ -7372,7 +8546,7 @@
           <a:buFontTx/>
           <a:buNone/>
           <a:tabLst/>
-          <a:defRPr b="0" baseline="0" cap="none" i="0" spc="0" strike="noStrike" sz="1800" u="none" kumimoji="0" normalizeH="0">
+          <a:defRPr kumimoji="0" sz="1800" b="0" i="0" u="none" strike="noStrike" cap="none" spc="0" normalizeH="0" baseline="0">
             <a:ln>
               <a:noFill/>
             </a:ln>
@@ -7398,7 +8572,7 @@
           <a:buFontTx/>
           <a:buNone/>
           <a:tabLst/>
-          <a:defRPr b="0" baseline="0" cap="none" i="0" spc="0" strike="noStrike" sz="1800" u="none" kumimoji="0" normalizeH="0">
+          <a:defRPr kumimoji="0" sz="1800" b="0" i="0" u="none" strike="noStrike" cap="none" spc="0" normalizeH="0" baseline="0">
             <a:ln>
               <a:noFill/>
             </a:ln>
@@ -7424,7 +8598,7 @@
           <a:buFontTx/>
           <a:buNone/>
           <a:tabLst/>
-          <a:defRPr b="0" baseline="0" cap="none" i="0" spc="0" strike="noStrike" sz="1800" u="none" kumimoji="0" normalizeH="0">
+          <a:defRPr kumimoji="0" sz="1800" b="0" i="0" u="none" strike="noStrike" cap="none" spc="0" normalizeH="0" baseline="0">
             <a:ln>
               <a:noFill/>
             </a:ln>
@@ -7450,7 +8624,7 @@
           <a:buFontTx/>
           <a:buNone/>
           <a:tabLst/>
-          <a:defRPr b="0" baseline="0" cap="none" i="0" spc="0" strike="noStrike" sz="1800" u="none" kumimoji="0" normalizeH="0">
+          <a:defRPr kumimoji="0" sz="1800" b="0" i="0" u="none" strike="noStrike" cap="none" spc="0" normalizeH="0" baseline="0">
             <a:ln>
               <a:noFill/>
             </a:ln>
@@ -7476,7 +8650,7 @@
           <a:buFontTx/>
           <a:buNone/>
           <a:tabLst/>
-          <a:defRPr b="0" baseline="0" cap="none" i="0" spc="0" strike="noStrike" sz="1800" u="none" kumimoji="0" normalizeH="0">
+          <a:defRPr kumimoji="0" sz="1800" b="0" i="0" u="none" strike="noStrike" cap="none" spc="0" normalizeH="0" baseline="0">
             <a:ln>
               <a:noFill/>
             </a:ln>
@@ -7489,9 +8663,15 @@
         </a:lvl9pPr>
       </a:lstStyle>
       <a:style>
-        <a:lnRef idx="0"/>
-        <a:fillRef idx="0"/>
-        <a:effectRef idx="0"/>
+        <a:lnRef idx="0">
+          <a:scrgbClr r="0" g="0" b="0"/>
+        </a:lnRef>
+        <a:fillRef idx="0">
+          <a:scrgbClr r="0" g="0" b="0"/>
+        </a:fillRef>
+        <a:effectRef idx="0">
+          <a:scrgbClr r="0" g="0" b="0"/>
+        </a:effectRef>
         <a:fontRef idx="none"/>
       </a:style>
     </a:spDef>
@@ -7506,7 +8686,7 @@
           <a:round/>
         </a:ln>
         <a:effectLst>
-          <a:outerShdw sx="100000" sy="100000" kx="0" ky="0" algn="b" rotWithShape="0" blurRad="38100" dist="25400" dir="5400000">
+          <a:outerShdw blurRad="38100" dist="25400" dir="5400000" rotWithShape="0">
             <a:srgbClr val="000000">
               <a:alpha val="35000"/>
             </a:srgbClr>
@@ -7514,7 +8694,7 @@
         </a:effectLst>
         <a:sp3d/>
       </a:spPr>
-      <a:bodyPr rot="0" spcFirstLastPara="1" vertOverflow="overflow" horzOverflow="overflow" vert="horz" wrap="square" lIns="91439" tIns="45719" rIns="91439" bIns="45719" numCol="1" spcCol="38100" rtlCol="0" anchor="t" upright="0">
+      <a:bodyPr rot="0" spcFirstLastPara="1" vertOverflow="overflow" horzOverflow="overflow" vert="horz" wrap="square" lIns="91439" tIns="45719" rIns="91439" bIns="45719" numCol="1" spcCol="38100" rtlCol="0" anchor="t">
         <a:noAutofit/>
       </a:bodyPr>
       <a:lstStyle>
@@ -7533,7 +8713,7 @@
           <a:buFontTx/>
           <a:buNone/>
           <a:tabLst/>
-          <a:defRPr b="0" baseline="0" cap="none" i="0" spc="0" strike="noStrike" sz="1800" u="none" kumimoji="0" normalizeH="0">
+          <a:defRPr kumimoji="0" sz="1800" b="0" i="0" u="none" strike="noStrike" cap="none" spc="0" normalizeH="0" baseline="0">
             <a:ln>
               <a:noFill/>
             </a:ln>
@@ -7559,7 +8739,7 @@
           <a:buFontTx/>
           <a:buNone/>
           <a:tabLst/>
-          <a:defRPr b="0" baseline="0" cap="none" i="0" spc="0" strike="noStrike" sz="1800" u="none" kumimoji="0" normalizeH="0">
+          <a:defRPr kumimoji="0" sz="1800" b="0" i="0" u="none" strike="noStrike" cap="none" spc="0" normalizeH="0" baseline="0">
             <a:ln>
               <a:noFill/>
             </a:ln>
@@ -7585,7 +8765,7 @@
           <a:buFontTx/>
           <a:buNone/>
           <a:tabLst/>
-          <a:defRPr b="0" baseline="0" cap="none" i="0" spc="0" strike="noStrike" sz="1800" u="none" kumimoji="0" normalizeH="0">
+          <a:defRPr kumimoji="0" sz="1800" b="0" i="0" u="none" strike="noStrike" cap="none" spc="0" normalizeH="0" baseline="0">
             <a:ln>
               <a:noFill/>
             </a:ln>
@@ -7611,7 +8791,7 @@
           <a:buFontTx/>
           <a:buNone/>
           <a:tabLst/>
-          <a:defRPr b="0" baseline="0" cap="none" i="0" spc="0" strike="noStrike" sz="1800" u="none" kumimoji="0" normalizeH="0">
+          <a:defRPr kumimoji="0" sz="1800" b="0" i="0" u="none" strike="noStrike" cap="none" spc="0" normalizeH="0" baseline="0">
             <a:ln>
               <a:noFill/>
             </a:ln>
@@ -7637,7 +8817,7 @@
           <a:buFontTx/>
           <a:buNone/>
           <a:tabLst/>
-          <a:defRPr b="0" baseline="0" cap="none" i="0" spc="0" strike="noStrike" sz="1800" u="none" kumimoji="0" normalizeH="0">
+          <a:defRPr kumimoji="0" sz="1800" b="0" i="0" u="none" strike="noStrike" cap="none" spc="0" normalizeH="0" baseline="0">
             <a:ln>
               <a:noFill/>
             </a:ln>
@@ -7663,7 +8843,7 @@
           <a:buFontTx/>
           <a:buNone/>
           <a:tabLst/>
-          <a:defRPr b="0" baseline="0" cap="none" i="0" spc="0" strike="noStrike" sz="1800" u="none" kumimoji="0" normalizeH="0">
+          <a:defRPr kumimoji="0" sz="1800" b="0" i="0" u="none" strike="noStrike" cap="none" spc="0" normalizeH="0" baseline="0">
             <a:ln>
               <a:noFill/>
             </a:ln>
@@ -7689,7 +8869,7 @@
           <a:buFontTx/>
           <a:buNone/>
           <a:tabLst/>
-          <a:defRPr b="0" baseline="0" cap="none" i="0" spc="0" strike="noStrike" sz="1800" u="none" kumimoji="0" normalizeH="0">
+          <a:defRPr kumimoji="0" sz="1800" b="0" i="0" u="none" strike="noStrike" cap="none" spc="0" normalizeH="0" baseline="0">
             <a:ln>
               <a:noFill/>
             </a:ln>
@@ -7715,7 +8895,7 @@
           <a:buFontTx/>
           <a:buNone/>
           <a:tabLst/>
-          <a:defRPr b="0" baseline="0" cap="none" i="0" spc="0" strike="noStrike" sz="1800" u="none" kumimoji="0" normalizeH="0">
+          <a:defRPr kumimoji="0" sz="1800" b="0" i="0" u="none" strike="noStrike" cap="none" spc="0" normalizeH="0" baseline="0">
             <a:ln>
               <a:noFill/>
             </a:ln>
@@ -7741,7 +8921,7 @@
           <a:buFontTx/>
           <a:buNone/>
           <a:tabLst/>
-          <a:defRPr b="0" baseline="0" cap="none" i="0" spc="0" strike="noStrike" sz="1800" u="none" kumimoji="0" normalizeH="0">
+          <a:defRPr kumimoji="0" sz="1800" b="0" i="0" u="none" strike="noStrike" cap="none" spc="0" normalizeH="0" baseline="0">
             <a:ln>
               <a:noFill/>
             </a:ln>
@@ -7767,7 +8947,7 @@
           <a:buFontTx/>
           <a:buNone/>
           <a:tabLst/>
-          <a:defRPr b="0" baseline="0" cap="none" i="0" spc="0" strike="noStrike" sz="1800" u="none" kumimoji="0" normalizeH="0">
+          <a:defRPr kumimoji="0" sz="1800" b="0" i="0" u="none" strike="noStrike" cap="none" spc="0" normalizeH="0" baseline="0">
             <a:ln>
               <a:noFill/>
             </a:ln>
@@ -7780,9 +8960,15 @@
         </a:lvl9pPr>
       </a:lstStyle>
       <a:style>
-        <a:lnRef idx="0"/>
-        <a:fillRef idx="0"/>
-        <a:effectRef idx="0"/>
+        <a:lnRef idx="0">
+          <a:scrgbClr r="0" g="0" b="0"/>
+        </a:lnRef>
+        <a:fillRef idx="0">
+          <a:scrgbClr r="0" g="0" b="0"/>
+        </a:fillRef>
+        <a:effectRef idx="0">
+          <a:scrgbClr r="0" g="0" b="0"/>
+        </a:effectRef>
         <a:fontRef idx="none"/>
       </a:style>
     </a:lnDef>
@@ -7796,7 +8982,7 @@
         <a:effectLst/>
         <a:sp3d/>
       </a:spPr>
-      <a:bodyPr rot="0" spcFirstLastPara="1" vertOverflow="overflow" horzOverflow="overflow" vert="horz" wrap="square" lIns="45718" tIns="45718" rIns="45718" bIns="45718" numCol="1" spcCol="38100" rtlCol="0" anchor="t" upright="0">
+      <a:bodyPr rot="0" spcFirstLastPara="1" vertOverflow="overflow" horzOverflow="overflow" vert="horz" wrap="square" lIns="45718" tIns="45718" rIns="45718" bIns="45718" numCol="1" spcCol="38100" rtlCol="0" anchor="t">
         <a:spAutoFit/>
       </a:bodyPr>
       <a:lstStyle>
@@ -7815,7 +9001,7 @@
           <a:buFontTx/>
           <a:buNone/>
           <a:tabLst/>
-          <a:defRPr b="0" baseline="0" cap="none" i="0" spc="0" strike="noStrike" sz="1800" u="none" kumimoji="0" normalizeH="0">
+          <a:defRPr kumimoji="0" sz="1800" b="0" i="0" u="none" strike="noStrike" cap="none" spc="0" normalizeH="0" baseline="0">
             <a:ln>
               <a:noFill/>
             </a:ln>
@@ -7845,7 +9031,7 @@
           <a:buFontTx/>
           <a:buNone/>
           <a:tabLst/>
-          <a:defRPr b="0" baseline="0" cap="none" i="0" spc="0" strike="noStrike" sz="1800" u="none" kumimoji="0" normalizeH="0">
+          <a:defRPr kumimoji="0" sz="1800" b="0" i="0" u="none" strike="noStrike" cap="none" spc="0" normalizeH="0" baseline="0">
             <a:ln>
               <a:noFill/>
             </a:ln>
@@ -7871,7 +9057,7 @@
           <a:buFontTx/>
           <a:buNone/>
           <a:tabLst/>
-          <a:defRPr b="0" baseline="0" cap="none" i="0" spc="0" strike="noStrike" sz="1800" u="none" kumimoji="0" normalizeH="0">
+          <a:defRPr kumimoji="0" sz="1800" b="0" i="0" u="none" strike="noStrike" cap="none" spc="0" normalizeH="0" baseline="0">
             <a:ln>
               <a:noFill/>
             </a:ln>
@@ -7897,7 +9083,7 @@
           <a:buFontTx/>
           <a:buNone/>
           <a:tabLst/>
-          <a:defRPr b="0" baseline="0" cap="none" i="0" spc="0" strike="noStrike" sz="1800" u="none" kumimoji="0" normalizeH="0">
+          <a:defRPr kumimoji="0" sz="1800" b="0" i="0" u="none" strike="noStrike" cap="none" spc="0" normalizeH="0" baseline="0">
             <a:ln>
               <a:noFill/>
             </a:ln>
@@ -7923,7 +9109,7 @@
           <a:buFontTx/>
           <a:buNone/>
           <a:tabLst/>
-          <a:defRPr b="0" baseline="0" cap="none" i="0" spc="0" strike="noStrike" sz="1800" u="none" kumimoji="0" normalizeH="0">
+          <a:defRPr kumimoji="0" sz="1800" b="0" i="0" u="none" strike="noStrike" cap="none" spc="0" normalizeH="0" baseline="0">
             <a:ln>
               <a:noFill/>
             </a:ln>
@@ -7949,7 +9135,7 @@
           <a:buFontTx/>
           <a:buNone/>
           <a:tabLst/>
-          <a:defRPr b="0" baseline="0" cap="none" i="0" spc="0" strike="noStrike" sz="1800" u="none" kumimoji="0" normalizeH="0">
+          <a:defRPr kumimoji="0" sz="1800" b="0" i="0" u="none" strike="noStrike" cap="none" spc="0" normalizeH="0" baseline="0">
             <a:ln>
               <a:noFill/>
             </a:ln>
@@ -7975,7 +9161,7 @@
           <a:buFontTx/>
           <a:buNone/>
           <a:tabLst/>
-          <a:defRPr b="0" baseline="0" cap="none" i="0" spc="0" strike="noStrike" sz="1800" u="none" kumimoji="0" normalizeH="0">
+          <a:defRPr kumimoji="0" sz="1800" b="0" i="0" u="none" strike="noStrike" cap="none" spc="0" normalizeH="0" baseline="0">
             <a:ln>
               <a:noFill/>
             </a:ln>
@@ -8001,7 +9187,7 @@
           <a:buFontTx/>
           <a:buNone/>
           <a:tabLst/>
-          <a:defRPr b="0" baseline="0" cap="none" i="0" spc="0" strike="noStrike" sz="1800" u="none" kumimoji="0" normalizeH="0">
+          <a:defRPr kumimoji="0" sz="1800" b="0" i="0" u="none" strike="noStrike" cap="none" spc="0" normalizeH="0" baseline="0">
             <a:ln>
               <a:noFill/>
             </a:ln>
@@ -8027,7 +9213,7 @@
           <a:buFontTx/>
           <a:buNone/>
           <a:tabLst/>
-          <a:defRPr b="0" baseline="0" cap="none" i="0" spc="0" strike="noStrike" sz="1800" u="none" kumimoji="0" normalizeH="0">
+          <a:defRPr kumimoji="0" sz="1800" b="0" i="0" u="none" strike="noStrike" cap="none" spc="0" normalizeH="0" baseline="0">
             <a:ln>
               <a:noFill/>
             </a:ln>
@@ -8053,7 +9239,7 @@
           <a:buFontTx/>
           <a:buNone/>
           <a:tabLst/>
-          <a:defRPr b="0" baseline="0" cap="none" i="0" spc="0" strike="noStrike" sz="1800" u="none" kumimoji="0" normalizeH="0">
+          <a:defRPr kumimoji="0" sz="1800" b="0" i="0" u="none" strike="noStrike" cap="none" spc="0" normalizeH="0" baseline="0">
             <a:ln>
               <a:noFill/>
             </a:ln>
@@ -8066,18 +9252,25 @@
         </a:lvl9pPr>
       </a:lstStyle>
       <a:style>
-        <a:lnRef idx="0"/>
-        <a:fillRef idx="0"/>
-        <a:effectRef idx="0"/>
+        <a:lnRef idx="0">
+          <a:scrgbClr r="0" g="0" b="0"/>
+        </a:lnRef>
+        <a:fillRef idx="0">
+          <a:scrgbClr r="0" g="0" b="0"/>
+        </a:fillRef>
+        <a:effectRef idx="0">
+          <a:scrgbClr r="0" g="0" b="0"/>
+        </a:effectRef>
         <a:fontRef idx="none"/>
       </a:style>
     </a:txDef>
   </a:objectDefaults>
+  <a:extraClrSchemeLst/>
 </a:theme>
 </file>
 
 <file path=ppt/theme/theme2.xml><?xml version="1.0" encoding="utf-8"?>
-<a:theme xmlns:a="http://schemas.openxmlformats.org/drawingml/2006/main" xmlns:r="http://schemas.openxmlformats.org/officeDocument/2006/relationships" name="Facette">
+<a:theme xmlns:a="http://schemas.openxmlformats.org/drawingml/2006/main" name="Facette">
   <a:themeElements>
     <a:clrScheme name="Facette">
       <a:dk1>
@@ -8203,7 +9396,7 @@
       <a:effectStyleLst>
         <a:effectStyle>
           <a:effectLst>
-            <a:outerShdw sx="100000" sy="100000" kx="0" ky="0" algn="b" rotWithShape="0" blurRad="38100" dist="25400" dir="5400000">
+            <a:outerShdw blurRad="38100" dist="25400" dir="5400000" rotWithShape="0">
               <a:srgbClr val="000000">
                 <a:alpha val="35000"/>
               </a:srgbClr>
@@ -8212,7 +9405,7 @@
         </a:effectStyle>
         <a:effectStyle>
           <a:effectLst>
-            <a:outerShdw sx="100000" sy="100000" kx="0" ky="0" algn="b" rotWithShape="0" blurRad="38100" dist="25400" dir="5400000">
+            <a:outerShdw blurRad="38100" dist="25400" dir="5400000" rotWithShape="0">
               <a:srgbClr val="000000">
                 <a:alpha val="35000"/>
               </a:srgbClr>
@@ -8221,7 +9414,7 @@
         </a:effectStyle>
         <a:effectStyle>
           <a:effectLst>
-            <a:outerShdw sx="100000" sy="100000" kx="0" ky="0" algn="b" rotWithShape="0" blurRad="38100" dist="25400" dir="5400000">
+            <a:outerShdw blurRad="38100" dist="25400" dir="5400000" rotWithShape="0">
               <a:srgbClr val="000000">
                 <a:alpha val="35000"/>
               </a:srgbClr>
@@ -8295,7 +9488,7 @@
           <a:round/>
         </a:ln>
         <a:effectLst>
-          <a:outerShdw sx="100000" sy="100000" kx="0" ky="0" algn="b" rotWithShape="0" blurRad="38100" dist="25400" dir="5400000">
+          <a:outerShdw blurRad="38100" dist="25400" dir="5400000" rotWithShape="0">
             <a:srgbClr val="000000">
               <a:alpha val="35000"/>
             </a:srgbClr>
@@ -8303,7 +9496,7 @@
         </a:effectLst>
         <a:sp3d/>
       </a:spPr>
-      <a:bodyPr rot="0" spcFirstLastPara="1" vertOverflow="overflow" horzOverflow="overflow" vert="horz" wrap="square" lIns="45718" tIns="45718" rIns="45718" bIns="45718" numCol="1" spcCol="38100" rtlCol="0" anchor="ctr" upright="0">
+      <a:bodyPr rot="0" spcFirstLastPara="1" vertOverflow="overflow" horzOverflow="overflow" vert="horz" wrap="square" lIns="45718" tIns="45718" rIns="45718" bIns="45718" numCol="1" spcCol="38100" rtlCol="0" anchor="ctr">
         <a:spAutoFit/>
       </a:bodyPr>
       <a:lstStyle>
@@ -8322,7 +9515,7 @@
           <a:buFontTx/>
           <a:buNone/>
           <a:tabLst/>
-          <a:defRPr b="0" baseline="0" cap="none" i="0" spc="0" strike="noStrike" sz="1800" u="none" kumimoji="0" normalizeH="0">
+          <a:defRPr kumimoji="0" sz="1800" b="0" i="0" u="none" strike="noStrike" cap="none" spc="0" normalizeH="0" baseline="0">
             <a:ln>
               <a:noFill/>
             </a:ln>
@@ -8352,7 +9545,7 @@
           <a:buFontTx/>
           <a:buNone/>
           <a:tabLst/>
-          <a:defRPr b="0" baseline="0" cap="none" i="0" spc="0" strike="noStrike" sz="1800" u="none" kumimoji="0" normalizeH="0">
+          <a:defRPr kumimoji="0" sz="1800" b="0" i="0" u="none" strike="noStrike" cap="none" spc="0" normalizeH="0" baseline="0">
             <a:ln>
               <a:noFill/>
             </a:ln>
@@ -8378,7 +9571,7 @@
           <a:buFontTx/>
           <a:buNone/>
           <a:tabLst/>
-          <a:defRPr b="0" baseline="0" cap="none" i="0" spc="0" strike="noStrike" sz="1800" u="none" kumimoji="0" normalizeH="0">
+          <a:defRPr kumimoji="0" sz="1800" b="0" i="0" u="none" strike="noStrike" cap="none" spc="0" normalizeH="0" baseline="0">
             <a:ln>
               <a:noFill/>
             </a:ln>
@@ -8404,7 +9597,7 @@
           <a:buFontTx/>
           <a:buNone/>
           <a:tabLst/>
-          <a:defRPr b="0" baseline="0" cap="none" i="0" spc="0" strike="noStrike" sz="1800" u="none" kumimoji="0" normalizeH="0">
+          <a:defRPr kumimoji="0" sz="1800" b="0" i="0" u="none" strike="noStrike" cap="none" spc="0" normalizeH="0" baseline="0">
             <a:ln>
               <a:noFill/>
             </a:ln>
@@ -8430,7 +9623,7 @@
           <a:buFontTx/>
           <a:buNone/>
           <a:tabLst/>
-          <a:defRPr b="0" baseline="0" cap="none" i="0" spc="0" strike="noStrike" sz="1800" u="none" kumimoji="0" normalizeH="0">
+          <a:defRPr kumimoji="0" sz="1800" b="0" i="0" u="none" strike="noStrike" cap="none" spc="0" normalizeH="0" baseline="0">
             <a:ln>
               <a:noFill/>
             </a:ln>
@@ -8456,7 +9649,7 @@
           <a:buFontTx/>
           <a:buNone/>
           <a:tabLst/>
-          <a:defRPr b="0" baseline="0" cap="none" i="0" spc="0" strike="noStrike" sz="1800" u="none" kumimoji="0" normalizeH="0">
+          <a:defRPr kumimoji="0" sz="1800" b="0" i="0" u="none" strike="noStrike" cap="none" spc="0" normalizeH="0" baseline="0">
             <a:ln>
               <a:noFill/>
             </a:ln>
@@ -8482,7 +9675,7 @@
           <a:buFontTx/>
           <a:buNone/>
           <a:tabLst/>
-          <a:defRPr b="0" baseline="0" cap="none" i="0" spc="0" strike="noStrike" sz="1800" u="none" kumimoji="0" normalizeH="0">
+          <a:defRPr kumimoji="0" sz="1800" b="0" i="0" u="none" strike="noStrike" cap="none" spc="0" normalizeH="0" baseline="0">
             <a:ln>
               <a:noFill/>
             </a:ln>
@@ -8508,7 +9701,7 @@
           <a:buFontTx/>
           <a:buNone/>
           <a:tabLst/>
-          <a:defRPr b="0" baseline="0" cap="none" i="0" spc="0" strike="noStrike" sz="1800" u="none" kumimoji="0" normalizeH="0">
+          <a:defRPr kumimoji="0" sz="1800" b="0" i="0" u="none" strike="noStrike" cap="none" spc="0" normalizeH="0" baseline="0">
             <a:ln>
               <a:noFill/>
             </a:ln>
@@ -8534,7 +9727,7 @@
           <a:buFontTx/>
           <a:buNone/>
           <a:tabLst/>
-          <a:defRPr b="0" baseline="0" cap="none" i="0" spc="0" strike="noStrike" sz="1800" u="none" kumimoji="0" normalizeH="0">
+          <a:defRPr kumimoji="0" sz="1800" b="0" i="0" u="none" strike="noStrike" cap="none" spc="0" normalizeH="0" baseline="0">
             <a:ln>
               <a:noFill/>
             </a:ln>
@@ -8560,7 +9753,7 @@
           <a:buFontTx/>
           <a:buNone/>
           <a:tabLst/>
-          <a:defRPr b="0" baseline="0" cap="none" i="0" spc="0" strike="noStrike" sz="1800" u="none" kumimoji="0" normalizeH="0">
+          <a:defRPr kumimoji="0" sz="1800" b="0" i="0" u="none" strike="noStrike" cap="none" spc="0" normalizeH="0" baseline="0">
             <a:ln>
               <a:noFill/>
             </a:ln>
@@ -8573,9 +9766,15 @@
         </a:lvl9pPr>
       </a:lstStyle>
       <a:style>
-        <a:lnRef idx="0"/>
-        <a:fillRef idx="0"/>
-        <a:effectRef idx="0"/>
+        <a:lnRef idx="0">
+          <a:scrgbClr r="0" g="0" b="0"/>
+        </a:lnRef>
+        <a:fillRef idx="0">
+          <a:scrgbClr r="0" g="0" b="0"/>
+        </a:fillRef>
+        <a:effectRef idx="0">
+          <a:scrgbClr r="0" g="0" b="0"/>
+        </a:effectRef>
         <a:fontRef idx="none"/>
       </a:style>
     </a:spDef>
@@ -8590,7 +9789,7 @@
           <a:round/>
         </a:ln>
         <a:effectLst>
-          <a:outerShdw sx="100000" sy="100000" kx="0" ky="0" algn="b" rotWithShape="0" blurRad="38100" dist="25400" dir="5400000">
+          <a:outerShdw blurRad="38100" dist="25400" dir="5400000" rotWithShape="0">
             <a:srgbClr val="000000">
               <a:alpha val="35000"/>
             </a:srgbClr>
@@ -8598,7 +9797,7 @@
         </a:effectLst>
         <a:sp3d/>
       </a:spPr>
-      <a:bodyPr rot="0" spcFirstLastPara="1" vertOverflow="overflow" horzOverflow="overflow" vert="horz" wrap="square" lIns="91439" tIns="45719" rIns="91439" bIns="45719" numCol="1" spcCol="38100" rtlCol="0" anchor="t" upright="0">
+      <a:bodyPr rot="0" spcFirstLastPara="1" vertOverflow="overflow" horzOverflow="overflow" vert="horz" wrap="square" lIns="91439" tIns="45719" rIns="91439" bIns="45719" numCol="1" spcCol="38100" rtlCol="0" anchor="t">
         <a:noAutofit/>
       </a:bodyPr>
       <a:lstStyle>
@@ -8617,7 +9816,7 @@
           <a:buFontTx/>
           <a:buNone/>
           <a:tabLst/>
-          <a:defRPr b="0" baseline="0" cap="none" i="0" spc="0" strike="noStrike" sz="1800" u="none" kumimoji="0" normalizeH="0">
+          <a:defRPr kumimoji="0" sz="1800" b="0" i="0" u="none" strike="noStrike" cap="none" spc="0" normalizeH="0" baseline="0">
             <a:ln>
               <a:noFill/>
             </a:ln>
@@ -8643,7 +9842,7 @@
           <a:buFontTx/>
           <a:buNone/>
           <a:tabLst/>
-          <a:defRPr b="0" baseline="0" cap="none" i="0" spc="0" strike="noStrike" sz="1800" u="none" kumimoji="0" normalizeH="0">
+          <a:defRPr kumimoji="0" sz="1800" b="0" i="0" u="none" strike="noStrike" cap="none" spc="0" normalizeH="0" baseline="0">
             <a:ln>
               <a:noFill/>
             </a:ln>
@@ -8669,7 +9868,7 @@
           <a:buFontTx/>
           <a:buNone/>
           <a:tabLst/>
-          <a:defRPr b="0" baseline="0" cap="none" i="0" spc="0" strike="noStrike" sz="1800" u="none" kumimoji="0" normalizeH="0">
+          <a:defRPr kumimoji="0" sz="1800" b="0" i="0" u="none" strike="noStrike" cap="none" spc="0" normalizeH="0" baseline="0">
             <a:ln>
               <a:noFill/>
             </a:ln>
@@ -8695,7 +9894,7 @@
           <a:buFontTx/>
           <a:buNone/>
           <a:tabLst/>
-          <a:defRPr b="0" baseline="0" cap="none" i="0" spc="0" strike="noStrike" sz="1800" u="none" kumimoji="0" normalizeH="0">
+          <a:defRPr kumimoji="0" sz="1800" b="0" i="0" u="none" strike="noStrike" cap="none" spc="0" normalizeH="0" baseline="0">
             <a:ln>
               <a:noFill/>
             </a:ln>
@@ -8721,7 +9920,7 @@
           <a:buFontTx/>
           <a:buNone/>
           <a:tabLst/>
-          <a:defRPr b="0" baseline="0" cap="none" i="0" spc="0" strike="noStrike" sz="1800" u="none" kumimoji="0" normalizeH="0">
+          <a:defRPr kumimoji="0" sz="1800" b="0" i="0" u="none" strike="noStrike" cap="none" spc="0" normalizeH="0" baseline="0">
             <a:ln>
               <a:noFill/>
             </a:ln>
@@ -8747,7 +9946,7 @@
           <a:buFontTx/>
           <a:buNone/>
           <a:tabLst/>
-          <a:defRPr b="0" baseline="0" cap="none" i="0" spc="0" strike="noStrike" sz="1800" u="none" kumimoji="0" normalizeH="0">
+          <a:defRPr kumimoji="0" sz="1800" b="0" i="0" u="none" strike="noStrike" cap="none" spc="0" normalizeH="0" baseline="0">
             <a:ln>
               <a:noFill/>
             </a:ln>
@@ -8773,7 +9972,7 @@
           <a:buFontTx/>
           <a:buNone/>
           <a:tabLst/>
-          <a:defRPr b="0" baseline="0" cap="none" i="0" spc="0" strike="noStrike" sz="1800" u="none" kumimoji="0" normalizeH="0">
+          <a:defRPr kumimoji="0" sz="1800" b="0" i="0" u="none" strike="noStrike" cap="none" spc="0" normalizeH="0" baseline="0">
             <a:ln>
               <a:noFill/>
             </a:ln>
@@ -8799,7 +9998,7 @@
           <a:buFontTx/>
           <a:buNone/>
           <a:tabLst/>
-          <a:defRPr b="0" baseline="0" cap="none" i="0" spc="0" strike="noStrike" sz="1800" u="none" kumimoji="0" normalizeH="0">
+          <a:defRPr kumimoji="0" sz="1800" b="0" i="0" u="none" strike="noStrike" cap="none" spc="0" normalizeH="0" baseline="0">
             <a:ln>
               <a:noFill/>
             </a:ln>
@@ -8825,7 +10024,7 @@
           <a:buFontTx/>
           <a:buNone/>
           <a:tabLst/>
-          <a:defRPr b="0" baseline="0" cap="none" i="0" spc="0" strike="noStrike" sz="1800" u="none" kumimoji="0" normalizeH="0">
+          <a:defRPr kumimoji="0" sz="1800" b="0" i="0" u="none" strike="noStrike" cap="none" spc="0" normalizeH="0" baseline="0">
             <a:ln>
               <a:noFill/>
             </a:ln>
@@ -8851,7 +10050,7 @@
           <a:buFontTx/>
           <a:buNone/>
           <a:tabLst/>
-          <a:defRPr b="0" baseline="0" cap="none" i="0" spc="0" strike="noStrike" sz="1800" u="none" kumimoji="0" normalizeH="0">
+          <a:defRPr kumimoji="0" sz="1800" b="0" i="0" u="none" strike="noStrike" cap="none" spc="0" normalizeH="0" baseline="0">
             <a:ln>
               <a:noFill/>
             </a:ln>
@@ -8864,9 +10063,15 @@
         </a:lvl9pPr>
       </a:lstStyle>
       <a:style>
-        <a:lnRef idx="0"/>
-        <a:fillRef idx="0"/>
-        <a:effectRef idx="0"/>
+        <a:lnRef idx="0">
+          <a:scrgbClr r="0" g="0" b="0"/>
+        </a:lnRef>
+        <a:fillRef idx="0">
+          <a:scrgbClr r="0" g="0" b="0"/>
+        </a:fillRef>
+        <a:effectRef idx="0">
+          <a:scrgbClr r="0" g="0" b="0"/>
+        </a:effectRef>
         <a:fontRef idx="none"/>
       </a:style>
     </a:lnDef>
@@ -8880,7 +10085,7 @@
         <a:effectLst/>
         <a:sp3d/>
       </a:spPr>
-      <a:bodyPr rot="0" spcFirstLastPara="1" vertOverflow="overflow" horzOverflow="overflow" vert="horz" wrap="square" lIns="45718" tIns="45718" rIns="45718" bIns="45718" numCol="1" spcCol="38100" rtlCol="0" anchor="t" upright="0">
+      <a:bodyPr rot="0" spcFirstLastPara="1" vertOverflow="overflow" horzOverflow="overflow" vert="horz" wrap="square" lIns="45718" tIns="45718" rIns="45718" bIns="45718" numCol="1" spcCol="38100" rtlCol="0" anchor="t">
         <a:spAutoFit/>
       </a:bodyPr>
       <a:lstStyle>
@@ -8899,7 +10104,7 @@
           <a:buFontTx/>
           <a:buNone/>
           <a:tabLst/>
-          <a:defRPr b="0" baseline="0" cap="none" i="0" spc="0" strike="noStrike" sz="1800" u="none" kumimoji="0" normalizeH="0">
+          <a:defRPr kumimoji="0" sz="1800" b="0" i="0" u="none" strike="noStrike" cap="none" spc="0" normalizeH="0" baseline="0">
             <a:ln>
               <a:noFill/>
             </a:ln>
@@ -8929,7 +10134,7 @@
           <a:buFontTx/>
           <a:buNone/>
           <a:tabLst/>
-          <a:defRPr b="0" baseline="0" cap="none" i="0" spc="0" strike="noStrike" sz="1800" u="none" kumimoji="0" normalizeH="0">
+          <a:defRPr kumimoji="0" sz="1800" b="0" i="0" u="none" strike="noStrike" cap="none" spc="0" normalizeH="0" baseline="0">
             <a:ln>
               <a:noFill/>
             </a:ln>
@@ -8955,7 +10160,7 @@
           <a:buFontTx/>
           <a:buNone/>
           <a:tabLst/>
-          <a:defRPr b="0" baseline="0" cap="none" i="0" spc="0" strike="noStrike" sz="1800" u="none" kumimoji="0" normalizeH="0">
+          <a:defRPr kumimoji="0" sz="1800" b="0" i="0" u="none" strike="noStrike" cap="none" spc="0" normalizeH="0" baseline="0">
             <a:ln>
               <a:noFill/>
             </a:ln>
@@ -8981,7 +10186,7 @@
           <a:buFontTx/>
           <a:buNone/>
           <a:tabLst/>
-          <a:defRPr b="0" baseline="0" cap="none" i="0" spc="0" strike="noStrike" sz="1800" u="none" kumimoji="0" normalizeH="0">
+          <a:defRPr kumimoji="0" sz="1800" b="0" i="0" u="none" strike="noStrike" cap="none" spc="0" normalizeH="0" baseline="0">
             <a:ln>
               <a:noFill/>
             </a:ln>
@@ -9007,7 +10212,7 @@
           <a:buFontTx/>
           <a:buNone/>
           <a:tabLst/>
-          <a:defRPr b="0" baseline="0" cap="none" i="0" spc="0" strike="noStrike" sz="1800" u="none" kumimoji="0" normalizeH="0">
+          <a:defRPr kumimoji="0" sz="1800" b="0" i="0" u="none" strike="noStrike" cap="none" spc="0" normalizeH="0" baseline="0">
             <a:ln>
               <a:noFill/>
             </a:ln>
@@ -9033,7 +10238,7 @@
           <a:buFontTx/>
           <a:buNone/>
           <a:tabLst/>
-          <a:defRPr b="0" baseline="0" cap="none" i="0" spc="0" strike="noStrike" sz="1800" u="none" kumimoji="0" normalizeH="0">
+          <a:defRPr kumimoji="0" sz="1800" b="0" i="0" u="none" strike="noStrike" cap="none" spc="0" normalizeH="0" baseline="0">
             <a:ln>
               <a:noFill/>
             </a:ln>
@@ -9059,7 +10264,7 @@
           <a:buFontTx/>
           <a:buNone/>
           <a:tabLst/>
-          <a:defRPr b="0" baseline="0" cap="none" i="0" spc="0" strike="noStrike" sz="1800" u="none" kumimoji="0" normalizeH="0">
+          <a:defRPr kumimoji="0" sz="1800" b="0" i="0" u="none" strike="noStrike" cap="none" spc="0" normalizeH="0" baseline="0">
             <a:ln>
               <a:noFill/>
             </a:ln>
@@ -9085,7 +10290,7 @@
           <a:buFontTx/>
           <a:buNone/>
           <a:tabLst/>
-          <a:defRPr b="0" baseline="0" cap="none" i="0" spc="0" strike="noStrike" sz="1800" u="none" kumimoji="0" normalizeH="0">
+          <a:defRPr kumimoji="0" sz="1800" b="0" i="0" u="none" strike="noStrike" cap="none" spc="0" normalizeH="0" baseline="0">
             <a:ln>
               <a:noFill/>
             </a:ln>
@@ -9111,7 +10316,7 @@
           <a:buFontTx/>
           <a:buNone/>
           <a:tabLst/>
-          <a:defRPr b="0" baseline="0" cap="none" i="0" spc="0" strike="noStrike" sz="1800" u="none" kumimoji="0" normalizeH="0">
+          <a:defRPr kumimoji="0" sz="1800" b="0" i="0" u="none" strike="noStrike" cap="none" spc="0" normalizeH="0" baseline="0">
             <a:ln>
               <a:noFill/>
             </a:ln>
@@ -9137,7 +10342,7 @@
           <a:buFontTx/>
           <a:buNone/>
           <a:tabLst/>
-          <a:defRPr b="0" baseline="0" cap="none" i="0" spc="0" strike="noStrike" sz="1800" u="none" kumimoji="0" normalizeH="0">
+          <a:defRPr kumimoji="0" sz="1800" b="0" i="0" u="none" strike="noStrike" cap="none" spc="0" normalizeH="0" baseline="0">
             <a:ln>
               <a:noFill/>
             </a:ln>
@@ -9150,12 +10355,19 @@
         </a:lvl9pPr>
       </a:lstStyle>
       <a:style>
-        <a:lnRef idx="0"/>
-        <a:fillRef idx="0"/>
-        <a:effectRef idx="0"/>
+        <a:lnRef idx="0">
+          <a:scrgbClr r="0" g="0" b="0"/>
+        </a:lnRef>
+        <a:fillRef idx="0">
+          <a:scrgbClr r="0" g="0" b="0"/>
+        </a:fillRef>
+        <a:effectRef idx="0">
+          <a:scrgbClr r="0" g="0" b="0"/>
+        </a:effectRef>
         <a:fontRef idx="none"/>
       </a:style>
     </a:txDef>
   </a:objectDefaults>
+  <a:extraClrSchemeLst/>
 </a:theme>
 </file>
--- a/Présentation.pptx
+++ b/Présentation.pptx
@@ -322,6 +322,11 @@
       </a:defRPr>
     </a:lvl9pPr>
   </p:defaultTextStyle>
+  <p:extLst>
+    <p:ext uri="{EFAFB233-063F-42B5-8137-9DF3F51BA10A}">
+      <p15:sldGuideLst xmlns:p15="http://schemas.microsoft.com/office/powerpoint/2012/main"/>
+    </p:ext>
+  </p:extLst>
 </p:presentation>
 </file>
 
@@ -1764,7 +1769,7 @@
           </a:ln>
           <a:extLst>
             <a:ext uri="{C572A759-6A51-4108-AA02-DFA0A04FC94B}">
-              <ma14:wrappingTextBoxFlag xmlns:ma14="http://schemas.microsoft.com/office/mac/drawingml/2011/main" xmlns:a14="http://schemas.microsoft.com/office/drawing/2010/main" xmlns:m="http://schemas.openxmlformats.org/officeDocument/2006/math" xmlns="" val="1"/>
+              <ma14:wrappingTextBoxFlag xmlns="" xmlns:m="http://schemas.openxmlformats.org/officeDocument/2006/math" xmlns:a14="http://schemas.microsoft.com/office/drawing/2010/main" xmlns:ma14="http://schemas.microsoft.com/office/mac/drawingml/2011/main" val="1"/>
             </a:ext>
           </a:extLst>
         </p:spPr>
@@ -1811,7 +1816,7 @@
           </a:ln>
           <a:extLst>
             <a:ext uri="{C572A759-6A51-4108-AA02-DFA0A04FC94B}">
-              <ma14:wrappingTextBoxFlag xmlns:ma14="http://schemas.microsoft.com/office/mac/drawingml/2011/main" xmlns:a14="http://schemas.microsoft.com/office/drawing/2010/main" xmlns:m="http://schemas.openxmlformats.org/officeDocument/2006/math" xmlns="" val="1"/>
+              <ma14:wrappingTextBoxFlag xmlns="" xmlns:m="http://schemas.openxmlformats.org/officeDocument/2006/math" xmlns:a14="http://schemas.microsoft.com/office/drawing/2010/main" xmlns:ma14="http://schemas.microsoft.com/office/mac/drawingml/2011/main" val="1"/>
             </a:ext>
           </a:extLst>
         </p:spPr>
@@ -2228,7 +2233,7 @@
           </a:ln>
           <a:extLst>
             <a:ext uri="{C572A759-6A51-4108-AA02-DFA0A04FC94B}">
-              <ma14:wrappingTextBoxFlag xmlns:ma14="http://schemas.microsoft.com/office/mac/drawingml/2011/main" xmlns:a14="http://schemas.microsoft.com/office/drawing/2010/main" xmlns:m="http://schemas.openxmlformats.org/officeDocument/2006/math" xmlns="" val="1"/>
+              <ma14:wrappingTextBoxFlag xmlns="" xmlns:m="http://schemas.openxmlformats.org/officeDocument/2006/math" xmlns:a14="http://schemas.microsoft.com/office/drawing/2010/main" xmlns:ma14="http://schemas.microsoft.com/office/mac/drawingml/2011/main" val="1"/>
             </a:ext>
           </a:extLst>
         </p:spPr>
@@ -2275,7 +2280,7 @@
           </a:ln>
           <a:extLst>
             <a:ext uri="{C572A759-6A51-4108-AA02-DFA0A04FC94B}">
-              <ma14:wrappingTextBoxFlag xmlns:ma14="http://schemas.microsoft.com/office/mac/drawingml/2011/main" xmlns:a14="http://schemas.microsoft.com/office/drawing/2010/main" xmlns:m="http://schemas.openxmlformats.org/officeDocument/2006/math" xmlns="" val="1"/>
+              <ma14:wrappingTextBoxFlag xmlns="" xmlns:m="http://schemas.openxmlformats.org/officeDocument/2006/math" xmlns:a14="http://schemas.microsoft.com/office/drawing/2010/main" xmlns:ma14="http://schemas.microsoft.com/office/mac/drawingml/2011/main" val="1"/>
             </a:ext>
           </a:extLst>
         </p:spPr>
@@ -4724,7 +4729,7 @@
           </a:ln>
           <a:extLst>
             <a:ext uri="{C572A759-6A51-4108-AA02-DFA0A04FC94B}">
-              <ma14:wrappingTextBoxFlag xmlns:ma14="http://schemas.microsoft.com/office/mac/drawingml/2011/main" xmlns:a14="http://schemas.microsoft.com/office/drawing/2010/main" xmlns:m="http://schemas.openxmlformats.org/officeDocument/2006/math" xmlns="" val="1"/>
+              <ma14:wrappingTextBoxFlag xmlns="" xmlns:m="http://schemas.openxmlformats.org/officeDocument/2006/math" xmlns:a14="http://schemas.microsoft.com/office/drawing/2010/main" xmlns:ma14="http://schemas.microsoft.com/office/mac/drawingml/2011/main" val="1"/>
             </a:ext>
           </a:extLst>
         </p:spPr>
@@ -4763,7 +4768,7 @@
           </a:ln>
           <a:extLst>
             <a:ext uri="{C572A759-6A51-4108-AA02-DFA0A04FC94B}">
-              <ma14:wrappingTextBoxFlag xmlns:ma14="http://schemas.microsoft.com/office/mac/drawingml/2011/main" xmlns:a14="http://schemas.microsoft.com/office/drawing/2010/main" xmlns:m="http://schemas.openxmlformats.org/officeDocument/2006/math" xmlns="" val="1"/>
+              <ma14:wrappingTextBoxFlag xmlns="" xmlns:m="http://schemas.openxmlformats.org/officeDocument/2006/math" xmlns:a14="http://schemas.microsoft.com/office/drawing/2010/main" xmlns:ma14="http://schemas.microsoft.com/office/mac/drawingml/2011/main" val="1"/>
             </a:ext>
           </a:extLst>
         </p:spPr>
@@ -5826,19 +5831,21 @@
           </a:prstGeom>
         </p:spPr>
         <p:txBody>
-          <a:bodyPr/>
+          <a:bodyPr>
+            <a:normAutofit/>
+          </a:bodyPr>
           <a:lstStyle/>
           <a:p>
             <a:r>
-              <a:rPr dirty="0"/>
+              <a:rPr sz="4800" dirty="0"/>
               <a:t>III – </a:t>
             </a:r>
             <a:r>
-              <a:rPr lang="fr-FR" dirty="0"/>
+              <a:rPr lang="fr-FR" sz="4800" dirty="0"/>
               <a:t>Recalage</a:t>
             </a:r>
             <a:r>
-              <a:rPr dirty="0"/>
+              <a:rPr sz="4800" dirty="0"/>
               <a:t> spatial</a:t>
             </a:r>
           </a:p>
@@ -5889,7 +5896,7 @@
               <a:buChar char="§"/>
             </a:pPr>
             <a:r>
-              <a:rPr lang="fr-FR" b="1" dirty="0">
+              <a:rPr lang="fr-FR" sz="2000" b="1" dirty="0">
                 <a:solidFill>
                   <a:srgbClr val="404040"/>
                 </a:solidFill>
@@ -5898,10 +5905,10 @@
                 <a:cs typeface="+mj-cs"/>
                 <a:sym typeface="Trebuchet MS"/>
               </a:rPr>
-              <a:t>Cette rotation et cette translation seront appliquées aux deux nuages de points </a:t>
-            </a:r>
-            <a:r>
-              <a:rPr lang="fr-FR" b="1" dirty="0" err="1">
+              <a:t>Rotation et translation à appliquer aux deux nuages de points </a:t>
+            </a:r>
+            <a:r>
+              <a:rPr lang="fr-FR" sz="2000" b="1" dirty="0" err="1">
                 <a:solidFill>
                   <a:srgbClr val="404040"/>
                 </a:solidFill>
@@ -5913,7 +5920,7 @@
               <a:t>MoCap</a:t>
             </a:r>
             <a:r>
-              <a:rPr lang="fr-FR" dirty="0">
+              <a:rPr lang="fr-FR" sz="2000" dirty="0">
                 <a:solidFill>
                   <a:srgbClr val="404040"/>
                 </a:solidFill>
@@ -5940,7 +5947,7 @@
               <a:buFont typeface="Wingdings" panose="05000000000000000000" pitchFamily="2" charset="2"/>
               <a:buChar char="§"/>
             </a:pPr>
-            <a:endParaRPr lang="fr-FR" dirty="0">
+            <a:endParaRPr lang="fr-FR" sz="2000" dirty="0">
               <a:solidFill>
                 <a:srgbClr val="404040"/>
               </a:solidFill>
@@ -5966,7 +5973,7 @@
               <a:buChar char="§"/>
             </a:pPr>
             <a:r>
-              <a:rPr lang="fr-FR" dirty="0">
+              <a:rPr lang="fr-FR" sz="2000" dirty="0">
                 <a:solidFill>
                   <a:srgbClr val="404040"/>
                 </a:solidFill>
@@ -5978,7 +5985,7 @@
               <a:t>Ces nouveaux nuages de points sont à terme destinés à être </a:t>
             </a:r>
             <a:r>
-              <a:rPr lang="fr-FR" b="1" dirty="0">
+              <a:rPr lang="fr-FR" sz="2000" b="1" dirty="0">
                 <a:solidFill>
                   <a:srgbClr val="404040"/>
                 </a:solidFill>
@@ -5990,7 +5997,7 @@
               <a:t>associés à des avatars sous </a:t>
             </a:r>
             <a:r>
-              <a:rPr lang="fr-FR" b="1" dirty="0" err="1">
+              <a:rPr lang="fr-FR" sz="2000" b="1" dirty="0" err="1">
                 <a:solidFill>
                   <a:srgbClr val="404040"/>
                 </a:solidFill>
@@ -6002,7 +6009,7 @@
               <a:t>Unity</a:t>
             </a:r>
             <a:r>
-              <a:rPr lang="fr-FR" dirty="0">
+              <a:rPr lang="fr-FR" sz="2000" dirty="0">
                 <a:solidFill>
                   <a:srgbClr val="404040"/>
                 </a:solidFill>
@@ -6098,12 +6105,20 @@
           </a:prstGeom>
         </p:spPr>
         <p:txBody>
-          <a:bodyPr/>
+          <a:bodyPr>
+            <a:normAutofit/>
+          </a:bodyPr>
           <a:lstStyle/>
           <a:p>
             <a:r>
-              <a:t>IV - Résultats</a:t>
-            </a:r>
+              <a:rPr sz="4800" dirty="0"/>
+              <a:t>IV - </a:t>
+            </a:r>
+            <a:r>
+              <a:rPr sz="4800" dirty="0" err="1"/>
+              <a:t>Résultats</a:t>
+            </a:r>
+            <a:endParaRPr sz="4800" dirty="0"/>
           </a:p>
         </p:txBody>
       </p:sp>
@@ -6121,8 +6136,8 @@
         </p:nvSpPr>
         <p:spPr>
           <a:xfrm>
-            <a:off x="887940" y="5470133"/>
-            <a:ext cx="3348111" cy="646327"/>
+            <a:off x="831669" y="5470132"/>
+            <a:ext cx="3782534" cy="707882"/>
           </a:xfrm>
           <a:prstGeom prst="rect">
             <a:avLst/>
@@ -6132,7 +6147,7 @@
           </a:ln>
           <a:extLst>
             <a:ext uri="{C572A759-6A51-4108-AA02-DFA0A04FC94B}">
-              <ma14:wrappingTextBoxFlag xmlns:ma14="http://schemas.microsoft.com/office/mac/drawingml/2011/main" xmlns:a14="http://schemas.microsoft.com/office/drawing/2010/main" xmlns:m="http://schemas.openxmlformats.org/officeDocument/2006/math" xmlns="" val="1"/>
+              <ma14:wrappingTextBoxFlag xmlns="" xmlns:m="http://schemas.openxmlformats.org/officeDocument/2006/math" xmlns:a14="http://schemas.microsoft.com/office/drawing/2010/main" xmlns:ma14="http://schemas.microsoft.com/office/mac/drawingml/2011/main" val="1"/>
             </a:ext>
           </a:extLst>
         </p:spPr>
@@ -6156,18 +6171,18 @@
           <a:p>
             <a:pPr algn="ctr"/>
             <a:r>
-              <a:rPr lang="fr-FR" dirty="0"/>
+              <a:rPr lang="fr-FR" sz="2000" dirty="0"/>
               <a:t>Les points </a:t>
             </a:r>
             <a:r>
-              <a:rPr lang="fr-FR" dirty="0" err="1"/>
+              <a:rPr lang="fr-FR" sz="2000" dirty="0" err="1"/>
               <a:t>MoCap</a:t>
             </a:r>
             <a:r>
-              <a:rPr lang="fr-FR" dirty="0"/>
+              <a:rPr lang="fr-FR" sz="2000" dirty="0"/>
               <a:t> 3D projetés sur le plan des personnes</a:t>
             </a:r>
-            <a:endParaRPr dirty="0"/>
+            <a:endParaRPr sz="2000" dirty="0"/>
           </a:p>
         </p:txBody>
       </p:sp>
@@ -6185,8 +6200,8 @@
         </p:nvSpPr>
         <p:spPr>
           <a:xfrm>
-            <a:off x="5770296" y="5470132"/>
-            <a:ext cx="3348110" cy="646327"/>
+            <a:off x="5553084" y="5480444"/>
+            <a:ext cx="3782533" cy="707882"/>
           </a:xfrm>
           <a:prstGeom prst="rect">
             <a:avLst/>
@@ -6196,7 +6211,7 @@
           </a:ln>
           <a:extLst>
             <a:ext uri="{C572A759-6A51-4108-AA02-DFA0A04FC94B}">
-              <ma14:wrappingTextBoxFlag xmlns:ma14="http://schemas.microsoft.com/office/mac/drawingml/2011/main" xmlns:a14="http://schemas.microsoft.com/office/drawing/2010/main" xmlns:m="http://schemas.openxmlformats.org/officeDocument/2006/math" xmlns="" val="1"/>
+              <ma14:wrappingTextBoxFlag xmlns="" xmlns:m="http://schemas.openxmlformats.org/officeDocument/2006/math" xmlns:a14="http://schemas.microsoft.com/office/drawing/2010/main" xmlns:ma14="http://schemas.microsoft.com/office/mac/drawingml/2011/main" val="1"/>
             </a:ext>
           </a:extLst>
         </p:spPr>
@@ -6220,11 +6235,11 @@
           <a:p>
             <a:pPr algn="ctr"/>
             <a:r>
-              <a:rPr lang="fr-FR" dirty="0"/>
+              <a:rPr lang="fr-FR" sz="2000" dirty="0"/>
               <a:t>Nuages de points après optimisation (</a:t>
             </a:r>
             <a:r>
-              <a:rPr lang="fr-FR" b="1" dirty="0">
+              <a:rPr lang="fr-FR" sz="2000" b="1" dirty="0">
                 <a:solidFill>
                   <a:schemeClr val="accent2"/>
                 </a:solidFill>
@@ -6232,11 +6247,11 @@
               <a:t>vidéo</a:t>
             </a:r>
             <a:r>
-              <a:rPr lang="fr-FR" dirty="0"/>
+              <a:rPr lang="fr-FR" sz="2000" dirty="0"/>
               <a:t> et </a:t>
             </a:r>
             <a:r>
-              <a:rPr lang="fr-FR" b="1" dirty="0" err="1">
+              <a:rPr lang="fr-FR" sz="2000" b="1" dirty="0" err="1">
                 <a:solidFill>
                   <a:srgbClr val="FF0000"/>
                 </a:solidFill>
@@ -6244,10 +6259,10 @@
               <a:t>MoCap</a:t>
             </a:r>
             <a:r>
-              <a:rPr lang="fr-FR" dirty="0"/>
+              <a:rPr lang="fr-FR" sz="2000" dirty="0"/>
               <a:t>)</a:t>
             </a:r>
-            <a:endParaRPr dirty="0"/>
+            <a:endParaRPr sz="2000" dirty="0"/>
           </a:p>
         </p:txBody>
       </p:sp>
@@ -6415,7 +6430,7 @@
               <a:tabLst/>
             </a:pPr>
             <a:r>
-              <a:rPr kumimoji="0" lang="fr-FR" sz="1200" b="0" i="0" u="none" strike="noStrike" cap="none" spc="0" normalizeH="0" baseline="0" dirty="0">
+              <a:rPr kumimoji="0" lang="fr-FR" sz="1200" b="1" i="0" u="none" strike="noStrike" cap="none" spc="0" normalizeH="0" baseline="0" dirty="0">
                 <a:ln>
                   <a:noFill/>
                 </a:ln>
@@ -6480,12 +6495,20 @@
           </a:prstGeom>
         </p:spPr>
         <p:txBody>
-          <a:bodyPr/>
+          <a:bodyPr>
+            <a:normAutofit/>
+          </a:bodyPr>
           <a:lstStyle/>
           <a:p>
             <a:r>
-              <a:t>IV - Résultats</a:t>
-            </a:r>
+              <a:rPr sz="4800" dirty="0"/>
+              <a:t>IV - </a:t>
+            </a:r>
+            <a:r>
+              <a:rPr sz="4800" dirty="0" err="1"/>
+              <a:t>Résultats</a:t>
+            </a:r>
+            <a:endParaRPr sz="4800" dirty="0"/>
           </a:p>
         </p:txBody>
       </p:sp>
@@ -6580,17 +6603,17 @@
           <a:p>
             <a:pPr algn="ctr"/>
             <a:r>
-              <a:rPr lang="fr-FR" sz="4400" dirty="0"/>
+              <a:rPr lang="fr-FR" sz="4800" dirty="0"/>
               <a:t>Merci pour votre attention ! </a:t>
             </a:r>
             <a:br>
-              <a:rPr lang="fr-FR" sz="4400" dirty="0"/>
+              <a:rPr lang="fr-FR" sz="4800" dirty="0"/>
             </a:br>
             <a:br>
-              <a:rPr lang="fr-FR" sz="4400" dirty="0"/>
+              <a:rPr lang="fr-FR" sz="4800" dirty="0"/>
             </a:br>
             <a:r>
-              <a:rPr lang="fr-FR" sz="4400" dirty="0"/>
+              <a:rPr lang="fr-FR" sz="4800" dirty="0"/>
               <a:t>Des questions ?</a:t>
             </a:r>
           </a:p>
@@ -6651,9 +6674,10 @@
           <a:lstStyle/>
           <a:p>
             <a:r>
-              <a:rPr dirty="0"/>
+              <a:rPr sz="4800" dirty="0"/>
               <a:t>Plan</a:t>
             </a:r>
+            <a:endParaRPr dirty="0"/>
           </a:p>
         </p:txBody>
       </p:sp>
@@ -6677,7 +6701,9 @@
           </a:prstGeom>
         </p:spPr>
         <p:txBody>
-          <a:bodyPr/>
+          <a:bodyPr>
+            <a:normAutofit/>
+          </a:bodyPr>
           <a:lstStyle/>
           <a:p>
             <a:pPr marL="400050" indent="-400050">
@@ -6685,7 +6711,7 @@
               <a:buAutoNum type="romanUcPeriod"/>
             </a:pPr>
             <a:r>
-              <a:rPr lang="fr-FR" dirty="0">
+              <a:rPr lang="fr-FR" sz="2800" dirty="0">
                 <a:solidFill>
                   <a:schemeClr val="accent2"/>
                 </a:solidFill>
@@ -6698,7 +6724,7 @@
               <a:buFontTx/>
               <a:buAutoNum type="romanUcPeriod"/>
             </a:pPr>
-            <a:endParaRPr lang="fr-FR" dirty="0"/>
+            <a:endParaRPr lang="fr-FR" sz="2800" dirty="0"/>
           </a:p>
           <a:p>
             <a:pPr marL="400050" indent="-400050">
@@ -6706,7 +6732,7 @@
               <a:buAutoNum type="romanUcPeriod" startAt="2"/>
             </a:pPr>
             <a:r>
-              <a:rPr lang="fr-FR" dirty="0">
+              <a:rPr lang="fr-FR" sz="2800" dirty="0">
                 <a:solidFill>
                   <a:schemeClr val="accent2"/>
                 </a:solidFill>
@@ -6714,11 +6740,11 @@
               <a:t>Recalage</a:t>
             </a:r>
             <a:r>
-              <a:rPr lang="fr-FR" dirty="0"/>
+              <a:rPr lang="fr-FR" sz="2800" dirty="0"/>
               <a:t> </a:t>
             </a:r>
             <a:r>
-              <a:rPr lang="fr-FR" dirty="0">
+              <a:rPr lang="fr-FR" sz="2800" dirty="0">
                 <a:solidFill>
                   <a:schemeClr val="accent2"/>
                 </a:solidFill>
@@ -6731,7 +6757,7 @@
               <a:buFontTx/>
               <a:buAutoNum type="romanUcPeriod" startAt="2"/>
             </a:pPr>
-            <a:endParaRPr lang="fr-FR" dirty="0"/>
+            <a:endParaRPr lang="fr-FR" sz="2800" dirty="0"/>
           </a:p>
           <a:p>
             <a:pPr marL="400050" indent="-400050">
@@ -6739,7 +6765,7 @@
               <a:buAutoNum type="romanUcPeriod" startAt="3"/>
             </a:pPr>
             <a:r>
-              <a:rPr lang="fr-FR" dirty="0">
+              <a:rPr lang="fr-FR" sz="2800" dirty="0">
                 <a:solidFill>
                   <a:schemeClr val="accent2"/>
                 </a:solidFill>
@@ -6752,7 +6778,7 @@
               <a:buFontTx/>
               <a:buAutoNum type="romanUcPeriod" startAt="3"/>
             </a:pPr>
-            <a:endParaRPr lang="fr-FR" dirty="0">
+            <a:endParaRPr lang="fr-FR" sz="2800" dirty="0">
               <a:solidFill>
                 <a:schemeClr val="accent2"/>
               </a:solidFill>
@@ -6764,7 +6790,7 @@
               <a:buAutoNum type="romanUcPeriod" startAt="4"/>
             </a:pPr>
             <a:r>
-              <a:rPr lang="fr-FR" dirty="0">
+              <a:rPr lang="fr-FR" sz="2800" dirty="0">
                 <a:solidFill>
                   <a:schemeClr val="accent2"/>
                 </a:solidFill>
@@ -6812,18 +6838,21 @@
         </p:nvSpPr>
         <p:spPr>
           <a:xfrm>
-            <a:off x="677333" y="609600"/>
-            <a:ext cx="8596670" cy="1320800"/>
+            <a:off x="677332" y="609600"/>
+            <a:ext cx="9676489" cy="1320800"/>
           </a:xfrm>
           <a:prstGeom prst="rect">
             <a:avLst/>
           </a:prstGeom>
         </p:spPr>
         <p:txBody>
-          <a:bodyPr/>
+          <a:bodyPr>
+            <a:noAutofit/>
+          </a:bodyPr>
           <a:lstStyle/>
           <a:p>
             <a:r>
+              <a:rPr lang="fr-FR" sz="4800" dirty="0"/>
               <a:t>I – Objectif et données initiales</a:t>
             </a:r>
           </a:p>
@@ -6867,8 +6896,8 @@
         </p:nvSpPr>
         <p:spPr>
           <a:xfrm>
-            <a:off x="677334" y="1452843"/>
-            <a:ext cx="5592418" cy="358139"/>
+            <a:off x="677332" y="1730347"/>
+            <a:ext cx="5592418" cy="400105"/>
           </a:xfrm>
           <a:prstGeom prst="rect">
             <a:avLst/>
@@ -6878,7 +6907,7 @@
           </a:ln>
           <a:extLst>
             <a:ext uri="{C572A759-6A51-4108-AA02-DFA0A04FC94B}">
-              <ma14:wrappingTextBoxFlag xmlns:ma14="http://schemas.microsoft.com/office/mac/drawingml/2011/main" xmlns:a14="http://schemas.microsoft.com/office/drawing/2010/main" xmlns:m="http://schemas.openxmlformats.org/officeDocument/2006/math" xmlns="" val="1"/>
+              <ma14:wrappingTextBoxFlag xmlns="" xmlns:m="http://schemas.openxmlformats.org/officeDocument/2006/math" xmlns:a14="http://schemas.microsoft.com/office/drawing/2010/main" xmlns:ma14="http://schemas.microsoft.com/office/mac/drawingml/2011/main" val="1"/>
             </a:ext>
           </a:extLst>
         </p:spPr>
@@ -6900,10 +6929,11 @@
               </a:defRPr>
             </a:pPr>
             <a:r>
+              <a:rPr sz="2000" dirty="0" err="1"/>
               <a:t>Effectuer</a:t>
             </a:r>
             <a:r>
-              <a:rPr>
+              <a:rPr sz="2000" dirty="0">
                 <a:solidFill>
                   <a:srgbClr val="000000"/>
                 </a:solidFill>
@@ -6911,7 +6941,24 @@
               <a:t> </a:t>
             </a:r>
             <a:r>
-              <a:t>le recalage temporel et spatial entre</a:t>
+              <a:rPr sz="2000" dirty="0"/>
+              <a:t>le </a:t>
+            </a:r>
+            <a:r>
+              <a:rPr sz="2000" dirty="0" err="1"/>
+              <a:t>recalage</a:t>
+            </a:r>
+            <a:r>
+              <a:rPr sz="2000" dirty="0"/>
+              <a:t> </a:t>
+            </a:r>
+            <a:r>
+              <a:rPr sz="2000" dirty="0" err="1"/>
+              <a:t>temporel</a:t>
+            </a:r>
+            <a:r>
+              <a:rPr sz="2000" dirty="0"/>
+              <a:t> et spatial entre</a:t>
             </a:r>
           </a:p>
         </p:txBody>
@@ -6925,7 +6972,7 @@
         <p:spPr>
           <a:xfrm>
             <a:off x="1979282" y="5757443"/>
-            <a:ext cx="1648425" cy="358139"/>
+            <a:ext cx="1648425" cy="400105"/>
           </a:xfrm>
           <a:prstGeom prst="rect">
             <a:avLst/>
@@ -6935,7 +6982,7 @@
           </a:ln>
           <a:extLst>
             <a:ext uri="{C572A759-6A51-4108-AA02-DFA0A04FC94B}">
-              <ma14:wrappingTextBoxFlag xmlns:ma14="http://schemas.microsoft.com/office/mac/drawingml/2011/main" xmlns:a14="http://schemas.microsoft.com/office/drawing/2010/main" xmlns:m="http://schemas.openxmlformats.org/officeDocument/2006/math" xmlns="" val="1"/>
+              <ma14:wrappingTextBoxFlag xmlns="" xmlns:m="http://schemas.openxmlformats.org/officeDocument/2006/math" xmlns:a14="http://schemas.microsoft.com/office/drawing/2010/main" xmlns:ma14="http://schemas.microsoft.com/office/mac/drawingml/2011/main" val="1"/>
             </a:ext>
           </a:extLst>
         </p:spPr>
@@ -6958,7 +7005,20 @@
           </a:lstStyle>
           <a:p>
             <a:r>
-              <a:t>une vidéo…</a:t>
+              <a:rPr sz="2000" dirty="0" err="1"/>
+              <a:t>une</a:t>
+            </a:r>
+            <a:r>
+              <a:rPr sz="2000" dirty="0"/>
+              <a:t> </a:t>
+            </a:r>
+            <a:r>
+              <a:rPr sz="2000" dirty="0" err="1"/>
+              <a:t>vidéo</a:t>
+            </a:r>
+            <a:r>
+              <a:rPr sz="2000" dirty="0"/>
+              <a:t>…</a:t>
             </a:r>
           </a:p>
         </p:txBody>
@@ -6972,7 +7032,7 @@
         <p:spPr>
           <a:xfrm>
             <a:off x="5552659" y="5618943"/>
-            <a:ext cx="4007022" cy="624839"/>
+            <a:ext cx="4007022" cy="707882"/>
           </a:xfrm>
           <a:prstGeom prst="rect">
             <a:avLst/>
@@ -6982,7 +7042,7 @@
           </a:ln>
           <a:extLst>
             <a:ext uri="{C572A759-6A51-4108-AA02-DFA0A04FC94B}">
-              <ma14:wrappingTextBoxFlag xmlns:ma14="http://schemas.microsoft.com/office/mac/drawingml/2011/main" xmlns:a14="http://schemas.microsoft.com/office/drawing/2010/main" xmlns:m="http://schemas.openxmlformats.org/officeDocument/2006/math" xmlns="" val="1"/>
+              <ma14:wrappingTextBoxFlag xmlns="" xmlns:m="http://schemas.openxmlformats.org/officeDocument/2006/math" xmlns:a14="http://schemas.microsoft.com/office/drawing/2010/main" xmlns:ma14="http://schemas.microsoft.com/office/mac/drawingml/2011/main" val="1"/>
             </a:ext>
           </a:extLst>
         </p:spPr>
@@ -7004,7 +7064,24 @@
               </a:defRPr>
             </a:pPr>
             <a:r>
-              <a:t>… et des données de capteurs </a:t>
+              <a:rPr sz="2000" dirty="0"/>
+              <a:t>… et des </a:t>
+            </a:r>
+            <a:r>
+              <a:rPr sz="2000" dirty="0" err="1"/>
+              <a:t>données</a:t>
+            </a:r>
+            <a:r>
+              <a:rPr sz="2000" dirty="0"/>
+              <a:t> de </a:t>
+            </a:r>
+            <a:r>
+              <a:rPr sz="2000" dirty="0" err="1"/>
+              <a:t>capteurs</a:t>
+            </a:r>
+            <a:r>
+              <a:rPr sz="2000" dirty="0"/>
+              <a:t> </a:t>
             </a:r>
           </a:p>
           <a:p>
@@ -7020,7 +7097,12 @@
               </a:defRPr>
             </a:pPr>
             <a:r>
-              <a:t>MoCap (Motion Capture)</a:t>
+              <a:rPr sz="2000" dirty="0" err="1"/>
+              <a:t>MoCap</a:t>
+            </a:r>
+            <a:r>
+              <a:rPr sz="2000" dirty="0"/>
+              <a:t> (Motion Capture)</a:t>
             </a:r>
           </a:p>
         </p:txBody>
@@ -7093,20 +7175,36 @@
         </p:nvSpPr>
         <p:spPr>
           <a:xfrm>
-            <a:off x="677333" y="609600"/>
-            <a:ext cx="8596670" cy="1320800"/>
+            <a:off x="677332" y="609600"/>
+            <a:ext cx="9817165" cy="1320800"/>
           </a:xfrm>
           <a:prstGeom prst="rect">
             <a:avLst/>
           </a:prstGeom>
         </p:spPr>
         <p:txBody>
-          <a:bodyPr/>
+          <a:bodyPr>
+            <a:noAutofit/>
+          </a:bodyPr>
           <a:lstStyle/>
           <a:p>
             <a:r>
-              <a:t>I – Objectif et données initiales</a:t>
-            </a:r>
+              <a:rPr sz="4800" dirty="0"/>
+              <a:t>I – Objectif et </a:t>
+            </a:r>
+            <a:r>
+              <a:rPr sz="4800" dirty="0" err="1"/>
+              <a:t>données</a:t>
+            </a:r>
+            <a:r>
+              <a:rPr sz="4800" dirty="0"/>
+              <a:t> </a:t>
+            </a:r>
+            <a:r>
+              <a:rPr sz="4800" dirty="0" err="1"/>
+              <a:t>initiales</a:t>
+            </a:r>
+            <a:endParaRPr sz="4800" dirty="0"/>
           </a:p>
         </p:txBody>
       </p:sp>
@@ -7130,7 +7228,9 @@
           </a:prstGeom>
         </p:spPr>
         <p:txBody>
-          <a:bodyPr/>
+          <a:bodyPr>
+            <a:normAutofit/>
+          </a:bodyPr>
           <a:lstStyle/>
           <a:p>
             <a:pPr>
@@ -7138,27 +7238,27 @@
               <a:buChar char="§"/>
             </a:pPr>
             <a:r>
-              <a:rPr lang="fr-FR" dirty="0"/>
+              <a:rPr lang="fr-FR" sz="2000" dirty="0"/>
               <a:t>Une </a:t>
             </a:r>
             <a:r>
-              <a:rPr lang="fr-FR" b="1" dirty="0"/>
+              <a:rPr lang="fr-FR" sz="2000" b="1" dirty="0"/>
               <a:t>vidéo</a:t>
             </a:r>
             <a:r>
-              <a:rPr lang="fr-FR" dirty="0"/>
+              <a:rPr lang="fr-FR" sz="2000" dirty="0"/>
               <a:t> et les positions </a:t>
             </a:r>
             <a:r>
-              <a:rPr lang="fr-FR" dirty="0" err="1"/>
+              <a:rPr lang="fr-FR" sz="2000" dirty="0" err="1"/>
               <a:t>MoCap</a:t>
             </a:r>
             <a:r>
-              <a:rPr lang="fr-FR" dirty="0"/>
+              <a:rPr lang="fr-FR" sz="2000" dirty="0"/>
               <a:t> associées </a:t>
             </a:r>
             <a:r>
-              <a:rPr lang="fr-FR" b="1" dirty="0"/>
+              <a:rPr lang="fr-FR" sz="2000" b="1" dirty="0"/>
               <a:t>des mains, des avant-bras, des bras, de la tête, de la nuque, des épaules, du buste et du bassin, pour chaque personne.</a:t>
             </a:r>
           </a:p>
@@ -7166,7 +7266,7 @@
             <a:pPr>
               <a:defRPr b="1"/>
             </a:pPr>
-            <a:endParaRPr lang="fr-FR" b="1" dirty="0"/>
+            <a:endParaRPr lang="fr-FR" sz="2000" b="1" dirty="0"/>
           </a:p>
           <a:p>
             <a:pPr>
@@ -7174,39 +7274,39 @@
               <a:buChar char="§"/>
             </a:pPr>
             <a:r>
-              <a:rPr lang="fr-FR" dirty="0"/>
+              <a:rPr lang="fr-FR" sz="2000" dirty="0"/>
               <a:t>Pour les données </a:t>
             </a:r>
             <a:r>
-              <a:rPr lang="fr-FR" dirty="0" err="1"/>
+              <a:rPr lang="fr-FR" sz="2000" dirty="0" err="1"/>
               <a:t>MoCap</a:t>
             </a:r>
             <a:r>
-              <a:rPr lang="fr-FR" dirty="0"/>
+              <a:rPr lang="fr-FR" sz="2000" dirty="0"/>
               <a:t> : deux fichiers .</a:t>
             </a:r>
             <a:r>
-              <a:rPr lang="fr-FR" dirty="0" err="1"/>
+              <a:rPr lang="fr-FR" sz="2000" dirty="0" err="1"/>
               <a:t>fbx</a:t>
             </a:r>
             <a:r>
-              <a:rPr lang="fr-FR" dirty="0"/>
+              <a:rPr lang="fr-FR" sz="2000" dirty="0"/>
               <a:t> lisibles par </a:t>
             </a:r>
             <a:r>
-              <a:rPr lang="fr-FR" dirty="0" err="1"/>
+              <a:rPr lang="fr-FR" sz="2000" dirty="0" err="1"/>
               <a:t>Unity</a:t>
             </a:r>
             <a:r>
-              <a:rPr lang="fr-FR" dirty="0"/>
+              <a:rPr lang="fr-FR" sz="2000" dirty="0"/>
               <a:t>, qui exporte ces données en </a:t>
             </a:r>
             <a:r>
-              <a:rPr lang="fr-FR" b="1" dirty="0"/>
+              <a:rPr lang="fr-FR" sz="2000" b="1" dirty="0"/>
               <a:t>deux fichiers .csv de positions 3D</a:t>
             </a:r>
             <a:r>
-              <a:rPr lang="fr-FR" dirty="0"/>
+              <a:rPr lang="fr-FR" sz="2000" dirty="0"/>
               <a:t>.</a:t>
             </a:r>
           </a:p>
@@ -7215,7 +7315,7 @@
               <a:buFont typeface="Wingdings" panose="05000000000000000000" pitchFamily="2" charset="2"/>
               <a:buChar char="§"/>
             </a:pPr>
-            <a:endParaRPr lang="fr-FR" dirty="0"/>
+            <a:endParaRPr lang="fr-FR" sz="2000" dirty="0"/>
           </a:p>
           <a:p>
             <a:pPr>
@@ -7223,31 +7323,31 @@
               <a:buChar char="§"/>
             </a:pPr>
             <a:r>
-              <a:rPr lang="fr-FR" dirty="0"/>
+              <a:rPr lang="fr-FR" sz="2000" dirty="0"/>
               <a:t>Pour la vidéo : une analyse par la bibliothèque </a:t>
             </a:r>
             <a:r>
-              <a:rPr lang="fr-FR" dirty="0" err="1"/>
+              <a:rPr lang="fr-FR" sz="2000" dirty="0" err="1"/>
               <a:t>OpenPose</a:t>
             </a:r>
             <a:r>
-              <a:rPr lang="fr-FR" dirty="0"/>
+              <a:rPr lang="fr-FR" sz="2000" dirty="0"/>
               <a:t> donne </a:t>
             </a:r>
             <a:r>
-              <a:rPr lang="fr-FR" b="1" dirty="0"/>
+              <a:rPr lang="fr-FR" sz="2000" b="1" dirty="0"/>
               <a:t>les positions 2D de points caractéristiques</a:t>
             </a:r>
             <a:r>
-              <a:rPr lang="fr-FR" dirty="0"/>
+              <a:rPr lang="fr-FR" sz="2000" dirty="0"/>
               <a:t> (dont ceux cités ci-dessus) </a:t>
             </a:r>
             <a:r>
-              <a:rPr lang="fr-FR" b="1" dirty="0"/>
+              <a:rPr lang="fr-FR" sz="2000" b="1" dirty="0"/>
               <a:t>dans deux fichiers .csv</a:t>
             </a:r>
             <a:r>
-              <a:rPr lang="fr-FR" dirty="0"/>
+              <a:rPr lang="fr-FR" sz="2000" dirty="0"/>
               <a:t>. </a:t>
             </a:r>
           </a:p>
@@ -7292,19 +7392,35 @@
         <p:spPr>
           <a:xfrm>
             <a:off x="677333" y="609600"/>
-            <a:ext cx="8596670" cy="1320800"/>
+            <a:ext cx="10604956" cy="1320800"/>
           </a:xfrm>
           <a:prstGeom prst="rect">
             <a:avLst/>
           </a:prstGeom>
         </p:spPr>
         <p:txBody>
-          <a:bodyPr/>
+          <a:bodyPr>
+            <a:noAutofit/>
+          </a:bodyPr>
           <a:lstStyle/>
           <a:p>
             <a:r>
-              <a:t>I – Objectif et données initiales</a:t>
-            </a:r>
+              <a:rPr sz="4800" dirty="0"/>
+              <a:t>I – Objectif et </a:t>
+            </a:r>
+            <a:r>
+              <a:rPr sz="4800" dirty="0" err="1"/>
+              <a:t>données</a:t>
+            </a:r>
+            <a:r>
+              <a:rPr sz="4800" dirty="0"/>
+              <a:t> </a:t>
+            </a:r>
+            <a:r>
+              <a:rPr sz="4800" dirty="0" err="1"/>
+              <a:t>initiales</a:t>
+            </a:r>
+            <a:endParaRPr sz="4800" dirty="0"/>
           </a:p>
         </p:txBody>
       </p:sp>
@@ -7426,12 +7542,28 @@
           </a:prstGeom>
         </p:spPr>
         <p:txBody>
-          <a:bodyPr/>
+          <a:bodyPr>
+            <a:normAutofit/>
+          </a:bodyPr>
           <a:lstStyle/>
           <a:p>
             <a:r>
-              <a:t>II - Recalage temporel</a:t>
-            </a:r>
+              <a:rPr sz="4800" dirty="0"/>
+              <a:t>II - </a:t>
+            </a:r>
+            <a:r>
+              <a:rPr sz="4800" dirty="0" err="1"/>
+              <a:t>Recalage</a:t>
+            </a:r>
+            <a:r>
+              <a:rPr sz="4800" dirty="0"/>
+              <a:t> </a:t>
+            </a:r>
+            <a:r>
+              <a:rPr sz="4800" dirty="0" err="1"/>
+              <a:t>temporel</a:t>
+            </a:r>
+            <a:endParaRPr sz="4800" dirty="0"/>
           </a:p>
         </p:txBody>
       </p:sp>
@@ -7447,15 +7579,17 @@
         </p:nvSpPr>
         <p:spPr>
           <a:xfrm>
-            <a:off x="677333" y="1488612"/>
-            <a:ext cx="8596670" cy="3880775"/>
+            <a:off x="677333" y="1755899"/>
+            <a:ext cx="9184119" cy="3880775"/>
           </a:xfrm>
           <a:prstGeom prst="rect">
             <a:avLst/>
           </a:prstGeom>
         </p:spPr>
         <p:txBody>
-          <a:bodyPr/>
+          <a:bodyPr>
+            <a:normAutofit/>
+          </a:bodyPr>
           <a:lstStyle/>
           <a:p>
             <a:pPr>
@@ -7463,33 +7597,36 @@
               <a:buChar char="§"/>
             </a:pPr>
             <a:r>
-              <a:rPr lang="fr-FR" dirty="0"/>
+              <a:rPr lang="fr-FR" sz="1900" dirty="0"/>
               <a:t>Déterminer </a:t>
             </a:r>
             <a:r>
-              <a:rPr lang="fr-FR" b="1" dirty="0"/>
+              <a:rPr lang="fr-FR" sz="1900" b="1" dirty="0"/>
               <a:t>le décalage de temps </a:t>
             </a:r>
             <a:r>
-              <a:rPr lang="fr-FR" dirty="0"/>
+              <a:rPr lang="fr-FR" sz="1900" dirty="0"/>
               <a:t>entre la vidéo et la série de données </a:t>
             </a:r>
             <a:r>
-              <a:rPr lang="fr-FR" dirty="0" err="1"/>
+              <a:rPr lang="fr-FR" sz="1900" dirty="0" err="1"/>
               <a:t>MoCap</a:t>
             </a:r>
             <a:r>
-              <a:rPr lang="fr-FR" dirty="0"/>
+              <a:rPr lang="fr-FR" sz="1900" dirty="0"/>
               <a:t>.</a:t>
             </a:r>
           </a:p>
           <a:p>
             <a:pPr>
+              <a:spcBef>
+                <a:spcPts val="200"/>
+              </a:spcBef>
               <a:buFont typeface="Wingdings" panose="05000000000000000000" pitchFamily="2" charset="2"/>
               <a:buChar char="§"/>
               <a:defRPr sz="900"/>
             </a:pPr>
-            <a:endParaRPr lang="fr-FR" dirty="0"/>
+            <a:endParaRPr lang="fr-FR" sz="1900" dirty="0"/>
           </a:p>
           <a:p>
             <a:pPr>
@@ -7497,23 +7634,23 @@
               <a:buChar char="§"/>
             </a:pPr>
             <a:r>
-              <a:rPr lang="fr-FR" dirty="0"/>
+              <a:rPr lang="fr-FR" sz="1900" dirty="0"/>
               <a:t>Idée : </a:t>
             </a:r>
             <a:r>
-              <a:rPr lang="fr-FR" b="1" dirty="0"/>
+              <a:rPr lang="fr-FR" sz="1900" b="1" dirty="0"/>
               <a:t>étudier les variations de vitesse d’un point caractéristique</a:t>
             </a:r>
             <a:r>
-              <a:rPr lang="fr-FR" dirty="0"/>
+              <a:rPr lang="fr-FR" sz="1900" dirty="0"/>
               <a:t> dans les deux jeux de données, et chercher à </a:t>
             </a:r>
             <a:r>
-              <a:rPr lang="fr-FR" b="1" dirty="0"/>
+              <a:rPr lang="fr-FR" sz="1900" b="1" dirty="0"/>
               <a:t>repérer un geste particulier</a:t>
             </a:r>
             <a:r>
-              <a:rPr lang="fr-FR" dirty="0"/>
+              <a:rPr lang="fr-FR" sz="1900" dirty="0"/>
               <a:t> dans chacun de ces deux jeux.</a:t>
             </a:r>
           </a:p>
@@ -7537,7 +7674,7 @@
         </p:blipFill>
         <p:spPr>
           <a:xfrm>
-            <a:off x="2525302" y="3687945"/>
+            <a:off x="2721649" y="3903394"/>
             <a:ext cx="4900732" cy="2819448"/>
           </a:xfrm>
           <a:prstGeom prst="rect">
@@ -7592,7 +7729,7 @@
         </p:blipFill>
         <p:spPr>
           <a:xfrm>
-            <a:off x="335937" y="1501709"/>
+            <a:off x="335936" y="1726996"/>
             <a:ext cx="8938067" cy="4521404"/>
           </a:xfrm>
           <a:prstGeom prst="rect">
@@ -7623,12 +7760,28 @@
           </a:prstGeom>
         </p:spPr>
         <p:txBody>
-          <a:bodyPr/>
+          <a:bodyPr>
+            <a:normAutofit/>
+          </a:bodyPr>
           <a:lstStyle/>
           <a:p>
             <a:r>
-              <a:t>II – Recalage temporel</a:t>
-            </a:r>
+              <a:rPr sz="4800" dirty="0"/>
+              <a:t>II – </a:t>
+            </a:r>
+            <a:r>
+              <a:rPr sz="4800" dirty="0" err="1"/>
+              <a:t>Recalage</a:t>
+            </a:r>
+            <a:r>
+              <a:rPr sz="4800" dirty="0"/>
+              <a:t> </a:t>
+            </a:r>
+            <a:r>
+              <a:rPr sz="4800" dirty="0" err="1"/>
+              <a:t>temporel</a:t>
+            </a:r>
+            <a:endParaRPr sz="4800" dirty="0"/>
           </a:p>
         </p:txBody>
       </p:sp>
@@ -7678,11 +7831,22 @@
           </a:prstGeom>
         </p:spPr>
         <p:txBody>
-          <a:bodyPr/>
+          <a:bodyPr>
+            <a:normAutofit/>
+          </a:bodyPr>
           <a:lstStyle/>
           <a:p>
             <a:r>
-              <a:t>III - Recalage spatial</a:t>
+              <a:rPr sz="4800" dirty="0"/>
+              <a:t>III - </a:t>
+            </a:r>
+            <a:r>
+              <a:rPr sz="4800" dirty="0" err="1"/>
+              <a:t>Recalage</a:t>
+            </a:r>
+            <a:r>
+              <a:rPr sz="4800" dirty="0"/>
+              <a:t> spatial</a:t>
             </a:r>
           </a:p>
         </p:txBody>
@@ -7699,15 +7863,17 @@
         </p:nvSpPr>
         <p:spPr>
           <a:xfrm>
-            <a:off x="677333" y="1829284"/>
-            <a:ext cx="8596670" cy="4419118"/>
+            <a:off x="677333" y="1975729"/>
+            <a:ext cx="8832427" cy="4419118"/>
           </a:xfrm>
           <a:prstGeom prst="rect">
             <a:avLst/>
           </a:prstGeom>
         </p:spPr>
         <p:txBody>
-          <a:bodyPr/>
+          <a:bodyPr>
+            <a:normAutofit/>
+          </a:bodyPr>
           <a:lstStyle/>
           <a:p>
             <a:pPr>
@@ -7715,27 +7881,27 @@
               <a:buChar char="§"/>
             </a:pPr>
             <a:r>
-              <a:rPr lang="fr-FR" dirty="0"/>
+              <a:rPr lang="fr-FR" sz="2200" dirty="0"/>
               <a:t>Recaler un nuage de points </a:t>
             </a:r>
             <a:r>
-              <a:rPr lang="fr-FR" dirty="0" err="1"/>
+              <a:rPr lang="fr-FR" sz="2200" dirty="0" err="1"/>
               <a:t>MoCap</a:t>
             </a:r>
             <a:r>
-              <a:rPr lang="fr-FR" dirty="0"/>
+              <a:rPr lang="fr-FR" sz="2200" dirty="0"/>
               <a:t> </a:t>
             </a:r>
             <a:r>
-              <a:rPr lang="fr-FR" b="1" dirty="0"/>
+              <a:rPr lang="fr-FR" sz="2200" b="1" dirty="0"/>
               <a:t>3D</a:t>
             </a:r>
             <a:r>
-              <a:rPr lang="fr-FR" dirty="0"/>
+              <a:rPr lang="fr-FR" sz="2200" dirty="0"/>
               <a:t> et des données vidéo </a:t>
             </a:r>
             <a:r>
-              <a:rPr lang="fr-FR" b="1" dirty="0"/>
+              <a:rPr lang="fr-FR" sz="2200" b="1" dirty="0"/>
               <a:t>2D.</a:t>
             </a:r>
           </a:p>
@@ -7745,7 +7911,7 @@
               <a:buChar char="§"/>
               <a:defRPr b="1"/>
             </a:pPr>
-            <a:endParaRPr lang="fr-FR" b="1" dirty="0"/>
+            <a:endParaRPr lang="fr-FR" sz="2200" b="1" dirty="0"/>
           </a:p>
           <a:p>
             <a:pPr>
@@ -7753,16 +7919,16 @@
               <a:buChar char="§"/>
             </a:pPr>
             <a:r>
-              <a:rPr lang="fr-FR" dirty="0"/>
+              <a:rPr lang="fr-FR" sz="2200" dirty="0"/>
               <a:t>Proposition : </a:t>
             </a:r>
             <a:r>
-              <a:rPr lang="fr-FR" b="1" dirty="0"/>
+              <a:rPr lang="fr-FR" sz="2200" b="1" dirty="0"/>
               <a:t>projeter les données 3D sur le plan des données 2D</a:t>
             </a:r>
             <a:r>
-              <a:rPr lang="fr-FR" dirty="0"/>
-              <a:t>, en déterminant la translation et la rotation optimales entre les deux nuages de points.</a:t>
+              <a:rPr lang="fr-FR" sz="2200" dirty="0"/>
+              <a:t>, en déterminant translation et rotation optimales.</a:t>
             </a:r>
           </a:p>
           <a:p>
@@ -7770,7 +7936,7 @@
               <a:buFont typeface="Wingdings" panose="05000000000000000000" pitchFamily="2" charset="2"/>
               <a:buChar char="§"/>
             </a:pPr>
-            <a:endParaRPr lang="fr-FR" dirty="0"/>
+            <a:endParaRPr lang="fr-FR" sz="2200" dirty="0"/>
           </a:p>
           <a:p>
             <a:pPr>
@@ -7778,11 +7944,11 @@
               <a:buChar char="§"/>
             </a:pPr>
             <a:r>
-              <a:rPr lang="fr-FR" dirty="0"/>
+              <a:rPr lang="fr-FR" sz="2200" dirty="0"/>
               <a:t>Nécessité de comparer deux nuages de points </a:t>
             </a:r>
             <a:r>
-              <a:rPr lang="fr-FR" b="1" dirty="0"/>
+              <a:rPr lang="fr-FR" sz="2200" b="1" dirty="0"/>
               <a:t>pris au même instant</a:t>
             </a:r>
           </a:p>
@@ -7793,8 +7959,8 @@
               <a:defRPr sz="1600"/>
             </a:pPr>
             <a:r>
-              <a:rPr lang="fr-FR" dirty="0"/>
-              <a:t>Utilisation des résultats du recalage temporel pour déterminer le delta temporel entre les deux séquences.</a:t>
+              <a:rPr lang="fr-FR" sz="1700" dirty="0"/>
+              <a:t>Recalage temporel pour déterminer le delta temporel entre les deux séquences.</a:t>
             </a:r>
           </a:p>
           <a:p>
@@ -7804,33 +7970,34 @@
               <a:defRPr sz="1600"/>
             </a:pPr>
             <a:r>
-              <a:rPr lang="fr-FR" dirty="0"/>
+              <a:rPr lang="fr-FR" sz="1700" dirty="0"/>
               <a:t>Echantillonnage entre la vidéo (25 </a:t>
             </a:r>
             <a:r>
-              <a:rPr lang="fr-FR" dirty="0" err="1"/>
+              <a:rPr lang="fr-FR" sz="1700" dirty="0" err="1"/>
               <a:t>fps</a:t>
             </a:r>
             <a:r>
-              <a:rPr lang="fr-FR" dirty="0"/>
+              <a:rPr lang="fr-FR" sz="1700" dirty="0"/>
               <a:t>) et les données </a:t>
             </a:r>
             <a:r>
-              <a:rPr lang="fr-FR" dirty="0" err="1"/>
+              <a:rPr lang="fr-FR" sz="1700" dirty="0" err="1"/>
               <a:t>MoCap</a:t>
             </a:r>
             <a:r>
-              <a:rPr lang="fr-FR" dirty="0"/>
+              <a:rPr lang="fr-FR" sz="1700" dirty="0"/>
               <a:t> (120 </a:t>
             </a:r>
             <a:r>
-              <a:rPr lang="fr-FR" dirty="0" err="1"/>
+              <a:rPr lang="fr-FR" sz="1700" dirty="0" err="1"/>
               <a:t>fps</a:t>
             </a:r>
             <a:r>
-              <a:rPr lang="fr-FR" dirty="0"/>
-              <a:t>) et sélection d’une dizaine de frames qui permettront de déterminer translation et rotation optimales.</a:t>
-            </a:r>
+              <a:rPr lang="fr-FR" sz="1700"/>
+              <a:t>).</a:t>
+            </a:r>
+            <a:endParaRPr lang="fr-FR" sz="1700" dirty="0"/>
           </a:p>
         </p:txBody>
       </p:sp>
@@ -7880,19 +8047,21 @@
           </a:prstGeom>
         </p:spPr>
         <p:txBody>
-          <a:bodyPr/>
+          <a:bodyPr>
+            <a:normAutofit/>
+          </a:bodyPr>
           <a:lstStyle/>
           <a:p>
             <a:r>
-              <a:rPr dirty="0"/>
+              <a:rPr sz="4800" dirty="0"/>
               <a:t>III – </a:t>
             </a:r>
             <a:r>
-              <a:rPr lang="fr-FR" dirty="0"/>
+              <a:rPr lang="fr-FR" sz="4800" dirty="0"/>
               <a:t>Recalage</a:t>
             </a:r>
             <a:r>
-              <a:rPr dirty="0"/>
+              <a:rPr sz="4800" dirty="0"/>
               <a:t> spatial</a:t>
             </a:r>
           </a:p>
@@ -7910,7 +8079,7 @@
         </p:nvSpPr>
         <p:spPr>
           <a:xfrm>
-            <a:off x="522588" y="1546574"/>
+            <a:off x="524285" y="1736488"/>
             <a:ext cx="8902766" cy="5121512"/>
           </a:xfrm>
           <a:prstGeom prst="rect">
@@ -7923,6 +8092,18 @@
           </a:bodyPr>
           <a:lstStyle/>
           <a:p>
+            <a:pPr marL="0" indent="0">
+              <a:lnSpc>
+                <a:spcPct val="90000"/>
+              </a:lnSpc>
+              <a:buNone/>
+            </a:pPr>
+            <a:r>
+              <a:rPr lang="fr-FR" sz="2600" dirty="0"/>
+              <a:t>Quatre étapes appliquées aux frames sélectionnées : </a:t>
+            </a:r>
+          </a:p>
+          <a:p>
             <a:pPr>
               <a:lnSpc>
                 <a:spcPct val="90000"/>
@@ -7930,20 +8111,7 @@
               <a:buFont typeface="Wingdings" panose="05000000000000000000" pitchFamily="2" charset="2"/>
               <a:buChar char="§"/>
             </a:pPr>
-            <a:r>
-              <a:rPr lang="fr-FR" dirty="0"/>
-              <a:t>Quatre étapes appliquées aux frames sélectionnées : </a:t>
-            </a:r>
-          </a:p>
-          <a:p>
-            <a:pPr>
-              <a:lnSpc>
-                <a:spcPct val="90000"/>
-              </a:lnSpc>
-              <a:buFont typeface="Wingdings" panose="05000000000000000000" pitchFamily="2" charset="2"/>
-              <a:buChar char="§"/>
-            </a:pPr>
-            <a:endParaRPr lang="fr-FR" dirty="0"/>
+            <a:endParaRPr lang="fr-FR" sz="2400" dirty="0"/>
           </a:p>
           <a:p>
             <a:pPr lvl="1">
@@ -7955,24 +8123,16 @@
               <a:defRPr sz="1600"/>
             </a:pPr>
             <a:r>
-              <a:rPr lang="fr-FR" dirty="0"/>
-              <a:t>Chercher le meilleur angle par un processus itératif. A chaque </a:t>
-            </a:r>
-            <a:r>
-              <a:rPr lang="fr-FR" b="1" dirty="0"/>
-              <a:t>étape faire la rotation du nuage </a:t>
-            </a:r>
-            <a:r>
-              <a:rPr lang="fr-FR" b="1" dirty="0" err="1"/>
-              <a:t>MoCap</a:t>
-            </a:r>
-            <a:r>
-              <a:rPr lang="fr-FR" b="1" dirty="0"/>
-              <a:t> d’un angle donné et calculer la distance euclidienne entre les points caractéristiques des deux nuages</a:t>
-            </a:r>
-            <a:r>
-              <a:rPr lang="fr-FR" dirty="0"/>
-              <a:t>. Sélectionner l’angle qui minimise celle-ci.    </a:t>
+              <a:rPr lang="fr-FR" sz="1900" dirty="0"/>
+              <a:t>Chercher le meilleur angle par un </a:t>
+            </a:r>
+            <a:r>
+              <a:rPr lang="fr-FR" sz="1900" b="1" dirty="0"/>
+              <a:t>processus itératif</a:t>
+            </a:r>
+            <a:r>
+              <a:rPr lang="fr-FR" sz="1900" dirty="0"/>
+              <a:t>. </a:t>
             </a:r>
           </a:p>
           <a:p>
@@ -7985,11 +8145,11 @@
               <a:defRPr sz="1600"/>
             </a:pPr>
             <a:r>
-              <a:rPr lang="fr-FR" dirty="0"/>
+              <a:rPr lang="fr-FR" sz="1900" dirty="0"/>
               <a:t>	 		</a:t>
             </a:r>
             <a:r>
-              <a:rPr lang="fr-FR" dirty="0">
+              <a:rPr lang="fr-FR" sz="1900" dirty="0">
                 <a:latin typeface="Wingdings"/>
                 <a:ea typeface="Wingdings"/>
                 <a:cs typeface="Wingdings"/>
@@ -7998,7 +8158,7 @@
               <a:t> </a:t>
             </a:r>
             <a:r>
-              <a:rPr lang="fr-FR" b="1" dirty="0"/>
+              <a:rPr lang="fr-FR" sz="1900" b="1" dirty="0"/>
               <a:t>Rotation</a:t>
             </a:r>
           </a:p>
@@ -8011,7 +8171,7 @@
               <a:buNone/>
               <a:defRPr sz="1600"/>
             </a:pPr>
-            <a:endParaRPr lang="fr-FR" dirty="0"/>
+            <a:endParaRPr lang="fr-FR" sz="1900" dirty="0"/>
           </a:p>
           <a:p>
             <a:pPr lvl="1">
@@ -8023,21 +8183,18 @@
               <a:defRPr sz="1600"/>
             </a:pPr>
             <a:r>
-              <a:rPr lang="fr-FR" b="1" dirty="0"/>
+              <a:rPr lang="fr-FR" sz="1900" b="1" dirty="0"/>
               <a:t>Projection des points </a:t>
             </a:r>
             <a:r>
-              <a:rPr lang="fr-FR" b="1" dirty="0" err="1"/>
+              <a:rPr lang="fr-FR" sz="1900" b="1" dirty="0" err="1"/>
               <a:t>MoCap</a:t>
             </a:r>
             <a:r>
-              <a:rPr lang="fr-FR" b="1" dirty="0"/>
-              <a:t> 3D sur le plan 2D des personnes </a:t>
-            </a:r>
-            <a:r>
-              <a:rPr lang="fr-FR" dirty="0"/>
-              <a:t>(défini par la verticale et les deux bassins)</a:t>
-            </a:r>
+              <a:rPr lang="fr-FR" sz="1900" b="1" dirty="0"/>
+              <a:t> 3D sur le plan 2D des personnes</a:t>
+            </a:r>
+            <a:endParaRPr lang="fr-FR" sz="1900" dirty="0"/>
           </a:p>
           <a:p>
             <a:pPr lvl="1">
@@ -8048,7 +8205,7 @@
               <a:buChar char="§"/>
               <a:defRPr sz="1600"/>
             </a:pPr>
-            <a:endParaRPr lang="fr-FR" dirty="0"/>
+            <a:endParaRPr lang="fr-FR" sz="1900" dirty="0"/>
           </a:p>
           <a:p>
             <a:pPr lvl="1">
@@ -8060,13 +8217,10 @@
               <a:defRPr sz="1600"/>
             </a:pPr>
             <a:r>
-              <a:rPr lang="fr-FR" b="1" dirty="0"/>
-              <a:t>Remise à l’échelle des deux nuages de points </a:t>
-            </a:r>
-            <a:r>
-              <a:rPr lang="fr-FR" dirty="0"/>
-              <a:t>en comparant la distance entre épaule gauche et droite</a:t>
-            </a:r>
+              <a:rPr lang="fr-FR" sz="1900" b="1" dirty="0"/>
+              <a:t>Remise à l’échelle des deux nuages de points</a:t>
+            </a:r>
+            <a:endParaRPr lang="fr-FR" sz="1900" dirty="0"/>
           </a:p>
           <a:p>
             <a:pPr lvl="1">
@@ -8077,7 +8231,7 @@
               <a:buChar char="§"/>
               <a:defRPr sz="1600"/>
             </a:pPr>
-            <a:endParaRPr lang="fr-FR" dirty="0"/>
+            <a:endParaRPr lang="fr-FR" sz="1900" dirty="0"/>
           </a:p>
           <a:p>
             <a:pPr lvl="1">
@@ -8089,11 +8243,11 @@
               <a:defRPr sz="1600"/>
             </a:pPr>
             <a:r>
-              <a:rPr lang="fr-FR" b="1" dirty="0"/>
+              <a:rPr lang="fr-FR" sz="1900" b="1" dirty="0"/>
               <a:t>Faire correspondre un même point caractéristique</a:t>
             </a:r>
             <a:r>
-              <a:rPr lang="fr-FR" dirty="0"/>
+              <a:rPr lang="fr-FR" sz="1900" dirty="0"/>
               <a:t>, la tête par exemple.  </a:t>
             </a:r>
           </a:p>
@@ -8112,20 +8266,11 @@
               </a:defRPr>
             </a:pPr>
             <a:r>
-              <a:rPr lang="fr-FR" dirty="0"/>
-              <a:t>			</a:t>
-            </a:r>
-            <a:r>
-              <a:rPr lang="fr-FR" dirty="0">
-                <a:latin typeface="+mj-lt"/>
-                <a:ea typeface="+mj-ea"/>
-                <a:cs typeface="+mj-cs"/>
-                <a:sym typeface="Trebuchet MS"/>
-              </a:rPr>
-              <a:t> </a:t>
-            </a:r>
-            <a:r>
-              <a:rPr lang="fr-FR" b="1" dirty="0">
+              <a:rPr lang="fr-FR" sz="1900" dirty="0"/>
+              <a:t>				</a:t>
+            </a:r>
+            <a:r>
+              <a:rPr lang="fr-FR" sz="1900" b="1" dirty="0">
                 <a:latin typeface="+mj-lt"/>
                 <a:ea typeface="+mj-ea"/>
                 <a:cs typeface="+mj-cs"/>

--- a/Présentation.pptx
+++ b/Présentation.pptx
@@ -322,6 +322,11 @@
       </a:defRPr>
     </a:lvl9pPr>
   </p:defaultTextStyle>
+  <p:extLst>
+    <p:ext uri="{EFAFB233-063F-42B5-8137-9DF3F51BA10A}">
+      <p15:sldGuideLst xmlns:p15="http://schemas.microsoft.com/office/powerpoint/2012/main"/>
+    </p:ext>
+  </p:extLst>
 </p:presentation>
 </file>
 
@@ -1764,7 +1769,7 @@
           </a:ln>
           <a:extLst>
             <a:ext uri="{C572A759-6A51-4108-AA02-DFA0A04FC94B}">
-              <ma14:wrappingTextBoxFlag xmlns:ma14="http://schemas.microsoft.com/office/mac/drawingml/2011/main" xmlns:a14="http://schemas.microsoft.com/office/drawing/2010/main" xmlns:m="http://schemas.openxmlformats.org/officeDocument/2006/math" xmlns="" val="1"/>
+              <ma14:wrappingTextBoxFlag xmlns="" xmlns:m="http://schemas.openxmlformats.org/officeDocument/2006/math" xmlns:a14="http://schemas.microsoft.com/office/drawing/2010/main" xmlns:ma14="http://schemas.microsoft.com/office/mac/drawingml/2011/main" val="1"/>
             </a:ext>
           </a:extLst>
         </p:spPr>
@@ -1811,7 +1816,7 @@
           </a:ln>
           <a:extLst>
             <a:ext uri="{C572A759-6A51-4108-AA02-DFA0A04FC94B}">
-              <ma14:wrappingTextBoxFlag xmlns:ma14="http://schemas.microsoft.com/office/mac/drawingml/2011/main" xmlns:a14="http://schemas.microsoft.com/office/drawing/2010/main" xmlns:m="http://schemas.openxmlformats.org/officeDocument/2006/math" xmlns="" val="1"/>
+              <ma14:wrappingTextBoxFlag xmlns="" xmlns:m="http://schemas.openxmlformats.org/officeDocument/2006/math" xmlns:a14="http://schemas.microsoft.com/office/drawing/2010/main" xmlns:ma14="http://schemas.microsoft.com/office/mac/drawingml/2011/main" val="1"/>
             </a:ext>
           </a:extLst>
         </p:spPr>
@@ -2228,7 +2233,7 @@
           </a:ln>
           <a:extLst>
             <a:ext uri="{C572A759-6A51-4108-AA02-DFA0A04FC94B}">
-              <ma14:wrappingTextBoxFlag xmlns:ma14="http://schemas.microsoft.com/office/mac/drawingml/2011/main" xmlns:a14="http://schemas.microsoft.com/office/drawing/2010/main" xmlns:m="http://schemas.openxmlformats.org/officeDocument/2006/math" xmlns="" val="1"/>
+              <ma14:wrappingTextBoxFlag xmlns="" xmlns:m="http://schemas.openxmlformats.org/officeDocument/2006/math" xmlns:a14="http://schemas.microsoft.com/office/drawing/2010/main" xmlns:ma14="http://schemas.microsoft.com/office/mac/drawingml/2011/main" val="1"/>
             </a:ext>
           </a:extLst>
         </p:spPr>
@@ -2275,7 +2280,7 @@
           </a:ln>
           <a:extLst>
             <a:ext uri="{C572A759-6A51-4108-AA02-DFA0A04FC94B}">
-              <ma14:wrappingTextBoxFlag xmlns:ma14="http://schemas.microsoft.com/office/mac/drawingml/2011/main" xmlns:a14="http://schemas.microsoft.com/office/drawing/2010/main" xmlns:m="http://schemas.openxmlformats.org/officeDocument/2006/math" xmlns="" val="1"/>
+              <ma14:wrappingTextBoxFlag xmlns="" xmlns:m="http://schemas.openxmlformats.org/officeDocument/2006/math" xmlns:a14="http://schemas.microsoft.com/office/drawing/2010/main" xmlns:ma14="http://schemas.microsoft.com/office/mac/drawingml/2011/main" val="1"/>
             </a:ext>
           </a:extLst>
         </p:spPr>
@@ -4724,7 +4729,7 @@
           </a:ln>
           <a:extLst>
             <a:ext uri="{C572A759-6A51-4108-AA02-DFA0A04FC94B}">
-              <ma14:wrappingTextBoxFlag xmlns:ma14="http://schemas.microsoft.com/office/mac/drawingml/2011/main" xmlns:a14="http://schemas.microsoft.com/office/drawing/2010/main" xmlns:m="http://schemas.openxmlformats.org/officeDocument/2006/math" xmlns="" val="1"/>
+              <ma14:wrappingTextBoxFlag xmlns="" xmlns:m="http://schemas.openxmlformats.org/officeDocument/2006/math" xmlns:a14="http://schemas.microsoft.com/office/drawing/2010/main" xmlns:ma14="http://schemas.microsoft.com/office/mac/drawingml/2011/main" val="1"/>
             </a:ext>
           </a:extLst>
         </p:spPr>
@@ -4763,7 +4768,7 @@
           </a:ln>
           <a:extLst>
             <a:ext uri="{C572A759-6A51-4108-AA02-DFA0A04FC94B}">
-              <ma14:wrappingTextBoxFlag xmlns:ma14="http://schemas.microsoft.com/office/mac/drawingml/2011/main" xmlns:a14="http://schemas.microsoft.com/office/drawing/2010/main" xmlns:m="http://schemas.openxmlformats.org/officeDocument/2006/math" xmlns="" val="1"/>
+              <ma14:wrappingTextBoxFlag xmlns="" xmlns:m="http://schemas.openxmlformats.org/officeDocument/2006/math" xmlns:a14="http://schemas.microsoft.com/office/drawing/2010/main" xmlns:ma14="http://schemas.microsoft.com/office/mac/drawingml/2011/main" val="1"/>
             </a:ext>
           </a:extLst>
         </p:spPr>
@@ -6132,7 +6137,7 @@
           </a:ln>
           <a:extLst>
             <a:ext uri="{C572A759-6A51-4108-AA02-DFA0A04FC94B}">
-              <ma14:wrappingTextBoxFlag xmlns:ma14="http://schemas.microsoft.com/office/mac/drawingml/2011/main" xmlns:a14="http://schemas.microsoft.com/office/drawing/2010/main" xmlns:m="http://schemas.openxmlformats.org/officeDocument/2006/math" xmlns="" val="1"/>
+              <ma14:wrappingTextBoxFlag xmlns="" xmlns:m="http://schemas.openxmlformats.org/officeDocument/2006/math" xmlns:a14="http://schemas.microsoft.com/office/drawing/2010/main" xmlns:ma14="http://schemas.microsoft.com/office/mac/drawingml/2011/main" val="1"/>
             </a:ext>
           </a:extLst>
         </p:spPr>
@@ -6196,7 +6201,7 @@
           </a:ln>
           <a:extLst>
             <a:ext uri="{C572A759-6A51-4108-AA02-DFA0A04FC94B}">
-              <ma14:wrappingTextBoxFlag xmlns:ma14="http://schemas.microsoft.com/office/mac/drawingml/2011/main" xmlns:a14="http://schemas.microsoft.com/office/drawing/2010/main" xmlns:m="http://schemas.openxmlformats.org/officeDocument/2006/math" xmlns="" val="1"/>
+              <ma14:wrappingTextBoxFlag xmlns="" xmlns:m="http://schemas.openxmlformats.org/officeDocument/2006/math" xmlns:a14="http://schemas.microsoft.com/office/drawing/2010/main" xmlns:ma14="http://schemas.microsoft.com/office/mac/drawingml/2011/main" val="1"/>
             </a:ext>
           </a:extLst>
         </p:spPr>
@@ -6878,7 +6883,7 @@
           </a:ln>
           <a:extLst>
             <a:ext uri="{C572A759-6A51-4108-AA02-DFA0A04FC94B}">
-              <ma14:wrappingTextBoxFlag xmlns:ma14="http://schemas.microsoft.com/office/mac/drawingml/2011/main" xmlns:a14="http://schemas.microsoft.com/office/drawing/2010/main" xmlns:m="http://schemas.openxmlformats.org/officeDocument/2006/math" xmlns="" val="1"/>
+              <ma14:wrappingTextBoxFlag xmlns="" xmlns:m="http://schemas.openxmlformats.org/officeDocument/2006/math" xmlns:a14="http://schemas.microsoft.com/office/drawing/2010/main" xmlns:ma14="http://schemas.microsoft.com/office/mac/drawingml/2011/main" val="1"/>
             </a:ext>
           </a:extLst>
         </p:spPr>
@@ -6935,7 +6940,7 @@
           </a:ln>
           <a:extLst>
             <a:ext uri="{C572A759-6A51-4108-AA02-DFA0A04FC94B}">
-              <ma14:wrappingTextBoxFlag xmlns:ma14="http://schemas.microsoft.com/office/mac/drawingml/2011/main" xmlns:a14="http://schemas.microsoft.com/office/drawing/2010/main" xmlns:m="http://schemas.openxmlformats.org/officeDocument/2006/math" xmlns="" val="1"/>
+              <ma14:wrappingTextBoxFlag xmlns="" xmlns:m="http://schemas.openxmlformats.org/officeDocument/2006/math" xmlns:a14="http://schemas.microsoft.com/office/drawing/2010/main" xmlns:ma14="http://schemas.microsoft.com/office/mac/drawingml/2011/main" val="1"/>
             </a:ext>
           </a:extLst>
         </p:spPr>
@@ -6982,7 +6987,7 @@
           </a:ln>
           <a:extLst>
             <a:ext uri="{C572A759-6A51-4108-AA02-DFA0A04FC94B}">
-              <ma14:wrappingTextBoxFlag xmlns:ma14="http://schemas.microsoft.com/office/mac/drawingml/2011/main" xmlns:a14="http://schemas.microsoft.com/office/drawing/2010/main" xmlns:m="http://schemas.openxmlformats.org/officeDocument/2006/math" xmlns="" val="1"/>
+              <ma14:wrappingTextBoxFlag xmlns="" xmlns:m="http://schemas.openxmlformats.org/officeDocument/2006/math" xmlns:a14="http://schemas.microsoft.com/office/drawing/2010/main" xmlns:ma14="http://schemas.microsoft.com/office/mac/drawingml/2011/main" val="1"/>
             </a:ext>
           </a:extLst>
         </p:spPr>
@@ -7574,35 +7579,6 @@
           <a:chExt cx="0" cy="0"/>
         </a:xfrm>
       </p:grpSpPr>
-      <p:pic>
-        <p:nvPicPr>
-          <p:cNvPr id="210" name="Espace réservé du contenu 6" descr="Espace réservé du contenu 6"/>
-          <p:cNvPicPr>
-            <a:picLocks noChangeAspect="1"/>
-          </p:cNvPicPr>
-          <p:nvPr/>
-        </p:nvPicPr>
-        <p:blipFill>
-          <a:blip r:embed="rId2">
-            <a:extLst/>
-          </a:blip>
-          <a:stretch>
-            <a:fillRect/>
-          </a:stretch>
-        </p:blipFill>
-        <p:spPr>
-          <a:xfrm>
-            <a:off x="335937" y="1501709"/>
-            <a:ext cx="8938067" cy="4521404"/>
-          </a:xfrm>
-          <a:prstGeom prst="rect">
-            <a:avLst/>
-          </a:prstGeom>
-          <a:ln w="12700">
-            <a:miter lim="400000"/>
-          </a:ln>
-        </p:spPr>
-      </p:pic>
       <p:sp>
         <p:nvSpPr>
           <p:cNvPr id="211" name="Titre 1"/>
@@ -7632,6 +7608,42 @@
           </a:p>
         </p:txBody>
       </p:sp>
+      <p:pic>
+        <p:nvPicPr>
+          <p:cNvPr id="3" name="Image 2">
+            <a:extLst>
+              <a:ext uri="{FF2B5EF4-FFF2-40B4-BE49-F238E27FC236}">
+                <a16:creationId xmlns:a16="http://schemas.microsoft.com/office/drawing/2014/main" id="{ACE74199-2BA4-4FC5-A6F5-A7D939A3B621}"/>
+              </a:ext>
+            </a:extLst>
+          </p:cNvPr>
+          <p:cNvPicPr>
+            <a:picLocks noChangeAspect="1"/>
+          </p:cNvPicPr>
+          <p:nvPr/>
+        </p:nvPicPr>
+        <p:blipFill>
+          <a:blip r:embed="rId2">
+            <a:extLst>
+              <a:ext uri="{28A0092B-C50C-407E-A947-70E740481C1C}">
+                <a14:useLocalDpi xmlns:a14="http://schemas.microsoft.com/office/drawing/2010/main" val="0"/>
+              </a:ext>
+            </a:extLst>
+          </a:blip>
+          <a:stretch>
+            <a:fillRect/>
+          </a:stretch>
+        </p:blipFill>
+        <p:spPr>
+          <a:xfrm>
+            <a:off x="535711" y="1692420"/>
+            <a:ext cx="9273308" cy="4690989"/>
+          </a:xfrm>
+          <a:prstGeom prst="rect">
+            <a:avLst/>
+          </a:prstGeom>
+        </p:spPr>
+      </p:pic>
     </p:spTree>
   </p:cSld>
   <p:clrMapOvr>

--- a/Présentation.pptx
+++ b/Présentation.pptx
@@ -1769,7 +1769,7 @@
           </a:ln>
           <a:extLst>
             <a:ext uri="{C572A759-6A51-4108-AA02-DFA0A04FC94B}">
-              <ma14:wrappingTextBoxFlag xmlns="" xmlns:m="http://schemas.openxmlformats.org/officeDocument/2006/math" xmlns:a14="http://schemas.microsoft.com/office/drawing/2010/main" xmlns:ma14="http://schemas.microsoft.com/office/mac/drawingml/2011/main" val="1"/>
+              <ma14:wrappingTextBoxFlag xmlns:ma14="http://schemas.microsoft.com/office/mac/drawingml/2011/main" xmlns:a14="http://schemas.microsoft.com/office/drawing/2010/main" xmlns:m="http://schemas.openxmlformats.org/officeDocument/2006/math" xmlns="" val="1"/>
             </a:ext>
           </a:extLst>
         </p:spPr>
@@ -1816,7 +1816,7 @@
           </a:ln>
           <a:extLst>
             <a:ext uri="{C572A759-6A51-4108-AA02-DFA0A04FC94B}">
-              <ma14:wrappingTextBoxFlag xmlns="" xmlns:m="http://schemas.openxmlformats.org/officeDocument/2006/math" xmlns:a14="http://schemas.microsoft.com/office/drawing/2010/main" xmlns:ma14="http://schemas.microsoft.com/office/mac/drawingml/2011/main" val="1"/>
+              <ma14:wrappingTextBoxFlag xmlns:ma14="http://schemas.microsoft.com/office/mac/drawingml/2011/main" xmlns:a14="http://schemas.microsoft.com/office/drawing/2010/main" xmlns:m="http://schemas.openxmlformats.org/officeDocument/2006/math" xmlns="" val="1"/>
             </a:ext>
           </a:extLst>
         </p:spPr>
@@ -2233,7 +2233,7 @@
           </a:ln>
           <a:extLst>
             <a:ext uri="{C572A759-6A51-4108-AA02-DFA0A04FC94B}">
-              <ma14:wrappingTextBoxFlag xmlns="" xmlns:m="http://schemas.openxmlformats.org/officeDocument/2006/math" xmlns:a14="http://schemas.microsoft.com/office/drawing/2010/main" xmlns:ma14="http://schemas.microsoft.com/office/mac/drawingml/2011/main" val="1"/>
+              <ma14:wrappingTextBoxFlag xmlns:ma14="http://schemas.microsoft.com/office/mac/drawingml/2011/main" xmlns:a14="http://schemas.microsoft.com/office/drawing/2010/main" xmlns:m="http://schemas.openxmlformats.org/officeDocument/2006/math" xmlns="" val="1"/>
             </a:ext>
           </a:extLst>
         </p:spPr>
@@ -2280,7 +2280,7 @@
           </a:ln>
           <a:extLst>
             <a:ext uri="{C572A759-6A51-4108-AA02-DFA0A04FC94B}">
-              <ma14:wrappingTextBoxFlag xmlns="" xmlns:m="http://schemas.openxmlformats.org/officeDocument/2006/math" xmlns:a14="http://schemas.microsoft.com/office/drawing/2010/main" xmlns:ma14="http://schemas.microsoft.com/office/mac/drawingml/2011/main" val="1"/>
+              <ma14:wrappingTextBoxFlag xmlns:ma14="http://schemas.microsoft.com/office/mac/drawingml/2011/main" xmlns:a14="http://schemas.microsoft.com/office/drawing/2010/main" xmlns:m="http://schemas.openxmlformats.org/officeDocument/2006/math" xmlns="" val="1"/>
             </a:ext>
           </a:extLst>
         </p:spPr>
@@ -4729,7 +4729,7 @@
           </a:ln>
           <a:extLst>
             <a:ext uri="{C572A759-6A51-4108-AA02-DFA0A04FC94B}">
-              <ma14:wrappingTextBoxFlag xmlns="" xmlns:m="http://schemas.openxmlformats.org/officeDocument/2006/math" xmlns:a14="http://schemas.microsoft.com/office/drawing/2010/main" xmlns:ma14="http://schemas.microsoft.com/office/mac/drawingml/2011/main" val="1"/>
+              <ma14:wrappingTextBoxFlag xmlns:ma14="http://schemas.microsoft.com/office/mac/drawingml/2011/main" xmlns:a14="http://schemas.microsoft.com/office/drawing/2010/main" xmlns:m="http://schemas.openxmlformats.org/officeDocument/2006/math" xmlns="" val="1"/>
             </a:ext>
           </a:extLst>
         </p:spPr>
@@ -4768,7 +4768,7 @@
           </a:ln>
           <a:extLst>
             <a:ext uri="{C572A759-6A51-4108-AA02-DFA0A04FC94B}">
-              <ma14:wrappingTextBoxFlag xmlns="" xmlns:m="http://schemas.openxmlformats.org/officeDocument/2006/math" xmlns:a14="http://schemas.microsoft.com/office/drawing/2010/main" xmlns:ma14="http://schemas.microsoft.com/office/mac/drawingml/2011/main" val="1"/>
+              <ma14:wrappingTextBoxFlag xmlns:ma14="http://schemas.microsoft.com/office/mac/drawingml/2011/main" xmlns:a14="http://schemas.microsoft.com/office/drawing/2010/main" xmlns:m="http://schemas.openxmlformats.org/officeDocument/2006/math" xmlns="" val="1"/>
             </a:ext>
           </a:extLst>
         </p:spPr>
@@ -6137,7 +6137,7 @@
           </a:ln>
           <a:extLst>
             <a:ext uri="{C572A759-6A51-4108-AA02-DFA0A04FC94B}">
-              <ma14:wrappingTextBoxFlag xmlns="" xmlns:m="http://schemas.openxmlformats.org/officeDocument/2006/math" xmlns:a14="http://schemas.microsoft.com/office/drawing/2010/main" xmlns:ma14="http://schemas.microsoft.com/office/mac/drawingml/2011/main" val="1"/>
+              <ma14:wrappingTextBoxFlag xmlns:ma14="http://schemas.microsoft.com/office/mac/drawingml/2011/main" xmlns:a14="http://schemas.microsoft.com/office/drawing/2010/main" xmlns:m="http://schemas.openxmlformats.org/officeDocument/2006/math" xmlns="" val="1"/>
             </a:ext>
           </a:extLst>
         </p:spPr>
@@ -6162,15 +6162,18 @@
             <a:pPr algn="ctr"/>
             <a:r>
               <a:rPr lang="fr-FR" dirty="0"/>
-              <a:t>Les points </a:t>
+              <a:t>Les points vidéo </a:t>
+            </a:r>
+          </a:p>
+          <a:p>
+            <a:pPr algn="ctr"/>
+            <a:r>
+              <a:rPr lang="fr-FR" dirty="0"/>
+              <a:t>identifiés par </a:t>
             </a:r>
             <a:r>
               <a:rPr lang="fr-FR" dirty="0" err="1"/>
-              <a:t>MoCap</a:t>
-            </a:r>
-            <a:r>
-              <a:rPr lang="fr-FR" dirty="0"/>
-              <a:t> 3D projetés sur le plan des personnes</a:t>
+              <a:t>OpenPose</a:t>
             </a:r>
             <a:endParaRPr dirty="0"/>
           </a:p>
@@ -6201,7 +6204,7 @@
           </a:ln>
           <a:extLst>
             <a:ext uri="{C572A759-6A51-4108-AA02-DFA0A04FC94B}">
-              <ma14:wrappingTextBoxFlag xmlns="" xmlns:m="http://schemas.openxmlformats.org/officeDocument/2006/math" xmlns:a14="http://schemas.microsoft.com/office/drawing/2010/main" xmlns:ma14="http://schemas.microsoft.com/office/mac/drawingml/2011/main" val="1"/>
+              <ma14:wrappingTextBoxFlag xmlns:ma14="http://schemas.microsoft.com/office/mac/drawingml/2011/main" xmlns:a14="http://schemas.microsoft.com/office/drawing/2010/main" xmlns:m="http://schemas.openxmlformats.org/officeDocument/2006/math" xmlns="" val="1"/>
             </a:ext>
           </a:extLst>
         </p:spPr>
@@ -6231,7 +6234,7 @@
             <a:r>
               <a:rPr lang="fr-FR" b="1" dirty="0">
                 <a:solidFill>
-                  <a:schemeClr val="accent2"/>
+                  <a:srgbClr val="FF0000"/>
                 </a:solidFill>
               </a:rPr>
               <a:t>vidéo</a:t>
@@ -6243,7 +6246,7 @@
             <a:r>
               <a:rPr lang="fr-FR" b="1" dirty="0" err="1">
                 <a:solidFill>
-                  <a:srgbClr val="FF0000"/>
+                  <a:srgbClr val="00B0F0"/>
                 </a:solidFill>
               </a:rPr>
               <a:t>MoCap</a:t>
@@ -6883,7 +6886,7 @@
           </a:ln>
           <a:extLst>
             <a:ext uri="{C572A759-6A51-4108-AA02-DFA0A04FC94B}">
-              <ma14:wrappingTextBoxFlag xmlns="" xmlns:m="http://schemas.openxmlformats.org/officeDocument/2006/math" xmlns:a14="http://schemas.microsoft.com/office/drawing/2010/main" xmlns:ma14="http://schemas.microsoft.com/office/mac/drawingml/2011/main" val="1"/>
+              <ma14:wrappingTextBoxFlag xmlns:ma14="http://schemas.microsoft.com/office/mac/drawingml/2011/main" xmlns:a14="http://schemas.microsoft.com/office/drawing/2010/main" xmlns:m="http://schemas.openxmlformats.org/officeDocument/2006/math" xmlns="" val="1"/>
             </a:ext>
           </a:extLst>
         </p:spPr>
@@ -6940,7 +6943,7 @@
           </a:ln>
           <a:extLst>
             <a:ext uri="{C572A759-6A51-4108-AA02-DFA0A04FC94B}">
-              <ma14:wrappingTextBoxFlag xmlns="" xmlns:m="http://schemas.openxmlformats.org/officeDocument/2006/math" xmlns:a14="http://schemas.microsoft.com/office/drawing/2010/main" xmlns:ma14="http://schemas.microsoft.com/office/mac/drawingml/2011/main" val="1"/>
+              <ma14:wrappingTextBoxFlag xmlns:ma14="http://schemas.microsoft.com/office/mac/drawingml/2011/main" xmlns:a14="http://schemas.microsoft.com/office/drawing/2010/main" xmlns:m="http://schemas.openxmlformats.org/officeDocument/2006/math" xmlns="" val="1"/>
             </a:ext>
           </a:extLst>
         </p:spPr>
@@ -6987,7 +6990,7 @@
           </a:ln>
           <a:extLst>
             <a:ext uri="{C572A759-6A51-4108-AA02-DFA0A04FC94B}">
-              <ma14:wrappingTextBoxFlag xmlns="" xmlns:m="http://schemas.openxmlformats.org/officeDocument/2006/math" xmlns:a14="http://schemas.microsoft.com/office/drawing/2010/main" xmlns:ma14="http://schemas.microsoft.com/office/mac/drawingml/2011/main" val="1"/>
+              <ma14:wrappingTextBoxFlag xmlns:ma14="http://schemas.microsoft.com/office/mac/drawingml/2011/main" xmlns:a14="http://schemas.microsoft.com/office/drawing/2010/main" xmlns:m="http://schemas.openxmlformats.org/officeDocument/2006/math" xmlns="" val="1"/>
             </a:ext>
           </a:extLst>
         </p:spPr>
